--- a/spring11/slides11/slides13w.pptx
+++ b/spring11/slides11/slides13w.pptx
@@ -2712,7 +2712,7 @@
             </a:r>
             <a:r>
               <a:rPr lang="en-US" dirty="0" smtClean="0"/>
-              <a:t> 14M.</a:t>
+              <a:t> 13W.</a:t>
             </a:r>
             <a:fld id="{E0767230-41DD-416C-94DF-B14AD9991E2A}" type="slidenum">
               <a:rPr lang="en-US" smtClean="0"/>
@@ -2886,7 +2886,7 @@
             </a:r>
             <a:r>
               <a:rPr lang="en-US" dirty="0" smtClean="0"/>
-              <a:t> 14M.</a:t>
+              <a:t> 13W.</a:t>
             </a:r>
             <a:fld id="{E78F4000-603A-43A9-9772-EA15786EFD2C}" type="slidenum">
               <a:rPr lang="en-US" smtClean="0"/>
@@ -3056,7 +3056,7 @@
             </a:r>
             <a:r>
               <a:rPr lang="en-US" dirty="0" smtClean="0"/>
-              <a:t> 14M.</a:t>
+              <a:t> 13W.</a:t>
             </a:r>
             <a:fld id="{BA91E300-87A6-4188-BA11-76F82726AEC3}" type="slidenum">
               <a:rPr lang="en-US" smtClean="0"/>
@@ -3315,7 +3315,7 @@
             </a:r>
             <a:r>
               <a:rPr lang="en-US" dirty="0" smtClean="0"/>
-              <a:t> 14M.</a:t>
+              <a:t> 13W.</a:t>
             </a:r>
             <a:fld id="{15742F82-D88E-406A-A73F-71903E81FC0B}" type="slidenum">
               <a:rPr lang="en-US" smtClean="0"/>
@@ -3409,7 +3409,7 @@
             </a:r>
             <a:r>
               <a:rPr lang="en-US" dirty="0" smtClean="0"/>
-              <a:t> 14M.</a:t>
+              <a:t> 13W.</a:t>
             </a:r>
             <a:fld id="{D9E7CF9A-E10E-4B43-BCF9-6C96C6375151}" type="slidenum">
               <a:rPr lang="en-US" smtClean="0"/>
@@ -3475,7 +3475,7 @@
             </a:r>
             <a:r>
               <a:rPr lang="en-US" dirty="0" smtClean="0"/>
-              <a:t> 14M.</a:t>
+              <a:t> 13W.</a:t>
             </a:r>
             <a:fld id="{8B2956E7-9AEE-4C6B-8C9B-08350367CE49}" type="slidenum">
               <a:rPr lang="en-US" smtClean="0"/>
@@ -3683,7 +3683,7 @@
             </a:r>
             <a:r>
               <a:rPr lang="en-US" dirty="0" smtClean="0"/>
-              <a:t> 14M.</a:t>
+              <a:t> 13W.</a:t>
             </a:r>
             <a:fld id="{47F8C8D3-6BDF-4148-BF9D-D4BC3120C380}" type="slidenum">
               <a:rPr lang="en-US" smtClean="0"/>
@@ -3891,7 +3891,11 @@
             </a:r>
             <a:r>
               <a:rPr lang="en-US" dirty="0" smtClean="0"/>
-              <a:t> 14M.</a:t>
+              <a:t> </a:t>
+            </a:r>
+            <a:r>
+              <a:rPr lang="en-US" dirty="0" smtClean="0"/>
+              <a:t>13W.</a:t>
             </a:r>
             <a:fld id="{F77891F4-FB37-431E-8CE5-4ACAD66CCEF9}" type="slidenum">
               <a:rPr lang="en-US" smtClean="0"/>
@@ -3987,7 +3991,22 @@
                 <a:uFillTx/>
                 <a:latin typeface="Comic Sans MS" pitchFamily="66" charset="0"/>
               </a:rPr>
-              <a:t>Albert R Meyer,            May 10, 2010</a:t>
+              <a:t>Albert R Meyer,            May</a:t>
+            </a:r>
+            <a:r>
+              <a:rPr kumimoji="0" lang="en-US" sz="1200" b="0" i="0" u="none" strike="noStrike" kern="1200" cap="none" spc="0" normalizeH="0" baseline="0" noProof="0" dirty="0" smtClean="0">
+                <a:ln>
+                  <a:noFill/>
+                </a:ln>
+                <a:solidFill>
+                  <a:schemeClr val="tx1"/>
+                </a:solidFill>
+                <a:effectLst/>
+                <a:uLnTx/>
+                <a:uFillTx/>
+                <a:latin typeface="Comic Sans MS" pitchFamily="66" charset="0"/>
+              </a:rPr>
+              <a:t> 4, 2011</a:t>
             </a:r>
             <a:endParaRPr kumimoji="0" lang="en-US" sz="1200" b="0" i="0" u="none" strike="noStrike" kern="1200" cap="none" spc="0" normalizeH="0" baseline="0" noProof="0" dirty="0">
               <a:ln>
@@ -4455,7 +4474,7 @@
             </a:r>
             <a:r>
               <a:rPr lang="en-US" dirty="0" smtClean="0"/>
-              <a:t> 14M.</a:t>
+              <a:t> 13W.</a:t>
             </a:r>
             <a:fld id="{4D4FE4C5-9DCA-4C40-8A94-526407169002}" type="slidenum">
               <a:rPr lang="en-US" smtClean="0"/>
@@ -4786,7 +4805,7 @@
             </a:r>
             <a:r>
               <a:rPr lang="en-US" dirty="0" smtClean="0"/>
-              <a:t> 14M.</a:t>
+              <a:t> 13W.</a:t>
             </a:r>
             <a:fld id="{E78F4000-603A-43A9-9772-EA15786EFD2C}" type="slidenum">
               <a:rPr lang="en-US" smtClean="0"/>
@@ -5091,7 +5110,7 @@
             </a:r>
             <a:r>
               <a:rPr lang="en-US" dirty="0" smtClean="0"/>
-              <a:t> 14M.</a:t>
+              <a:t> 13W.</a:t>
             </a:r>
             <a:fld id="{AB032E80-4924-4C32-A61E-EE294C645BF5}" type="slidenum">
               <a:rPr lang="en-US" smtClean="0"/>
@@ -5588,7 +5607,7 @@
             </a:r>
             <a:r>
               <a:rPr lang="en-US" dirty="0" smtClean="0"/>
-              <a:t> 14M.</a:t>
+              <a:t> 13W.</a:t>
             </a:r>
             <a:fld id="{E78F4000-603A-43A9-9772-EA15786EFD2C}" type="slidenum">
               <a:rPr lang="en-US" smtClean="0"/>
@@ -6176,7 +6195,7 @@
             </a:r>
             <a:r>
               <a:rPr lang="en-US" dirty="0" smtClean="0"/>
-              <a:t> 14M.</a:t>
+              <a:t> 13W.</a:t>
             </a:r>
             <a:fld id="{AB032E80-4924-4C32-A61E-EE294C645BF5}" type="slidenum">
               <a:rPr lang="en-US" smtClean="0"/>
@@ -6473,7 +6492,7 @@
             </a:r>
             <a:r>
               <a:rPr lang="en-US" dirty="0" smtClean="0"/>
-              <a:t> 14M.</a:t>
+              <a:t> 13W.</a:t>
             </a:r>
             <a:fld id="{8372F5CC-0D0C-42AC-A06F-FCD924AC2FB1}" type="slidenum">
               <a:rPr lang="en-US" smtClean="0"/>
@@ -6799,7 +6818,7 @@
             </a:r>
             <a:r>
               <a:rPr lang="en-US" dirty="0" smtClean="0"/>
-              <a:t> 14M.</a:t>
+              <a:t> 13W.</a:t>
             </a:r>
             <a:fld id="{96B5C7C7-3FC0-4B55-9934-A080551106BF}" type="slidenum">
               <a:rPr lang="en-US" smtClean="0"/>
@@ -7961,7 +7980,7 @@
             </a:r>
             <a:r>
               <a:rPr lang="en-US" dirty="0" smtClean="0"/>
-              <a:t> 14M.</a:t>
+              <a:t> 13W.</a:t>
             </a:r>
             <a:fld id="{B6100CB1-975D-41F5-9A6C-8F34E133D00A}" type="slidenum">
               <a:rPr lang="en-US" smtClean="0"/>
@@ -8315,7 +8334,7 @@
             </a:r>
             <a:r>
               <a:rPr lang="en-US" dirty="0" smtClean="0"/>
-              <a:t> 14M.</a:t>
+              <a:t> 13W.</a:t>
             </a:r>
             <a:fld id="{4A7F8015-3123-4EEE-BF99-E293B8DB1805}" type="slidenum">
               <a:rPr lang="en-US" smtClean="0"/>
@@ -8893,7 +8912,7 @@
             </a:r>
             <a:r>
               <a:rPr lang="en-US" dirty="0" smtClean="0"/>
-              <a:t> 14M.</a:t>
+              <a:t> 13W.</a:t>
             </a:r>
             <a:fld id="{4A7F8015-3123-4EEE-BF99-E293B8DB1805}" type="slidenum">
               <a:rPr lang="en-US" smtClean="0"/>
@@ -9436,7 +9455,7 @@
             </a:r>
             <a:r>
               <a:rPr lang="en-US" dirty="0" smtClean="0"/>
-              <a:t> 14M.</a:t>
+              <a:t> 13W.</a:t>
             </a:r>
             <a:fld id="{FE75FCEF-2C00-453D-8F19-57E1BCE16A7F}" type="slidenum">
               <a:rPr lang="en-US" smtClean="0"/>
@@ -10035,7 +10054,7 @@
             </a:r>
             <a:r>
               <a:rPr lang="en-US" dirty="0" smtClean="0"/>
-              <a:t> 14M.</a:t>
+              <a:t> 13W.</a:t>
             </a:r>
             <a:fld id="{C54485E2-983F-4808-AAAD-1595DDE4A774}" type="slidenum">
               <a:rPr lang="en-US" smtClean="0"/>
@@ -10763,7 +10782,7 @@
             </a:r>
             <a:r>
               <a:rPr lang="en-US" dirty="0" smtClean="0"/>
-              <a:t> 14M.</a:t>
+              <a:t> 13W.</a:t>
             </a:r>
             <a:fld id="{FE75FCEF-2C00-453D-8F19-57E1BCE16A7F}" type="slidenum">
               <a:rPr lang="en-US" smtClean="0"/>
@@ -11487,7 +11506,7 @@
             </a:r>
             <a:r>
               <a:rPr lang="en-US" dirty="0" smtClean="0"/>
-              <a:t> 14M.</a:t>
+              <a:t> 13W.</a:t>
             </a:r>
             <a:fld id="{E78F4000-603A-43A9-9772-EA15786EFD2C}" type="slidenum">
               <a:rPr lang="en-US" smtClean="0"/>
@@ -11795,8 +11814,9 @@
             </a:r>
             <a:r>
               <a:rPr lang="en-US" sz="10600" dirty="0" smtClean="0"/>
-              <a:t>4</a:t>
-            </a:r>
+              <a:t>3</a:t>
+            </a:r>
+            <a:endParaRPr lang="en-US" sz="10600" dirty="0" smtClean="0"/>
           </a:p>
         </p:txBody>
       </p:sp>
@@ -11824,7 +11844,7 @@
             </a:r>
             <a:r>
               <a:rPr lang="en-US" dirty="0" smtClean="0"/>
-              <a:t> 14M.</a:t>
+              <a:t> 13W.</a:t>
             </a:r>
             <a:fld id="{A714B8FE-0580-4ED6-8597-F3A3D6623F8A}" type="slidenum">
               <a:rPr lang="en-US" smtClean="0"/>
@@ -11896,7 +11916,7 @@
             </a:r>
             <a:r>
               <a:rPr lang="en-US" dirty="0" smtClean="0"/>
-              <a:t> 14M.</a:t>
+              <a:t> 13W.</a:t>
             </a:r>
             <a:fld id="{46D21BB0-6D03-4034-A4DE-775A83495C78}" type="slidenum">
               <a:rPr lang="en-US" smtClean="0"/>
@@ -12179,7 +12199,7 @@
             </a:r>
             <a:r>
               <a:rPr lang="en-US" dirty="0" smtClean="0"/>
-              <a:t> 14M.</a:t>
+              <a:t> 13W.</a:t>
             </a:r>
             <a:fld id="{23578D71-BE5D-4BBF-9B59-FB73E190AF0C}" type="slidenum">
               <a:rPr lang="en-US" smtClean="0"/>
@@ -13006,6 +13026,48 @@
           </a:graphicData>
         </a:graphic>
       </p:graphicFrame>
+      <p:sp>
+        <p:nvSpPr>
+          <p:cNvPr id="8" name="Slide Number Placeholder 3"/>
+          <p:cNvSpPr>
+            <a:spLocks noGrp="1"/>
+          </p:cNvSpPr>
+          <p:nvPr>
+            <p:ph type="sldNum" sz="quarter" idx="10"/>
+          </p:nvPr>
+        </p:nvSpPr>
+        <p:spPr>
+          <a:xfrm>
+            <a:off x="7696200" y="6629400"/>
+            <a:ext cx="1447800" cy="228600"/>
+          </a:xfrm>
+        </p:spPr>
+        <p:txBody>
+          <a:bodyPr/>
+          <a:lstStyle/>
+          <a:p>
+            <a:pPr>
+              <a:defRPr/>
+            </a:pPr>
+            <a:r>
+              <a:rPr lang="en-US" dirty="0" err="1"/>
+              <a:t>lec</a:t>
+            </a:r>
+            <a:r>
+              <a:rPr lang="en-US" dirty="0" smtClean="0"/>
+              <a:t> 13W.</a:t>
+            </a:r>
+            <a:fld id="{AB032E80-4924-4C32-A61E-EE294C645BF5}" type="slidenum">
+              <a:rPr lang="en-US" smtClean="0"/>
+              <a:pPr>
+                <a:defRPr/>
+              </a:pPr>
+              <a:t>5</a:t>
+            </a:fld>
+            <a:endParaRPr lang="en-US" dirty="0"/>
+          </a:p>
+        </p:txBody>
+      </p:sp>
     </p:spTree>
   </p:cSld>
   <p:clrMapOvr>
@@ -13513,6 +13575,48 @@
           </a:graphicData>
         </a:graphic>
       </p:graphicFrame>
+      <p:sp>
+        <p:nvSpPr>
+          <p:cNvPr id="8" name="Slide Number Placeholder 3"/>
+          <p:cNvSpPr>
+            <a:spLocks noGrp="1"/>
+          </p:cNvSpPr>
+          <p:nvPr>
+            <p:ph type="sldNum" sz="quarter" idx="10"/>
+          </p:nvPr>
+        </p:nvSpPr>
+        <p:spPr>
+          <a:xfrm>
+            <a:off x="7696200" y="6629400"/>
+            <a:ext cx="1447800" cy="228600"/>
+          </a:xfrm>
+        </p:spPr>
+        <p:txBody>
+          <a:bodyPr/>
+          <a:lstStyle/>
+          <a:p>
+            <a:pPr>
+              <a:defRPr/>
+            </a:pPr>
+            <a:r>
+              <a:rPr lang="en-US" dirty="0" err="1"/>
+              <a:t>lec</a:t>
+            </a:r>
+            <a:r>
+              <a:rPr lang="en-US" dirty="0" smtClean="0"/>
+              <a:t> 13W.</a:t>
+            </a:r>
+            <a:fld id="{AB032E80-4924-4C32-A61E-EE294C645BF5}" type="slidenum">
+              <a:rPr lang="en-US" smtClean="0"/>
+              <a:pPr>
+                <a:defRPr/>
+              </a:pPr>
+              <a:t>6</a:t>
+            </a:fld>
+            <a:endParaRPr lang="en-US" dirty="0"/>
+          </a:p>
+        </p:txBody>
+      </p:sp>
     </p:spTree>
   </p:cSld>
   <p:clrMapOvr>
@@ -13572,7 +13676,7 @@
             </a:r>
             <a:r>
               <a:rPr lang="en-US" dirty="0" smtClean="0"/>
-              <a:t> 14M.</a:t>
+              <a:t> 13W.</a:t>
             </a:r>
             <a:fld id="{8372F5CC-0D0C-42AC-A06F-FCD924AC2FB1}" type="slidenum">
               <a:rPr lang="en-US" smtClean="0"/>
@@ -13901,7 +14005,7 @@
             </a:r>
             <a:r>
               <a:rPr lang="en-US" dirty="0" smtClean="0"/>
-              <a:t> 14M.</a:t>
+              <a:t> 13W.</a:t>
             </a:r>
             <a:fld id="{E78F4000-603A-43A9-9772-EA15786EFD2C}" type="slidenum">
               <a:rPr lang="en-US" smtClean="0"/>
@@ -14195,7 +14299,7 @@
             </a:r>
             <a:r>
               <a:rPr lang="en-US" dirty="0" smtClean="0"/>
-              <a:t> 14M.</a:t>
+              <a:t> 13W.</a:t>
             </a:r>
             <a:fld id="{E78F4000-603A-43A9-9772-EA15786EFD2C}" type="slidenum">
               <a:rPr lang="en-US" smtClean="0"/>

--- a/spring11/slides11/slides13w.pptx
+++ b/spring11/slides11/slides13w.pptx
@@ -5,79 +5,80 @@
     <p:sldMasterId id="2147483649" r:id="rId1"/>
   </p:sldMasterIdLst>
   <p:notesMasterIdLst>
-    <p:notesMasterId r:id="rId24"/>
+    <p:notesMasterId r:id="rId25"/>
   </p:notesMasterIdLst>
   <p:handoutMasterIdLst>
-    <p:handoutMasterId r:id="rId25"/>
+    <p:handoutMasterId r:id="rId26"/>
   </p:handoutMasterIdLst>
   <p:sldIdLst>
     <p:sldId id="454" r:id="rId2"/>
     <p:sldId id="396" r:id="rId3"/>
     <p:sldId id="397" r:id="rId4"/>
     <p:sldId id="398" r:id="rId5"/>
-    <p:sldId id="495" r:id="rId6"/>
-    <p:sldId id="504" r:id="rId7"/>
-    <p:sldId id="503" r:id="rId8"/>
-    <p:sldId id="496" r:id="rId9"/>
-    <p:sldId id="497" r:id="rId10"/>
-    <p:sldId id="501" r:id="rId11"/>
-    <p:sldId id="419" r:id="rId12"/>
-    <p:sldId id="505" r:id="rId13"/>
-    <p:sldId id="502" r:id="rId14"/>
-    <p:sldId id="401" r:id="rId15"/>
-    <p:sldId id="488" r:id="rId16"/>
-    <p:sldId id="413" r:id="rId17"/>
-    <p:sldId id="506" r:id="rId18"/>
-    <p:sldId id="489" r:id="rId19"/>
-    <p:sldId id="422" r:id="rId20"/>
-    <p:sldId id="490" r:id="rId21"/>
-    <p:sldId id="485" r:id="rId22"/>
-    <p:sldId id="471" r:id="rId23"/>
+    <p:sldId id="508" r:id="rId6"/>
+    <p:sldId id="512" r:id="rId7"/>
+    <p:sldId id="504" r:id="rId8"/>
+    <p:sldId id="503" r:id="rId9"/>
+    <p:sldId id="496" r:id="rId10"/>
+    <p:sldId id="497" r:id="rId11"/>
+    <p:sldId id="501" r:id="rId12"/>
+    <p:sldId id="419" r:id="rId13"/>
+    <p:sldId id="505" r:id="rId14"/>
+    <p:sldId id="502" r:id="rId15"/>
+    <p:sldId id="401" r:id="rId16"/>
+    <p:sldId id="488" r:id="rId17"/>
+    <p:sldId id="413" r:id="rId18"/>
+    <p:sldId id="506" r:id="rId19"/>
+    <p:sldId id="489" r:id="rId20"/>
+    <p:sldId id="422" r:id="rId21"/>
+    <p:sldId id="490" r:id="rId22"/>
+    <p:sldId id="485" r:id="rId23"/>
+    <p:sldId id="471" r:id="rId24"/>
   </p:sldIdLst>
   <p:sldSz cx="9144000" cy="6858000" type="screen4x3"/>
   <p:notesSz cx="7315200" cy="9601200"/>
   <p:embeddedFontLst>
     <p:embeddedFont>
       <p:font typeface="Comic Sans MS"/>
-      <p:regular r:id="rId26"/>
-      <p:bold r:id="rId27"/>
+      <p:regular r:id="rId27"/>
+      <p:bold r:id="rId28"/>
     </p:embeddedFont>
     <p:embeddedFont>
       <p:font typeface="Euclid Symbol" charset="2"/>
-      <p:regular r:id="rId28"/>
-      <p:bold r:id="rId29"/>
-      <p:italic r:id="rId30"/>
-      <p:boldItalic r:id="rId31"/>
+      <p:regular r:id="rId29"/>
+      <p:bold r:id="rId30"/>
+      <p:italic r:id="rId31"/>
+      <p:boldItalic r:id="rId32"/>
     </p:embeddedFont>
     <p:embeddedFont>
       <p:font typeface="Euclid Math One" charset="2"/>
-      <p:regular r:id="rId32"/>
-      <p:bold r:id="rId33"/>
+      <p:regular r:id="rId33"/>
+      <p:bold r:id="rId34"/>
     </p:embeddedFont>
     <p:embeddedFont>
       <p:font typeface="Euclid"/>
-      <p:regular r:id="rId34"/>
-      <p:bold r:id="rId35"/>
-      <p:italic r:id="rId36"/>
-      <p:boldItalic r:id="rId37"/>
+      <p:regular r:id="rId35"/>
+      <p:bold r:id="rId36"/>
+      <p:italic r:id="rId37"/>
+      <p:boldItalic r:id="rId38"/>
     </p:embeddedFont>
     <p:embeddedFont>
       <p:font typeface="Agency FB"/>
-      <p:regular r:id="rId38"/>
-      <p:bold r:id="rId39"/>
+      <p:regular r:id="rId39"/>
+      <p:bold r:id="rId40"/>
     </p:embeddedFont>
     <p:embeddedFont>
       <p:font typeface="cmsy10"/>
-      <p:regular r:id="rId40"/>
+      <p:regular r:id="rId41"/>
     </p:embeddedFont>
     <p:embeddedFont>
       <p:font typeface="Euclid Extra" charset="2"/>
-      <p:regular r:id="rId41"/>
-      <p:bold r:id="rId42"/>
+      <p:regular r:id="rId42"/>
+      <p:bold r:id="rId43"/>
     </p:embeddedFont>
   </p:embeddedFontLst>
   <p:custDataLst>
-    <p:tags r:id="rId44"/>
+    <p:tags r:id="rId45"/>
   </p:custDataLst>
   <p:defaultTextStyle>
     <a:defPPr>
@@ -1002,7 +1003,7 @@
       </p:grpSpPr>
       <p:sp>
         <p:nvSpPr>
-          <p:cNvPr id="67586" name="Rectangle 7"/>
+          <p:cNvPr id="65538" name="Rectangle 7"/>
           <p:cNvSpPr>
             <a:spLocks noGrp="1" noChangeArrowheads="1"/>
           </p:cNvSpPr>
@@ -1017,7 +1018,7 @@
           <a:bodyPr/>
           <a:lstStyle/>
           <a:p>
-            <a:fld id="{E3BE4A3C-F987-429B-B377-5CCDE63293A8}" type="slidenum">
+            <a:fld id="{646C2701-C5C4-4F94-818A-FBFE13509125}" type="slidenum">
               <a:rPr lang="en-US" smtClean="0">
                 <a:latin typeface="Arial" charset="0"/>
               </a:rPr>
@@ -1032,7 +1033,7 @@
       </p:sp>
       <p:sp>
         <p:nvSpPr>
-          <p:cNvPr id="67587" name="Rectangle 2"/>
+          <p:cNvPr id="65539" name="Rectangle 2"/>
           <p:cNvSpPr>
             <a:spLocks noGrp="1" noRot="1" noChangeAspect="1" noChangeArrowheads="1" noTextEdit="1"/>
           </p:cNvSpPr>
@@ -1046,7 +1047,7 @@
       </p:sp>
       <p:sp>
         <p:nvSpPr>
-          <p:cNvPr id="67588" name="Rectangle 3"/>
+          <p:cNvPr id="65540" name="Rectangle 3"/>
           <p:cNvSpPr>
             <a:spLocks noGrp="1" noChangeArrowheads="1"/>
           </p:cNvSpPr>
@@ -1096,7 +1097,7 @@
       </p:grpSpPr>
       <p:sp>
         <p:nvSpPr>
-          <p:cNvPr id="69634" name="Rectangle 7"/>
+          <p:cNvPr id="67586" name="Rectangle 7"/>
           <p:cNvSpPr>
             <a:spLocks noGrp="1" noChangeArrowheads="1"/>
           </p:cNvSpPr>
@@ -1111,7 +1112,7 @@
           <a:bodyPr/>
           <a:lstStyle/>
           <a:p>
-            <a:fld id="{B656271B-90D1-4EEB-A9C3-C58AB99790EE}" type="slidenum">
+            <a:fld id="{E3BE4A3C-F987-429B-B377-5CCDE63293A8}" type="slidenum">
               <a:rPr lang="en-US" smtClean="0">
                 <a:latin typeface="Arial" charset="0"/>
               </a:rPr>
@@ -1126,7 +1127,7 @@
       </p:sp>
       <p:sp>
         <p:nvSpPr>
-          <p:cNvPr id="69635" name="Rectangle 2"/>
+          <p:cNvPr id="67587" name="Rectangle 2"/>
           <p:cNvSpPr>
             <a:spLocks noGrp="1" noRot="1" noChangeAspect="1" noChangeArrowheads="1" noTextEdit="1"/>
           </p:cNvSpPr>
@@ -1140,7 +1141,7 @@
       </p:sp>
       <p:sp>
         <p:nvSpPr>
-          <p:cNvPr id="69636" name="Rectangle 3"/>
+          <p:cNvPr id="67588" name="Rectangle 3"/>
           <p:cNvSpPr>
             <a:spLocks noGrp="1" noChangeArrowheads="1"/>
           </p:cNvSpPr>
@@ -1190,7 +1191,7 @@
       </p:grpSpPr>
       <p:sp>
         <p:nvSpPr>
-          <p:cNvPr id="70658" name="Rectangle 7"/>
+          <p:cNvPr id="69634" name="Rectangle 7"/>
           <p:cNvSpPr>
             <a:spLocks noGrp="1" noChangeArrowheads="1"/>
           </p:cNvSpPr>
@@ -1205,7 +1206,7 @@
           <a:bodyPr/>
           <a:lstStyle/>
           <a:p>
-            <a:fld id="{7CC9EB05-1C43-48AF-B618-537D2B3DD42D}" type="slidenum">
+            <a:fld id="{B656271B-90D1-4EEB-A9C3-C58AB99790EE}" type="slidenum">
               <a:rPr lang="en-US" smtClean="0">
                 <a:latin typeface="Arial" charset="0"/>
               </a:rPr>
@@ -1220,7 +1221,7 @@
       </p:sp>
       <p:sp>
         <p:nvSpPr>
-          <p:cNvPr id="70659" name="Rectangle 2"/>
+          <p:cNvPr id="69635" name="Rectangle 2"/>
           <p:cNvSpPr>
             <a:spLocks noGrp="1" noRot="1" noChangeAspect="1" noChangeArrowheads="1" noTextEdit="1"/>
           </p:cNvSpPr>
@@ -1234,7 +1235,7 @@
       </p:sp>
       <p:sp>
         <p:nvSpPr>
-          <p:cNvPr id="70660" name="Rectangle 3"/>
+          <p:cNvPr id="69636" name="Rectangle 3"/>
           <p:cNvSpPr>
             <a:spLocks noGrp="1" noChangeArrowheads="1"/>
           </p:cNvSpPr>
@@ -1284,7 +1285,7 @@
       </p:grpSpPr>
       <p:sp>
         <p:nvSpPr>
-          <p:cNvPr id="71682" name="Rectangle 7"/>
+          <p:cNvPr id="70658" name="Rectangle 7"/>
           <p:cNvSpPr>
             <a:spLocks noGrp="1" noChangeArrowheads="1"/>
           </p:cNvSpPr>
@@ -1299,7 +1300,7 @@
           <a:bodyPr/>
           <a:lstStyle/>
           <a:p>
-            <a:fld id="{0CEF6F92-C0CF-4F5E-AB63-5A19019BBFC5}" type="slidenum">
+            <a:fld id="{7CC9EB05-1C43-48AF-B618-537D2B3DD42D}" type="slidenum">
               <a:rPr lang="en-US" smtClean="0">
                 <a:latin typeface="Arial" charset="0"/>
               </a:rPr>
@@ -1314,7 +1315,7 @@
       </p:sp>
       <p:sp>
         <p:nvSpPr>
-          <p:cNvPr id="71683" name="Rectangle 2"/>
+          <p:cNvPr id="70659" name="Rectangle 2"/>
           <p:cNvSpPr>
             <a:spLocks noGrp="1" noRot="1" noChangeAspect="1" noChangeArrowheads="1" noTextEdit="1"/>
           </p:cNvSpPr>
@@ -1328,7 +1329,7 @@
       </p:sp>
       <p:sp>
         <p:nvSpPr>
-          <p:cNvPr id="71684" name="Rectangle 3"/>
+          <p:cNvPr id="70660" name="Rectangle 3"/>
           <p:cNvSpPr>
             <a:spLocks noGrp="1" noChangeArrowheads="1"/>
           </p:cNvSpPr>
@@ -1472,7 +1473,7 @@
       </p:grpSpPr>
       <p:sp>
         <p:nvSpPr>
-          <p:cNvPr id="72706" name="Rectangle 7"/>
+          <p:cNvPr id="71682" name="Rectangle 7"/>
           <p:cNvSpPr>
             <a:spLocks noGrp="1" noChangeArrowheads="1"/>
           </p:cNvSpPr>
@@ -1487,7 +1488,7 @@
           <a:bodyPr/>
           <a:lstStyle/>
           <a:p>
-            <a:fld id="{7901F982-AFE8-4DF3-92B6-756DCF784EAE}" type="slidenum">
+            <a:fld id="{0CEF6F92-C0CF-4F5E-AB63-5A19019BBFC5}" type="slidenum">
               <a:rPr lang="en-US" smtClean="0">
                 <a:latin typeface="Arial" charset="0"/>
               </a:rPr>
@@ -1502,7 +1503,7 @@
       </p:sp>
       <p:sp>
         <p:nvSpPr>
-          <p:cNvPr id="72707" name="Rectangle 2"/>
+          <p:cNvPr id="71683" name="Rectangle 2"/>
           <p:cNvSpPr>
             <a:spLocks noGrp="1" noRot="1" noChangeAspect="1" noChangeArrowheads="1" noTextEdit="1"/>
           </p:cNvSpPr>
@@ -1516,7 +1517,7 @@
       </p:sp>
       <p:sp>
         <p:nvSpPr>
-          <p:cNvPr id="72708" name="Rectangle 3"/>
+          <p:cNvPr id="71684" name="Rectangle 3"/>
           <p:cNvSpPr>
             <a:spLocks noGrp="1" noChangeArrowheads="1"/>
           </p:cNvSpPr>
@@ -1660,63 +1661,70 @@
       </p:grpSpPr>
       <p:sp>
         <p:nvSpPr>
-          <p:cNvPr id="2" name="Slide Image Placeholder 1"/>
+          <p:cNvPr id="72706" name="Rectangle 7"/>
           <p:cNvSpPr>
-            <a:spLocks noGrp="1" noRot="1" noChangeAspect="1"/>
+            <a:spLocks noGrp="1" noChangeArrowheads="1"/>
+          </p:cNvSpPr>
+          <p:nvPr>
+            <p:ph type="sldNum" sz="quarter" idx="5"/>
+          </p:nvPr>
+        </p:nvSpPr>
+        <p:spPr>
+          <a:noFill/>
+        </p:spPr>
+        <p:txBody>
+          <a:bodyPr/>
+          <a:lstStyle/>
+          <a:p>
+            <a:fld id="{7901F982-AFE8-4DF3-92B6-756DCF784EAE}" type="slidenum">
+              <a:rPr lang="en-US" smtClean="0">
+                <a:latin typeface="Arial" charset="0"/>
+              </a:rPr>
+              <a:pPr/>
+              <a:t>21</a:t>
+            </a:fld>
+            <a:endParaRPr lang="en-US" smtClean="0">
+              <a:latin typeface="Arial" charset="0"/>
+            </a:endParaRPr>
+          </a:p>
+        </p:txBody>
+      </p:sp>
+      <p:sp>
+        <p:nvSpPr>
+          <p:cNvPr id="72707" name="Rectangle 2"/>
+          <p:cNvSpPr>
+            <a:spLocks noGrp="1" noRot="1" noChangeAspect="1" noChangeArrowheads="1" noTextEdit="1"/>
           </p:cNvSpPr>
           <p:nvPr>
             <p:ph type="sldImg"/>
           </p:nvPr>
         </p:nvSpPr>
-        <p:spPr/>
-      </p:sp>
-      <p:sp>
-        <p:nvSpPr>
-          <p:cNvPr id="3" name="Notes Placeholder 2"/>
+        <p:spPr>
+          <a:ln/>
+        </p:spPr>
+      </p:sp>
+      <p:sp>
+        <p:nvSpPr>
+          <p:cNvPr id="72708" name="Rectangle 3"/>
           <p:cNvSpPr>
-            <a:spLocks noGrp="1"/>
+            <a:spLocks noGrp="1" noChangeArrowheads="1"/>
           </p:cNvSpPr>
           <p:nvPr>
             <p:ph type="body" idx="1"/>
           </p:nvPr>
         </p:nvSpPr>
-        <p:spPr/>
-        <p:txBody>
-          <a:bodyPr>
-            <a:normAutofit/>
-          </a:bodyPr>
-          <a:lstStyle/>
-          <a:p>
-            <a:endParaRPr lang="en-US"/>
-          </a:p>
-        </p:txBody>
-      </p:sp>
-      <p:sp>
-        <p:nvSpPr>
-          <p:cNvPr id="4" name="Slide Number Placeholder 3"/>
-          <p:cNvSpPr>
-            <a:spLocks noGrp="1"/>
-          </p:cNvSpPr>
-          <p:nvPr>
-            <p:ph type="sldNum" sz="quarter" idx="10"/>
-          </p:nvPr>
-        </p:nvSpPr>
-        <p:spPr/>
+        <p:spPr>
+          <a:noFill/>
+          <a:ln/>
+        </p:spPr>
         <p:txBody>
           <a:bodyPr/>
           <a:lstStyle/>
           <a:p>
-            <a:pPr>
-              <a:defRPr/>
-            </a:pPr>
-            <a:fld id="{441E3F6F-A8F9-4C39-8C62-F077DEAEAA0F}" type="slidenum">
-              <a:rPr lang="en-US" smtClean="0"/>
-              <a:pPr>
-                <a:defRPr/>
-              </a:pPr>
-              <a:t>21</a:t>
-            </a:fld>
-            <a:endParaRPr lang="en-US"/>
+            <a:pPr eaLnBrk="1" hangingPunct="1"/>
+            <a:endParaRPr lang="en-US" smtClean="0">
+              <a:latin typeface="Arial" charset="0"/>
+            </a:endParaRPr>
           </a:p>
         </p:txBody>
       </p:sp>
@@ -1747,6 +1755,93 @@
       </p:grpSpPr>
       <p:sp>
         <p:nvSpPr>
+          <p:cNvPr id="2" name="Slide Image Placeholder 1"/>
+          <p:cNvSpPr>
+            <a:spLocks noGrp="1" noRot="1" noChangeAspect="1"/>
+          </p:cNvSpPr>
+          <p:nvPr>
+            <p:ph type="sldImg"/>
+          </p:nvPr>
+        </p:nvSpPr>
+        <p:spPr/>
+      </p:sp>
+      <p:sp>
+        <p:nvSpPr>
+          <p:cNvPr id="3" name="Notes Placeholder 2"/>
+          <p:cNvSpPr>
+            <a:spLocks noGrp="1"/>
+          </p:cNvSpPr>
+          <p:nvPr>
+            <p:ph type="body" idx="1"/>
+          </p:nvPr>
+        </p:nvSpPr>
+        <p:spPr/>
+        <p:txBody>
+          <a:bodyPr>
+            <a:normAutofit/>
+          </a:bodyPr>
+          <a:lstStyle/>
+          <a:p>
+            <a:endParaRPr lang="en-US"/>
+          </a:p>
+        </p:txBody>
+      </p:sp>
+      <p:sp>
+        <p:nvSpPr>
+          <p:cNvPr id="4" name="Slide Number Placeholder 3"/>
+          <p:cNvSpPr>
+            <a:spLocks noGrp="1"/>
+          </p:cNvSpPr>
+          <p:nvPr>
+            <p:ph type="sldNum" sz="quarter" idx="10"/>
+          </p:nvPr>
+        </p:nvSpPr>
+        <p:spPr/>
+        <p:txBody>
+          <a:bodyPr/>
+          <a:lstStyle/>
+          <a:p>
+            <a:pPr>
+              <a:defRPr/>
+            </a:pPr>
+            <a:fld id="{441E3F6F-A8F9-4C39-8C62-F077DEAEAA0F}" type="slidenum">
+              <a:rPr lang="en-US" smtClean="0"/>
+              <a:pPr>
+                <a:defRPr/>
+              </a:pPr>
+              <a:t>22</a:t>
+            </a:fld>
+            <a:endParaRPr lang="en-US"/>
+          </a:p>
+        </p:txBody>
+      </p:sp>
+    </p:spTree>
+  </p:cSld>
+  <p:clrMapOvr>
+    <a:masterClrMapping/>
+  </p:clrMapOvr>
+</p:notes>
+</file>
+
+<file path=ppt/notesSlides/notesSlide19.xml><?xml version="1.0" encoding="utf-8"?>
+<p:notes xmlns:a="http://schemas.openxmlformats.org/drawingml/2006/main" xmlns:r="http://schemas.openxmlformats.org/officeDocument/2006/relationships" xmlns:mc="http://schemas.openxmlformats.org/markup-compatibility/2006" xmlns:mv="urn:schemas-microsoft-com:mac:vml" xmlns:p="http://schemas.openxmlformats.org/presentationml/2006/main" mc:Ignorable="mv" mc:PreserveAttributes="mv:*">
+  <p:cSld>
+    <p:spTree>
+      <p:nvGrpSpPr>
+        <p:cNvPr id="1" name=""/>
+        <p:cNvGrpSpPr/>
+        <p:nvPr/>
+      </p:nvGrpSpPr>
+      <p:grpSpPr>
+        <a:xfrm>
+          <a:off x="0" y="0"/>
+          <a:ext cx="0" cy="0"/>
+          <a:chOff x="0" y="0"/>
+          <a:chExt cx="0" cy="0"/>
+        </a:xfrm>
+      </p:grpSpPr>
+      <p:sp>
+        <p:nvSpPr>
           <p:cNvPr id="76802" name="Rectangle 7"/>
           <p:cNvSpPr>
             <a:spLocks noGrp="1" noChangeArrowheads="1"/>
@@ -1767,7 +1862,7 @@
                 <a:latin typeface="Arial" charset="0"/>
               </a:rPr>
               <a:pPr/>
-              <a:t>22</a:t>
+              <a:t>23</a:t>
             </a:fld>
             <a:endParaRPr lang="en-US" smtClean="0">
               <a:latin typeface="Arial" charset="0"/>
@@ -2311,7 +2406,7 @@
       </p:grpSpPr>
       <p:sp>
         <p:nvSpPr>
-          <p:cNvPr id="67586" name="Rectangle 7"/>
+          <p:cNvPr id="7" name="Rectangle 7"/>
           <p:cNvSpPr>
             <a:spLocks noGrp="1" noChangeArrowheads="1"/>
           </p:cNvSpPr>
@@ -2320,28 +2415,24 @@
           </p:nvPr>
         </p:nvSpPr>
         <p:spPr>
-          <a:noFill/>
+          <a:ln/>
         </p:spPr>
         <p:txBody>
           <a:bodyPr/>
           <a:lstStyle/>
           <a:p>
-            <a:fld id="{E3BE4A3C-F987-429B-B377-5CCDE63293A8}" type="slidenum">
-              <a:rPr lang="en-US" smtClean="0">
-                <a:latin typeface="Arial" charset="0"/>
-              </a:rPr>
+            <a:fld id="{58D02412-0501-4BDD-893A-9335BF29F723}" type="slidenum">
+              <a:rPr lang="en-US"/>
               <a:pPr/>
               <a:t>7</a:t>
             </a:fld>
-            <a:endParaRPr lang="en-US" smtClean="0">
-              <a:latin typeface="Arial" charset="0"/>
-            </a:endParaRPr>
+            <a:endParaRPr lang="en-US"/>
           </a:p>
         </p:txBody>
       </p:sp>
       <p:sp>
         <p:nvSpPr>
-          <p:cNvPr id="67587" name="Rectangle 2"/>
+          <p:cNvPr id="114690" name="Rectangle 2"/>
           <p:cNvSpPr>
             <a:spLocks noGrp="1" noRot="1" noChangeAspect="1" noChangeArrowheads="1" noTextEdit="1"/>
           </p:cNvSpPr>
@@ -2355,7 +2446,7 @@
       </p:sp>
       <p:sp>
         <p:nvSpPr>
-          <p:cNvPr id="67588" name="Rectangle 3"/>
+          <p:cNvPr id="114691" name="Rectangle 3"/>
           <p:cNvSpPr>
             <a:spLocks noGrp="1" noChangeArrowheads="1"/>
           </p:cNvSpPr>
@@ -2363,18 +2454,12 @@
             <p:ph type="body" idx="1"/>
           </p:nvPr>
         </p:nvSpPr>
-        <p:spPr>
-          <a:noFill/>
-          <a:ln/>
-        </p:spPr>
+        <p:spPr/>
         <p:txBody>
           <a:bodyPr/>
           <a:lstStyle/>
           <a:p>
-            <a:pPr eaLnBrk="1" hangingPunct="1"/>
-            <a:endParaRPr lang="en-US" smtClean="0">
-              <a:latin typeface="Arial" charset="0"/>
-            </a:endParaRPr>
+            <a:endParaRPr lang="en-US"/>
           </a:p>
         </p:txBody>
       </p:sp>
@@ -2405,7 +2490,7 @@
       </p:grpSpPr>
       <p:sp>
         <p:nvSpPr>
-          <p:cNvPr id="65538" name="Rectangle 7"/>
+          <p:cNvPr id="67586" name="Rectangle 7"/>
           <p:cNvSpPr>
             <a:spLocks noGrp="1" noChangeArrowheads="1"/>
           </p:cNvSpPr>
@@ -2420,12 +2505,12 @@
           <a:bodyPr/>
           <a:lstStyle/>
           <a:p>
-            <a:fld id="{646C2701-C5C4-4F94-818A-FBFE13509125}" type="slidenum">
+            <a:fld id="{E3BE4A3C-F987-429B-B377-5CCDE63293A8}" type="slidenum">
               <a:rPr lang="en-US" smtClean="0">
                 <a:latin typeface="Arial" charset="0"/>
               </a:rPr>
               <a:pPr/>
-              <a:t>11</a:t>
+              <a:t>8</a:t>
             </a:fld>
             <a:endParaRPr lang="en-US" smtClean="0">
               <a:latin typeface="Arial" charset="0"/>
@@ -2435,7 +2520,7 @@
       </p:sp>
       <p:sp>
         <p:nvSpPr>
-          <p:cNvPr id="65539" name="Rectangle 2"/>
+          <p:cNvPr id="67587" name="Rectangle 2"/>
           <p:cNvSpPr>
             <a:spLocks noGrp="1" noRot="1" noChangeAspect="1" noChangeArrowheads="1" noTextEdit="1"/>
           </p:cNvSpPr>
@@ -2449,7 +2534,7 @@
       </p:sp>
       <p:sp>
         <p:nvSpPr>
-          <p:cNvPr id="65540" name="Rectangle 3"/>
+          <p:cNvPr id="67588" name="Rectangle 3"/>
           <p:cNvSpPr>
             <a:spLocks noGrp="1" noChangeArrowheads="1"/>
           </p:cNvSpPr>
@@ -2519,7 +2604,7 @@
                 <a:latin typeface="Arial" charset="0"/>
               </a:rPr>
               <a:pPr/>
-              <a:t>13</a:t>
+              <a:t>12</a:t>
             </a:fld>
             <a:endParaRPr lang="en-US" smtClean="0">
               <a:latin typeface="Arial" charset="0"/>
@@ -3891,11 +3976,7 @@
             </a:r>
             <a:r>
               <a:rPr lang="en-US" dirty="0" smtClean="0"/>
-              <a:t> </a:t>
-            </a:r>
-            <a:r>
-              <a:rPr lang="en-US" dirty="0" smtClean="0"/>
-              <a:t>13W.</a:t>
+              <a:t> 13W.</a:t>
             </a:r>
             <a:fld id="{F77891F4-FB37-431E-8CE5-4ACAD66CCEF9}" type="slidenum">
               <a:rPr lang="en-US" smtClean="0"/>
@@ -3991,22 +4072,7 @@
                 <a:uFillTx/>
                 <a:latin typeface="Comic Sans MS" pitchFamily="66" charset="0"/>
               </a:rPr>
-              <a:t>Albert R Meyer,            May</a:t>
-            </a:r>
-            <a:r>
-              <a:rPr kumimoji="0" lang="en-US" sz="1200" b="0" i="0" u="none" strike="noStrike" kern="1200" cap="none" spc="0" normalizeH="0" baseline="0" noProof="0" dirty="0" smtClean="0">
-                <a:ln>
-                  <a:noFill/>
-                </a:ln>
-                <a:solidFill>
-                  <a:schemeClr val="tx1"/>
-                </a:solidFill>
-                <a:effectLst/>
-                <a:uLnTx/>
-                <a:uFillTx/>
-                <a:latin typeface="Comic Sans MS" pitchFamily="66" charset="0"/>
-              </a:rPr>
-              <a:t> 4, 2011</a:t>
+              <a:t>Albert R Meyer,            May 4, 2011</a:t>
             </a:r>
             <a:endParaRPr kumimoji="0" lang="en-US" sz="1200" b="0" i="0" u="none" strike="noStrike" kern="1200" cap="none" spc="0" normalizeH="0" baseline="0" noProof="0" dirty="0">
               <a:ln>
@@ -4649,6 +4715,177 @@
 </file>
 
 <file path=ppt/slides/slide10.xml><?xml version="1.0" encoding="utf-8"?>
+<p:sld xmlns:a="http://schemas.openxmlformats.org/drawingml/2006/main" xmlns:r="http://schemas.openxmlformats.org/officeDocument/2006/relationships" xmlns:mc="http://schemas.openxmlformats.org/markup-compatibility/2006" xmlns:mv="urn:schemas-microsoft-com:mac:vml" xmlns:p="http://schemas.openxmlformats.org/presentationml/2006/main" mc:Ignorable="mv" mc:PreserveAttributes="mv:*" show="0">
+  <p:cSld>
+    <p:spTree>
+      <p:nvGrpSpPr>
+        <p:cNvPr id="1" name=""/>
+        <p:cNvGrpSpPr/>
+        <p:nvPr/>
+      </p:nvGrpSpPr>
+      <p:grpSpPr>
+        <a:xfrm>
+          <a:off x="0" y="0"/>
+          <a:ext cx="0" cy="0"/>
+          <a:chOff x="0" y="0"/>
+          <a:chExt cx="0" cy="0"/>
+        </a:xfrm>
+      </p:grpSpPr>
+      <p:sp>
+        <p:nvSpPr>
+          <p:cNvPr id="3" name="Content Placeholder 2"/>
+          <p:cNvSpPr>
+            <a:spLocks noGrp="1"/>
+          </p:cNvSpPr>
+          <p:nvPr>
+            <p:ph idx="1"/>
+          </p:nvPr>
+        </p:nvSpPr>
+        <p:spPr/>
+        <p:txBody>
+          <a:bodyPr/>
+          <a:lstStyle/>
+          <a:p>
+            <a:r>
+              <a:rPr lang="en-US" dirty="0" smtClean="0">
+                <a:solidFill>
+                  <a:srgbClr val="006600"/>
+                </a:solidFill>
+              </a:rPr>
+              <a:t>Better estimate:</a:t>
+            </a:r>
+          </a:p>
+          <a:p>
+            <a:endParaRPr lang="en-US" dirty="0">
+              <a:solidFill>
+                <a:srgbClr val="006600"/>
+              </a:solidFill>
+            </a:endParaRPr>
+          </a:p>
+        </p:txBody>
+      </p:sp>
+      <p:sp>
+        <p:nvSpPr>
+          <p:cNvPr id="4" name="Slide Number Placeholder 3"/>
+          <p:cNvSpPr>
+            <a:spLocks noGrp="1"/>
+          </p:cNvSpPr>
+          <p:nvPr>
+            <p:ph type="sldNum" sz="quarter" idx="10"/>
+          </p:nvPr>
+        </p:nvSpPr>
+        <p:spPr/>
+        <p:txBody>
+          <a:bodyPr/>
+          <a:lstStyle/>
+          <a:p>
+            <a:pPr>
+              <a:defRPr/>
+            </a:pPr>
+            <a:r>
+              <a:rPr lang="en-US" dirty="0" err="1" smtClean="0"/>
+              <a:t>lec</a:t>
+            </a:r>
+            <a:r>
+              <a:rPr lang="en-US" dirty="0" smtClean="0"/>
+              <a:t> 13W.</a:t>
+            </a:r>
+            <a:fld id="{E78F4000-603A-43A9-9772-EA15786EFD2C}" type="slidenum">
+              <a:rPr lang="en-US" smtClean="0"/>
+              <a:pPr>
+                <a:defRPr/>
+              </a:pPr>
+              <a:t>10</a:t>
+            </a:fld>
+            <a:endParaRPr lang="en-US" dirty="0"/>
+          </a:p>
+        </p:txBody>
+      </p:sp>
+      <p:sp>
+        <p:nvSpPr>
+          <p:cNvPr id="5" name="Rectangle 2"/>
+          <p:cNvSpPr>
+            <a:spLocks noGrp="1" noChangeArrowheads="1"/>
+          </p:cNvSpPr>
+          <p:nvPr>
+            <p:ph type="title"/>
+          </p:nvPr>
+        </p:nvSpPr>
+        <p:spPr>
+          <a:xfrm>
+            <a:off x="1143000" y="304800"/>
+            <a:ext cx="7315200" cy="838200"/>
+          </a:xfrm>
+        </p:spPr>
+        <p:txBody>
+          <a:bodyPr/>
+          <a:lstStyle/>
+          <a:p>
+            <a:pPr eaLnBrk="1" hangingPunct="1"/>
+            <a:r>
+              <a:rPr lang="en-US" sz="4000" dirty="0" smtClean="0"/>
+              <a:t>Sampling using Binomial PDF</a:t>
+            </a:r>
+          </a:p>
+        </p:txBody>
+      </p:sp>
+      <p:graphicFrame>
+        <p:nvGraphicFramePr>
+          <p:cNvPr id="7" name="Object 6"/>
+          <p:cNvGraphicFramePr>
+            <a:graphicFrameLocks noChangeAspect="1"/>
+          </p:cNvGraphicFramePr>
+          <p:nvPr/>
+        </p:nvGraphicFramePr>
+        <p:xfrm>
+          <a:off x="44450" y="1905000"/>
+          <a:ext cx="9063038" cy="2524125"/>
+        </p:xfrm>
+        <a:graphic>
+          <a:graphicData uri="http://schemas.openxmlformats.org/presentationml/2006/ole">
+            <p:oleObj spid="_x0000_s1027" name="Equation" r:id="rId3" imgW="2463800" imgH="685800" progId="Equation.DSMT4">
+              <p:embed/>
+            </p:oleObj>
+          </a:graphicData>
+        </a:graphic>
+      </p:graphicFrame>
+      <p:graphicFrame>
+        <p:nvGraphicFramePr>
+          <p:cNvPr id="1028" name="Object 4"/>
+          <p:cNvGraphicFramePr>
+            <a:graphicFrameLocks noChangeAspect="1"/>
+          </p:cNvGraphicFramePr>
+          <p:nvPr/>
+        </p:nvGraphicFramePr>
+        <p:xfrm>
+          <a:off x="-22225" y="4495800"/>
+          <a:ext cx="9082088" cy="1096963"/>
+        </p:xfrm>
+        <a:graphic>
+          <a:graphicData uri="http://schemas.openxmlformats.org/presentationml/2006/ole">
+            <p:oleObj spid="_x0000_s1028" name="Equation" r:id="rId4" imgW="2946400" imgH="355600" progId="Equation.DSMT4">
+              <p:embed/>
+            </p:oleObj>
+          </a:graphicData>
+        </a:graphic>
+      </p:graphicFrame>
+    </p:spTree>
+  </p:cSld>
+  <p:clrMapOvr>
+    <a:masterClrMapping/>
+  </p:clrMapOvr>
+  <p:transition/>
+  <p:timing>
+    <p:tnLst>
+      <p:par>
+        <p:cTn id="1" dur="indefinite" restart="never" nodeType="tmRoot"/>
+      </p:par>
+    </p:tnLst>
+  </p:timing>
+</p:sld>
+</file>
+
+<file path=ppt/slides/slide11.xml><?xml version="1.0" encoding="utf-8"?>
 <p:sld xmlns:a="http://schemas.openxmlformats.org/drawingml/2006/main" xmlns:r="http://schemas.openxmlformats.org/officeDocument/2006/relationships" xmlns:mc="http://schemas.openxmlformats.org/markup-compatibility/2006" xmlns:mv="urn:schemas-microsoft-com:mac:vml" xmlns:p="http://schemas.openxmlformats.org/presentationml/2006/main" mc:Ignorable="mv" mc:PreserveAttributes="mv:*">
   <p:cSld>
     <p:spTree>
@@ -4812,7 +5049,7 @@
               <a:pPr>
                 <a:defRPr/>
               </a:pPr>
-              <a:t>10</a:t>
+              <a:t>11</a:t>
             </a:fld>
             <a:endParaRPr lang="en-US" dirty="0"/>
           </a:p>
@@ -5069,7 +5306,7 @@
 </p:sld>
 </file>
 
-<file path=ppt/slides/slide11.xml><?xml version="1.0" encoding="utf-8"?>
+<file path=ppt/slides/slide12.xml><?xml version="1.0" encoding="utf-8"?>
 <p:sld xmlns:a="http://schemas.openxmlformats.org/drawingml/2006/main" xmlns:r="http://schemas.openxmlformats.org/officeDocument/2006/relationships" xmlns:mc="http://schemas.openxmlformats.org/markup-compatibility/2006" xmlns:mv="urn:schemas-microsoft-com:mac:vml" xmlns:p="http://schemas.openxmlformats.org/presentationml/2006/main" mc:Ignorable="mv" mc:PreserveAttributes="mv:*">
   <p:cSld>
     <p:spTree>
@@ -5117,7 +5354,7 @@
               <a:pPr>
                 <a:defRPr/>
               </a:pPr>
-              <a:t>11</a:t>
+              <a:t>12</a:t>
             </a:fld>
             <a:endParaRPr lang="en-US" dirty="0"/>
           </a:p>
@@ -5541,7 +5778,7 @@
 </p:sld>
 </file>
 
-<file path=ppt/slides/slide12.xml><?xml version="1.0" encoding="utf-8"?>
+<file path=ppt/slides/slide13.xml><?xml version="1.0" encoding="utf-8"?>
 <p:sld xmlns:a="http://schemas.openxmlformats.org/drawingml/2006/main" xmlns:r="http://schemas.openxmlformats.org/officeDocument/2006/relationships" xmlns:mc="http://schemas.openxmlformats.org/markup-compatibility/2006" xmlns:mv="urn:schemas-microsoft-com:mac:vml" xmlns:p="http://schemas.openxmlformats.org/presentationml/2006/main" mc:Ignorable="mv" mc:PreserveAttributes="mv:*">
   <p:cSld>
     <p:spTree>
@@ -5614,7 +5851,7 @@
               <a:pPr>
                 <a:defRPr/>
               </a:pPr>
-              <a:t>12</a:t>
+              <a:t>13</a:t>
             </a:fld>
             <a:endParaRPr lang="en-US" dirty="0"/>
           </a:p>
@@ -6134,7 +6371,7 @@
 </p:sld>
 </file>
 
-<file path=ppt/slides/slide13.xml><?xml version="1.0" encoding="utf-8"?>
+<file path=ppt/slides/slide14.xml><?xml version="1.0" encoding="utf-8"?>
 <p:sld xmlns:a="http://schemas.openxmlformats.org/drawingml/2006/main" xmlns:r="http://schemas.openxmlformats.org/officeDocument/2006/relationships" xmlns:mc="http://schemas.openxmlformats.org/markup-compatibility/2006" xmlns:mv="urn:schemas-microsoft-com:mac:vml" xmlns:p="http://schemas.openxmlformats.org/presentationml/2006/main" mc:Ignorable="mv" mc:PreserveAttributes="mv:*">
   <p:cSld>
     <p:spTree>
@@ -6202,7 +6439,7 @@
               <a:pPr>
                 <a:defRPr/>
               </a:pPr>
-              <a:t>13</a:t>
+              <a:t>14</a:t>
             </a:fld>
             <a:endParaRPr lang="en-US" dirty="0"/>
           </a:p>
@@ -6451,7 +6688,7 @@
 </p:sld>
 </file>
 
-<file path=ppt/slides/slide14.xml><?xml version="1.0" encoding="utf-8"?>
+<file path=ppt/slides/slide15.xml><?xml version="1.0" encoding="utf-8"?>
 <p:sld xmlns:a="http://schemas.openxmlformats.org/drawingml/2006/main" xmlns:r="http://schemas.openxmlformats.org/officeDocument/2006/relationships" xmlns:mc="http://schemas.openxmlformats.org/markup-compatibility/2006" xmlns:mv="urn:schemas-microsoft-com:mac:vml" xmlns:p="http://schemas.openxmlformats.org/presentationml/2006/main" mc:Ignorable="mv" mc:PreserveAttributes="mv:*">
   <p:cSld>
     <p:spTree>
@@ -6499,7 +6736,7 @@
               <a:pPr>
                 <a:defRPr/>
               </a:pPr>
-              <a:t>14</a:t>
+              <a:t>15</a:t>
             </a:fld>
             <a:endParaRPr lang="en-US" dirty="0"/>
           </a:p>
@@ -6777,7 +7014,7 @@
 </p:sld>
 </file>
 
-<file path=ppt/slides/slide15.xml><?xml version="1.0" encoding="utf-8"?>
+<file path=ppt/slides/slide16.xml><?xml version="1.0" encoding="utf-8"?>
 <p:sld xmlns:a="http://schemas.openxmlformats.org/drawingml/2006/main" xmlns:r="http://schemas.openxmlformats.org/officeDocument/2006/relationships" xmlns:mc="http://schemas.openxmlformats.org/markup-compatibility/2006" xmlns:mv="urn:schemas-microsoft-com:mac:vml" xmlns:p="http://schemas.openxmlformats.org/presentationml/2006/main" mc:Ignorable="mv" mc:PreserveAttributes="mv:*">
   <p:cSld>
     <p:spTree>
@@ -6825,7 +7062,7 @@
               <a:pPr>
                 <a:defRPr/>
               </a:pPr>
-              <a:t>15</a:t>
+              <a:t>16</a:t>
             </a:fld>
             <a:endParaRPr lang="en-US" dirty="0"/>
           </a:p>
@@ -7939,7 +8176,7 @@
 </p:sld>
 </file>
 
-<file path=ppt/slides/slide16.xml><?xml version="1.0" encoding="utf-8"?>
+<file path=ppt/slides/slide17.xml><?xml version="1.0" encoding="utf-8"?>
 <p:sld xmlns:a="http://schemas.openxmlformats.org/drawingml/2006/main" xmlns:r="http://schemas.openxmlformats.org/officeDocument/2006/relationships" xmlns:mc="http://schemas.openxmlformats.org/markup-compatibility/2006" xmlns:mv="urn:schemas-microsoft-com:mac:vml" xmlns:p="http://schemas.openxmlformats.org/presentationml/2006/main" mc:Ignorable="mv" mc:PreserveAttributes="mv:*">
   <p:cSld>
     <p:spTree>
@@ -7987,7 +8224,7 @@
               <a:pPr>
                 <a:defRPr/>
               </a:pPr>
-              <a:t>16</a:t>
+              <a:t>17</a:t>
             </a:fld>
             <a:endParaRPr lang="en-US" dirty="0"/>
           </a:p>
@@ -8293,7 +8530,7 @@
 </p:sld>
 </file>
 
-<file path=ppt/slides/slide17.xml><?xml version="1.0" encoding="utf-8"?>
+<file path=ppt/slides/slide18.xml><?xml version="1.0" encoding="utf-8"?>
 <p:sld xmlns:a="http://schemas.openxmlformats.org/drawingml/2006/main" xmlns:r="http://schemas.openxmlformats.org/officeDocument/2006/relationships" xmlns:mc="http://schemas.openxmlformats.org/markup-compatibility/2006" xmlns:mv="urn:schemas-microsoft-com:mac:vml" xmlns:p="http://schemas.openxmlformats.org/presentationml/2006/main" mc:Ignorable="mv" mc:PreserveAttributes="mv:*">
   <p:cSld>
     <p:spTree>
@@ -8341,7 +8578,7 @@
               <a:pPr>
                 <a:defRPr/>
               </a:pPr>
-              <a:t>17</a:t>
+              <a:t>18</a:t>
             </a:fld>
             <a:endParaRPr lang="en-US" dirty="0"/>
           </a:p>
@@ -8871,7 +9108,7 @@
 </p:sld>
 </file>
 
-<file path=ppt/slides/slide18.xml><?xml version="1.0" encoding="utf-8"?>
+<file path=ppt/slides/slide19.xml><?xml version="1.0" encoding="utf-8"?>
 <p:sld xmlns:a="http://schemas.openxmlformats.org/drawingml/2006/main" xmlns:r="http://schemas.openxmlformats.org/officeDocument/2006/relationships" xmlns:mc="http://schemas.openxmlformats.org/markup-compatibility/2006" xmlns:mv="urn:schemas-microsoft-com:mac:vml" xmlns:p="http://schemas.openxmlformats.org/presentationml/2006/main" mc:Ignorable="mv" mc:PreserveAttributes="mv:*" show="0">
   <p:cSld>
     <p:spTree>
@@ -8919,7 +9156,7 @@
               <a:pPr>
                 <a:defRPr/>
               </a:pPr>
-              <a:t>18</a:t>
+              <a:t>19</a:t>
             </a:fld>
             <a:endParaRPr lang="en-US" dirty="0"/>
           </a:p>
@@ -9414,7 +9651,599 @@
 </p:sld>
 </file>
 
-<file path=ppt/slides/slide19.xml><?xml version="1.0" encoding="utf-8"?>
+<file path=ppt/slides/slide2.xml><?xml version="1.0" encoding="utf-8"?>
+<p:sld xmlns:a="http://schemas.openxmlformats.org/drawingml/2006/main" xmlns:r="http://schemas.openxmlformats.org/officeDocument/2006/relationships" xmlns:mc="http://schemas.openxmlformats.org/markup-compatibility/2006" xmlns:mv="urn:schemas-microsoft-com:mac:vml" xmlns:p="http://schemas.openxmlformats.org/presentationml/2006/main" mc:Ignorable="mv" mc:PreserveAttributes="mv:*">
+  <p:cSld>
+    <p:spTree>
+      <p:nvGrpSpPr>
+        <p:cNvPr id="1" name=""/>
+        <p:cNvGrpSpPr/>
+        <p:nvPr/>
+      </p:nvGrpSpPr>
+      <p:grpSpPr>
+        <a:xfrm>
+          <a:off x="0" y="0"/>
+          <a:ext cx="0" cy="0"/>
+          <a:chOff x="0" y="0"/>
+          <a:chExt cx="0" cy="0"/>
+        </a:xfrm>
+      </p:grpSpPr>
+      <p:sp>
+        <p:nvSpPr>
+          <p:cNvPr id="23554" name="Slide Number Placeholder 3"/>
+          <p:cNvSpPr>
+            <a:spLocks noGrp="1"/>
+          </p:cNvSpPr>
+          <p:nvPr>
+            <p:ph type="sldNum" sz="quarter" idx="10"/>
+          </p:nvPr>
+        </p:nvSpPr>
+        <p:spPr/>
+        <p:txBody>
+          <a:bodyPr/>
+          <a:lstStyle/>
+          <a:p>
+            <a:pPr>
+              <a:defRPr/>
+            </a:pPr>
+            <a:r>
+              <a:rPr lang="en-US" dirty="0" err="1"/>
+              <a:t>lec</a:t>
+            </a:r>
+            <a:r>
+              <a:rPr lang="en-US" dirty="0" smtClean="0"/>
+              <a:t> 13W.</a:t>
+            </a:r>
+            <a:fld id="{C54485E2-983F-4808-AAAD-1595DDE4A774}" type="slidenum">
+              <a:rPr lang="en-US" smtClean="0"/>
+              <a:pPr>
+                <a:defRPr/>
+              </a:pPr>
+              <a:t>2</a:t>
+            </a:fld>
+            <a:endParaRPr lang="en-US" dirty="0"/>
+          </a:p>
+        </p:txBody>
+      </p:sp>
+      <p:sp>
+        <p:nvSpPr>
+          <p:cNvPr id="177154" name="Rectangle 2"/>
+          <p:cNvSpPr>
+            <a:spLocks noGrp="1" noChangeArrowheads="1"/>
+          </p:cNvSpPr>
+          <p:nvPr>
+            <p:ph type="body" idx="1"/>
+          </p:nvPr>
+        </p:nvSpPr>
+        <p:spPr>
+          <a:xfrm>
+            <a:off x="152400" y="1219200"/>
+            <a:ext cx="8839200" cy="4876800"/>
+          </a:xfrm>
+        </p:spPr>
+        <p:txBody>
+          <a:bodyPr/>
+          <a:lstStyle/>
+          <a:p>
+            <a:pPr eaLnBrk="1" hangingPunct="1"/>
+            <a:r>
+              <a:rPr lang="en-US" sz="4000" dirty="0" smtClean="0"/>
+              <a:t>Estimate </a:t>
+            </a:r>
+            <a:r>
+              <a:rPr lang="en-US" sz="4000" dirty="0" err="1" smtClean="0">
+                <a:solidFill>
+                  <a:srgbClr val="DA0000"/>
+                </a:solidFill>
+              </a:rPr>
+              <a:t>coliform</a:t>
+            </a:r>
+            <a:r>
+              <a:rPr lang="en-US" sz="4000" dirty="0" smtClean="0">
+                <a:solidFill>
+                  <a:srgbClr val="DA0000"/>
+                </a:solidFill>
+              </a:rPr>
+              <a:t> </a:t>
+            </a:r>
+            <a:r>
+              <a:rPr lang="en-US" sz="4000" dirty="0" smtClean="0">
+                <a:solidFill>
+                  <a:srgbClr val="DA0000"/>
+                </a:solidFill>
+              </a:rPr>
+              <a:t>count</a:t>
+            </a:r>
+          </a:p>
+          <a:p>
+            <a:pPr eaLnBrk="1" hangingPunct="1"/>
+            <a:r>
+              <a:rPr lang="en-US" sz="4000" dirty="0" smtClean="0"/>
+              <a:t>in Charles </a:t>
+            </a:r>
+            <a:r>
+              <a:rPr lang="en-US" sz="4000" dirty="0" smtClean="0"/>
+              <a:t>River?  </a:t>
+            </a:r>
+          </a:p>
+          <a:p>
+            <a:pPr eaLnBrk="1" hangingPunct="1">
+              <a:buFont typeface="Euclid Symbol" charset="2"/>
+              <a:buChar char=" "/>
+            </a:pPr>
+            <a:r>
+              <a:rPr lang="en-US" sz="4800" b="1" dirty="0" smtClean="0">
+                <a:solidFill>
+                  <a:srgbClr val="006600"/>
+                </a:solidFill>
+                <a:latin typeface="Euclid Symbol" charset="2"/>
+                <a:cs typeface="Euclid Symbol" charset="2"/>
+              </a:rPr>
+              <a:t>&lt;</a:t>
+            </a:r>
+            <a:r>
+              <a:rPr lang="en-US" sz="4800" dirty="0" smtClean="0">
+                <a:solidFill>
+                  <a:srgbClr val="006600"/>
+                </a:solidFill>
+              </a:rPr>
+              <a:t> 200 </a:t>
+            </a:r>
+            <a:r>
+              <a:rPr lang="en-US" sz="4800" dirty="0" smtClean="0"/>
+              <a:t>CMD:</a:t>
+            </a:r>
+            <a:endParaRPr lang="en-US" sz="4000" dirty="0" smtClean="0"/>
+          </a:p>
+          <a:p>
+            <a:pPr eaLnBrk="1" hangingPunct="1">
+              <a:buFont typeface="Euclid Symbol" charset="2"/>
+              <a:buChar char=" "/>
+            </a:pPr>
+            <a:r>
+              <a:rPr lang="en-US" sz="4000" dirty="0" smtClean="0">
+                <a:solidFill>
+                  <a:srgbClr val="7030A0"/>
+                </a:solidFill>
+              </a:rPr>
+              <a:t>Procedure: </a:t>
+            </a:r>
+            <a:r>
+              <a:rPr lang="en-US" sz="4000" dirty="0" smtClean="0"/>
+              <a:t>take</a:t>
+            </a:r>
+            <a:r>
+              <a:rPr lang="en-US" sz="4000" i="1" dirty="0" smtClean="0"/>
+              <a:t> </a:t>
+            </a:r>
+            <a:r>
+              <a:rPr lang="en-US" sz="4000" dirty="0" err="1" smtClean="0">
+                <a:solidFill>
+                  <a:schemeClr val="accent2"/>
+                </a:solidFill>
+              </a:rPr>
+              <a:t>n</a:t>
+            </a:r>
+            <a:r>
+              <a:rPr lang="en-US" sz="4000" dirty="0" smtClean="0"/>
+              <a:t> water </a:t>
+            </a:r>
+            <a:r>
+              <a:rPr lang="en-US" sz="4000" dirty="0" smtClean="0">
+                <a:cs typeface="Times New Roman" pitchFamily="18" charset="0"/>
+              </a:rPr>
+              <a:t>samples</a:t>
+            </a:r>
+            <a:r>
+              <a:rPr lang="en-US" sz="4000" dirty="0" smtClean="0"/>
+              <a:t>, measure CMD in each, use </a:t>
+            </a:r>
+          </a:p>
+          <a:p>
+            <a:pPr eaLnBrk="1" hangingPunct="1">
+              <a:spcBef>
+                <a:spcPct val="0"/>
+              </a:spcBef>
+            </a:pPr>
+            <a:r>
+              <a:rPr lang="en-US" sz="4000" dirty="0" smtClean="0"/>
+              <a:t>  </a:t>
+            </a:r>
+            <a:r>
+              <a:rPr lang="en-US" sz="4000" dirty="0" smtClean="0">
+                <a:solidFill>
+                  <a:schemeClr val="accent2"/>
+                </a:solidFill>
+              </a:rPr>
+              <a:t>average CMD </a:t>
+            </a:r>
+            <a:r>
+              <a:rPr lang="en-US" dirty="0" smtClean="0">
+                <a:solidFill>
+                  <a:schemeClr val="accent2"/>
+                </a:solidFill>
+              </a:rPr>
+              <a:t>in samples </a:t>
+            </a:r>
+            <a:r>
+              <a:rPr lang="en-US" sz="4000" dirty="0" smtClean="0"/>
+              <a:t>as </a:t>
+            </a:r>
+            <a:r>
+              <a:rPr lang="en-US" sz="4000" dirty="0" smtClean="0">
+                <a:solidFill>
+                  <a:srgbClr val="7030A0"/>
+                </a:solidFill>
+              </a:rPr>
+              <a:t>estimate</a:t>
+            </a:r>
+            <a:r>
+              <a:rPr lang="en-US" sz="4000" dirty="0" smtClean="0">
+                <a:solidFill>
+                  <a:srgbClr val="FF00FF"/>
+                </a:solidFill>
+              </a:rPr>
+              <a:t> </a:t>
+            </a:r>
+            <a:r>
+              <a:rPr lang="en-US" sz="4000" dirty="0" smtClean="0"/>
+              <a:t>of </a:t>
+            </a:r>
+            <a:r>
+              <a:rPr lang="en-US" sz="4000" dirty="0" smtClean="0">
+                <a:solidFill>
+                  <a:srgbClr val="006600"/>
+                </a:solidFill>
+              </a:rPr>
+              <a:t>actual CMD average</a:t>
+            </a:r>
+            <a:endParaRPr lang="en-US" sz="4000" dirty="0" smtClean="0">
+              <a:solidFill>
+                <a:srgbClr val="006600"/>
+              </a:solidFill>
+            </a:endParaRPr>
+          </a:p>
+        </p:txBody>
+      </p:sp>
+      <p:sp>
+        <p:nvSpPr>
+          <p:cNvPr id="27652" name="Rectangle 3"/>
+          <p:cNvSpPr>
+            <a:spLocks noGrp="1" noChangeArrowheads="1"/>
+          </p:cNvSpPr>
+          <p:nvPr>
+            <p:ph type="title"/>
+          </p:nvPr>
+        </p:nvSpPr>
+        <p:spPr>
+          <a:xfrm>
+            <a:off x="2286000" y="152400"/>
+            <a:ext cx="4648200" cy="1219200"/>
+          </a:xfrm>
+        </p:spPr>
+        <p:txBody>
+          <a:bodyPr/>
+          <a:lstStyle/>
+          <a:p>
+            <a:pPr eaLnBrk="1" hangingPunct="1"/>
+            <a:r>
+              <a:rPr lang="en-US" sz="4000" dirty="0" smtClean="0"/>
+              <a:t>Sampling</a:t>
+            </a:r>
+          </a:p>
+        </p:txBody>
+      </p:sp>
+      <p:pic>
+        <p:nvPicPr>
+          <p:cNvPr id="11" name="Picture 10"/>
+          <p:cNvPicPr>
+            <a:picLocks noChangeAspect="1"/>
+          </p:cNvPicPr>
+          <p:nvPr/>
+        </p:nvPicPr>
+        <p:blipFill>
+          <a:blip r:embed="rId3"/>
+          <a:stretch>
+            <a:fillRect/>
+          </a:stretch>
+        </p:blipFill>
+        <p:spPr>
+          <a:xfrm>
+            <a:off x="5257800" y="2514600"/>
+            <a:ext cx="1193800" cy="1193800"/>
+          </a:xfrm>
+          <a:prstGeom prst="rect">
+            <a:avLst/>
+          </a:prstGeom>
+        </p:spPr>
+      </p:pic>
+      <p:pic>
+        <p:nvPicPr>
+          <p:cNvPr id="6" name="Picture 5"/>
+          <p:cNvPicPr>
+            <a:picLocks noChangeAspect="1"/>
+          </p:cNvPicPr>
+          <p:nvPr/>
+        </p:nvPicPr>
+        <p:blipFill>
+          <a:blip r:embed="rId4"/>
+          <a:stretch>
+            <a:fillRect/>
+          </a:stretch>
+        </p:blipFill>
+        <p:spPr>
+          <a:xfrm>
+            <a:off x="7086600" y="1066800"/>
+            <a:ext cx="1587500" cy="1193800"/>
+          </a:xfrm>
+          <a:prstGeom prst="rect">
+            <a:avLst/>
+          </a:prstGeom>
+        </p:spPr>
+      </p:pic>
+    </p:spTree>
+  </p:cSld>
+  <p:clrMapOvr>
+    <a:masterClrMapping/>
+  </p:clrMapOvr>
+  <p:transition>
+    <p:fade thruBlk="1"/>
+  </p:transition>
+  <p:timing>
+    <p:tnLst>
+      <p:par>
+        <p:cTn id="1" dur="indefinite" restart="never" nodeType="tmRoot">
+          <p:childTnLst>
+            <p:seq concurrent="1" nextAc="seek">
+              <p:cTn id="2" dur="indefinite" nodeType="mainSeq">
+                <p:childTnLst>
+                  <p:par>
+                    <p:cTn id="3" fill="hold">
+                      <p:stCondLst>
+                        <p:cond delay="indefinite"/>
+                        <p:cond evt="onBegin" delay="0">
+                          <p:tn val="2"/>
+                        </p:cond>
+                      </p:stCondLst>
+                      <p:childTnLst>
+                        <p:par>
+                          <p:cTn id="4" fill="hold">
+                            <p:stCondLst>
+                              <p:cond delay="0"/>
+                            </p:stCondLst>
+                            <p:childTnLst>
+                              <p:par>
+                                <p:cTn id="5" presetID="1" presetClass="entr" presetSubtype="0" fill="hold" nodeType="afterEffect">
+                                  <p:stCondLst>
+                                    <p:cond delay="0"/>
+                                  </p:stCondLst>
+                                  <p:childTnLst>
+                                    <p:set>
+                                      <p:cBhvr>
+                                        <p:cTn id="6" dur="1" fill="hold">
+                                          <p:stCondLst>
+                                            <p:cond delay="0"/>
+                                          </p:stCondLst>
+                                        </p:cTn>
+                                        <p:tgtEl>
+                                          <p:spTgt spid="177154">
+                                            <p:txEl>
+                                              <p:pRg st="0" end="0"/>
+                                            </p:txEl>
+                                          </p:spTgt>
+                                        </p:tgtEl>
+                                        <p:attrNameLst>
+                                          <p:attrName>style.visibility</p:attrName>
+                                        </p:attrNameLst>
+                                      </p:cBhvr>
+                                      <p:to>
+                                        <p:strVal val="visible"/>
+                                      </p:to>
+                                    </p:set>
+                                  </p:childTnLst>
+                                </p:cTn>
+                              </p:par>
+                            </p:childTnLst>
+                          </p:cTn>
+                        </p:par>
+                        <p:par>
+                          <p:cTn id="7" fill="hold">
+                            <p:stCondLst>
+                              <p:cond delay="0"/>
+                            </p:stCondLst>
+                            <p:childTnLst>
+                              <p:par>
+                                <p:cTn id="8" presetID="1" presetClass="entr" presetSubtype="0" fill="hold" nodeType="afterEffect">
+                                  <p:stCondLst>
+                                    <p:cond delay="0"/>
+                                  </p:stCondLst>
+                                  <p:childTnLst>
+                                    <p:set>
+                                      <p:cBhvr>
+                                        <p:cTn id="9" dur="1" fill="hold">
+                                          <p:stCondLst>
+                                            <p:cond delay="0"/>
+                                          </p:stCondLst>
+                                        </p:cTn>
+                                        <p:tgtEl>
+                                          <p:spTgt spid="177154">
+                                            <p:txEl>
+                                              <p:pRg st="1" end="1"/>
+                                            </p:txEl>
+                                          </p:spTgt>
+                                        </p:tgtEl>
+                                        <p:attrNameLst>
+                                          <p:attrName>style.visibility</p:attrName>
+                                        </p:attrNameLst>
+                                      </p:cBhvr>
+                                      <p:to>
+                                        <p:strVal val="visible"/>
+                                      </p:to>
+                                    </p:set>
+                                  </p:childTnLst>
+                                </p:cTn>
+                              </p:par>
+                              <p:par>
+                                <p:cTn id="10" presetID="1" presetClass="entr" presetSubtype="0" fill="hold" nodeType="withEffect">
+                                  <p:stCondLst>
+                                    <p:cond delay="0"/>
+                                  </p:stCondLst>
+                                  <p:childTnLst>
+                                    <p:set>
+                                      <p:cBhvr>
+                                        <p:cTn id="11" dur="1" fill="hold">
+                                          <p:stCondLst>
+                                            <p:cond delay="0"/>
+                                          </p:stCondLst>
+                                        </p:cTn>
+                                        <p:tgtEl>
+                                          <p:spTgt spid="177154">
+                                            <p:txEl>
+                                              <p:pRg st="2" end="2"/>
+                                            </p:txEl>
+                                          </p:spTgt>
+                                        </p:tgtEl>
+                                        <p:attrNameLst>
+                                          <p:attrName>style.visibility</p:attrName>
+                                        </p:attrNameLst>
+                                      </p:cBhvr>
+                                      <p:to>
+                                        <p:strVal val="visible"/>
+                                      </p:to>
+                                    </p:set>
+                                  </p:childTnLst>
+                                </p:cTn>
+                              </p:par>
+                            </p:childTnLst>
+                          </p:cTn>
+                        </p:par>
+                      </p:childTnLst>
+                    </p:cTn>
+                  </p:par>
+                  <p:par>
+                    <p:cTn id="12" fill="hold">
+                      <p:stCondLst>
+                        <p:cond delay="indefinite"/>
+                      </p:stCondLst>
+                      <p:childTnLst>
+                        <p:par>
+                          <p:cTn id="13" fill="hold">
+                            <p:stCondLst>
+                              <p:cond delay="0"/>
+                            </p:stCondLst>
+                            <p:childTnLst>
+                              <p:par>
+                                <p:cTn id="14" presetID="1" presetClass="entr" presetSubtype="0" fill="hold" nodeType="clickEffect">
+                                  <p:stCondLst>
+                                    <p:cond delay="0"/>
+                                  </p:stCondLst>
+                                  <p:childTnLst>
+                                    <p:set>
+                                      <p:cBhvr>
+                                        <p:cTn id="15" dur="1" fill="hold">
+                                          <p:stCondLst>
+                                            <p:cond delay="0"/>
+                                          </p:stCondLst>
+                                        </p:cTn>
+                                        <p:tgtEl>
+                                          <p:spTgt spid="177154">
+                                            <p:txEl>
+                                              <p:pRg st="3" end="3"/>
+                                            </p:txEl>
+                                          </p:spTgt>
+                                        </p:tgtEl>
+                                        <p:attrNameLst>
+                                          <p:attrName>style.visibility</p:attrName>
+                                        </p:attrNameLst>
+                                      </p:cBhvr>
+                                      <p:to>
+                                        <p:strVal val="visible"/>
+                                      </p:to>
+                                    </p:set>
+                                  </p:childTnLst>
+                                </p:cTn>
+                              </p:par>
+                            </p:childTnLst>
+                          </p:cTn>
+                        </p:par>
+                      </p:childTnLst>
+                    </p:cTn>
+                  </p:par>
+                  <p:par>
+                    <p:cTn id="16" fill="hold">
+                      <p:stCondLst>
+                        <p:cond delay="indefinite"/>
+                      </p:stCondLst>
+                      <p:childTnLst>
+                        <p:par>
+                          <p:cTn id="17" fill="hold">
+                            <p:stCondLst>
+                              <p:cond delay="0"/>
+                            </p:stCondLst>
+                            <p:childTnLst>
+                              <p:par>
+                                <p:cTn id="18" presetID="1" presetClass="entr" presetSubtype="0" fill="hold" nodeType="clickEffect">
+                                  <p:stCondLst>
+                                    <p:cond delay="0"/>
+                                  </p:stCondLst>
+                                  <p:childTnLst>
+                                    <p:set>
+                                      <p:cBhvr>
+                                        <p:cTn id="19" dur="1" fill="hold">
+                                          <p:stCondLst>
+                                            <p:cond delay="0"/>
+                                          </p:stCondLst>
+                                        </p:cTn>
+                                        <p:tgtEl>
+                                          <p:spTgt spid="177154">
+                                            <p:txEl>
+                                              <p:pRg st="4" end="4"/>
+                                            </p:txEl>
+                                          </p:spTgt>
+                                        </p:tgtEl>
+                                        <p:attrNameLst>
+                                          <p:attrName>style.visibility</p:attrName>
+                                        </p:attrNameLst>
+                                      </p:cBhvr>
+                                      <p:to>
+                                        <p:strVal val="visible"/>
+                                      </p:to>
+                                    </p:set>
+                                  </p:childTnLst>
+                                </p:cTn>
+                              </p:par>
+                            </p:childTnLst>
+                          </p:cTn>
+                        </p:par>
+                      </p:childTnLst>
+                    </p:cTn>
+                  </p:par>
+                </p:childTnLst>
+              </p:cTn>
+              <p:prevCondLst>
+                <p:cond evt="onPrev" delay="0">
+                  <p:tgtEl>
+                    <p:sldTgt/>
+                  </p:tgtEl>
+                </p:cond>
+              </p:prevCondLst>
+              <p:nextCondLst>
+                <p:cond evt="onNext" delay="0">
+                  <p:tgtEl>
+                    <p:sldTgt/>
+                  </p:tgtEl>
+                </p:cond>
+              </p:nextCondLst>
+            </p:seq>
+          </p:childTnLst>
+        </p:cTn>
+      </p:par>
+    </p:tnLst>
+  </p:timing>
+</p:sld>
+</file>
+
+<file path=ppt/slides/slide20.xml><?xml version="1.0" encoding="utf-8"?>
 <p:sld xmlns:a="http://schemas.openxmlformats.org/drawingml/2006/main" xmlns:r="http://schemas.openxmlformats.org/officeDocument/2006/relationships" xmlns:mc="http://schemas.openxmlformats.org/markup-compatibility/2006" xmlns:mv="urn:schemas-microsoft-com:mac:vml" xmlns:p="http://schemas.openxmlformats.org/presentationml/2006/main" mc:Ignorable="mv" mc:PreserveAttributes="mv:*" show="0">
   <p:cSld>
     <p:spTree>
@@ -9462,7 +10291,7 @@
               <a:pPr>
                 <a:defRPr/>
               </a:pPr>
-              <a:t>19</a:t>
+              <a:t>20</a:t>
             </a:fld>
             <a:endParaRPr lang="en-US" dirty="0"/>
           </a:p>
@@ -10013,7 +10842,7 @@
 </p:sld>
 </file>
 
-<file path=ppt/slides/slide2.xml><?xml version="1.0" encoding="utf-8"?>
+<file path=ppt/slides/slide21.xml><?xml version="1.0" encoding="utf-8"?>
 <p:sld xmlns:a="http://schemas.openxmlformats.org/drawingml/2006/main" xmlns:r="http://schemas.openxmlformats.org/officeDocument/2006/relationships" xmlns:mc="http://schemas.openxmlformats.org/markup-compatibility/2006" xmlns:mv="urn:schemas-microsoft-com:mac:vml" xmlns:p="http://schemas.openxmlformats.org/presentationml/2006/main" mc:Ignorable="mv" mc:PreserveAttributes="mv:*">
   <p:cSld>
     <p:spTree>
@@ -10032,734 +10861,6 @@
       </p:grpSpPr>
       <p:sp>
         <p:nvSpPr>
-          <p:cNvPr id="23554" name="Slide Number Placeholder 3"/>
-          <p:cNvSpPr>
-            <a:spLocks noGrp="1"/>
-          </p:cNvSpPr>
-          <p:nvPr>
-            <p:ph type="sldNum" sz="quarter" idx="10"/>
-          </p:nvPr>
-        </p:nvSpPr>
-        <p:spPr/>
-        <p:txBody>
-          <a:bodyPr/>
-          <a:lstStyle/>
-          <a:p>
-            <a:pPr>
-              <a:defRPr/>
-            </a:pPr>
-            <a:r>
-              <a:rPr lang="en-US" dirty="0" err="1"/>
-              <a:t>lec</a:t>
-            </a:r>
-            <a:r>
-              <a:rPr lang="en-US" dirty="0" smtClean="0"/>
-              <a:t> 13W.</a:t>
-            </a:r>
-            <a:fld id="{C54485E2-983F-4808-AAAD-1595DDE4A774}" type="slidenum">
-              <a:rPr lang="en-US" smtClean="0"/>
-              <a:pPr>
-                <a:defRPr/>
-              </a:pPr>
-              <a:t>2</a:t>
-            </a:fld>
-            <a:endParaRPr lang="en-US" dirty="0"/>
-          </a:p>
-        </p:txBody>
-      </p:sp>
-      <p:sp>
-        <p:nvSpPr>
-          <p:cNvPr id="177154" name="Rectangle 2"/>
-          <p:cNvSpPr>
-            <a:spLocks noGrp="1" noChangeArrowheads="1"/>
-          </p:cNvSpPr>
-          <p:nvPr>
-            <p:ph type="body" idx="1"/>
-          </p:nvPr>
-        </p:nvSpPr>
-        <p:spPr>
-          <a:xfrm>
-            <a:off x="152400" y="1219200"/>
-            <a:ext cx="8839200" cy="4876800"/>
-          </a:xfrm>
-        </p:spPr>
-        <p:txBody>
-          <a:bodyPr/>
-          <a:lstStyle/>
-          <a:p>
-            <a:pPr eaLnBrk="1" hangingPunct="1"/>
-            <a:r>
-              <a:rPr lang="en-US" sz="4000" dirty="0" smtClean="0"/>
-              <a:t>Estimate </a:t>
-            </a:r>
-            <a:r>
-              <a:rPr lang="en-US" sz="4000" dirty="0" smtClean="0">
-                <a:solidFill>
-                  <a:srgbClr val="DA0000"/>
-                </a:solidFill>
-              </a:rPr>
-              <a:t>% contaminated </a:t>
-            </a:r>
-            <a:r>
-              <a:rPr lang="en-US" sz="4000" dirty="0" err="1" smtClean="0"/>
-              <a:t>ﬁsh</a:t>
-            </a:r>
-            <a:r>
-              <a:rPr lang="en-US" sz="4000" dirty="0" smtClean="0"/>
-              <a:t> in</a:t>
-            </a:r>
-          </a:p>
-          <a:p>
-            <a:pPr eaLnBrk="1" hangingPunct="1"/>
-            <a:r>
-              <a:rPr lang="en-US" sz="4000" dirty="0" smtClean="0"/>
-              <a:t>Charles River?</a:t>
-            </a:r>
-            <a:endParaRPr lang="en-US" sz="4000" i="1" dirty="0" smtClean="0"/>
-          </a:p>
-          <a:p>
-            <a:pPr eaLnBrk="1" hangingPunct="1"/>
-            <a:endParaRPr lang="en-US" sz="4000" i="1" dirty="0" smtClean="0"/>
-          </a:p>
-          <a:p>
-            <a:pPr eaLnBrk="1" hangingPunct="1"/>
-            <a:r>
-              <a:rPr lang="en-US" sz="4000" dirty="0" smtClean="0">
-                <a:solidFill>
-                  <a:srgbClr val="7030A0"/>
-                </a:solidFill>
-              </a:rPr>
-              <a:t>Procedure: </a:t>
-            </a:r>
-            <a:r>
-              <a:rPr lang="en-US" sz="4000" dirty="0" smtClean="0"/>
-              <a:t>catch</a:t>
-            </a:r>
-            <a:r>
-              <a:rPr lang="en-US" sz="4000" i="1" dirty="0" smtClean="0"/>
-              <a:t> </a:t>
-            </a:r>
-            <a:r>
-              <a:rPr lang="en-US" sz="4000" dirty="0" smtClean="0">
-                <a:solidFill>
-                  <a:schemeClr val="accent2"/>
-                </a:solidFill>
-              </a:rPr>
-              <a:t>n</a:t>
-            </a:r>
-            <a:r>
-              <a:rPr lang="en-US" sz="4000" dirty="0" smtClean="0"/>
-              <a:t> </a:t>
-            </a:r>
-            <a:r>
-              <a:rPr lang="en-US" sz="4000" dirty="0" smtClean="0">
-                <a:cs typeface="Times New Roman" pitchFamily="18" charset="0"/>
-              </a:rPr>
-              <a:t>fi</a:t>
-            </a:r>
-            <a:r>
-              <a:rPr lang="en-US" sz="4000" dirty="0" smtClean="0"/>
-              <a:t>sh, test each, </a:t>
-            </a:r>
-          </a:p>
-          <a:p>
-            <a:pPr eaLnBrk="1" hangingPunct="1">
-              <a:spcBef>
-                <a:spcPct val="0"/>
-              </a:spcBef>
-            </a:pPr>
-            <a:r>
-              <a:rPr lang="en-US" sz="4000" dirty="0" smtClean="0"/>
-              <a:t>  use</a:t>
-            </a:r>
-            <a:r>
-              <a:rPr lang="en-US" sz="4000" dirty="0" smtClean="0">
-                <a:solidFill>
-                  <a:schemeClr val="accent2"/>
-                </a:solidFill>
-              </a:rPr>
-              <a:t> %contaminated </a:t>
-            </a:r>
-            <a:r>
-              <a:rPr lang="en-US" sz="4000" dirty="0" smtClean="0">
-                <a:solidFill>
-                  <a:srgbClr val="0000FF"/>
-                </a:solidFill>
-              </a:rPr>
-              <a:t>in catch</a:t>
-            </a:r>
-            <a:r>
-              <a:rPr lang="en-US" sz="4000" dirty="0" smtClean="0"/>
-              <a:t> as </a:t>
-            </a:r>
-            <a:r>
-              <a:rPr lang="en-US" sz="4000" dirty="0" smtClean="0">
-                <a:solidFill>
-                  <a:srgbClr val="7030A0"/>
-                </a:solidFill>
-              </a:rPr>
-              <a:t>estimate</a:t>
-            </a:r>
-            <a:r>
-              <a:rPr lang="en-US" sz="4000" dirty="0" smtClean="0">
-                <a:solidFill>
-                  <a:srgbClr val="FF00FF"/>
-                </a:solidFill>
-              </a:rPr>
-              <a:t> </a:t>
-            </a:r>
-            <a:r>
-              <a:rPr lang="en-US" sz="4000" dirty="0" smtClean="0"/>
-              <a:t>of </a:t>
-            </a:r>
-            <a:r>
-              <a:rPr lang="en-US" sz="4000" dirty="0" smtClean="0">
-                <a:solidFill>
-                  <a:srgbClr val="006600"/>
-                </a:solidFill>
-              </a:rPr>
-              <a:t>%contaminated in whole river</a:t>
-            </a:r>
-          </a:p>
-        </p:txBody>
-      </p:sp>
-      <p:sp>
-        <p:nvSpPr>
-          <p:cNvPr id="27652" name="Rectangle 3"/>
-          <p:cNvSpPr>
-            <a:spLocks noGrp="1" noChangeArrowheads="1"/>
-          </p:cNvSpPr>
-          <p:nvPr>
-            <p:ph type="title"/>
-          </p:nvPr>
-        </p:nvSpPr>
-        <p:spPr>
-          <a:xfrm>
-            <a:off x="2286000" y="152400"/>
-            <a:ext cx="4648200" cy="1219200"/>
-          </a:xfrm>
-        </p:spPr>
-        <p:txBody>
-          <a:bodyPr/>
-          <a:lstStyle/>
-          <a:p>
-            <a:pPr eaLnBrk="1" hangingPunct="1"/>
-            <a:r>
-              <a:rPr lang="en-US" sz="4000" dirty="0" smtClean="0"/>
-              <a:t>Sampling</a:t>
-            </a:r>
-          </a:p>
-        </p:txBody>
-      </p:sp>
-      <p:pic>
-        <p:nvPicPr>
-          <p:cNvPr id="27653" name="Picture 5" descr="j0149621[1]"/>
-          <p:cNvPicPr>
-            <a:picLocks noChangeAspect="1" noChangeArrowheads="1"/>
-          </p:cNvPicPr>
-          <p:nvPr/>
-        </p:nvPicPr>
-        <p:blipFill>
-          <a:blip r:embed="rId3" cstate="print"/>
-          <a:srcRect/>
-          <a:stretch>
-            <a:fillRect/>
-          </a:stretch>
-        </p:blipFill>
-        <p:spPr bwMode="auto">
-          <a:xfrm>
-            <a:off x="6834188" y="2205038"/>
-            <a:ext cx="1624012" cy="812800"/>
-          </a:xfrm>
-          <a:prstGeom prst="rect">
-            <a:avLst/>
-          </a:prstGeom>
-          <a:noFill/>
-          <a:ln w="9525">
-            <a:noFill/>
-            <a:miter lim="800000"/>
-            <a:headEnd/>
-            <a:tailEnd/>
-          </a:ln>
-        </p:spPr>
-      </p:pic>
-      <p:grpSp>
-        <p:nvGrpSpPr>
-          <p:cNvPr id="2" name="Group 10"/>
-          <p:cNvGrpSpPr>
-            <a:grpSpLocks/>
-          </p:cNvGrpSpPr>
-          <p:nvPr/>
-        </p:nvGrpSpPr>
-        <p:grpSpPr bwMode="auto">
-          <a:xfrm>
-            <a:off x="3733800" y="2082800"/>
-            <a:ext cx="3100388" cy="1193800"/>
-            <a:chOff x="3733800" y="2082800"/>
-            <a:chExt cx="3100388" cy="1193801"/>
-          </a:xfrm>
-        </p:grpSpPr>
-        <p:pic>
-          <p:nvPicPr>
-            <p:cNvPr id="27655" name="Picture 6" descr="bd08894_[1]"/>
-            <p:cNvPicPr>
-              <a:picLocks noChangeAspect="1" noChangeArrowheads="1"/>
-            </p:cNvPicPr>
-            <p:nvPr/>
-          </p:nvPicPr>
-          <p:blipFill>
-            <a:blip r:embed="rId4" cstate="print"/>
-            <a:srcRect/>
-            <a:stretch>
-              <a:fillRect/>
-            </a:stretch>
-          </p:blipFill>
-          <p:spPr bwMode="auto">
-            <a:xfrm>
-              <a:off x="3733800" y="2236788"/>
-              <a:ext cx="1384300" cy="1039813"/>
-            </a:xfrm>
-            <a:prstGeom prst="rect">
-              <a:avLst/>
-            </a:prstGeom>
-            <a:noFill/>
-            <a:ln w="9525">
-              <a:noFill/>
-              <a:miter lim="800000"/>
-              <a:headEnd/>
-              <a:tailEnd/>
-            </a:ln>
-          </p:spPr>
-        </p:pic>
-        <p:grpSp>
-          <p:nvGrpSpPr>
-            <p:cNvPr id="27656" name="Group 9"/>
-            <p:cNvGrpSpPr>
-              <a:grpSpLocks/>
-            </p:cNvGrpSpPr>
-            <p:nvPr/>
-          </p:nvGrpSpPr>
-          <p:grpSpPr bwMode="auto">
-            <a:xfrm>
-              <a:off x="5119688" y="2082800"/>
-              <a:ext cx="1714500" cy="584775"/>
-              <a:chOff x="5119688" y="2082800"/>
-              <a:chExt cx="1714500" cy="584775"/>
-            </a:xfrm>
-          </p:grpSpPr>
-          <p:sp>
-            <p:nvSpPr>
-              <p:cNvPr id="27657" name="Line 7"/>
-              <p:cNvSpPr>
-                <a:spLocks noChangeShapeType="1"/>
-              </p:cNvSpPr>
-              <p:nvPr/>
-            </p:nvSpPr>
-            <p:spPr bwMode="auto">
-              <a:xfrm flipH="1">
-                <a:off x="5119688" y="2611438"/>
-                <a:ext cx="1714500" cy="0"/>
-              </a:xfrm>
-              <a:prstGeom prst="line">
-                <a:avLst/>
-              </a:prstGeom>
-              <a:noFill/>
-              <a:ln w="44450">
-                <a:solidFill>
-                  <a:srgbClr val="008000"/>
-                </a:solidFill>
-                <a:prstDash val="dash"/>
-                <a:round/>
-                <a:headEnd/>
-                <a:tailEnd type="stealth" w="lg" len="lg"/>
-              </a:ln>
-            </p:spPr>
-            <p:txBody>
-              <a:bodyPr>
-                <a:spAutoFit/>
-              </a:bodyPr>
-              <a:lstStyle/>
-              <a:p>
-                <a:endParaRPr lang="en-US"/>
-              </a:p>
-            </p:txBody>
-          </p:sp>
-          <p:sp>
-            <p:nvSpPr>
-              <p:cNvPr id="29705" name="Text Box 8"/>
-              <p:cNvSpPr txBox="1">
-                <a:spLocks noChangeArrowheads="1"/>
-              </p:cNvSpPr>
-              <p:nvPr/>
-            </p:nvSpPr>
-            <p:spPr bwMode="auto">
-              <a:xfrm>
-                <a:off x="5715000" y="2082800"/>
-                <a:ext cx="649288" cy="584200"/>
-              </a:xfrm>
-              <a:prstGeom prst="rect">
-                <a:avLst/>
-              </a:prstGeom>
-              <a:noFill/>
-              <a:ln w="9525">
-                <a:noFill/>
-                <a:miter lim="800000"/>
-                <a:headEnd/>
-                <a:tailEnd/>
-              </a:ln>
-            </p:spPr>
-            <p:txBody>
-              <a:bodyPr wrap="none">
-                <a:spAutoFit/>
-              </a:bodyPr>
-              <a:lstStyle/>
-              <a:p>
-                <a:pPr algn="l">
-                  <a:defRPr/>
-                </a:pPr>
-                <a:r>
-                  <a:rPr lang="en-US" sz="3200" b="1" dirty="0">
-                    <a:solidFill>
-                      <a:schemeClr val="accent2"/>
-                    </a:solidFill>
-                    <a:latin typeface="+mj-lt"/>
-                  </a:rPr>
-                  <a:t>??</a:t>
-                </a:r>
-              </a:p>
-            </p:txBody>
-          </p:sp>
-        </p:grpSp>
-      </p:grpSp>
-    </p:spTree>
-  </p:cSld>
-  <p:clrMapOvr>
-    <a:masterClrMapping/>
-  </p:clrMapOvr>
-  <p:transition>
-    <p:fade thruBlk="1"/>
-  </p:transition>
-  <p:timing>
-    <p:tnLst>
-      <p:par>
-        <p:cTn id="1" dur="indefinite" restart="never" nodeType="tmRoot">
-          <p:childTnLst>
-            <p:seq concurrent="1" nextAc="seek">
-              <p:cTn id="2" dur="indefinite" nodeType="mainSeq">
-                <p:childTnLst>
-                  <p:par>
-                    <p:cTn id="3" fill="hold">
-                      <p:stCondLst>
-                        <p:cond delay="indefinite"/>
-                        <p:cond evt="onBegin" delay="0">
-                          <p:tn val="2"/>
-                        </p:cond>
-                      </p:stCondLst>
-                      <p:childTnLst>
-                        <p:par>
-                          <p:cTn id="4" fill="hold">
-                            <p:stCondLst>
-                              <p:cond delay="0"/>
-                            </p:stCondLst>
-                            <p:childTnLst>
-                              <p:par>
-                                <p:cTn id="5" presetID="1" presetClass="entr" presetSubtype="0" fill="hold" nodeType="afterEffect">
-                                  <p:stCondLst>
-                                    <p:cond delay="0"/>
-                                  </p:stCondLst>
-                                  <p:childTnLst>
-                                    <p:set>
-                                      <p:cBhvr>
-                                        <p:cTn id="6" dur="1" fill="hold">
-                                          <p:stCondLst>
-                                            <p:cond delay="0"/>
-                                          </p:stCondLst>
-                                        </p:cTn>
-                                        <p:tgtEl>
-                                          <p:spTgt spid="177154">
-                                            <p:txEl>
-                                              <p:pRg st="0" end="0"/>
-                                            </p:txEl>
-                                          </p:spTgt>
-                                        </p:tgtEl>
-                                        <p:attrNameLst>
-                                          <p:attrName>style.visibility</p:attrName>
-                                        </p:attrNameLst>
-                                      </p:cBhvr>
-                                      <p:to>
-                                        <p:strVal val="visible"/>
-                                      </p:to>
-                                    </p:set>
-                                  </p:childTnLst>
-                                </p:cTn>
-                              </p:par>
-                              <p:par>
-                                <p:cTn id="7" presetID="1" presetClass="entr" presetSubtype="0" fill="hold" nodeType="withEffect">
-                                  <p:stCondLst>
-                                    <p:cond delay="0"/>
-                                  </p:stCondLst>
-                                  <p:childTnLst>
-                                    <p:set>
-                                      <p:cBhvr>
-                                        <p:cTn id="8" dur="1" fill="hold">
-                                          <p:stCondLst>
-                                            <p:cond delay="0"/>
-                                          </p:stCondLst>
-                                        </p:cTn>
-                                        <p:tgtEl>
-                                          <p:spTgt spid="177154">
-                                            <p:txEl>
-                                              <p:pRg st="1" end="1"/>
-                                            </p:txEl>
-                                          </p:spTgt>
-                                        </p:tgtEl>
-                                        <p:attrNameLst>
-                                          <p:attrName>style.visibility</p:attrName>
-                                        </p:attrNameLst>
-                                      </p:cBhvr>
-                                      <p:to>
-                                        <p:strVal val="visible"/>
-                                      </p:to>
-                                    </p:set>
-                                  </p:childTnLst>
-                                </p:cTn>
-                              </p:par>
-                            </p:childTnLst>
-                          </p:cTn>
-                        </p:par>
-                        <p:par>
-                          <p:cTn id="9" fill="hold">
-                            <p:stCondLst>
-                              <p:cond delay="0"/>
-                            </p:stCondLst>
-                            <p:childTnLst>
-                              <p:par>
-                                <p:cTn id="10" presetID="9" presetClass="entr" presetSubtype="0" fill="hold" nodeType="afterEffect">
-                                  <p:stCondLst>
-                                    <p:cond delay="0"/>
-                                  </p:stCondLst>
-                                  <p:childTnLst>
-                                    <p:set>
-                                      <p:cBhvr>
-                                        <p:cTn id="11" dur="1" fill="hold">
-                                          <p:stCondLst>
-                                            <p:cond delay="0"/>
-                                          </p:stCondLst>
-                                        </p:cTn>
-                                        <p:tgtEl>
-                                          <p:spTgt spid="27653"/>
-                                        </p:tgtEl>
-                                        <p:attrNameLst>
-                                          <p:attrName>style.visibility</p:attrName>
-                                        </p:attrNameLst>
-                                      </p:cBhvr>
-                                      <p:to>
-                                        <p:strVal val="visible"/>
-                                      </p:to>
-                                    </p:set>
-                                    <p:animEffect transition="in" filter="dissolve">
-                                      <p:cBhvr>
-                                        <p:cTn id="12" dur="500"/>
-                                        <p:tgtEl>
-                                          <p:spTgt spid="27653"/>
-                                        </p:tgtEl>
-                                      </p:cBhvr>
-                                    </p:animEffect>
-                                  </p:childTnLst>
-                                </p:cTn>
-                              </p:par>
-                            </p:childTnLst>
-                          </p:cTn>
-                        </p:par>
-                        <p:par>
-                          <p:cTn id="13" fill="hold">
-                            <p:stCondLst>
-                              <p:cond delay="500"/>
-                            </p:stCondLst>
-                            <p:childTnLst>
-                              <p:par>
-                                <p:cTn id="14" presetID="22" presetClass="entr" presetSubtype="2" fill="hold" nodeType="afterEffect">
-                                  <p:stCondLst>
-                                    <p:cond delay="500"/>
-                                  </p:stCondLst>
-                                  <p:childTnLst>
-                                    <p:set>
-                                      <p:cBhvr>
-                                        <p:cTn id="15" dur="1" fill="hold">
-                                          <p:stCondLst>
-                                            <p:cond delay="0"/>
-                                          </p:stCondLst>
-                                        </p:cTn>
-                                        <p:tgtEl>
-                                          <p:spTgt spid="2"/>
-                                        </p:tgtEl>
-                                        <p:attrNameLst>
-                                          <p:attrName>style.visibility</p:attrName>
-                                        </p:attrNameLst>
-                                      </p:cBhvr>
-                                      <p:to>
-                                        <p:strVal val="visible"/>
-                                      </p:to>
-                                    </p:set>
-                                    <p:animEffect transition="in" filter="wipe(right)">
-                                      <p:cBhvr>
-                                        <p:cTn id="16" dur="1000"/>
-                                        <p:tgtEl>
-                                          <p:spTgt spid="2"/>
-                                        </p:tgtEl>
-                                      </p:cBhvr>
-                                    </p:animEffect>
-                                  </p:childTnLst>
-                                </p:cTn>
-                              </p:par>
-                            </p:childTnLst>
-                          </p:cTn>
-                        </p:par>
-                      </p:childTnLst>
-                    </p:cTn>
-                  </p:par>
-                  <p:par>
-                    <p:cTn id="17" fill="hold">
-                      <p:stCondLst>
-                        <p:cond delay="indefinite"/>
-                      </p:stCondLst>
-                      <p:childTnLst>
-                        <p:par>
-                          <p:cTn id="18" fill="hold">
-                            <p:stCondLst>
-                              <p:cond delay="0"/>
-                            </p:stCondLst>
-                            <p:childTnLst>
-                              <p:par>
-                                <p:cTn id="19" presetID="1" presetClass="entr" presetSubtype="0" fill="hold" nodeType="clickEffect">
-                                  <p:stCondLst>
-                                    <p:cond delay="0"/>
-                                  </p:stCondLst>
-                                  <p:childTnLst>
-                                    <p:set>
-                                      <p:cBhvr>
-                                        <p:cTn id="20" dur="1" fill="hold">
-                                          <p:stCondLst>
-                                            <p:cond delay="0"/>
-                                          </p:stCondLst>
-                                        </p:cTn>
-                                        <p:tgtEl>
-                                          <p:spTgt spid="177154">
-                                            <p:txEl>
-                                              <p:pRg st="3" end="3"/>
-                                            </p:txEl>
-                                          </p:spTgt>
-                                        </p:tgtEl>
-                                        <p:attrNameLst>
-                                          <p:attrName>style.visibility</p:attrName>
-                                        </p:attrNameLst>
-                                      </p:cBhvr>
-                                      <p:to>
-                                        <p:strVal val="visible"/>
-                                      </p:to>
-                                    </p:set>
-                                  </p:childTnLst>
-                                </p:cTn>
-                              </p:par>
-                            </p:childTnLst>
-                          </p:cTn>
-                        </p:par>
-                      </p:childTnLst>
-                    </p:cTn>
-                  </p:par>
-                  <p:par>
-                    <p:cTn id="21" fill="hold">
-                      <p:stCondLst>
-                        <p:cond delay="indefinite"/>
-                      </p:stCondLst>
-                      <p:childTnLst>
-                        <p:par>
-                          <p:cTn id="22" fill="hold">
-                            <p:stCondLst>
-                              <p:cond delay="0"/>
-                            </p:stCondLst>
-                            <p:childTnLst>
-                              <p:par>
-                                <p:cTn id="23" presetID="1" presetClass="entr" presetSubtype="0" fill="hold" nodeType="clickEffect">
-                                  <p:stCondLst>
-                                    <p:cond delay="0"/>
-                                  </p:stCondLst>
-                                  <p:childTnLst>
-                                    <p:set>
-                                      <p:cBhvr>
-                                        <p:cTn id="24" dur="1" fill="hold">
-                                          <p:stCondLst>
-                                            <p:cond delay="0"/>
-                                          </p:stCondLst>
-                                        </p:cTn>
-                                        <p:tgtEl>
-                                          <p:spTgt spid="177154">
-                                            <p:txEl>
-                                              <p:pRg st="4" end="4"/>
-                                            </p:txEl>
-                                          </p:spTgt>
-                                        </p:tgtEl>
-                                        <p:attrNameLst>
-                                          <p:attrName>style.visibility</p:attrName>
-                                        </p:attrNameLst>
-                                      </p:cBhvr>
-                                      <p:to>
-                                        <p:strVal val="visible"/>
-                                      </p:to>
-                                    </p:set>
-                                  </p:childTnLst>
-                                </p:cTn>
-                              </p:par>
-                            </p:childTnLst>
-                          </p:cTn>
-                        </p:par>
-                      </p:childTnLst>
-                    </p:cTn>
-                  </p:par>
-                </p:childTnLst>
-              </p:cTn>
-              <p:prevCondLst>
-                <p:cond evt="onPrev" delay="0">
-                  <p:tgtEl>
-                    <p:sldTgt/>
-                  </p:tgtEl>
-                </p:cond>
-              </p:prevCondLst>
-              <p:nextCondLst>
-                <p:cond evt="onNext" delay="0">
-                  <p:tgtEl>
-                    <p:sldTgt/>
-                  </p:tgtEl>
-                </p:cond>
-              </p:nextCondLst>
-            </p:seq>
-          </p:childTnLst>
-        </p:cTn>
-      </p:par>
-    </p:tnLst>
-  </p:timing>
-</p:sld>
-</file>
-
-<file path=ppt/slides/slide20.xml><?xml version="1.0" encoding="utf-8"?>
-<p:sld xmlns:a="http://schemas.openxmlformats.org/drawingml/2006/main" xmlns:r="http://schemas.openxmlformats.org/officeDocument/2006/relationships" xmlns:mc="http://schemas.openxmlformats.org/markup-compatibility/2006" xmlns:mv="urn:schemas-microsoft-com:mac:vml" xmlns:p="http://schemas.openxmlformats.org/presentationml/2006/main" mc:Ignorable="mv" mc:PreserveAttributes="mv:*">
-  <p:cSld>
-    <p:spTree>
-      <p:nvGrpSpPr>
-        <p:cNvPr id="1" name=""/>
-        <p:cNvGrpSpPr/>
-        <p:nvPr/>
-      </p:nvGrpSpPr>
-      <p:grpSpPr>
-        <a:xfrm>
-          <a:off x="0" y="0"/>
-          <a:ext cx="0" cy="0"/>
-          <a:chOff x="0" y="0"/>
-          <a:chExt cx="0" cy="0"/>
-        </a:xfrm>
-      </p:grpSpPr>
-      <p:sp>
-        <p:nvSpPr>
           <p:cNvPr id="33794" name="Slide Number Placeholder 3"/>
           <p:cNvSpPr>
             <a:spLocks noGrp="1"/>
@@ -10789,7 +10890,7 @@
               <a:pPr>
                 <a:defRPr/>
               </a:pPr>
-              <a:t>20</a:t>
+              <a:t>21</a:t>
             </a:fld>
             <a:endParaRPr lang="en-US" dirty="0"/>
           </a:p>
@@ -11385,7 +11486,7 @@
 </p:sld>
 </file>
 
-<file path=ppt/slides/slide21.xml><?xml version="1.0" encoding="utf-8"?>
+<file path=ppt/slides/slide22.xml><?xml version="1.0" encoding="utf-8"?>
 <p:sld xmlns:a="http://schemas.openxmlformats.org/drawingml/2006/main" xmlns:r="http://schemas.openxmlformats.org/officeDocument/2006/relationships" xmlns:mc="http://schemas.openxmlformats.org/markup-compatibility/2006" xmlns:mv="urn:schemas-microsoft-com:mac:vml" xmlns:p="http://schemas.openxmlformats.org/presentationml/2006/main" mc:Ignorable="mv" mc:PreserveAttributes="mv:*">
   <p:cSld>
     <p:spTree>
@@ -11513,7 +11614,7 @@
               <a:pPr>
                 <a:defRPr/>
               </a:pPr>
-              <a:t>21</a:t>
+              <a:t>22</a:t>
             </a:fld>
             <a:endParaRPr lang="en-US" dirty="0"/>
           </a:p>
@@ -11725,7 +11826,7 @@
 </p:sld>
 </file>
 
-<file path=ppt/slides/slide22.xml><?xml version="1.0" encoding="utf-8"?>
+<file path=ppt/slides/slide23.xml><?xml version="1.0" encoding="utf-8"?>
 <p:sld xmlns:a="http://schemas.openxmlformats.org/drawingml/2006/main" xmlns:r="http://schemas.openxmlformats.org/officeDocument/2006/relationships" xmlns:mc="http://schemas.openxmlformats.org/markup-compatibility/2006" xmlns:mv="urn:schemas-microsoft-com:mac:vml" xmlns:p="http://schemas.openxmlformats.org/presentationml/2006/main" mc:Ignorable="mv" mc:PreserveAttributes="mv:*">
   <p:cSld>
     <p:spTree>
@@ -11816,7 +11917,6 @@
               <a:rPr lang="en-US" sz="10600" dirty="0" smtClean="0"/>
               <a:t>3</a:t>
             </a:r>
-            <a:endParaRPr lang="en-US" sz="10600" dirty="0" smtClean="0"/>
           </a:p>
         </p:txBody>
       </p:sp>
@@ -11851,7 +11951,7 @@
               <a:pPr>
                 <a:defRPr/>
               </a:pPr>
-              <a:t>22</a:t>
+              <a:t>23</a:t>
             </a:fld>
             <a:endParaRPr lang="en-US" dirty="0" smtClean="0"/>
           </a:p>
@@ -11980,7 +12080,7 @@
             <a:pPr eaLnBrk="1" hangingPunct="1"/>
             <a:r>
               <a:rPr lang="en-US" sz="5400" dirty="0" smtClean="0"/>
-              <a:t>Catch </a:t>
+              <a:t>Take </a:t>
             </a:r>
             <a:r>
               <a:rPr lang="en-US" sz="5400" dirty="0" smtClean="0">
@@ -11988,19 +12088,7 @@
                   <a:srgbClr val="0000FF"/>
                 </a:solidFill>
               </a:rPr>
-              <a:t>500</a:t>
-            </a:r>
-            <a:r>
-              <a:rPr lang="en-US" sz="5400" dirty="0" smtClean="0"/>
-              <a:t> </a:t>
-            </a:r>
-            <a:r>
-              <a:rPr lang="en-US" sz="5400" dirty="0" err="1" smtClean="0"/>
-              <a:t>ﬁsh</a:t>
-            </a:r>
-            <a:r>
-              <a:rPr lang="en-US" sz="5400" dirty="0" smtClean="0"/>
-              <a:t>;</a:t>
+              <a:t>1</a:t>
             </a:r>
             <a:r>
               <a:rPr lang="en-US" sz="5400" dirty="0" smtClean="0">
@@ -12008,11 +12096,11 @@
                   <a:srgbClr val="0000FF"/>
                 </a:solidFill>
               </a:rPr>
-              <a:t> </a:t>
+              <a:t>00</a:t>
             </a:r>
             <a:r>
               <a:rPr lang="en-US" sz="5400" dirty="0" smtClean="0"/>
-              <a:t>what is</a:t>
+              <a:t> samples;</a:t>
             </a:r>
             <a:r>
               <a:rPr lang="en-US" sz="5400" dirty="0" smtClean="0">
@@ -12020,6 +12108,18 @@
                   <a:srgbClr val="0000FF"/>
                 </a:solidFill>
               </a:rPr>
+              <a:t> </a:t>
+            </a:r>
+            <a:r>
+              <a:rPr lang="en-US" sz="5400" dirty="0" smtClean="0"/>
+              <a:t>what is</a:t>
+            </a:r>
+            <a:r>
+              <a:rPr lang="en-US" sz="5400" dirty="0" smtClean="0">
+                <a:solidFill>
+                  <a:srgbClr val="0000FF"/>
+                </a:solidFill>
+              </a:rPr>
               <a:t> probability</a:t>
             </a:r>
             <a:r>
@@ -12052,7 +12152,15 @@
                   <a:srgbClr val="006600"/>
                 </a:solidFill>
               </a:rPr>
-              <a:t>within 0.1</a:t>
+              <a:t>within</a:t>
+            </a:r>
+            <a:r>
+              <a:rPr lang="en-US" sz="5400" dirty="0" smtClean="0">
+                <a:solidFill>
+                  <a:srgbClr val="006600"/>
+                </a:solidFill>
+              </a:rPr>
+              <a:t> 50</a:t>
             </a:r>
             <a:r>
               <a:rPr lang="en-US" sz="5400" dirty="0" smtClean="0">
@@ -12084,34 +12192,26 @@
       </p:sp>
       <p:pic>
         <p:nvPicPr>
-          <p:cNvPr id="28677" name="Picture 4" descr="j0149621[1]"/>
+          <p:cNvPr id="6" name="Picture 5"/>
           <p:cNvPicPr>
-            <a:picLocks noChangeAspect="1" noChangeArrowheads="1"/>
+            <a:picLocks noChangeAspect="1"/>
           </p:cNvPicPr>
           <p:nvPr/>
         </p:nvPicPr>
         <p:blipFill>
-          <a:blip r:embed="rId3" cstate="print"/>
-          <a:srcRect/>
+          <a:blip r:embed="rId3"/>
           <a:stretch>
             <a:fillRect/>
           </a:stretch>
         </p:blipFill>
-        <p:spPr bwMode="auto">
+        <p:spPr>
           <a:xfrm>
-            <a:off x="6248400" y="258763"/>
-            <a:ext cx="1981200" cy="1112837"/>
+            <a:off x="7086600" y="228600"/>
+            <a:ext cx="1418617" cy="1066800"/>
           </a:xfrm>
           <a:prstGeom prst="rect">
             <a:avLst/>
           </a:prstGeom>
-          <a:noFill/>
-          <a:ln w="9525">
-            <a:noFill/>
-            <a:miter lim="800000"/>
-            <a:headEnd/>
-            <a:tailEnd/>
-          </a:ln>
         </p:spPr>
       </p:pic>
     </p:spTree>
@@ -12119,7 +12219,9 @@
   <p:clrMapOvr>
     <a:masterClrMapping/>
   </p:clrMapOvr>
-  <p:transition/>
+  <p:transition spd="med">
+    <p:fade/>
+  </p:transition>
   <p:timing>
     <p:tnLst>
       <p:par>
@@ -12159,7 +12261,7 @@
         </p:nvSpPr>
         <p:spPr>
           <a:xfrm>
-            <a:off x="914400" y="457200"/>
+            <a:off x="1143000" y="304800"/>
             <a:ext cx="5105400" cy="838200"/>
           </a:xfrm>
         </p:spPr>
@@ -12169,9 +12271,10 @@
           <a:p>
             <a:pPr algn="l" eaLnBrk="1" hangingPunct="1"/>
             <a:r>
-              <a:rPr lang="en-US" smtClean="0"/>
-              <a:t>Model as Coin Tosses</a:t>
-            </a:r>
+              <a:rPr lang="en-US" dirty="0" smtClean="0"/>
+              <a:t>Sampling parameters</a:t>
+            </a:r>
+            <a:endParaRPr lang="en-US" dirty="0" smtClean="0"/>
           </a:p>
         </p:txBody>
       </p:sp>
@@ -12224,8 +12327,8 @@
         </p:nvSpPr>
         <p:spPr>
           <a:xfrm>
-            <a:off x="152400" y="1371600"/>
-            <a:ext cx="8763000" cy="4191000"/>
+            <a:off x="0" y="1371600"/>
+            <a:ext cx="9067800" cy="5029200"/>
           </a:xfrm>
         </p:spPr>
         <p:txBody>
@@ -12242,12 +12345,12 @@
               <a:t> </a:t>
             </a:r>
             <a:r>
-              <a:rPr lang="en-US" sz="4000" dirty="0" smtClean="0">
+              <a:rPr lang="en-US" sz="4000" dirty="0" err="1" smtClean="0">
                 <a:solidFill>
-                  <a:schemeClr val="accent2"/>
+                  <a:srgbClr val="008000"/>
                 </a:solidFill>
               </a:rPr>
-              <a:t>p</a:t>
+              <a:t>c</a:t>
             </a:r>
             <a:r>
               <a:rPr lang="en-US" sz="4000" dirty="0" smtClean="0">
@@ -12259,14 +12362,22 @@
             </a:r>
             <a:r>
               <a:rPr lang="en-US" sz="4000" dirty="0" smtClean="0"/>
-              <a:t>::= fraction contaminated in river</a:t>
+              <a:t>::=</a:t>
+            </a:r>
+            <a:r>
+              <a:rPr lang="en-US" sz="4000" dirty="0" smtClean="0"/>
+              <a:t> average CMD in river</a:t>
             </a:r>
           </a:p>
           <a:p>
             <a:pPr marL="0" indent="0" eaLnBrk="1" hangingPunct="1"/>
             <a:r>
               <a:rPr lang="en-US" sz="4400" dirty="0" smtClean="0"/>
-              <a:t> test a fish    </a:t>
+              <a:t>CMD </a:t>
+            </a:r>
+            <a:r>
+              <a:rPr lang="en-US" sz="4400" dirty="0" smtClean="0"/>
+              <a:t>measure</a:t>
             </a:r>
             <a:r>
               <a:rPr lang="en-US" sz="4400" b="1" dirty="0" smtClean="0">
@@ -12287,15 +12398,11 @@
             </a:r>
             <a:r>
               <a:rPr lang="en-US" sz="4400" dirty="0" smtClean="0"/>
-              <a:t>toss bias</a:t>
-            </a:r>
-            <a:r>
-              <a:rPr lang="en-US" sz="4400" dirty="0" smtClean="0">
-                <a:solidFill>
-                  <a:srgbClr val="0000FF"/>
-                </a:solidFill>
-              </a:rPr>
-              <a:t> </a:t>
+              <a:t>ran </a:t>
+            </a:r>
+            <a:r>
+              <a:rPr lang="en-US" sz="4400" dirty="0" err="1" smtClean="0"/>
+              <a:t>var</a:t>
             </a:r>
             <a:r>
               <a:rPr lang="en-US" sz="4400" dirty="0" smtClean="0">
@@ -12303,23 +12410,15 @@
                   <a:schemeClr val="accent2"/>
                 </a:solidFill>
               </a:rPr>
-              <a:t>p </a:t>
-            </a:r>
-            <a:r>
-              <a:rPr lang="en-US" sz="4400" dirty="0" smtClean="0"/>
-              <a:t>coin</a:t>
-            </a:r>
-            <a:endParaRPr lang="en-US" sz="4400" dirty="0" smtClean="0">
-              <a:solidFill>
-                <a:schemeClr val="accent2"/>
-              </a:solidFill>
-            </a:endParaRPr>
-          </a:p>
-          <a:p>
-            <a:pPr marL="0" indent="0" eaLnBrk="1" hangingPunct="1"/>
-            <a:r>
-              <a:rPr lang="en-US" sz="4400" dirty="0" smtClean="0"/>
-              <a:t> catch </a:t>
+              <a:t> </a:t>
+            </a:r>
+            <a:r>
+              <a:rPr lang="en-US" sz="4400" dirty="0" smtClean="0">
+                <a:solidFill>
+                  <a:srgbClr val="000000"/>
+                </a:solidFill>
+              </a:rPr>
+              <a:t>with</a:t>
             </a:r>
             <a:r>
               <a:rPr lang="en-US" sz="4400" dirty="0" smtClean="0">
@@ -12327,15 +12426,71 @@
                   <a:schemeClr val="accent2"/>
                 </a:solidFill>
               </a:rPr>
+              <a:t> </a:t>
+            </a:r>
+            <a:r>
+              <a:rPr lang="en-US" sz="4400" dirty="0" err="1" smtClean="0">
+                <a:solidFill>
+                  <a:schemeClr val="accent2"/>
+                </a:solidFill>
+              </a:rPr>
+              <a:t>μ</a:t>
+            </a:r>
+            <a:r>
+              <a:rPr lang="en-US" sz="4400" dirty="0" smtClean="0">
+                <a:solidFill>
+                  <a:schemeClr val="accent2"/>
+                </a:solidFill>
+              </a:rPr>
+              <a:t> </a:t>
+            </a:r>
+            <a:r>
+              <a:rPr lang="en-US" sz="4400" dirty="0" smtClean="0"/>
+              <a:t>=</a:t>
+            </a:r>
+            <a:r>
+              <a:rPr lang="en-US" sz="4400" dirty="0" smtClean="0">
+                <a:solidFill>
+                  <a:schemeClr val="accent2"/>
+                </a:solidFill>
+              </a:rPr>
+              <a:t> </a:t>
+            </a:r>
+            <a:r>
+              <a:rPr lang="en-US" sz="4400" dirty="0" err="1" smtClean="0">
+                <a:solidFill>
+                  <a:srgbClr val="008000"/>
+                </a:solidFill>
+              </a:rPr>
+              <a:t>c</a:t>
+            </a:r>
+            <a:endParaRPr lang="en-US" sz="4400" dirty="0" smtClean="0">
+              <a:solidFill>
+                <a:srgbClr val="008000"/>
+              </a:solidFill>
+            </a:endParaRPr>
+          </a:p>
+          <a:p>
+            <a:pPr marL="0" indent="0" eaLnBrk="1" hangingPunct="1"/>
+            <a:r>
+              <a:rPr lang="en-US" sz="4400" dirty="0" smtClean="0">
+                <a:solidFill>
+                  <a:schemeClr val="accent2"/>
+                </a:solidFill>
+              </a:rPr>
+              <a:t> </a:t>
+            </a:r>
+            <a:r>
+              <a:rPr lang="en-US" sz="4400" dirty="0" err="1" smtClean="0">
+                <a:solidFill>
+                  <a:schemeClr val="accent2"/>
+                </a:solidFill>
+              </a:rPr>
               <a:t>n</a:t>
             </a:r>
             <a:r>
               <a:rPr lang="en-US" sz="4400" dirty="0" smtClean="0"/>
-              <a:t> fish</a:t>
-            </a:r>
-            <a:r>
-              <a:rPr lang="en-US" sz="4400" b="1" dirty="0" smtClean="0"/>
-              <a:t> </a:t>
+              <a:t> samples</a:t>
             </a:r>
             <a:r>
               <a:rPr lang="en-US" sz="4400" b="1" dirty="0" smtClean="0">
@@ -12350,7 +12505,63 @@
             </a:r>
             <a:r>
               <a:rPr lang="en-US" sz="4400" dirty="0" smtClean="0"/>
-              <a:t> toss </a:t>
+              <a:t> </a:t>
+            </a:r>
+            <a:r>
+              <a:rPr lang="en-US" sz="4400" dirty="0" err="1" smtClean="0">
+                <a:solidFill>
+                  <a:schemeClr val="accent2"/>
+                </a:solidFill>
+              </a:rPr>
+              <a:t>n</a:t>
+            </a:r>
+            <a:r>
+              <a:rPr lang="en-US" sz="4400" dirty="0" smtClean="0"/>
+              <a:t> </a:t>
+            </a:r>
+            <a:r>
+              <a:rPr lang="en-US" sz="4400" dirty="0" smtClean="0">
+                <a:solidFill>
+                  <a:srgbClr val="800F6F"/>
+                </a:solidFill>
+              </a:rPr>
+              <a:t>mutually </a:t>
+            </a:r>
+            <a:r>
+              <a:rPr lang="en-US" sz="4400" dirty="0" err="1" smtClean="0">
+                <a:solidFill>
+                  <a:srgbClr val="800F6F"/>
+                </a:solidFill>
+              </a:rPr>
+              <a:t>indep</a:t>
+            </a:r>
+            <a:endParaRPr lang="en-US" sz="4400" dirty="0" smtClean="0">
+              <a:solidFill>
+                <a:srgbClr val="800F6F"/>
+              </a:solidFill>
+            </a:endParaRPr>
+          </a:p>
+          <a:p>
+            <a:pPr marL="0" indent="0" eaLnBrk="1" hangingPunct="1"/>
+            <a:r>
+              <a:rPr lang="en-US" sz="4400" dirty="0" smtClean="0"/>
+              <a:t>                    ran </a:t>
+            </a:r>
+            <a:r>
+              <a:rPr lang="en-US" sz="4400" dirty="0" err="1" smtClean="0"/>
+              <a:t>vars</a:t>
+            </a:r>
+            <a:r>
+              <a:rPr lang="en-US" sz="4400" dirty="0" smtClean="0"/>
+              <a:t> </a:t>
+            </a:r>
+            <a:r>
+              <a:rPr lang="en-US" sz="4400" dirty="0" smtClean="0">
+                <a:solidFill>
+                  <a:srgbClr val="000000"/>
+                </a:solidFill>
+              </a:rPr>
+              <a:t>with</a:t>
             </a:r>
             <a:r>
               <a:rPr lang="en-US" sz="4400" dirty="0" smtClean="0">
@@ -12358,12 +12569,45 @@
                   <a:schemeClr val="accent2"/>
                 </a:solidFill>
               </a:rPr>
-              <a:t>n</a:t>
+              <a:t>  </a:t>
+            </a:r>
+            <a:r>
+              <a:rPr lang="en-US" sz="4400" dirty="0" err="1" smtClean="0">
+                <a:solidFill>
+                  <a:schemeClr val="accent2"/>
+                </a:solidFill>
+              </a:rPr>
+              <a:t>μ</a:t>
+            </a:r>
+            <a:r>
+              <a:rPr lang="en-US" sz="4400" dirty="0" smtClean="0">
+                <a:solidFill>
+                  <a:schemeClr val="accent2"/>
+                </a:solidFill>
+              </a:rPr>
+              <a:t> </a:t>
             </a:r>
             <a:r>
               <a:rPr lang="en-US" sz="4400" dirty="0" smtClean="0"/>
-              <a:t> coins</a:t>
-            </a:r>
+              <a:t>=</a:t>
+            </a:r>
+            <a:r>
+              <a:rPr lang="en-US" sz="4400" dirty="0" smtClean="0">
+                <a:solidFill>
+                  <a:schemeClr val="accent2"/>
+                </a:solidFill>
+              </a:rPr>
+              <a:t> </a:t>
+            </a:r>
+            <a:r>
+              <a:rPr lang="en-US" sz="4400" dirty="0" err="1" smtClean="0">
+                <a:solidFill>
+                  <a:srgbClr val="008000"/>
+                </a:solidFill>
+              </a:rPr>
+              <a:t>c</a:t>
+            </a:r>
+            <a:endParaRPr lang="en-US" sz="4400" dirty="0" smtClean="0"/>
           </a:p>
           <a:p>
             <a:pPr marL="0" indent="0" eaLnBrk="1" hangingPunct="1"/>
@@ -12373,7 +12617,7 @@
                   <a:schemeClr val="accent2"/>
                 </a:solidFill>
               </a:rPr>
-              <a:t> A</a:t>
+              <a:t>A</a:t>
             </a:r>
             <a:r>
               <a:rPr lang="en-US" sz="5400" baseline="-25000" dirty="0" smtClean="0">
@@ -12395,18 +12639,15 @@
             </a:r>
             <a:r>
               <a:rPr lang="en-US" sz="4400" dirty="0" smtClean="0"/>
-              <a:t> fraction contaminated                      </a:t>
-            </a:r>
-          </a:p>
-          <a:p>
-            <a:pPr marL="0" indent="0" eaLnBrk="1" hangingPunct="1">
-              <a:spcBef>
-                <a:spcPts val="0"/>
-              </a:spcBef>
-            </a:pPr>
+              <a:t> </a:t>
+            </a:r>
+            <a:r>
+              <a:rPr lang="en-US" sz="4400" dirty="0" err="1" smtClean="0"/>
+              <a:t>avg</a:t>
+            </a:r>
             <a:r>
               <a:rPr lang="en-US" sz="4400" dirty="0" smtClean="0"/>
-              <a:t>            in the sample of </a:t>
+              <a:t> CMD in the </a:t>
             </a:r>
             <a:r>
               <a:rPr lang="en-US" sz="4400" dirty="0" err="1" smtClean="0">
@@ -12415,6 +12656,18 @@
                 </a:solidFill>
               </a:rPr>
               <a:t>n</a:t>
+            </a:r>
+            <a:r>
+              <a:rPr lang="en-US" sz="4400" dirty="0" smtClean="0">
+                <a:solidFill>
+                  <a:srgbClr val="0006FE"/>
+                </a:solidFill>
+              </a:rPr>
+              <a:t> </a:t>
+            </a:r>
+            <a:r>
+              <a:rPr lang="en-US" sz="4400" dirty="0" smtClean="0"/>
+              <a:t>samples</a:t>
             </a:r>
             <a:endParaRPr lang="en-US" sz="4400" dirty="0" smtClean="0">
               <a:solidFill>
@@ -12424,133 +12677,38 @@
           </a:p>
         </p:txBody>
       </p:sp>
-      <p:grpSp>
-        <p:nvGrpSpPr>
-          <p:cNvPr id="2" name="Group 9"/>
-          <p:cNvGrpSpPr>
-            <a:grpSpLocks/>
-          </p:cNvGrpSpPr>
+      <p:pic>
+        <p:nvPicPr>
+          <p:cNvPr id="10" name="Picture 9"/>
+          <p:cNvPicPr>
+            <a:picLocks noChangeAspect="1"/>
+          </p:cNvPicPr>
           <p:nvPr/>
-        </p:nvGrpSpPr>
-        <p:grpSpPr bwMode="auto">
+        </p:nvPicPr>
+        <p:blipFill>
+          <a:blip r:embed="rId3"/>
+          <a:stretch>
+            <a:fillRect/>
+          </a:stretch>
+        </p:blipFill>
+        <p:spPr>
           <a:xfrm>
-            <a:off x="5862638" y="457200"/>
-            <a:ext cx="3230562" cy="914400"/>
-            <a:chOff x="5863321" y="457200"/>
-            <a:chExt cx="3229902" cy="914400"/>
+            <a:off x="7086600" y="228600"/>
+            <a:ext cx="1418617" cy="1066800"/>
           </a:xfrm>
-        </p:grpSpPr>
-        <p:pic>
-          <p:nvPicPr>
-            <p:cNvPr id="29702" name="Picture 5" descr="penny"/>
-            <p:cNvPicPr>
-              <a:picLocks noChangeAspect="1" noChangeArrowheads="1"/>
-            </p:cNvPicPr>
-            <p:nvPr/>
-          </p:nvPicPr>
-          <p:blipFill>
-            <a:blip r:embed="rId3" cstate="print"/>
-            <a:srcRect/>
-            <a:stretch>
-              <a:fillRect/>
-            </a:stretch>
-          </p:blipFill>
-          <p:spPr bwMode="auto">
-            <a:xfrm>
-              <a:off x="8153400" y="457200"/>
-              <a:ext cx="939823" cy="814006"/>
-            </a:xfrm>
-            <a:prstGeom prst="rect">
-              <a:avLst/>
-            </a:prstGeom>
-            <a:noFill/>
-            <a:ln w="9525">
-              <a:noFill/>
-              <a:miter lim="800000"/>
-              <a:headEnd/>
-              <a:tailEnd/>
-            </a:ln>
-          </p:spPr>
-        </p:pic>
-        <p:pic>
-          <p:nvPicPr>
-            <p:cNvPr id="29703" name="Picture 6" descr="j0149621[1]"/>
-            <p:cNvPicPr>
-              <a:picLocks noChangeAspect="1" noChangeArrowheads="1"/>
-            </p:cNvPicPr>
-            <p:nvPr/>
-          </p:nvPicPr>
-          <p:blipFill>
-            <a:blip r:embed="rId4" cstate="print"/>
-            <a:srcRect/>
-            <a:stretch>
-              <a:fillRect/>
-            </a:stretch>
-          </p:blipFill>
-          <p:spPr bwMode="auto">
-            <a:xfrm>
-              <a:off x="5863321" y="457200"/>
-              <a:ext cx="1756679" cy="914400"/>
-            </a:xfrm>
-            <a:prstGeom prst="rect">
-              <a:avLst/>
-            </a:prstGeom>
-            <a:noFill/>
-            <a:ln w="9525">
-              <a:noFill/>
-              <a:miter lim="800000"/>
-              <a:headEnd/>
-              <a:tailEnd/>
-            </a:ln>
-          </p:spPr>
-        </p:pic>
-        <p:sp>
-          <p:nvSpPr>
-            <p:cNvPr id="9" name="TextBox 8"/>
-            <p:cNvSpPr txBox="1"/>
-            <p:nvPr/>
-          </p:nvSpPr>
-          <p:spPr>
-            <a:xfrm>
-              <a:off x="7467354" y="573088"/>
-              <a:ext cx="715432" cy="646331"/>
-            </a:xfrm>
-            <a:prstGeom prst="rect">
-              <a:avLst/>
-            </a:prstGeom>
-            <a:noFill/>
-          </p:spPr>
-          <p:txBody>
-            <a:bodyPr wrap="none">
-              <a:spAutoFit/>
-            </a:bodyPr>
-            <a:lstStyle/>
-            <a:p>
-              <a:pPr>
-                <a:defRPr/>
-              </a:pPr>
-              <a:r>
-                <a:rPr lang="en-US" sz="3600" b="1" dirty="0" smtClean="0">
-                  <a:solidFill>
-                    <a:srgbClr val="00B050"/>
-                  </a:solidFill>
-                  <a:latin typeface="Euclid Symbol" charset="2"/>
-                  <a:cs typeface="Euclid Symbol" charset="2"/>
-                  <a:sym typeface="Euclid Symbol" pitchFamily="18" charset="2"/>
-                </a:rPr>
-                <a:t>↔</a:t>
-              </a:r>
-              <a:endParaRPr lang="en-US" dirty="0"/>
-            </a:p>
-          </p:txBody>
-        </p:sp>
-      </p:grpSp>
+          <a:prstGeom prst="rect">
+            <a:avLst/>
+          </a:prstGeom>
+        </p:spPr>
+      </p:pic>
     </p:spTree>
   </p:cSld>
   <p:clrMapOvr>
     <a:masterClrMapping/>
   </p:clrMapOvr>
-  <p:transition/>
+  <p:transition>
+    <p:fade/>
+  </p:transition>
   <p:timing>
     <p:tnLst>
       <p:par>
@@ -12563,9 +12721,6 @@
                     <p:cTn id="3" fill="hold">
                       <p:stCondLst>
                         <p:cond delay="indefinite"/>
-                        <p:cond evt="onBegin" delay="0">
-                          <p:tn val="2"/>
-                        </p:cond>
                       </p:stCondLst>
                       <p:childTnLst>
                         <p:par>
@@ -12575,9 +12730,9 @@
                             </p:stCondLst>
                             <p:childTnLst>
                               <p:par>
-                                <p:cTn id="5" presetID="1" presetClass="entr" presetSubtype="0" fill="hold" nodeType="afterEffect">
+                                <p:cTn id="5" presetID="1" presetClass="entr" presetSubtype="0" fill="hold" nodeType="clickEffect">
                                   <p:stCondLst>
-                                    <p:cond delay="500"/>
+                                    <p:cond delay="0"/>
                                   </p:stCondLst>
                                   <p:childTnLst>
                                     <p:set>
@@ -12588,7 +12743,11 @@
                                           </p:stCondLst>
                                         </p:cTn>
                                         <p:tgtEl>
-                                          <p:spTgt spid="2"/>
+                                          <p:spTgt spid="179203">
+                                            <p:txEl>
+                                              <p:pRg st="0" end="0"/>
+                                            </p:txEl>
+                                          </p:spTgt>
                                         </p:tgtEl>
                                         <p:attrNameLst>
                                           <p:attrName>style.visibility</p:attrName>
@@ -12635,7 +12794,7 @@
                                         <p:tgtEl>
                                           <p:spTgt spid="179203">
                                             <p:txEl>
-                                              <p:pRg st="0" end="0"/>
+                                              <p:pRg st="1" end="1"/>
                                             </p:txEl>
                                           </p:spTgt>
                                         </p:tgtEl>
@@ -12684,7 +12843,7 @@
                                         <p:tgtEl>
                                           <p:spTgt spid="179203">
                                             <p:txEl>
-                                              <p:pRg st="1" end="1"/>
+                                              <p:pRg st="2" end="2"/>
                                             </p:txEl>
                                           </p:spTgt>
                                         </p:tgtEl>
@@ -12733,7 +12892,7 @@
                                         <p:tgtEl>
                                           <p:spTgt spid="179203">
                                             <p:txEl>
-                                              <p:pRg st="2" end="2"/>
+                                              <p:pRg st="3" end="3"/>
                                             </p:txEl>
                                           </p:spTgt>
                                         </p:tgtEl>
@@ -12775,37 +12934,6 @@
                                     <p:set>
                                       <p:cBhvr>
                                         <p:cTn id="22" dur="1" fill="hold">
-                                          <p:stCondLst>
-                                            <p:cond delay="0"/>
-                                          </p:stCondLst>
-                                        </p:cTn>
-                                        <p:tgtEl>
-                                          <p:spTgt spid="179203">
-                                            <p:txEl>
-                                              <p:pRg st="3" end="3"/>
-                                            </p:txEl>
-                                          </p:spTgt>
-                                        </p:tgtEl>
-                                        <p:attrNameLst>
-                                          <p:attrName>style.visibility</p:attrName>
-                                        </p:attrNameLst>
-                                      </p:cBhvr>
-                                      <p:to>
-                                        <p:strVal val="visible"/>
-                                      </p:to>
-                                    </p:set>
-                                  </p:childTnLst>
-                                </p:cTn>
-                              </p:par>
-                              <p:par>
-                                <p:cTn id="23" presetID="1" presetClass="entr" presetSubtype="0" fill="hold" nodeType="withEffect">
-                                  <p:stCondLst>
-                                    <p:cond delay="0"/>
-                                  </p:stCondLst>
-                                  <p:childTnLst>
-                                    <p:set>
-                                      <p:cBhvr>
-                                        <p:cTn id="24" dur="1" fill="hold">
                                           <p:stCondLst>
                                             <p:cond delay="0"/>
                                           </p:stCondLst>
@@ -12890,27 +13018,7 @@
         </p:xfrm>
         <a:graphic>
           <a:graphicData uri="http://schemas.openxmlformats.org/presentationml/2006/ole">
-            <p:oleObj spid="_x0000_s320515" name="Equation" r:id="rId4" imgW="1854200" imgH="596900" progId="Equation.DSMT4">
-              <p:embed/>
-            </p:oleObj>
-          </a:graphicData>
-        </a:graphic>
-      </p:graphicFrame>
-      <p:graphicFrame>
-        <p:nvGraphicFramePr>
-          <p:cNvPr id="320516" name="Object 3"/>
-          <p:cNvGraphicFramePr>
-            <a:graphicFrameLocks noChangeAspect="1"/>
-          </p:cNvGraphicFramePr>
-          <p:nvPr/>
-        </p:nvGraphicFramePr>
-        <p:xfrm>
-          <a:off x="855662" y="1177925"/>
-          <a:ext cx="7297738" cy="1946275"/>
-        </p:xfrm>
-        <a:graphic>
-          <a:graphicData uri="http://schemas.openxmlformats.org/presentationml/2006/ole">
-            <p:oleObj spid="_x0000_s320516" name="Equation" r:id="rId5" imgW="2235200" imgH="596900" progId="Equation.DSMT4">
+            <p:oleObj spid="_x0000_s425986" name="Equation" r:id="rId4" imgW="1854200" imgH="596900" progId="Equation.DSMT4">
               <p:embed/>
             </p:oleObj>
           </a:graphicData>
@@ -12953,39 +13061,6 @@
           </a:p>
         </p:txBody>
       </p:sp>
-      <p:sp useBgFill="1">
-        <p:nvSpPr>
-          <p:cNvPr id="9" name="TextBox 8"/>
-          <p:cNvSpPr txBox="1"/>
-          <p:nvPr/>
-        </p:nvSpPr>
-        <p:spPr>
-          <a:xfrm>
-            <a:off x="6705600" y="1501914"/>
-            <a:ext cx="991177" cy="707886"/>
-          </a:xfrm>
-          <a:prstGeom prst="rect">
-            <a:avLst/>
-          </a:prstGeom>
-        </p:spPr>
-        <p:txBody>
-          <a:bodyPr wrap="none" rtlCol="0">
-            <a:spAutoFit/>
-          </a:bodyPr>
-          <a:lstStyle/>
-          <a:p>
-            <a:r>
-              <a:rPr lang="en-US" sz="4000" dirty="0" smtClean="0">
-                <a:solidFill>
-                  <a:srgbClr val="FF6600"/>
-                </a:solidFill>
-                <a:latin typeface="+mj-lt"/>
-              </a:rPr>
-              <a:t>1/2</a:t>
-            </a:r>
-          </a:p>
-        </p:txBody>
-      </p:sp>
       <p:graphicFrame>
         <p:nvGraphicFramePr>
           <p:cNvPr id="13" name="Object 12"/>
@@ -12995,32 +13070,12 @@
           <p:nvPr/>
         </p:nvGraphicFramePr>
         <p:xfrm>
-          <a:off x="793377" y="2971800"/>
-          <a:ext cx="7741023" cy="838200"/>
+          <a:off x="700088" y="3048000"/>
+          <a:ext cx="7593012" cy="838200"/>
         </p:xfrm>
         <a:graphic>
           <a:graphicData uri="http://schemas.openxmlformats.org/presentationml/2006/ole">
-            <p:oleObj spid="_x0000_s320519" name="Equation" r:id="rId6" imgW="1993900" imgH="215900" progId="Equation.DSMT4">
-              <p:embed/>
-            </p:oleObj>
-          </a:graphicData>
-        </a:graphic>
-      </p:graphicFrame>
-      <p:graphicFrame>
-        <p:nvGraphicFramePr>
-          <p:cNvPr id="14" name="Object 13"/>
-          <p:cNvGraphicFramePr>
-            <a:graphicFrameLocks noChangeAspect="1"/>
-          </p:cNvGraphicFramePr>
-          <p:nvPr/>
-        </p:nvGraphicFramePr>
-        <p:xfrm>
-          <a:off x="2597494" y="3422650"/>
-          <a:ext cx="3422306" cy="1835150"/>
-        </p:xfrm>
-        <a:graphic>
-          <a:graphicData uri="http://schemas.openxmlformats.org/presentationml/2006/ole">
-            <p:oleObj spid="_x0000_s320520" name="Equation" r:id="rId7" imgW="876300" imgH="469900" progId="Equation.DSMT4">
+            <p:oleObj spid="_x0000_s425988" name="Equation" r:id="rId5" imgW="1955800" imgH="215900" progId="Equation.DSMT4">
               <p:embed/>
             </p:oleObj>
           </a:graphicData>
@@ -13068,6 +13123,74 @@
           </a:p>
         </p:txBody>
       </p:sp>
+      <p:sp>
+        <p:nvSpPr>
+          <p:cNvPr id="10" name="TextBox 9"/>
+          <p:cNvSpPr txBox="1"/>
+          <p:nvPr/>
+        </p:nvSpPr>
+        <p:spPr>
+          <a:xfrm>
+            <a:off x="1220259" y="4114800"/>
+            <a:ext cx="6537517" cy="1107996"/>
+          </a:xfrm>
+          <a:prstGeom prst="rect">
+            <a:avLst/>
+          </a:prstGeom>
+          <a:noFill/>
+        </p:spPr>
+        <p:txBody>
+          <a:bodyPr wrap="none" rtlCol="0">
+            <a:spAutoFit/>
+          </a:bodyPr>
+          <a:lstStyle/>
+          <a:p>
+            <a:r>
+              <a:rPr lang="en-US" sz="6600" dirty="0" smtClean="0">
+                <a:latin typeface="+mj-lt"/>
+              </a:rPr>
+              <a:t>?? don’t know </a:t>
+            </a:r>
+            <a:r>
+              <a:rPr lang="en-US" sz="6600" dirty="0" err="1" smtClean="0">
+                <a:solidFill>
+                  <a:srgbClr val="0006FE"/>
+                </a:solidFill>
+                <a:latin typeface="Euclid"/>
+                <a:cs typeface="Euclid"/>
+              </a:rPr>
+              <a:t>σ</a:t>
+            </a:r>
+            <a:endParaRPr lang="en-US" sz="6600" dirty="0" smtClean="0">
+              <a:solidFill>
+                <a:srgbClr val="0006FE"/>
+              </a:solidFill>
+              <a:latin typeface="Euclid"/>
+              <a:cs typeface="Euclid"/>
+            </a:endParaRPr>
+          </a:p>
+        </p:txBody>
+      </p:sp>
+      <p:graphicFrame>
+        <p:nvGraphicFramePr>
+          <p:cNvPr id="425990" name="Object 6"/>
+          <p:cNvGraphicFramePr>
+            <a:graphicFrameLocks noChangeAspect="1"/>
+          </p:cNvGraphicFramePr>
+          <p:nvPr/>
+        </p:nvGraphicFramePr>
+        <p:xfrm>
+          <a:off x="958850" y="1177925"/>
+          <a:ext cx="7088188" cy="1946275"/>
+        </p:xfrm>
+        <a:graphic>
+          <a:graphicData uri="http://schemas.openxmlformats.org/presentationml/2006/ole">
+            <p:oleObj spid="_x0000_s425990" name="Equation" r:id="rId6" imgW="2171700" imgH="596900" progId="Equation.DSMT4">
+              <p:embed/>
+            </p:oleObj>
+          </a:graphicData>
+        </a:graphic>
+      </p:graphicFrame>
     </p:spTree>
   </p:cSld>
   <p:clrMapOvr>
@@ -13110,7 +13233,7 @@
                                           </p:stCondLst>
                                         </p:cTn>
                                         <p:tgtEl>
-                                          <p:spTgt spid="13"/>
+                                          <p:spTgt spid="128002"/>
                                         </p:tgtEl>
                                         <p:attrNameLst>
                                           <p:attrName>style.visibility</p:attrName>
@@ -13124,7 +13247,7 @@
                                       <p:cBhvr>
                                         <p:cTn id="7" dur="500"/>
                                         <p:tgtEl>
-                                          <p:spTgt spid="13"/>
+                                          <p:spTgt spid="128002"/>
                                         </p:tgtEl>
                                       </p:cBhvr>
                                     </p:animEffect>
@@ -13150,7 +13273,7 @@
                             </p:stCondLst>
                             <p:childTnLst>
                               <p:par>
-                                <p:cTn id="10" presetID="10" presetClass="entr" presetSubtype="0" fill="hold" nodeType="clickEffect">
+                                <p:cTn id="10" presetID="22" presetClass="entr" presetSubtype="8" fill="hold" nodeType="clickEffect">
                                   <p:stCondLst>
                                     <p:cond delay="0"/>
                                   </p:stCondLst>
@@ -13163,7 +13286,7 @@
                                           </p:stCondLst>
                                         </p:cTn>
                                         <p:tgtEl>
-                                          <p:spTgt spid="320516"/>
+                                          <p:spTgt spid="13"/>
                                         </p:tgtEl>
                                         <p:attrNameLst>
                                           <p:attrName>style.visibility</p:attrName>
@@ -13173,11 +13296,11 @@
                                         <p:strVal val="visible"/>
                                       </p:to>
                                     </p:set>
-                                    <p:animEffect transition="in" filter="fade">
+                                    <p:animEffect transition="in" filter="wipe(left)">
                                       <p:cBhvr>
-                                        <p:cTn id="12" dur="1000"/>
+                                        <p:cTn id="12" dur="500"/>
                                         <p:tgtEl>
-                                          <p:spTgt spid="320516"/>
+                                          <p:spTgt spid="13"/>
                                         </p:tgtEl>
                                       </p:cBhvr>
                                     </p:animEffect>
@@ -13203,7 +13326,7 @@
                             </p:stCondLst>
                             <p:childTnLst>
                               <p:par>
-                                <p:cTn id="15" presetID="10" presetClass="entr" presetSubtype="0" fill="hold" nodeType="clickEffect">
+                                <p:cTn id="15" presetID="15" presetClass="entr" presetSubtype="0" fill="hold" grpId="0" nodeType="clickEffect">
                                   <p:stCondLst>
                                     <p:cond delay="0"/>
                                   </p:stCondLst>
@@ -13216,60 +13339,7 @@
                                           </p:stCondLst>
                                         </p:cTn>
                                         <p:tgtEl>
-                                          <p:spTgt spid="14"/>
-                                        </p:tgtEl>
-                                        <p:attrNameLst>
-                                          <p:attrName>style.visibility</p:attrName>
-                                        </p:attrNameLst>
-                                      </p:cBhvr>
-                                      <p:to>
-                                        <p:strVal val="visible"/>
-                                      </p:to>
-                                    </p:set>
-                                    <p:animEffect transition="in" filter="fade">
-                                      <p:cBhvr>
-                                        <p:cTn id="17" dur="500"/>
-                                        <p:tgtEl>
-                                          <p:spTgt spid="14"/>
-                                        </p:tgtEl>
-                                      </p:cBhvr>
-                                    </p:animEffect>
-                                  </p:childTnLst>
-                                </p:cTn>
-                              </p:par>
-                            </p:childTnLst>
-                          </p:cTn>
-                        </p:par>
-                      </p:childTnLst>
-                    </p:cTn>
-                  </p:par>
-                  <p:par>
-                    <p:cTn id="18" fill="hold">
-                      <p:stCondLst>
-                        <p:cond delay="indefinite"/>
-                      </p:stCondLst>
-                      <p:childTnLst>
-                        <p:par>
-                          <p:cTn id="19" fill="hold">
-                            <p:stCondLst>
-                              <p:cond delay="0"/>
-                            </p:stCondLst>
-                            <p:childTnLst>
-                              <p:par>
-                                <p:cTn id="20" presetID="15" presetClass="entr" presetSubtype="0" fill="hold" grpId="0" nodeType="clickEffect">
-                                  <p:stCondLst>
-                                    <p:cond delay="0"/>
-                                  </p:stCondLst>
-                                  <p:childTnLst>
-                                    <p:set>
-                                      <p:cBhvr>
-                                        <p:cTn id="21" dur="1" fill="hold">
-                                          <p:stCondLst>
-                                            <p:cond delay="0"/>
-                                          </p:stCondLst>
-                                        </p:cTn>
-                                        <p:tgtEl>
-                                          <p:spTgt spid="9"/>
+                                          <p:spTgt spid="10"/>
                                         </p:tgtEl>
                                         <p:attrNameLst>
                                           <p:attrName>style.visibility</p:attrName>
@@ -13281,9 +13351,9 @@
                                     </p:set>
                                     <p:anim calcmode="lin" valueType="num">
                                       <p:cBhvr>
-                                        <p:cTn id="22" dur="1000" fill="hold"/>
+                                        <p:cTn id="17" dur="1000" fill="hold"/>
                                         <p:tgtEl>
-                                          <p:spTgt spid="9"/>
+                                          <p:spTgt spid="10"/>
                                         </p:tgtEl>
                                         <p:attrNameLst>
                                           <p:attrName>ppt_w</p:attrName>
@@ -13304,9 +13374,9 @@
                                     </p:anim>
                                     <p:anim calcmode="lin" valueType="num">
                                       <p:cBhvr>
-                                        <p:cTn id="23" dur="1000" fill="hold"/>
+                                        <p:cTn id="18" dur="1000" fill="hold"/>
                                         <p:tgtEl>
-                                          <p:spTgt spid="9"/>
+                                          <p:spTgt spid="10"/>
                                         </p:tgtEl>
                                         <p:attrNameLst>
                                           <p:attrName>ppt_h</p:attrName>
@@ -13327,9 +13397,9 @@
                                     </p:anim>
                                     <p:anim calcmode="lin" valueType="num">
                                       <p:cBhvr>
-                                        <p:cTn id="24" dur="1000" fill="hold"/>
+                                        <p:cTn id="19" dur="1000" fill="hold"/>
                                         <p:tgtEl>
-                                          <p:spTgt spid="9"/>
+                                          <p:spTgt spid="10"/>
                                         </p:tgtEl>
                                         <p:attrNameLst>
                                           <p:attrName>ppt_x</p:attrName>
@@ -13350,9 +13420,9 @@
                                     </p:anim>
                                     <p:anim calcmode="lin" valueType="num">
                                       <p:cBhvr>
-                                        <p:cTn id="25" dur="1000" fill="hold"/>
+                                        <p:cTn id="20" dur="1000" fill="hold"/>
                                         <p:tgtEl>
-                                          <p:spTgt spid="9"/>
+                                          <p:spTgt spid="10"/>
                                         </p:tgtEl>
                                         <p:attrNameLst>
                                           <p:attrName>ppt_y</p:attrName>
@@ -13371,6 +13441,59 @@
                                         </p:tav>
                                       </p:tavLst>
                                     </p:anim>
+                                  </p:childTnLst>
+                                </p:cTn>
+                              </p:par>
+                            </p:childTnLst>
+                          </p:cTn>
+                        </p:par>
+                      </p:childTnLst>
+                    </p:cTn>
+                  </p:par>
+                  <p:par>
+                    <p:cTn id="21" fill="hold">
+                      <p:stCondLst>
+                        <p:cond delay="indefinite"/>
+                      </p:stCondLst>
+                      <p:childTnLst>
+                        <p:par>
+                          <p:cTn id="22" fill="hold">
+                            <p:stCondLst>
+                              <p:cond delay="0"/>
+                            </p:stCondLst>
+                            <p:childTnLst>
+                              <p:par>
+                                <p:cTn id="23" presetID="10" presetClass="entr" presetSubtype="0" fill="hold" nodeType="clickEffect">
+                                  <p:stCondLst>
+                                    <p:cond delay="0"/>
+                                  </p:stCondLst>
+                                  <p:childTnLst>
+                                    <p:set>
+                                      <p:cBhvr>
+                                        <p:cTn id="24" dur="1" fill="hold">
+                                          <p:stCondLst>
+                                            <p:cond delay="0"/>
+                                          </p:stCondLst>
+                                        </p:cTn>
+                                        <p:tgtEl>
+                                          <p:spTgt spid="425990"/>
+                                        </p:tgtEl>
+                                        <p:attrNameLst>
+                                          <p:attrName>style.visibility</p:attrName>
+                                        </p:attrNameLst>
+                                      </p:cBhvr>
+                                      <p:to>
+                                        <p:strVal val="visible"/>
+                                      </p:to>
+                                    </p:set>
+                                    <p:animEffect transition="in" filter="fade">
+                                      <p:cBhvr>
+                                        <p:cTn id="25" dur="1000"/>
+                                        <p:tgtEl>
+                                          <p:spTgt spid="425990"/>
+                                        </p:tgtEl>
+                                      </p:cBhvr>
+                                    </p:animEffect>
                                   </p:childTnLst>
                                 </p:cTn>
                               </p:par>
@@ -13402,13 +13525,361 @@
       </p:par>
     </p:tnLst>
     <p:bldLst>
-      <p:bldP spid="9" grpId="0" animBg="1"/>
+      <p:bldP spid="10" grpId="0"/>
     </p:bldLst>
   </p:timing>
 </p:sld>
 </file>
 
 <file path=ppt/slides/slide6.xml><?xml version="1.0" encoding="utf-8"?>
+<p:sld xmlns:a="http://schemas.openxmlformats.org/drawingml/2006/main" xmlns:r="http://schemas.openxmlformats.org/officeDocument/2006/relationships" xmlns:mc="http://schemas.openxmlformats.org/markup-compatibility/2006" xmlns:mv="urn:schemas-microsoft-com:mac:vml" xmlns:p="http://schemas.openxmlformats.org/presentationml/2006/main" mc:Ignorable="mv" mc:PreserveAttributes="mv:*">
+  <p:cSld>
+    <p:spTree>
+      <p:nvGrpSpPr>
+        <p:cNvPr id="1" name=""/>
+        <p:cNvGrpSpPr/>
+        <p:nvPr/>
+      </p:nvGrpSpPr>
+      <p:grpSpPr>
+        <a:xfrm>
+          <a:off x="0" y="0"/>
+          <a:ext cx="0" cy="0"/>
+          <a:chOff x="0" y="0"/>
+          <a:chExt cx="0" cy="0"/>
+        </a:xfrm>
+      </p:grpSpPr>
+      <p:graphicFrame>
+        <p:nvGraphicFramePr>
+          <p:cNvPr id="128002" name="Object 3"/>
+          <p:cNvGraphicFramePr>
+            <a:graphicFrameLocks noChangeAspect="1"/>
+          </p:cNvGraphicFramePr>
+          <p:nvPr/>
+        </p:nvGraphicFramePr>
+        <p:xfrm>
+          <a:off x="1295400" y="1219200"/>
+          <a:ext cx="6051550" cy="1946275"/>
+        </p:xfrm>
+        <a:graphic>
+          <a:graphicData uri="http://schemas.openxmlformats.org/presentationml/2006/ole">
+            <p:oleObj spid="_x0000_s438274" name="Equation" r:id="rId4" imgW="1854200" imgH="596900" progId="Equation.DSMT4">
+              <p:embed/>
+            </p:oleObj>
+          </a:graphicData>
+        </a:graphic>
+      </p:graphicFrame>
+      <p:sp>
+        <p:nvSpPr>
+          <p:cNvPr id="111618" name="Rectangle 2"/>
+          <p:cNvSpPr>
+            <a:spLocks noGrp="1" noChangeArrowheads="1"/>
+          </p:cNvSpPr>
+          <p:nvPr>
+            <p:ph type="title"/>
+          </p:nvPr>
+        </p:nvSpPr>
+        <p:spPr>
+          <a:xfrm>
+            <a:off x="1295400" y="116046"/>
+            <a:ext cx="7672388" cy="882650"/>
+          </a:xfrm>
+        </p:spPr>
+        <p:txBody>
+          <a:bodyPr/>
+          <a:lstStyle/>
+          <a:p>
+            <a:r>
+              <a:rPr lang="en-US" dirty="0" err="1">
+                <a:latin typeface="Comic Sans MS"/>
+                <a:cs typeface="Comic Sans MS"/>
+              </a:rPr>
+              <a:t>Pairwise</a:t>
+            </a:r>
+            <a:r>
+              <a:rPr lang="en-US" dirty="0">
+                <a:latin typeface="Comic Sans MS"/>
+                <a:cs typeface="Comic Sans MS"/>
+              </a:rPr>
+              <a:t> Independent Sampling</a:t>
+            </a:r>
+          </a:p>
+        </p:txBody>
+      </p:sp>
+      <p:graphicFrame>
+        <p:nvGraphicFramePr>
+          <p:cNvPr id="13" name="Object 12"/>
+          <p:cNvGraphicFramePr>
+            <a:graphicFrameLocks noChangeAspect="1"/>
+          </p:cNvGraphicFramePr>
+          <p:nvPr/>
+        </p:nvGraphicFramePr>
+        <p:xfrm>
+          <a:off x="700088" y="3048000"/>
+          <a:ext cx="7593012" cy="838200"/>
+        </p:xfrm>
+        <a:graphic>
+          <a:graphicData uri="http://schemas.openxmlformats.org/presentationml/2006/ole">
+            <p:oleObj spid="_x0000_s438275" name="Equation" r:id="rId5" imgW="1955800" imgH="215900" progId="Equation.DSMT4">
+              <p:embed/>
+            </p:oleObj>
+          </a:graphicData>
+        </a:graphic>
+      </p:graphicFrame>
+      <p:sp>
+        <p:nvSpPr>
+          <p:cNvPr id="8" name="Slide Number Placeholder 3"/>
+          <p:cNvSpPr>
+            <a:spLocks noGrp="1"/>
+          </p:cNvSpPr>
+          <p:nvPr>
+            <p:ph type="sldNum" sz="quarter" idx="10"/>
+          </p:nvPr>
+        </p:nvSpPr>
+        <p:spPr>
+          <a:xfrm>
+            <a:off x="7696200" y="6629400"/>
+            <a:ext cx="1447800" cy="228600"/>
+          </a:xfrm>
+        </p:spPr>
+        <p:txBody>
+          <a:bodyPr/>
+          <a:lstStyle/>
+          <a:p>
+            <a:pPr>
+              <a:defRPr/>
+            </a:pPr>
+            <a:r>
+              <a:rPr lang="en-US" dirty="0" err="1"/>
+              <a:t>lec</a:t>
+            </a:r>
+            <a:r>
+              <a:rPr lang="en-US" dirty="0" smtClean="0"/>
+              <a:t> 13W.</a:t>
+            </a:r>
+            <a:fld id="{AB032E80-4924-4C32-A61E-EE294C645BF5}" type="slidenum">
+              <a:rPr lang="en-US" smtClean="0"/>
+              <a:pPr>
+                <a:defRPr/>
+              </a:pPr>
+              <a:t>6</a:t>
+            </a:fld>
+            <a:endParaRPr lang="en-US" dirty="0"/>
+          </a:p>
+        </p:txBody>
+      </p:sp>
+      <p:graphicFrame>
+        <p:nvGraphicFramePr>
+          <p:cNvPr id="425990" name="Object 6"/>
+          <p:cNvGraphicFramePr>
+            <a:graphicFrameLocks noChangeAspect="1"/>
+          </p:cNvGraphicFramePr>
+          <p:nvPr/>
+        </p:nvGraphicFramePr>
+        <p:xfrm>
+          <a:off x="958850" y="1177925"/>
+          <a:ext cx="7088188" cy="1946275"/>
+        </p:xfrm>
+        <a:graphic>
+          <a:graphicData uri="http://schemas.openxmlformats.org/presentationml/2006/ole">
+            <p:oleObj spid="_x0000_s438276" name="Equation" r:id="rId6" imgW="2171700" imgH="596900" progId="Equation.DSMT4">
+              <p:embed/>
+            </p:oleObj>
+          </a:graphicData>
+        </a:graphic>
+      </p:graphicFrame>
+      <p:graphicFrame>
+        <p:nvGraphicFramePr>
+          <p:cNvPr id="432133" name="Object 5"/>
+          <p:cNvGraphicFramePr>
+            <a:graphicFrameLocks noChangeAspect="1"/>
+          </p:cNvGraphicFramePr>
+          <p:nvPr/>
+        </p:nvGraphicFramePr>
+        <p:xfrm>
+          <a:off x="2178050" y="3422650"/>
+          <a:ext cx="4264025" cy="1835150"/>
+        </p:xfrm>
+        <a:graphic>
+          <a:graphicData uri="http://schemas.openxmlformats.org/presentationml/2006/ole">
+            <p:oleObj spid="_x0000_s438277" name="Equation" r:id="rId7" imgW="1092200" imgH="469900" progId="Equation.DSMT4">
+              <p:embed/>
+            </p:oleObj>
+          </a:graphicData>
+        </a:graphic>
+      </p:graphicFrame>
+      <p:sp>
+        <p:nvSpPr>
+          <p:cNvPr id="9" name="TextBox 8"/>
+          <p:cNvSpPr txBox="1"/>
+          <p:nvPr/>
+        </p:nvSpPr>
+        <p:spPr>
+          <a:xfrm>
+            <a:off x="6588652" y="3657600"/>
+            <a:ext cx="1993755" cy="830997"/>
+          </a:xfrm>
+          <a:prstGeom prst="rect">
+            <a:avLst/>
+          </a:prstGeom>
+          <a:noFill/>
+        </p:spPr>
+        <p:txBody>
+          <a:bodyPr wrap="none" rtlCol="0">
+            <a:spAutoFit/>
+          </a:bodyPr>
+          <a:lstStyle/>
+          <a:p>
+            <a:r>
+              <a:rPr lang="en-US" sz="4800" dirty="0" smtClean="0">
+                <a:latin typeface="+mj-lt"/>
+              </a:rPr>
+              <a:t> = </a:t>
+            </a:r>
+            <a:r>
+              <a:rPr lang="en-US" sz="4800" dirty="0" smtClean="0">
+                <a:solidFill>
+                  <a:srgbClr val="FF4519"/>
+                </a:solidFill>
+                <a:latin typeface="+mj-lt"/>
+              </a:rPr>
+              <a:t>4</a:t>
+            </a:r>
+            <a:r>
+              <a:rPr lang="en-US" sz="4800" dirty="0" smtClean="0">
+                <a:solidFill>
+                  <a:srgbClr val="FF4519"/>
+                </a:solidFill>
+                <a:latin typeface="+mj-lt"/>
+              </a:rPr>
+              <a:t>00</a:t>
+            </a:r>
+            <a:endParaRPr lang="en-US" sz="4800" dirty="0" smtClean="0">
+              <a:solidFill>
+                <a:srgbClr val="FF4519"/>
+              </a:solidFill>
+              <a:latin typeface="+mj-lt"/>
+            </a:endParaRPr>
+          </a:p>
+        </p:txBody>
+      </p:sp>
+      <p:graphicFrame>
+        <p:nvGraphicFramePr>
+          <p:cNvPr id="434182" name="Object 6"/>
+          <p:cNvGraphicFramePr>
+            <a:graphicFrameLocks noChangeAspect="1"/>
+          </p:cNvGraphicFramePr>
+          <p:nvPr/>
+        </p:nvGraphicFramePr>
+        <p:xfrm>
+          <a:off x="6553200" y="1177925"/>
+          <a:ext cx="1782762" cy="1946275"/>
+        </p:xfrm>
+        <a:graphic>
+          <a:graphicData uri="http://schemas.openxmlformats.org/presentationml/2006/ole">
+            <p:oleObj spid="_x0000_s438278" name="Equation" r:id="rId8" imgW="546100" imgH="596900" progId="Equation.DSMT4">
+              <p:embed/>
+            </p:oleObj>
+          </a:graphicData>
+        </a:graphic>
+      </p:graphicFrame>
+    </p:spTree>
+  </p:cSld>
+  <p:clrMapOvr>
+    <a:masterClrMapping/>
+  </p:clrMapOvr>
+  <p:transition spd="slow">
+    <p:fade/>
+  </p:transition>
+  <p:timing>
+    <p:tnLst>
+      <p:par>
+        <p:cTn id="1" dur="indefinite" restart="never" nodeType="tmRoot">
+          <p:childTnLst>
+            <p:seq concurrent="1" nextAc="seek">
+              <p:cTn id="2" dur="indefinite" nodeType="mainSeq">
+                <p:childTnLst>
+                  <p:par>
+                    <p:cTn id="3" fill="hold">
+                      <p:stCondLst>
+                        <p:cond delay="indefinite"/>
+                      </p:stCondLst>
+                      <p:childTnLst>
+                        <p:par>
+                          <p:cTn id="4" fill="hold">
+                            <p:stCondLst>
+                              <p:cond delay="0"/>
+                            </p:stCondLst>
+                            <p:childTnLst>
+                              <p:par>
+                                <p:cTn id="5" presetID="10" presetClass="entr" presetSubtype="0" fill="hold" grpId="0" nodeType="clickEffect">
+                                  <p:stCondLst>
+                                    <p:cond delay="0"/>
+                                  </p:stCondLst>
+                                  <p:childTnLst>
+                                    <p:set>
+                                      <p:cBhvr>
+                                        <p:cTn id="6" dur="1" fill="hold">
+                                          <p:stCondLst>
+                                            <p:cond delay="0"/>
+                                          </p:stCondLst>
+                                        </p:cTn>
+                                        <p:tgtEl>
+                                          <p:spTgt spid="9"/>
+                                        </p:tgtEl>
+                                        <p:attrNameLst>
+                                          <p:attrName>style.visibility</p:attrName>
+                                        </p:attrNameLst>
+                                      </p:cBhvr>
+                                      <p:to>
+                                        <p:strVal val="visible"/>
+                                      </p:to>
+                                    </p:set>
+                                    <p:animEffect transition="in" filter="fade">
+                                      <p:cBhvr>
+                                        <p:cTn id="7" dur="500"/>
+                                        <p:tgtEl>
+                                          <p:spTgt spid="9"/>
+                                        </p:tgtEl>
+                                      </p:cBhvr>
+                                    </p:animEffect>
+                                  </p:childTnLst>
+                                </p:cTn>
+                              </p:par>
+                            </p:childTnLst>
+                          </p:cTn>
+                        </p:par>
+                      </p:childTnLst>
+                    </p:cTn>
+                  </p:par>
+                </p:childTnLst>
+              </p:cTn>
+              <p:prevCondLst>
+                <p:cond evt="onPrev" delay="0">
+                  <p:tgtEl>
+                    <p:sldTgt/>
+                  </p:tgtEl>
+                </p:cond>
+              </p:prevCondLst>
+              <p:nextCondLst>
+                <p:cond evt="onNext" delay="0">
+                  <p:tgtEl>
+                    <p:sldTgt/>
+                  </p:tgtEl>
+                </p:cond>
+              </p:nextCondLst>
+            </p:seq>
+          </p:childTnLst>
+        </p:cTn>
+      </p:par>
+    </p:tnLst>
+    <p:bldLst>
+      <p:bldP spid="9" grpId="0"/>
+    </p:bldLst>
+  </p:timing>
+</p:sld>
+</file>
+
+<file path=ppt/slides/slide7.xml><?xml version="1.0" encoding="utf-8"?>
 <p:sld xmlns:a="http://schemas.openxmlformats.org/drawingml/2006/main" xmlns:r="http://schemas.openxmlformats.org/officeDocument/2006/relationships" xmlns:mc="http://schemas.openxmlformats.org/markup-compatibility/2006" xmlns:mv="urn:schemas-microsoft-com:mac:vml" xmlns:p="http://schemas.openxmlformats.org/presentationml/2006/main" mc:Ignorable="mv" mc:PreserveAttributes="mv:*">
   <p:cSld>
     <p:spTree>
@@ -13611,7 +14082,7 @@
               <a:pPr>
                 <a:defRPr/>
               </a:pPr>
-              <a:t>6</a:t>
+              <a:t>7</a:t>
             </a:fld>
             <a:endParaRPr lang="en-US" dirty="0"/>
           </a:p>
@@ -13635,7 +14106,7 @@
 </p:sld>
 </file>
 
-<file path=ppt/slides/slide7.xml><?xml version="1.0" encoding="utf-8"?>
+<file path=ppt/slides/slide8.xml><?xml version="1.0" encoding="utf-8"?>
 <p:sld xmlns:a="http://schemas.openxmlformats.org/drawingml/2006/main" xmlns:r="http://schemas.openxmlformats.org/officeDocument/2006/relationships" xmlns:mc="http://schemas.openxmlformats.org/markup-compatibility/2006" xmlns:mv="urn:schemas-microsoft-com:mac:vml" xmlns:p="http://schemas.openxmlformats.org/presentationml/2006/main" mc:Ignorable="mv" mc:PreserveAttributes="mv:*">
   <p:cSld>
     <p:spTree>
@@ -13683,7 +14154,7 @@
               <a:pPr>
                 <a:defRPr/>
               </a:pPr>
-              <a:t>7</a:t>
+              <a:t>8</a:t>
             </a:fld>
             <a:endParaRPr lang="en-US" dirty="0"/>
           </a:p>
@@ -13931,7 +14402,7 @@
 </p:sld>
 </file>
 
-<file path=ppt/slides/slide8.xml><?xml version="1.0" encoding="utf-8"?>
+<file path=ppt/slides/slide9.xml><?xml version="1.0" encoding="utf-8"?>
 <p:sld xmlns:a="http://schemas.openxmlformats.org/drawingml/2006/main" xmlns:r="http://schemas.openxmlformats.org/officeDocument/2006/relationships" xmlns:mc="http://schemas.openxmlformats.org/markup-compatibility/2006" xmlns:mv="urn:schemas-microsoft-com:mac:vml" xmlns:p="http://schemas.openxmlformats.org/presentationml/2006/main" mc:Ignorable="mv" mc:PreserveAttributes="mv:*">
   <p:cSld>
     <p:spTree>
@@ -14012,7 +14483,7 @@
               <a:pPr>
                 <a:defRPr/>
               </a:pPr>
-              <a:t>8</a:t>
+              <a:t>9</a:t>
             </a:fld>
             <a:endParaRPr lang="en-US" dirty="0"/>
           </a:p>
@@ -14219,177 +14690,6 @@
             </p:seq>
           </p:childTnLst>
         </p:cTn>
-      </p:par>
-    </p:tnLst>
-  </p:timing>
-</p:sld>
-</file>
-
-<file path=ppt/slides/slide9.xml><?xml version="1.0" encoding="utf-8"?>
-<p:sld xmlns:a="http://schemas.openxmlformats.org/drawingml/2006/main" xmlns:r="http://schemas.openxmlformats.org/officeDocument/2006/relationships" xmlns:mc="http://schemas.openxmlformats.org/markup-compatibility/2006" xmlns:mv="urn:schemas-microsoft-com:mac:vml" xmlns:p="http://schemas.openxmlformats.org/presentationml/2006/main" mc:Ignorable="mv" mc:PreserveAttributes="mv:*" show="0">
-  <p:cSld>
-    <p:spTree>
-      <p:nvGrpSpPr>
-        <p:cNvPr id="1" name=""/>
-        <p:cNvGrpSpPr/>
-        <p:nvPr/>
-      </p:nvGrpSpPr>
-      <p:grpSpPr>
-        <a:xfrm>
-          <a:off x="0" y="0"/>
-          <a:ext cx="0" cy="0"/>
-          <a:chOff x="0" y="0"/>
-          <a:chExt cx="0" cy="0"/>
-        </a:xfrm>
-      </p:grpSpPr>
-      <p:sp>
-        <p:nvSpPr>
-          <p:cNvPr id="3" name="Content Placeholder 2"/>
-          <p:cNvSpPr>
-            <a:spLocks noGrp="1"/>
-          </p:cNvSpPr>
-          <p:nvPr>
-            <p:ph idx="1"/>
-          </p:nvPr>
-        </p:nvSpPr>
-        <p:spPr/>
-        <p:txBody>
-          <a:bodyPr/>
-          <a:lstStyle/>
-          <a:p>
-            <a:r>
-              <a:rPr lang="en-US" dirty="0" smtClean="0">
-                <a:solidFill>
-                  <a:srgbClr val="006600"/>
-                </a:solidFill>
-              </a:rPr>
-              <a:t>Better estimate:</a:t>
-            </a:r>
-          </a:p>
-          <a:p>
-            <a:endParaRPr lang="en-US" dirty="0">
-              <a:solidFill>
-                <a:srgbClr val="006600"/>
-              </a:solidFill>
-            </a:endParaRPr>
-          </a:p>
-        </p:txBody>
-      </p:sp>
-      <p:sp>
-        <p:nvSpPr>
-          <p:cNvPr id="4" name="Slide Number Placeholder 3"/>
-          <p:cNvSpPr>
-            <a:spLocks noGrp="1"/>
-          </p:cNvSpPr>
-          <p:nvPr>
-            <p:ph type="sldNum" sz="quarter" idx="10"/>
-          </p:nvPr>
-        </p:nvSpPr>
-        <p:spPr/>
-        <p:txBody>
-          <a:bodyPr/>
-          <a:lstStyle/>
-          <a:p>
-            <a:pPr>
-              <a:defRPr/>
-            </a:pPr>
-            <a:r>
-              <a:rPr lang="en-US" dirty="0" err="1" smtClean="0"/>
-              <a:t>lec</a:t>
-            </a:r>
-            <a:r>
-              <a:rPr lang="en-US" dirty="0" smtClean="0"/>
-              <a:t> 13W.</a:t>
-            </a:r>
-            <a:fld id="{E78F4000-603A-43A9-9772-EA15786EFD2C}" type="slidenum">
-              <a:rPr lang="en-US" smtClean="0"/>
-              <a:pPr>
-                <a:defRPr/>
-              </a:pPr>
-              <a:t>9</a:t>
-            </a:fld>
-            <a:endParaRPr lang="en-US" dirty="0"/>
-          </a:p>
-        </p:txBody>
-      </p:sp>
-      <p:sp>
-        <p:nvSpPr>
-          <p:cNvPr id="5" name="Rectangle 2"/>
-          <p:cNvSpPr>
-            <a:spLocks noGrp="1" noChangeArrowheads="1"/>
-          </p:cNvSpPr>
-          <p:nvPr>
-            <p:ph type="title"/>
-          </p:nvPr>
-        </p:nvSpPr>
-        <p:spPr>
-          <a:xfrm>
-            <a:off x="1143000" y="304800"/>
-            <a:ext cx="7315200" cy="838200"/>
-          </a:xfrm>
-        </p:spPr>
-        <p:txBody>
-          <a:bodyPr/>
-          <a:lstStyle/>
-          <a:p>
-            <a:pPr eaLnBrk="1" hangingPunct="1"/>
-            <a:r>
-              <a:rPr lang="en-US" sz="4000" dirty="0" smtClean="0"/>
-              <a:t>Sampling using Binomial PDF</a:t>
-            </a:r>
-          </a:p>
-        </p:txBody>
-      </p:sp>
-      <p:graphicFrame>
-        <p:nvGraphicFramePr>
-          <p:cNvPr id="7" name="Object 6"/>
-          <p:cNvGraphicFramePr>
-            <a:graphicFrameLocks noChangeAspect="1"/>
-          </p:cNvGraphicFramePr>
-          <p:nvPr/>
-        </p:nvGraphicFramePr>
-        <p:xfrm>
-          <a:off x="44450" y="1905000"/>
-          <a:ext cx="9063038" cy="2524125"/>
-        </p:xfrm>
-        <a:graphic>
-          <a:graphicData uri="http://schemas.openxmlformats.org/presentationml/2006/ole">
-            <p:oleObj spid="_x0000_s1027" name="Equation" r:id="rId3" imgW="2463800" imgH="685800" progId="Equation.DSMT4">
-              <p:embed/>
-            </p:oleObj>
-          </a:graphicData>
-        </a:graphic>
-      </p:graphicFrame>
-      <p:graphicFrame>
-        <p:nvGraphicFramePr>
-          <p:cNvPr id="1028" name="Object 4"/>
-          <p:cNvGraphicFramePr>
-            <a:graphicFrameLocks noChangeAspect="1"/>
-          </p:cNvGraphicFramePr>
-          <p:nvPr/>
-        </p:nvGraphicFramePr>
-        <p:xfrm>
-          <a:off x="-22225" y="4495800"/>
-          <a:ext cx="9082088" cy="1096963"/>
-        </p:xfrm>
-        <a:graphic>
-          <a:graphicData uri="http://schemas.openxmlformats.org/presentationml/2006/ole">
-            <p:oleObj spid="_x0000_s1028" name="Equation" r:id="rId4" imgW="2946400" imgH="355600" progId="Equation.DSMT4">
-              <p:embed/>
-            </p:oleObj>
-          </a:graphicData>
-        </a:graphic>
-      </p:graphicFrame>
-    </p:spTree>
-  </p:cSld>
-  <p:clrMapOvr>
-    <a:masterClrMapping/>
-  </p:clrMapOvr>
-  <p:transition/>
-  <p:timing>
-    <p:tnLst>
-      <p:par>
-        <p:cTn id="1" dur="indefinite" restart="never" nodeType="tmRoot"/>
       </p:par>
     </p:tnLst>
   </p:timing>

--- a/spring11/slides11/slides13w.pptx
+++ b/spring11/slides11/slides13w.pptx
@@ -5,80 +5,74 @@
     <p:sldMasterId id="2147483649" r:id="rId1"/>
   </p:sldMasterIdLst>
   <p:notesMasterIdLst>
-    <p:notesMasterId r:id="rId25"/>
+    <p:notesMasterId r:id="rId19"/>
   </p:notesMasterIdLst>
   <p:handoutMasterIdLst>
-    <p:handoutMasterId r:id="rId26"/>
+    <p:handoutMasterId r:id="rId20"/>
   </p:handoutMasterIdLst>
   <p:sldIdLst>
     <p:sldId id="454" r:id="rId2"/>
     <p:sldId id="396" r:id="rId3"/>
-    <p:sldId id="397" r:id="rId4"/>
-    <p:sldId id="398" r:id="rId5"/>
-    <p:sldId id="508" r:id="rId6"/>
-    <p:sldId id="512" r:id="rId7"/>
-    <p:sldId id="504" r:id="rId8"/>
-    <p:sldId id="503" r:id="rId9"/>
-    <p:sldId id="496" r:id="rId10"/>
-    <p:sldId id="497" r:id="rId11"/>
-    <p:sldId id="501" r:id="rId12"/>
-    <p:sldId id="419" r:id="rId13"/>
-    <p:sldId id="505" r:id="rId14"/>
-    <p:sldId id="502" r:id="rId15"/>
-    <p:sldId id="401" r:id="rId16"/>
-    <p:sldId id="488" r:id="rId17"/>
-    <p:sldId id="413" r:id="rId18"/>
-    <p:sldId id="506" r:id="rId19"/>
-    <p:sldId id="489" r:id="rId20"/>
-    <p:sldId id="422" r:id="rId21"/>
-    <p:sldId id="490" r:id="rId22"/>
-    <p:sldId id="485" r:id="rId23"/>
-    <p:sldId id="471" r:id="rId24"/>
+    <p:sldId id="515" r:id="rId4"/>
+    <p:sldId id="523" r:id="rId5"/>
+    <p:sldId id="397" r:id="rId6"/>
+    <p:sldId id="398" r:id="rId7"/>
+    <p:sldId id="508" r:id="rId8"/>
+    <p:sldId id="512" r:id="rId9"/>
+    <p:sldId id="517" r:id="rId10"/>
+    <p:sldId id="518" r:id="rId11"/>
+    <p:sldId id="401" r:id="rId12"/>
+    <p:sldId id="488" r:id="rId13"/>
+    <p:sldId id="522" r:id="rId14"/>
+    <p:sldId id="506" r:id="rId15"/>
+    <p:sldId id="422" r:id="rId16"/>
+    <p:sldId id="485" r:id="rId17"/>
+    <p:sldId id="471" r:id="rId18"/>
   </p:sldIdLst>
   <p:sldSz cx="9144000" cy="6858000" type="screen4x3"/>
   <p:notesSz cx="7315200" cy="9601200"/>
   <p:embeddedFontLst>
     <p:embeddedFont>
       <p:font typeface="Comic Sans MS"/>
+      <p:regular r:id="rId21"/>
+      <p:bold r:id="rId22"/>
+    </p:embeddedFont>
+    <p:embeddedFont>
+      <p:font typeface="Euclid Symbol" charset="2"/>
+      <p:regular r:id="rId23"/>
+      <p:bold r:id="rId24"/>
+      <p:italic r:id="rId25"/>
+      <p:boldItalic r:id="rId26"/>
+    </p:embeddedFont>
+    <p:embeddedFont>
+      <p:font typeface="Euclid Math One" charset="2"/>
       <p:regular r:id="rId27"/>
       <p:bold r:id="rId28"/>
     </p:embeddedFont>
     <p:embeddedFont>
-      <p:font typeface="Euclid Symbol" charset="2"/>
+      <p:font typeface="Euclid"/>
       <p:regular r:id="rId29"/>
       <p:bold r:id="rId30"/>
       <p:italic r:id="rId31"/>
       <p:boldItalic r:id="rId32"/>
     </p:embeddedFont>
     <p:embeddedFont>
-      <p:font typeface="Euclid Math One" charset="2"/>
+      <p:font typeface="Agency FB"/>
       <p:regular r:id="rId33"/>
       <p:bold r:id="rId34"/>
     </p:embeddedFont>
     <p:embeddedFont>
-      <p:font typeface="Euclid"/>
+      <p:font typeface="cmsy10"/>
       <p:regular r:id="rId35"/>
-      <p:bold r:id="rId36"/>
-      <p:italic r:id="rId37"/>
-      <p:boldItalic r:id="rId38"/>
-    </p:embeddedFont>
-    <p:embeddedFont>
-      <p:font typeface="Agency FB"/>
-      <p:regular r:id="rId39"/>
-      <p:bold r:id="rId40"/>
-    </p:embeddedFont>
-    <p:embeddedFont>
-      <p:font typeface="cmsy10"/>
-      <p:regular r:id="rId41"/>
     </p:embeddedFont>
     <p:embeddedFont>
       <p:font typeface="Euclid Extra" charset="2"/>
-      <p:regular r:id="rId42"/>
-      <p:bold r:id="rId43"/>
+      <p:regular r:id="rId36"/>
+      <p:bold r:id="rId37"/>
     </p:embeddedFont>
   </p:embeddedFontLst>
   <p:custDataLst>
-    <p:tags r:id="rId45"/>
+    <p:tags r:id="rId39"/>
   </p:custDataLst>
   <p:defaultTextStyle>
     <a:defPPr>
@@ -1003,7 +997,7 @@
       </p:grpSpPr>
       <p:sp>
         <p:nvSpPr>
-          <p:cNvPr id="65538" name="Rectangle 7"/>
+          <p:cNvPr id="67586" name="Rectangle 7"/>
           <p:cNvSpPr>
             <a:spLocks noGrp="1" noChangeArrowheads="1"/>
           </p:cNvSpPr>
@@ -1018,12 +1012,12 @@
           <a:bodyPr/>
           <a:lstStyle/>
           <a:p>
-            <a:fld id="{646C2701-C5C4-4F94-818A-FBFE13509125}" type="slidenum">
+            <a:fld id="{E3BE4A3C-F987-429B-B377-5CCDE63293A8}" type="slidenum">
               <a:rPr lang="en-US" smtClean="0">
                 <a:latin typeface="Arial" charset="0"/>
               </a:rPr>
               <a:pPr/>
-              <a:t>14</a:t>
+              <a:t>10</a:t>
             </a:fld>
             <a:endParaRPr lang="en-US" smtClean="0">
               <a:latin typeface="Arial" charset="0"/>
@@ -1033,7 +1027,7 @@
       </p:sp>
       <p:sp>
         <p:nvSpPr>
-          <p:cNvPr id="65539" name="Rectangle 2"/>
+          <p:cNvPr id="67587" name="Rectangle 2"/>
           <p:cNvSpPr>
             <a:spLocks noGrp="1" noRot="1" noChangeAspect="1" noChangeArrowheads="1" noTextEdit="1"/>
           </p:cNvSpPr>
@@ -1047,7 +1041,7 @@
       </p:sp>
       <p:sp>
         <p:nvSpPr>
-          <p:cNvPr id="65540" name="Rectangle 3"/>
+          <p:cNvPr id="67588" name="Rectangle 3"/>
           <p:cNvSpPr>
             <a:spLocks noGrp="1" noChangeArrowheads="1"/>
           </p:cNvSpPr>
@@ -1117,7 +1111,7 @@
                 <a:latin typeface="Arial" charset="0"/>
               </a:rPr>
               <a:pPr/>
-              <a:t>15</a:t>
+              <a:t>11</a:t>
             </a:fld>
             <a:endParaRPr lang="en-US" smtClean="0">
               <a:latin typeface="Arial" charset="0"/>
@@ -1211,7 +1205,7 @@
                 <a:latin typeface="Arial" charset="0"/>
               </a:rPr>
               <a:pPr/>
-              <a:t>16</a:t>
+              <a:t>12</a:t>
             </a:fld>
             <a:endParaRPr lang="en-US" smtClean="0">
               <a:latin typeface="Arial" charset="0"/>
@@ -1305,7 +1299,7 @@
                 <a:latin typeface="Arial" charset="0"/>
               </a:rPr>
               <a:pPr/>
-              <a:t>17</a:t>
+              <a:t>13</a:t>
             </a:fld>
             <a:endParaRPr lang="en-US" smtClean="0">
               <a:latin typeface="Arial" charset="0"/>
@@ -1399,7 +1393,7 @@
                 <a:latin typeface="Arial" charset="0"/>
               </a:rPr>
               <a:pPr/>
-              <a:t>18</a:t>
+              <a:t>14</a:t>
             </a:fld>
             <a:endParaRPr lang="en-US" smtClean="0">
               <a:latin typeface="Arial" charset="0"/>
@@ -1473,7 +1467,7 @@
       </p:grpSpPr>
       <p:sp>
         <p:nvSpPr>
-          <p:cNvPr id="71682" name="Rectangle 7"/>
+          <p:cNvPr id="72706" name="Rectangle 7"/>
           <p:cNvSpPr>
             <a:spLocks noGrp="1" noChangeArrowheads="1"/>
           </p:cNvSpPr>
@@ -1488,12 +1482,12 @@
           <a:bodyPr/>
           <a:lstStyle/>
           <a:p>
-            <a:fld id="{0CEF6F92-C0CF-4F5E-AB63-5A19019BBFC5}" type="slidenum">
+            <a:fld id="{7901F982-AFE8-4DF3-92B6-756DCF784EAE}" type="slidenum">
               <a:rPr lang="en-US" smtClean="0">
                 <a:latin typeface="Arial" charset="0"/>
               </a:rPr>
               <a:pPr/>
-              <a:t>19</a:t>
+              <a:t>15</a:t>
             </a:fld>
             <a:endParaRPr lang="en-US" smtClean="0">
               <a:latin typeface="Arial" charset="0"/>
@@ -1503,7 +1497,7 @@
       </p:sp>
       <p:sp>
         <p:nvSpPr>
-          <p:cNvPr id="71683" name="Rectangle 2"/>
+          <p:cNvPr id="72707" name="Rectangle 2"/>
           <p:cNvSpPr>
             <a:spLocks noGrp="1" noRot="1" noChangeAspect="1" noChangeArrowheads="1" noTextEdit="1"/>
           </p:cNvSpPr>
@@ -1517,7 +1511,7 @@
       </p:sp>
       <p:sp>
         <p:nvSpPr>
-          <p:cNvPr id="71684" name="Rectangle 3"/>
+          <p:cNvPr id="72708" name="Rectangle 3"/>
           <p:cNvSpPr>
             <a:spLocks noGrp="1" noChangeArrowheads="1"/>
           </p:cNvSpPr>
@@ -1567,70 +1561,63 @@
       </p:grpSpPr>
       <p:sp>
         <p:nvSpPr>
-          <p:cNvPr id="72706" name="Rectangle 7"/>
+          <p:cNvPr id="2" name="Slide Image Placeholder 1"/>
           <p:cNvSpPr>
-            <a:spLocks noGrp="1" noChangeArrowheads="1"/>
+            <a:spLocks noGrp="1" noRot="1" noChangeAspect="1"/>
           </p:cNvSpPr>
           <p:nvPr>
-            <p:ph type="sldNum" sz="quarter" idx="5"/>
+            <p:ph type="sldImg"/>
           </p:nvPr>
         </p:nvSpPr>
-        <p:spPr>
-          <a:noFill/>
-        </p:spPr>
+        <p:spPr/>
+      </p:sp>
+      <p:sp>
+        <p:nvSpPr>
+          <p:cNvPr id="3" name="Notes Placeholder 2"/>
+          <p:cNvSpPr>
+            <a:spLocks noGrp="1"/>
+          </p:cNvSpPr>
+          <p:nvPr>
+            <p:ph type="body" idx="1"/>
+          </p:nvPr>
+        </p:nvSpPr>
+        <p:spPr/>
+        <p:txBody>
+          <a:bodyPr>
+            <a:normAutofit/>
+          </a:bodyPr>
+          <a:lstStyle/>
+          <a:p>
+            <a:endParaRPr lang="en-US"/>
+          </a:p>
+        </p:txBody>
+      </p:sp>
+      <p:sp>
+        <p:nvSpPr>
+          <p:cNvPr id="4" name="Slide Number Placeholder 3"/>
+          <p:cNvSpPr>
+            <a:spLocks noGrp="1"/>
+          </p:cNvSpPr>
+          <p:nvPr>
+            <p:ph type="sldNum" sz="quarter" idx="10"/>
+          </p:nvPr>
+        </p:nvSpPr>
+        <p:spPr/>
         <p:txBody>
           <a:bodyPr/>
           <a:lstStyle/>
           <a:p>
-            <a:fld id="{7901F982-AFE8-4DF3-92B6-756DCF784EAE}" type="slidenum">
-              <a:rPr lang="en-US" smtClean="0">
-                <a:latin typeface="Arial" charset="0"/>
-              </a:rPr>
-              <a:pPr/>
-              <a:t>20</a:t>
+            <a:pPr>
+              <a:defRPr/>
+            </a:pPr>
+            <a:fld id="{441E3F6F-A8F9-4C39-8C62-F077DEAEAA0F}" type="slidenum">
+              <a:rPr lang="en-US" smtClean="0"/>
+              <a:pPr>
+                <a:defRPr/>
+              </a:pPr>
+              <a:t>16</a:t>
             </a:fld>
-            <a:endParaRPr lang="en-US" smtClean="0">
-              <a:latin typeface="Arial" charset="0"/>
-            </a:endParaRPr>
-          </a:p>
-        </p:txBody>
-      </p:sp>
-      <p:sp>
-        <p:nvSpPr>
-          <p:cNvPr id="72707" name="Rectangle 2"/>
-          <p:cNvSpPr>
-            <a:spLocks noGrp="1" noRot="1" noChangeAspect="1" noChangeArrowheads="1" noTextEdit="1"/>
-          </p:cNvSpPr>
-          <p:nvPr>
-            <p:ph type="sldImg"/>
-          </p:nvPr>
-        </p:nvSpPr>
-        <p:spPr>
-          <a:ln/>
-        </p:spPr>
-      </p:sp>
-      <p:sp>
-        <p:nvSpPr>
-          <p:cNvPr id="72708" name="Rectangle 3"/>
-          <p:cNvSpPr>
-            <a:spLocks noGrp="1" noChangeArrowheads="1"/>
-          </p:cNvSpPr>
-          <p:nvPr>
-            <p:ph type="body" idx="1"/>
-          </p:nvPr>
-        </p:nvSpPr>
-        <p:spPr>
-          <a:noFill/>
-          <a:ln/>
-        </p:spPr>
-        <p:txBody>
-          <a:bodyPr/>
-          <a:lstStyle/>
-          <a:p>
-            <a:pPr eaLnBrk="1" hangingPunct="1"/>
-            <a:endParaRPr lang="en-US" smtClean="0">
-              <a:latin typeface="Arial" charset="0"/>
-            </a:endParaRPr>
+            <a:endParaRPr lang="en-US"/>
           </a:p>
         </p:txBody>
       </p:sp>
@@ -1661,7 +1648,7 @@
       </p:grpSpPr>
       <p:sp>
         <p:nvSpPr>
-          <p:cNvPr id="72706" name="Rectangle 7"/>
+          <p:cNvPr id="76802" name="Rectangle 7"/>
           <p:cNvSpPr>
             <a:spLocks noGrp="1" noChangeArrowheads="1"/>
           </p:cNvSpPr>
@@ -1676,193 +1663,12 @@
           <a:bodyPr/>
           <a:lstStyle/>
           <a:p>
-            <a:fld id="{7901F982-AFE8-4DF3-92B6-756DCF784EAE}" type="slidenum">
-              <a:rPr lang="en-US" smtClean="0">
-                <a:latin typeface="Arial" charset="0"/>
-              </a:rPr>
-              <a:pPr/>
-              <a:t>21</a:t>
-            </a:fld>
-            <a:endParaRPr lang="en-US" smtClean="0">
-              <a:latin typeface="Arial" charset="0"/>
-            </a:endParaRPr>
-          </a:p>
-        </p:txBody>
-      </p:sp>
-      <p:sp>
-        <p:nvSpPr>
-          <p:cNvPr id="72707" name="Rectangle 2"/>
-          <p:cNvSpPr>
-            <a:spLocks noGrp="1" noRot="1" noChangeAspect="1" noChangeArrowheads="1" noTextEdit="1"/>
-          </p:cNvSpPr>
-          <p:nvPr>
-            <p:ph type="sldImg"/>
-          </p:nvPr>
-        </p:nvSpPr>
-        <p:spPr>
-          <a:ln/>
-        </p:spPr>
-      </p:sp>
-      <p:sp>
-        <p:nvSpPr>
-          <p:cNvPr id="72708" name="Rectangle 3"/>
-          <p:cNvSpPr>
-            <a:spLocks noGrp="1" noChangeArrowheads="1"/>
-          </p:cNvSpPr>
-          <p:nvPr>
-            <p:ph type="body" idx="1"/>
-          </p:nvPr>
-        </p:nvSpPr>
-        <p:spPr>
-          <a:noFill/>
-          <a:ln/>
-        </p:spPr>
-        <p:txBody>
-          <a:bodyPr/>
-          <a:lstStyle/>
-          <a:p>
-            <a:pPr eaLnBrk="1" hangingPunct="1"/>
-            <a:endParaRPr lang="en-US" smtClean="0">
-              <a:latin typeface="Arial" charset="0"/>
-            </a:endParaRPr>
-          </a:p>
-        </p:txBody>
-      </p:sp>
-    </p:spTree>
-  </p:cSld>
-  <p:clrMapOvr>
-    <a:masterClrMapping/>
-  </p:clrMapOvr>
-</p:notes>
-</file>
-
-<file path=ppt/notesSlides/notesSlide18.xml><?xml version="1.0" encoding="utf-8"?>
-<p:notes xmlns:a="http://schemas.openxmlformats.org/drawingml/2006/main" xmlns:r="http://schemas.openxmlformats.org/officeDocument/2006/relationships" xmlns:mc="http://schemas.openxmlformats.org/markup-compatibility/2006" xmlns:mv="urn:schemas-microsoft-com:mac:vml" xmlns:p="http://schemas.openxmlformats.org/presentationml/2006/main" mc:Ignorable="mv" mc:PreserveAttributes="mv:*">
-  <p:cSld>
-    <p:spTree>
-      <p:nvGrpSpPr>
-        <p:cNvPr id="1" name=""/>
-        <p:cNvGrpSpPr/>
-        <p:nvPr/>
-      </p:nvGrpSpPr>
-      <p:grpSpPr>
-        <a:xfrm>
-          <a:off x="0" y="0"/>
-          <a:ext cx="0" cy="0"/>
-          <a:chOff x="0" y="0"/>
-          <a:chExt cx="0" cy="0"/>
-        </a:xfrm>
-      </p:grpSpPr>
-      <p:sp>
-        <p:nvSpPr>
-          <p:cNvPr id="2" name="Slide Image Placeholder 1"/>
-          <p:cNvSpPr>
-            <a:spLocks noGrp="1" noRot="1" noChangeAspect="1"/>
-          </p:cNvSpPr>
-          <p:nvPr>
-            <p:ph type="sldImg"/>
-          </p:nvPr>
-        </p:nvSpPr>
-        <p:spPr/>
-      </p:sp>
-      <p:sp>
-        <p:nvSpPr>
-          <p:cNvPr id="3" name="Notes Placeholder 2"/>
-          <p:cNvSpPr>
-            <a:spLocks noGrp="1"/>
-          </p:cNvSpPr>
-          <p:nvPr>
-            <p:ph type="body" idx="1"/>
-          </p:nvPr>
-        </p:nvSpPr>
-        <p:spPr/>
-        <p:txBody>
-          <a:bodyPr>
-            <a:normAutofit/>
-          </a:bodyPr>
-          <a:lstStyle/>
-          <a:p>
-            <a:endParaRPr lang="en-US"/>
-          </a:p>
-        </p:txBody>
-      </p:sp>
-      <p:sp>
-        <p:nvSpPr>
-          <p:cNvPr id="4" name="Slide Number Placeholder 3"/>
-          <p:cNvSpPr>
-            <a:spLocks noGrp="1"/>
-          </p:cNvSpPr>
-          <p:nvPr>
-            <p:ph type="sldNum" sz="quarter" idx="10"/>
-          </p:nvPr>
-        </p:nvSpPr>
-        <p:spPr/>
-        <p:txBody>
-          <a:bodyPr/>
-          <a:lstStyle/>
-          <a:p>
-            <a:pPr>
-              <a:defRPr/>
-            </a:pPr>
-            <a:fld id="{441E3F6F-A8F9-4C39-8C62-F077DEAEAA0F}" type="slidenum">
-              <a:rPr lang="en-US" smtClean="0"/>
-              <a:pPr>
-                <a:defRPr/>
-              </a:pPr>
-              <a:t>22</a:t>
-            </a:fld>
-            <a:endParaRPr lang="en-US"/>
-          </a:p>
-        </p:txBody>
-      </p:sp>
-    </p:spTree>
-  </p:cSld>
-  <p:clrMapOvr>
-    <a:masterClrMapping/>
-  </p:clrMapOvr>
-</p:notes>
-</file>
-
-<file path=ppt/notesSlides/notesSlide19.xml><?xml version="1.0" encoding="utf-8"?>
-<p:notes xmlns:a="http://schemas.openxmlformats.org/drawingml/2006/main" xmlns:r="http://schemas.openxmlformats.org/officeDocument/2006/relationships" xmlns:mc="http://schemas.openxmlformats.org/markup-compatibility/2006" xmlns:mv="urn:schemas-microsoft-com:mac:vml" xmlns:p="http://schemas.openxmlformats.org/presentationml/2006/main" mc:Ignorable="mv" mc:PreserveAttributes="mv:*">
-  <p:cSld>
-    <p:spTree>
-      <p:nvGrpSpPr>
-        <p:cNvPr id="1" name=""/>
-        <p:cNvGrpSpPr/>
-        <p:nvPr/>
-      </p:nvGrpSpPr>
-      <p:grpSpPr>
-        <a:xfrm>
-          <a:off x="0" y="0"/>
-          <a:ext cx="0" cy="0"/>
-          <a:chOff x="0" y="0"/>
-          <a:chExt cx="0" cy="0"/>
-        </a:xfrm>
-      </p:grpSpPr>
-      <p:sp>
-        <p:nvSpPr>
-          <p:cNvPr id="76802" name="Rectangle 7"/>
-          <p:cNvSpPr>
-            <a:spLocks noGrp="1" noChangeArrowheads="1"/>
-          </p:cNvSpPr>
-          <p:nvPr>
-            <p:ph type="sldNum" sz="quarter" idx="5"/>
-          </p:nvPr>
-        </p:nvSpPr>
-        <p:spPr>
-          <a:noFill/>
-        </p:spPr>
-        <p:txBody>
-          <a:bodyPr/>
-          <a:lstStyle/>
-          <a:p>
             <a:fld id="{9FCADC31-5D76-4396-8586-E00A18CA6E4A}" type="slidenum">
               <a:rPr lang="en-US" smtClean="0">
                 <a:latin typeface="Arial" charset="0"/>
               </a:rPr>
               <a:pPr/>
-              <a:t>23</a:t>
+              <a:t>17</a:t>
             </a:fld>
             <a:endParaRPr lang="en-US" smtClean="0">
               <a:latin typeface="Arial" charset="0"/>
@@ -2128,7 +1934,7 @@
       </p:grpSpPr>
       <p:sp>
         <p:nvSpPr>
-          <p:cNvPr id="62466" name="Rectangle 7"/>
+          <p:cNvPr id="61442" name="Rectangle 7"/>
           <p:cNvSpPr>
             <a:spLocks noGrp="1" noChangeArrowheads="1"/>
           </p:cNvSpPr>
@@ -2143,7 +1949,7 @@
           <a:bodyPr/>
           <a:lstStyle/>
           <a:p>
-            <a:fld id="{DAD69EEC-0359-4B05-974F-41EB44C59685}" type="slidenum">
+            <a:fld id="{013CA702-BC72-4880-9028-5AFFC03AA7E4}" type="slidenum">
               <a:rPr lang="en-US" smtClean="0">
                 <a:latin typeface="Arial" charset="0"/>
               </a:rPr>
@@ -2158,7 +1964,7 @@
       </p:sp>
       <p:sp>
         <p:nvSpPr>
-          <p:cNvPr id="62467" name="Rectangle 2"/>
+          <p:cNvPr id="61443" name="Rectangle 2"/>
           <p:cNvSpPr>
             <a:spLocks noGrp="1" noRot="1" noChangeAspect="1" noChangeArrowheads="1" noTextEdit="1"/>
           </p:cNvSpPr>
@@ -2172,7 +1978,7 @@
       </p:sp>
       <p:sp>
         <p:nvSpPr>
-          <p:cNvPr id="62468" name="Rectangle 3"/>
+          <p:cNvPr id="61444" name="Rectangle 3"/>
           <p:cNvSpPr>
             <a:spLocks noGrp="1" noChangeArrowheads="1"/>
           </p:cNvSpPr>
@@ -2181,10 +1987,6 @@
           </p:nvPr>
         </p:nvSpPr>
         <p:spPr>
-          <a:xfrm>
-            <a:off x="974725" y="4560888"/>
-            <a:ext cx="5365750" cy="4319587"/>
-          </a:xfrm>
           <a:noFill/>
           <a:ln/>
         </p:spPr>
@@ -2193,21 +1995,9 @@
           <a:lstStyle/>
           <a:p>
             <a:pPr eaLnBrk="1" hangingPunct="1"/>
-            <a:r>
-              <a:rPr lang="en-US" smtClean="0">
-                <a:latin typeface="Arial" charset="0"/>
-              </a:rPr>
-              <a:t>Model each sample</a:t>
-            </a:r>
-          </a:p>
-          <a:p>
-            <a:pPr eaLnBrk="1" hangingPunct="1"/>
-            <a:r>
-              <a:rPr lang="en-US" smtClean="0">
-                <a:latin typeface="Arial" charset="0"/>
-              </a:rPr>
-              <a:t>Select samples randomly indpendently,</a:t>
-            </a:r>
+            <a:endParaRPr lang="en-US" smtClean="0">
+              <a:latin typeface="Arial" charset="0"/>
+            </a:endParaRPr>
           </a:p>
         </p:txBody>
       </p:sp>
@@ -2238,7 +2028,7 @@
       </p:grpSpPr>
       <p:sp>
         <p:nvSpPr>
-          <p:cNvPr id="7" name="Rectangle 7"/>
+          <p:cNvPr id="61442" name="Rectangle 7"/>
           <p:cNvSpPr>
             <a:spLocks noGrp="1" noChangeArrowheads="1"/>
           </p:cNvSpPr>
@@ -2247,51 +2037,61 @@
           </p:nvPr>
         </p:nvSpPr>
         <p:spPr>
+          <a:noFill/>
+        </p:spPr>
+        <p:txBody>
+          <a:bodyPr/>
+          <a:lstStyle/>
+          <a:p>
+            <a:fld id="{013CA702-BC72-4880-9028-5AFFC03AA7E4}" type="slidenum">
+              <a:rPr lang="en-US" smtClean="0">
+                <a:latin typeface="Arial" charset="0"/>
+              </a:rPr>
+              <a:pPr/>
+              <a:t>5</a:t>
+            </a:fld>
+            <a:endParaRPr lang="en-US" smtClean="0">
+              <a:latin typeface="Arial" charset="0"/>
+            </a:endParaRPr>
+          </a:p>
+        </p:txBody>
+      </p:sp>
+      <p:sp>
+        <p:nvSpPr>
+          <p:cNvPr id="61443" name="Rectangle 2"/>
+          <p:cNvSpPr>
+            <a:spLocks noGrp="1" noRot="1" noChangeAspect="1" noChangeArrowheads="1" noTextEdit="1"/>
+          </p:cNvSpPr>
+          <p:nvPr>
+            <p:ph type="sldImg"/>
+          </p:nvPr>
+        </p:nvSpPr>
+        <p:spPr>
+          <a:ln/>
+        </p:spPr>
+      </p:sp>
+      <p:sp>
+        <p:nvSpPr>
+          <p:cNvPr id="61444" name="Rectangle 3"/>
+          <p:cNvSpPr>
+            <a:spLocks noGrp="1" noChangeArrowheads="1"/>
+          </p:cNvSpPr>
+          <p:nvPr>
+            <p:ph type="body" idx="1"/>
+          </p:nvPr>
+        </p:nvSpPr>
+        <p:spPr>
+          <a:noFill/>
           <a:ln/>
         </p:spPr>
         <p:txBody>
           <a:bodyPr/>
           <a:lstStyle/>
           <a:p>
-            <a:fld id="{58D02412-0501-4BDD-893A-9335BF29F723}" type="slidenum">
-              <a:rPr lang="en-US"/>
-              <a:pPr/>
-              <a:t>5</a:t>
-            </a:fld>
-            <a:endParaRPr lang="en-US"/>
-          </a:p>
-        </p:txBody>
-      </p:sp>
-      <p:sp>
-        <p:nvSpPr>
-          <p:cNvPr id="114690" name="Rectangle 2"/>
-          <p:cNvSpPr>
-            <a:spLocks noGrp="1" noRot="1" noChangeAspect="1" noChangeArrowheads="1" noTextEdit="1"/>
-          </p:cNvSpPr>
-          <p:nvPr>
-            <p:ph type="sldImg"/>
-          </p:nvPr>
-        </p:nvSpPr>
-        <p:spPr>
-          <a:ln/>
-        </p:spPr>
-      </p:sp>
-      <p:sp>
-        <p:nvSpPr>
-          <p:cNvPr id="114691" name="Rectangle 3"/>
-          <p:cNvSpPr>
-            <a:spLocks noGrp="1" noChangeArrowheads="1"/>
-          </p:cNvSpPr>
-          <p:nvPr>
-            <p:ph type="body" idx="1"/>
-          </p:nvPr>
-        </p:nvSpPr>
-        <p:spPr/>
-        <p:txBody>
-          <a:bodyPr/>
-          <a:lstStyle/>
-          <a:p>
-            <a:endParaRPr lang="en-US"/>
+            <a:pPr eaLnBrk="1" hangingPunct="1"/>
+            <a:endParaRPr lang="en-US" smtClean="0">
+              <a:latin typeface="Arial" charset="0"/>
+            </a:endParaRPr>
           </a:p>
         </p:txBody>
       </p:sp>
@@ -2322,7 +2122,7 @@
       </p:grpSpPr>
       <p:sp>
         <p:nvSpPr>
-          <p:cNvPr id="7" name="Rectangle 7"/>
+          <p:cNvPr id="62466" name="Rectangle 7"/>
           <p:cNvSpPr>
             <a:spLocks noGrp="1" noChangeArrowheads="1"/>
           </p:cNvSpPr>
@@ -2331,51 +2131,77 @@
           </p:nvPr>
         </p:nvSpPr>
         <p:spPr>
+          <a:noFill/>
+        </p:spPr>
+        <p:txBody>
+          <a:bodyPr/>
+          <a:lstStyle/>
+          <a:p>
+            <a:fld id="{DAD69EEC-0359-4B05-974F-41EB44C59685}" type="slidenum">
+              <a:rPr lang="en-US" smtClean="0">
+                <a:latin typeface="Arial" charset="0"/>
+              </a:rPr>
+              <a:pPr/>
+              <a:t>6</a:t>
+            </a:fld>
+            <a:endParaRPr lang="en-US" smtClean="0">
+              <a:latin typeface="Arial" charset="0"/>
+            </a:endParaRPr>
+          </a:p>
+        </p:txBody>
+      </p:sp>
+      <p:sp>
+        <p:nvSpPr>
+          <p:cNvPr id="62467" name="Rectangle 2"/>
+          <p:cNvSpPr>
+            <a:spLocks noGrp="1" noRot="1" noChangeAspect="1" noChangeArrowheads="1" noTextEdit="1"/>
+          </p:cNvSpPr>
+          <p:nvPr>
+            <p:ph type="sldImg"/>
+          </p:nvPr>
+        </p:nvSpPr>
+        <p:spPr>
+          <a:ln/>
+        </p:spPr>
+      </p:sp>
+      <p:sp>
+        <p:nvSpPr>
+          <p:cNvPr id="62468" name="Rectangle 3"/>
+          <p:cNvSpPr>
+            <a:spLocks noGrp="1" noChangeArrowheads="1"/>
+          </p:cNvSpPr>
+          <p:nvPr>
+            <p:ph type="body" idx="1"/>
+          </p:nvPr>
+        </p:nvSpPr>
+        <p:spPr>
+          <a:xfrm>
+            <a:off x="974725" y="4560888"/>
+            <a:ext cx="5365750" cy="4319587"/>
+          </a:xfrm>
+          <a:noFill/>
           <a:ln/>
         </p:spPr>
         <p:txBody>
           <a:bodyPr/>
           <a:lstStyle/>
           <a:p>
-            <a:fld id="{58D02412-0501-4BDD-893A-9335BF29F723}" type="slidenum">
-              <a:rPr lang="en-US"/>
-              <a:pPr/>
-              <a:t>6</a:t>
-            </a:fld>
-            <a:endParaRPr lang="en-US"/>
-          </a:p>
-        </p:txBody>
-      </p:sp>
-      <p:sp>
-        <p:nvSpPr>
-          <p:cNvPr id="114690" name="Rectangle 2"/>
-          <p:cNvSpPr>
-            <a:spLocks noGrp="1" noRot="1" noChangeAspect="1" noChangeArrowheads="1" noTextEdit="1"/>
-          </p:cNvSpPr>
-          <p:nvPr>
-            <p:ph type="sldImg"/>
-          </p:nvPr>
-        </p:nvSpPr>
-        <p:spPr>
-          <a:ln/>
-        </p:spPr>
-      </p:sp>
-      <p:sp>
-        <p:nvSpPr>
-          <p:cNvPr id="114691" name="Rectangle 3"/>
-          <p:cNvSpPr>
-            <a:spLocks noGrp="1" noChangeArrowheads="1"/>
-          </p:cNvSpPr>
-          <p:nvPr>
-            <p:ph type="body" idx="1"/>
-          </p:nvPr>
-        </p:nvSpPr>
-        <p:spPr/>
-        <p:txBody>
-          <a:bodyPr/>
-          <a:lstStyle/>
-          <a:p>
-            <a:endParaRPr lang="en-US"/>
+            <a:pPr eaLnBrk="1" hangingPunct="1"/>
+            <a:r>
+              <a:rPr lang="en-US" smtClean="0">
+                <a:latin typeface="Arial" charset="0"/>
+              </a:rPr>
+              <a:t>Model each sample</a:t>
+            </a:r>
+          </a:p>
+          <a:p>
+            <a:pPr eaLnBrk="1" hangingPunct="1"/>
+            <a:r>
+              <a:rPr lang="en-US" smtClean="0">
+                <a:latin typeface="Arial" charset="0"/>
+              </a:rPr>
+              <a:t>Select samples randomly indpendently,</a:t>
+            </a:r>
           </a:p>
         </p:txBody>
       </p:sp>
@@ -2490,7 +2316,7 @@
       </p:grpSpPr>
       <p:sp>
         <p:nvSpPr>
-          <p:cNvPr id="67586" name="Rectangle 7"/>
+          <p:cNvPr id="7" name="Rectangle 7"/>
           <p:cNvSpPr>
             <a:spLocks noGrp="1" noChangeArrowheads="1"/>
           </p:cNvSpPr>
@@ -2499,61 +2325,51 @@
           </p:nvPr>
         </p:nvSpPr>
         <p:spPr>
-          <a:noFill/>
-        </p:spPr>
-        <p:txBody>
-          <a:bodyPr/>
-          <a:lstStyle/>
-          <a:p>
-            <a:fld id="{E3BE4A3C-F987-429B-B377-5CCDE63293A8}" type="slidenum">
-              <a:rPr lang="en-US" smtClean="0">
-                <a:latin typeface="Arial" charset="0"/>
-              </a:rPr>
-              <a:pPr/>
-              <a:t>8</a:t>
-            </a:fld>
-            <a:endParaRPr lang="en-US" smtClean="0">
-              <a:latin typeface="Arial" charset="0"/>
-            </a:endParaRPr>
-          </a:p>
-        </p:txBody>
-      </p:sp>
-      <p:sp>
-        <p:nvSpPr>
-          <p:cNvPr id="67587" name="Rectangle 2"/>
-          <p:cNvSpPr>
-            <a:spLocks noGrp="1" noRot="1" noChangeAspect="1" noChangeArrowheads="1" noTextEdit="1"/>
-          </p:cNvSpPr>
-          <p:nvPr>
-            <p:ph type="sldImg"/>
-          </p:nvPr>
-        </p:nvSpPr>
-        <p:spPr>
-          <a:ln/>
-        </p:spPr>
-      </p:sp>
-      <p:sp>
-        <p:nvSpPr>
-          <p:cNvPr id="67588" name="Rectangle 3"/>
-          <p:cNvSpPr>
-            <a:spLocks noGrp="1" noChangeArrowheads="1"/>
-          </p:cNvSpPr>
-          <p:nvPr>
-            <p:ph type="body" idx="1"/>
-          </p:nvPr>
-        </p:nvSpPr>
-        <p:spPr>
-          <a:noFill/>
           <a:ln/>
         </p:spPr>
         <p:txBody>
           <a:bodyPr/>
           <a:lstStyle/>
           <a:p>
-            <a:pPr eaLnBrk="1" hangingPunct="1"/>
-            <a:endParaRPr lang="en-US" smtClean="0">
-              <a:latin typeface="Arial" charset="0"/>
-            </a:endParaRPr>
+            <a:fld id="{58D02412-0501-4BDD-893A-9335BF29F723}" type="slidenum">
+              <a:rPr lang="en-US"/>
+              <a:pPr/>
+              <a:t>8</a:t>
+            </a:fld>
+            <a:endParaRPr lang="en-US"/>
+          </a:p>
+        </p:txBody>
+      </p:sp>
+      <p:sp>
+        <p:nvSpPr>
+          <p:cNvPr id="114690" name="Rectangle 2"/>
+          <p:cNvSpPr>
+            <a:spLocks noGrp="1" noRot="1" noChangeAspect="1" noChangeArrowheads="1" noTextEdit="1"/>
+          </p:cNvSpPr>
+          <p:nvPr>
+            <p:ph type="sldImg"/>
+          </p:nvPr>
+        </p:nvSpPr>
+        <p:spPr>
+          <a:ln/>
+        </p:spPr>
+      </p:sp>
+      <p:sp>
+        <p:nvSpPr>
+          <p:cNvPr id="114691" name="Rectangle 3"/>
+          <p:cNvSpPr>
+            <a:spLocks noGrp="1" noChangeArrowheads="1"/>
+          </p:cNvSpPr>
+          <p:nvPr>
+            <p:ph type="body" idx="1"/>
+          </p:nvPr>
+        </p:nvSpPr>
+        <p:spPr/>
+        <p:txBody>
+          <a:bodyPr/>
+          <a:lstStyle/>
+          <a:p>
+            <a:endParaRPr lang="en-US"/>
           </a:p>
         </p:txBody>
       </p:sp>
@@ -2584,7 +2400,7 @@
       </p:grpSpPr>
       <p:sp>
         <p:nvSpPr>
-          <p:cNvPr id="65538" name="Rectangle 7"/>
+          <p:cNvPr id="7" name="Rectangle 7"/>
           <p:cNvSpPr>
             <a:spLocks noGrp="1" noChangeArrowheads="1"/>
           </p:cNvSpPr>
@@ -2593,61 +2409,51 @@
           </p:nvPr>
         </p:nvSpPr>
         <p:spPr>
-          <a:noFill/>
-        </p:spPr>
-        <p:txBody>
-          <a:bodyPr/>
-          <a:lstStyle/>
-          <a:p>
-            <a:fld id="{646C2701-C5C4-4F94-818A-FBFE13509125}" type="slidenum">
-              <a:rPr lang="en-US" smtClean="0">
-                <a:latin typeface="Arial" charset="0"/>
-              </a:rPr>
-              <a:pPr/>
-              <a:t>12</a:t>
-            </a:fld>
-            <a:endParaRPr lang="en-US" smtClean="0">
-              <a:latin typeface="Arial" charset="0"/>
-            </a:endParaRPr>
-          </a:p>
-        </p:txBody>
-      </p:sp>
-      <p:sp>
-        <p:nvSpPr>
-          <p:cNvPr id="65539" name="Rectangle 2"/>
-          <p:cNvSpPr>
-            <a:spLocks noGrp="1" noRot="1" noChangeAspect="1" noChangeArrowheads="1" noTextEdit="1"/>
-          </p:cNvSpPr>
-          <p:nvPr>
-            <p:ph type="sldImg"/>
-          </p:nvPr>
-        </p:nvSpPr>
-        <p:spPr>
-          <a:ln/>
-        </p:spPr>
-      </p:sp>
-      <p:sp>
-        <p:nvSpPr>
-          <p:cNvPr id="65540" name="Rectangle 3"/>
-          <p:cNvSpPr>
-            <a:spLocks noGrp="1" noChangeArrowheads="1"/>
-          </p:cNvSpPr>
-          <p:nvPr>
-            <p:ph type="body" idx="1"/>
-          </p:nvPr>
-        </p:nvSpPr>
-        <p:spPr>
-          <a:noFill/>
           <a:ln/>
         </p:spPr>
         <p:txBody>
           <a:bodyPr/>
           <a:lstStyle/>
           <a:p>
-            <a:pPr eaLnBrk="1" hangingPunct="1"/>
-            <a:endParaRPr lang="en-US" smtClean="0">
-              <a:latin typeface="Arial" charset="0"/>
-            </a:endParaRPr>
+            <a:fld id="{58D02412-0501-4BDD-893A-9335BF29F723}" type="slidenum">
+              <a:rPr lang="en-US"/>
+              <a:pPr/>
+              <a:t>9</a:t>
+            </a:fld>
+            <a:endParaRPr lang="en-US"/>
+          </a:p>
+        </p:txBody>
+      </p:sp>
+      <p:sp>
+        <p:nvSpPr>
+          <p:cNvPr id="114690" name="Rectangle 2"/>
+          <p:cNvSpPr>
+            <a:spLocks noGrp="1" noRot="1" noChangeAspect="1" noChangeArrowheads="1" noTextEdit="1"/>
+          </p:cNvSpPr>
+          <p:nvPr>
+            <p:ph type="sldImg"/>
+          </p:nvPr>
+        </p:nvSpPr>
+        <p:spPr>
+          <a:ln/>
+        </p:spPr>
+      </p:sp>
+      <p:sp>
+        <p:nvSpPr>
+          <p:cNvPr id="114691" name="Rectangle 3"/>
+          <p:cNvSpPr>
+            <a:spLocks noGrp="1" noChangeArrowheads="1"/>
+          </p:cNvSpPr>
+          <p:nvPr>
+            <p:ph type="body" idx="1"/>
+          </p:nvPr>
+        </p:nvSpPr>
+        <p:spPr/>
+        <p:txBody>
+          <a:bodyPr/>
+          <a:lstStyle/>
+          <a:p>
+            <a:endParaRPr lang="en-US"/>
           </a:p>
         </p:txBody>
       </p:sp>
@@ -4715,177 +4521,6 @@
 </file>
 
 <file path=ppt/slides/slide10.xml><?xml version="1.0" encoding="utf-8"?>
-<p:sld xmlns:a="http://schemas.openxmlformats.org/drawingml/2006/main" xmlns:r="http://schemas.openxmlformats.org/officeDocument/2006/relationships" xmlns:mc="http://schemas.openxmlformats.org/markup-compatibility/2006" xmlns:mv="urn:schemas-microsoft-com:mac:vml" xmlns:p="http://schemas.openxmlformats.org/presentationml/2006/main" mc:Ignorable="mv" mc:PreserveAttributes="mv:*" show="0">
-  <p:cSld>
-    <p:spTree>
-      <p:nvGrpSpPr>
-        <p:cNvPr id="1" name=""/>
-        <p:cNvGrpSpPr/>
-        <p:nvPr/>
-      </p:nvGrpSpPr>
-      <p:grpSpPr>
-        <a:xfrm>
-          <a:off x="0" y="0"/>
-          <a:ext cx="0" cy="0"/>
-          <a:chOff x="0" y="0"/>
-          <a:chExt cx="0" cy="0"/>
-        </a:xfrm>
-      </p:grpSpPr>
-      <p:sp>
-        <p:nvSpPr>
-          <p:cNvPr id="3" name="Content Placeholder 2"/>
-          <p:cNvSpPr>
-            <a:spLocks noGrp="1"/>
-          </p:cNvSpPr>
-          <p:nvPr>
-            <p:ph idx="1"/>
-          </p:nvPr>
-        </p:nvSpPr>
-        <p:spPr/>
-        <p:txBody>
-          <a:bodyPr/>
-          <a:lstStyle/>
-          <a:p>
-            <a:r>
-              <a:rPr lang="en-US" dirty="0" smtClean="0">
-                <a:solidFill>
-                  <a:srgbClr val="006600"/>
-                </a:solidFill>
-              </a:rPr>
-              <a:t>Better estimate:</a:t>
-            </a:r>
-          </a:p>
-          <a:p>
-            <a:endParaRPr lang="en-US" dirty="0">
-              <a:solidFill>
-                <a:srgbClr val="006600"/>
-              </a:solidFill>
-            </a:endParaRPr>
-          </a:p>
-        </p:txBody>
-      </p:sp>
-      <p:sp>
-        <p:nvSpPr>
-          <p:cNvPr id="4" name="Slide Number Placeholder 3"/>
-          <p:cNvSpPr>
-            <a:spLocks noGrp="1"/>
-          </p:cNvSpPr>
-          <p:nvPr>
-            <p:ph type="sldNum" sz="quarter" idx="10"/>
-          </p:nvPr>
-        </p:nvSpPr>
-        <p:spPr/>
-        <p:txBody>
-          <a:bodyPr/>
-          <a:lstStyle/>
-          <a:p>
-            <a:pPr>
-              <a:defRPr/>
-            </a:pPr>
-            <a:r>
-              <a:rPr lang="en-US" dirty="0" err="1" smtClean="0"/>
-              <a:t>lec</a:t>
-            </a:r>
-            <a:r>
-              <a:rPr lang="en-US" dirty="0" smtClean="0"/>
-              <a:t> 13W.</a:t>
-            </a:r>
-            <a:fld id="{E78F4000-603A-43A9-9772-EA15786EFD2C}" type="slidenum">
-              <a:rPr lang="en-US" smtClean="0"/>
-              <a:pPr>
-                <a:defRPr/>
-              </a:pPr>
-              <a:t>10</a:t>
-            </a:fld>
-            <a:endParaRPr lang="en-US" dirty="0"/>
-          </a:p>
-        </p:txBody>
-      </p:sp>
-      <p:sp>
-        <p:nvSpPr>
-          <p:cNvPr id="5" name="Rectangle 2"/>
-          <p:cNvSpPr>
-            <a:spLocks noGrp="1" noChangeArrowheads="1"/>
-          </p:cNvSpPr>
-          <p:nvPr>
-            <p:ph type="title"/>
-          </p:nvPr>
-        </p:nvSpPr>
-        <p:spPr>
-          <a:xfrm>
-            <a:off x="1143000" y="304800"/>
-            <a:ext cx="7315200" cy="838200"/>
-          </a:xfrm>
-        </p:spPr>
-        <p:txBody>
-          <a:bodyPr/>
-          <a:lstStyle/>
-          <a:p>
-            <a:pPr eaLnBrk="1" hangingPunct="1"/>
-            <a:r>
-              <a:rPr lang="en-US" sz="4000" dirty="0" smtClean="0"/>
-              <a:t>Sampling using Binomial PDF</a:t>
-            </a:r>
-          </a:p>
-        </p:txBody>
-      </p:sp>
-      <p:graphicFrame>
-        <p:nvGraphicFramePr>
-          <p:cNvPr id="7" name="Object 6"/>
-          <p:cNvGraphicFramePr>
-            <a:graphicFrameLocks noChangeAspect="1"/>
-          </p:cNvGraphicFramePr>
-          <p:nvPr/>
-        </p:nvGraphicFramePr>
-        <p:xfrm>
-          <a:off x="44450" y="1905000"/>
-          <a:ext cx="9063038" cy="2524125"/>
-        </p:xfrm>
-        <a:graphic>
-          <a:graphicData uri="http://schemas.openxmlformats.org/presentationml/2006/ole">
-            <p:oleObj spid="_x0000_s1027" name="Equation" r:id="rId3" imgW="2463800" imgH="685800" progId="Equation.DSMT4">
-              <p:embed/>
-            </p:oleObj>
-          </a:graphicData>
-        </a:graphic>
-      </p:graphicFrame>
-      <p:graphicFrame>
-        <p:nvGraphicFramePr>
-          <p:cNvPr id="1028" name="Object 4"/>
-          <p:cNvGraphicFramePr>
-            <a:graphicFrameLocks noChangeAspect="1"/>
-          </p:cNvGraphicFramePr>
-          <p:nvPr/>
-        </p:nvGraphicFramePr>
-        <p:xfrm>
-          <a:off x="-22225" y="4495800"/>
-          <a:ext cx="9082088" cy="1096963"/>
-        </p:xfrm>
-        <a:graphic>
-          <a:graphicData uri="http://schemas.openxmlformats.org/presentationml/2006/ole">
-            <p:oleObj spid="_x0000_s1028" name="Equation" r:id="rId4" imgW="2946400" imgH="355600" progId="Equation.DSMT4">
-              <p:embed/>
-            </p:oleObj>
-          </a:graphicData>
-        </a:graphic>
-      </p:graphicFrame>
-    </p:spTree>
-  </p:cSld>
-  <p:clrMapOvr>
-    <a:masterClrMapping/>
-  </p:clrMapOvr>
-  <p:transition/>
-  <p:timing>
-    <p:tnLst>
-      <p:par>
-        <p:cTn id="1" dur="indefinite" restart="never" nodeType="tmRoot"/>
-      </p:par>
-    </p:tnLst>
-  </p:timing>
-</p:sld>
-</file>
-
-<file path=ppt/slides/slide11.xml><?xml version="1.0" encoding="utf-8"?>
 <p:sld xmlns:a="http://schemas.openxmlformats.org/drawingml/2006/main" xmlns:r="http://schemas.openxmlformats.org/officeDocument/2006/relationships" xmlns:mc="http://schemas.openxmlformats.org/markup-compatibility/2006" xmlns:mv="urn:schemas-microsoft-com:mac:vml" xmlns:p="http://schemas.openxmlformats.org/presentationml/2006/main" mc:Ignorable="mv" mc:PreserveAttributes="mv:*">
   <p:cSld>
     <p:spTree>
@@ -4902,1809 +4537,6 @@
           <a:chExt cx="0" cy="0"/>
         </a:xfrm>
       </p:grpSpPr>
-      <p:graphicFrame>
-        <p:nvGraphicFramePr>
-          <p:cNvPr id="7" name="Object 6"/>
-          <p:cNvGraphicFramePr>
-            <a:graphicFrameLocks noChangeAspect="1"/>
-          </p:cNvGraphicFramePr>
-          <p:nvPr/>
-        </p:nvGraphicFramePr>
-        <p:xfrm>
-          <a:off x="990600" y="3429000"/>
-          <a:ext cx="6629400" cy="1971675"/>
-        </p:xfrm>
-        <a:graphic>
-          <a:graphicData uri="http://schemas.openxmlformats.org/presentationml/2006/ole">
-            <p:oleObj spid="_x0000_s329730" name="Equation" r:id="rId3" imgW="1282700" imgH="381000" progId="Equation.DSMT4">
-              <p:embed/>
-            </p:oleObj>
-          </a:graphicData>
-        </a:graphic>
-      </p:graphicFrame>
-      <p:graphicFrame>
-        <p:nvGraphicFramePr>
-          <p:cNvPr id="329732" name="Object 4"/>
-          <p:cNvGraphicFramePr>
-            <a:graphicFrameLocks noChangeAspect="1"/>
-          </p:cNvGraphicFramePr>
-          <p:nvPr/>
-        </p:nvGraphicFramePr>
-        <p:xfrm>
-          <a:off x="76200" y="2779713"/>
-          <a:ext cx="8677275" cy="3206750"/>
-        </p:xfrm>
-        <a:graphic>
-          <a:graphicData uri="http://schemas.openxmlformats.org/presentationml/2006/ole">
-            <p:oleObj spid="_x0000_s329732" name="Equation" r:id="rId4" imgW="2133600" imgH="787400" progId="Equation.DSMT4">
-              <p:embed/>
-            </p:oleObj>
-          </a:graphicData>
-        </a:graphic>
-      </p:graphicFrame>
-      <p:sp useBgFill="1">
-        <p:nvSpPr>
-          <p:cNvPr id="8" name="TextBox 7"/>
-          <p:cNvSpPr txBox="1"/>
-          <p:nvPr/>
-        </p:nvSpPr>
-        <p:spPr>
-          <a:xfrm>
-            <a:off x="5410200" y="3810000"/>
-            <a:ext cx="2971800" cy="1219200"/>
-          </a:xfrm>
-          <a:prstGeom prst="rect">
-            <a:avLst/>
-          </a:prstGeom>
-        </p:spPr>
-        <p:txBody>
-          <a:bodyPr wrap="square" rtlCol="0">
-            <a:spAutoFit/>
-          </a:bodyPr>
-          <a:lstStyle/>
-          <a:p>
-            <a:r>
-              <a:rPr lang="en-US" sz="7200" dirty="0" smtClean="0">
-                <a:solidFill>
-                  <a:srgbClr val="FF4519"/>
-                </a:solidFill>
-                <a:latin typeface="+mj-lt"/>
-              </a:rPr>
-              <a:t> 30          </a:t>
-            </a:r>
-          </a:p>
-        </p:txBody>
-      </p:sp>
-      <p:sp>
-        <p:nvSpPr>
-          <p:cNvPr id="3" name="Content Placeholder 2"/>
-          <p:cNvSpPr>
-            <a:spLocks noGrp="1"/>
-          </p:cNvSpPr>
-          <p:nvPr>
-            <p:ph idx="1"/>
-          </p:nvPr>
-        </p:nvSpPr>
-        <p:spPr>
-          <a:xfrm>
-            <a:off x="540543" y="1143000"/>
-            <a:ext cx="8077200" cy="4495800"/>
-          </a:xfrm>
-        </p:spPr>
-        <p:txBody>
-          <a:bodyPr/>
-          <a:lstStyle/>
-          <a:p>
-            <a:r>
-              <a:rPr lang="en-US" dirty="0" smtClean="0">
-                <a:solidFill>
-                  <a:srgbClr val="006600"/>
-                </a:solidFill>
-              </a:rPr>
-              <a:t>Better estimate:</a:t>
-            </a:r>
-          </a:p>
-          <a:p>
-            <a:endParaRPr lang="en-US" dirty="0">
-              <a:solidFill>
-                <a:srgbClr val="006600"/>
-              </a:solidFill>
-            </a:endParaRPr>
-          </a:p>
-        </p:txBody>
-      </p:sp>
-      <p:sp>
-        <p:nvSpPr>
-          <p:cNvPr id="4" name="Slide Number Placeholder 3"/>
-          <p:cNvSpPr>
-            <a:spLocks noGrp="1"/>
-          </p:cNvSpPr>
-          <p:nvPr>
-            <p:ph type="sldNum" sz="quarter" idx="10"/>
-          </p:nvPr>
-        </p:nvSpPr>
-        <p:spPr>
-          <a:xfrm>
-            <a:off x="7779543" y="6629400"/>
-            <a:ext cx="1447800" cy="228600"/>
-          </a:xfrm>
-        </p:spPr>
-        <p:txBody>
-          <a:bodyPr/>
-          <a:lstStyle/>
-          <a:p>
-            <a:pPr>
-              <a:defRPr/>
-            </a:pPr>
-            <a:r>
-              <a:rPr lang="en-US" dirty="0" err="1" smtClean="0"/>
-              <a:t>lec</a:t>
-            </a:r>
-            <a:r>
-              <a:rPr lang="en-US" dirty="0" smtClean="0"/>
-              <a:t> 13W.</a:t>
-            </a:r>
-            <a:fld id="{E78F4000-603A-43A9-9772-EA15786EFD2C}" type="slidenum">
-              <a:rPr lang="en-US" smtClean="0"/>
-              <a:pPr>
-                <a:defRPr/>
-              </a:pPr>
-              <a:t>11</a:t>
-            </a:fld>
-            <a:endParaRPr lang="en-US" dirty="0"/>
-          </a:p>
-        </p:txBody>
-      </p:sp>
-      <p:sp>
-        <p:nvSpPr>
-          <p:cNvPr id="5" name="Rectangle 2"/>
-          <p:cNvSpPr>
-            <a:spLocks noGrp="1" noChangeArrowheads="1"/>
-          </p:cNvSpPr>
-          <p:nvPr>
-            <p:ph type="title"/>
-          </p:nvPr>
-        </p:nvSpPr>
-        <p:spPr>
-          <a:xfrm>
-            <a:off x="1226343" y="304800"/>
-            <a:ext cx="7315200" cy="838200"/>
-          </a:xfrm>
-        </p:spPr>
-        <p:txBody>
-          <a:bodyPr/>
-          <a:lstStyle/>
-          <a:p>
-            <a:pPr eaLnBrk="1" hangingPunct="1"/>
-            <a:r>
-              <a:rPr lang="en-US" sz="4000" dirty="0" smtClean="0"/>
-              <a:t>Sampling using Binomial PDF</a:t>
-            </a:r>
-          </a:p>
-        </p:txBody>
-      </p:sp>
-      <p:graphicFrame>
-        <p:nvGraphicFramePr>
-          <p:cNvPr id="329733" name="Object 5"/>
-          <p:cNvGraphicFramePr>
-            <a:graphicFrameLocks noChangeAspect="1"/>
-          </p:cNvGraphicFramePr>
-          <p:nvPr/>
-        </p:nvGraphicFramePr>
-        <p:xfrm>
-          <a:off x="1087437" y="2286000"/>
-          <a:ext cx="7142163" cy="1135063"/>
-        </p:xfrm>
-        <a:graphic>
-          <a:graphicData uri="http://schemas.openxmlformats.org/presentationml/2006/ole">
-            <p:oleObj spid="_x0000_s329733" name="Equation" r:id="rId5" imgW="1358900" imgH="215900" progId="Equation.DSMT4">
-              <p:embed/>
-            </p:oleObj>
-          </a:graphicData>
-        </a:graphic>
-      </p:graphicFrame>
-    </p:spTree>
-  </p:cSld>
-  <p:clrMapOvr>
-    <a:masterClrMapping/>
-  </p:clrMapOvr>
-  <p:transition spd="slow">
-    <p:fade/>
-  </p:transition>
-  <p:timing>
-    <p:tnLst>
-      <p:par>
-        <p:cTn id="1" dur="indefinite" restart="never" nodeType="tmRoot">
-          <p:childTnLst>
-            <p:seq concurrent="1" nextAc="seek">
-              <p:cTn id="2" dur="indefinite" nodeType="mainSeq">
-                <p:childTnLst>
-                  <p:par>
-                    <p:cTn id="3" fill="hold">
-                      <p:stCondLst>
-                        <p:cond delay="indefinite"/>
-                      </p:stCondLst>
-                      <p:childTnLst>
-                        <p:par>
-                          <p:cTn id="4" fill="hold">
-                            <p:stCondLst>
-                              <p:cond delay="0"/>
-                            </p:stCondLst>
-                            <p:childTnLst>
-                              <p:par>
-                                <p:cTn id="5" presetID="10" presetClass="entr" presetSubtype="0" fill="hold" nodeType="clickEffect">
-                                  <p:stCondLst>
-                                    <p:cond delay="0"/>
-                                  </p:stCondLst>
-                                  <p:childTnLst>
-                                    <p:set>
-                                      <p:cBhvr>
-                                        <p:cTn id="6" dur="1" fill="hold">
-                                          <p:stCondLst>
-                                            <p:cond delay="0"/>
-                                          </p:stCondLst>
-                                        </p:cTn>
-                                        <p:tgtEl>
-                                          <p:spTgt spid="329733"/>
-                                        </p:tgtEl>
-                                        <p:attrNameLst>
-                                          <p:attrName>style.visibility</p:attrName>
-                                        </p:attrNameLst>
-                                      </p:cBhvr>
-                                      <p:to>
-                                        <p:strVal val="visible"/>
-                                      </p:to>
-                                    </p:set>
-                                    <p:animEffect transition="in" filter="fade">
-                                      <p:cBhvr>
-                                        <p:cTn id="7" dur="2000"/>
-                                        <p:tgtEl>
-                                          <p:spTgt spid="329733"/>
-                                        </p:tgtEl>
-                                      </p:cBhvr>
-                                    </p:animEffect>
-                                  </p:childTnLst>
-                                </p:cTn>
-                              </p:par>
-                            </p:childTnLst>
-                          </p:cTn>
-                        </p:par>
-                      </p:childTnLst>
-                    </p:cTn>
-                  </p:par>
-                  <p:par>
-                    <p:cTn id="8" fill="hold">
-                      <p:stCondLst>
-                        <p:cond delay="indefinite"/>
-                      </p:stCondLst>
-                      <p:childTnLst>
-                        <p:par>
-                          <p:cTn id="9" fill="hold">
-                            <p:stCondLst>
-                              <p:cond delay="0"/>
-                            </p:stCondLst>
-                            <p:childTnLst>
-                              <p:par>
-                                <p:cTn id="10" presetID="10" presetClass="entr" presetSubtype="0" fill="hold" nodeType="clickEffect">
-                                  <p:stCondLst>
-                                    <p:cond delay="0"/>
-                                  </p:stCondLst>
-                                  <p:childTnLst>
-                                    <p:set>
-                                      <p:cBhvr>
-                                        <p:cTn id="11" dur="1" fill="hold">
-                                          <p:stCondLst>
-                                            <p:cond delay="0"/>
-                                          </p:stCondLst>
-                                        </p:cTn>
-                                        <p:tgtEl>
-                                          <p:spTgt spid="329732"/>
-                                        </p:tgtEl>
-                                        <p:attrNameLst>
-                                          <p:attrName>style.visibility</p:attrName>
-                                        </p:attrNameLst>
-                                      </p:cBhvr>
-                                      <p:to>
-                                        <p:strVal val="visible"/>
-                                      </p:to>
-                                    </p:set>
-                                    <p:animEffect transition="in" filter="fade">
-                                      <p:cBhvr>
-                                        <p:cTn id="12" dur="500"/>
-                                        <p:tgtEl>
-                                          <p:spTgt spid="329732"/>
-                                        </p:tgtEl>
-                                      </p:cBhvr>
-                                    </p:animEffect>
-                                  </p:childTnLst>
-                                </p:cTn>
-                              </p:par>
-                            </p:childTnLst>
-                          </p:cTn>
-                        </p:par>
-                      </p:childTnLst>
-                    </p:cTn>
-                  </p:par>
-                  <p:par>
-                    <p:cTn id="13" fill="hold">
-                      <p:stCondLst>
-                        <p:cond delay="indefinite"/>
-                      </p:stCondLst>
-                      <p:childTnLst>
-                        <p:par>
-                          <p:cTn id="14" fill="hold">
-                            <p:stCondLst>
-                              <p:cond delay="0"/>
-                            </p:stCondLst>
-                            <p:childTnLst>
-                              <p:par>
-                                <p:cTn id="15" presetID="10" presetClass="entr" presetSubtype="0" fill="hold" grpId="0" nodeType="clickEffect">
-                                  <p:stCondLst>
-                                    <p:cond delay="0"/>
-                                  </p:stCondLst>
-                                  <p:childTnLst>
-                                    <p:set>
-                                      <p:cBhvr>
-                                        <p:cTn id="16" dur="1" fill="hold">
-                                          <p:stCondLst>
-                                            <p:cond delay="0"/>
-                                          </p:stCondLst>
-                                        </p:cTn>
-                                        <p:tgtEl>
-                                          <p:spTgt spid="8"/>
-                                        </p:tgtEl>
-                                        <p:attrNameLst>
-                                          <p:attrName>style.visibility</p:attrName>
-                                        </p:attrNameLst>
-                                      </p:cBhvr>
-                                      <p:to>
-                                        <p:strVal val="visible"/>
-                                      </p:to>
-                                    </p:set>
-                                    <p:animEffect transition="in" filter="fade">
-                                      <p:cBhvr>
-                                        <p:cTn id="17" dur="500"/>
-                                        <p:tgtEl>
-                                          <p:spTgt spid="8"/>
-                                        </p:tgtEl>
-                                      </p:cBhvr>
-                                    </p:animEffect>
-                                  </p:childTnLst>
-                                </p:cTn>
-                              </p:par>
-                            </p:childTnLst>
-                          </p:cTn>
-                        </p:par>
-                      </p:childTnLst>
-                    </p:cTn>
-                  </p:par>
-                </p:childTnLst>
-              </p:cTn>
-              <p:prevCondLst>
-                <p:cond evt="onPrev" delay="0">
-                  <p:tgtEl>
-                    <p:sldTgt/>
-                  </p:tgtEl>
-                </p:cond>
-              </p:prevCondLst>
-              <p:nextCondLst>
-                <p:cond evt="onNext" delay="0">
-                  <p:tgtEl>
-                    <p:sldTgt/>
-                  </p:tgtEl>
-                </p:cond>
-              </p:nextCondLst>
-            </p:seq>
-          </p:childTnLst>
-        </p:cTn>
-      </p:par>
-    </p:tnLst>
-    <p:bldLst>
-      <p:bldP spid="8" grpId="0" animBg="1"/>
-    </p:bldLst>
-  </p:timing>
-</p:sld>
-</file>
-
-<file path=ppt/slides/slide12.xml><?xml version="1.0" encoding="utf-8"?>
-<p:sld xmlns:a="http://schemas.openxmlformats.org/drawingml/2006/main" xmlns:r="http://schemas.openxmlformats.org/officeDocument/2006/relationships" xmlns:mc="http://schemas.openxmlformats.org/markup-compatibility/2006" xmlns:mv="urn:schemas-microsoft-com:mac:vml" xmlns:p="http://schemas.openxmlformats.org/presentationml/2006/main" mc:Ignorable="mv" mc:PreserveAttributes="mv:*">
-  <p:cSld>
-    <p:spTree>
-      <p:nvGrpSpPr>
-        <p:cNvPr id="1" name=""/>
-        <p:cNvGrpSpPr/>
-        <p:nvPr/>
-      </p:nvGrpSpPr>
-      <p:grpSpPr>
-        <a:xfrm>
-          <a:off x="0" y="0"/>
-          <a:ext cx="0" cy="0"/>
-          <a:chOff x="0" y="0"/>
-          <a:chExt cx="0" cy="0"/>
-        </a:xfrm>
-      </p:grpSpPr>
-      <p:sp>
-        <p:nvSpPr>
-          <p:cNvPr id="27650" name="Slide Number Placeholder 3"/>
-          <p:cNvSpPr>
-            <a:spLocks noGrp="1"/>
-          </p:cNvSpPr>
-          <p:nvPr>
-            <p:ph type="sldNum" sz="quarter" idx="10"/>
-          </p:nvPr>
-        </p:nvSpPr>
-        <p:spPr/>
-        <p:txBody>
-          <a:bodyPr/>
-          <a:lstStyle/>
-          <a:p>
-            <a:pPr>
-              <a:defRPr/>
-            </a:pPr>
-            <a:r>
-              <a:rPr lang="en-US" dirty="0" err="1"/>
-              <a:t>lec</a:t>
-            </a:r>
-            <a:r>
-              <a:rPr lang="en-US" dirty="0" smtClean="0"/>
-              <a:t> 13W.</a:t>
-            </a:r>
-            <a:fld id="{AB032E80-4924-4C32-A61E-EE294C645BF5}" type="slidenum">
-              <a:rPr lang="en-US" smtClean="0"/>
-              <a:pPr>
-                <a:defRPr/>
-              </a:pPr>
-              <a:t>12</a:t>
-            </a:fld>
-            <a:endParaRPr lang="en-US" dirty="0"/>
-          </a:p>
-        </p:txBody>
-      </p:sp>
-      <p:sp>
-        <p:nvSpPr>
-          <p:cNvPr id="214019" name="Text Box 3"/>
-          <p:cNvSpPr txBox="1">
-            <a:spLocks noChangeArrowheads="1"/>
-          </p:cNvSpPr>
-          <p:nvPr/>
-        </p:nvSpPr>
-        <p:spPr bwMode="auto">
-          <a:xfrm>
-            <a:off x="76200" y="1219200"/>
-            <a:ext cx="8839200" cy="4401205"/>
-          </a:xfrm>
-          <a:prstGeom prst="rect">
-            <a:avLst/>
-          </a:prstGeom>
-          <a:noFill/>
-          <a:ln w="9525">
-            <a:noFill/>
-            <a:miter lim="800000"/>
-            <a:headEnd/>
-            <a:tailEnd/>
-          </a:ln>
-        </p:spPr>
-        <p:txBody>
-          <a:bodyPr>
-            <a:spAutoFit/>
-          </a:bodyPr>
-          <a:lstStyle/>
-          <a:p>
-            <a:pPr algn="l"/>
-            <a:r>
-              <a:rPr lang="en-US" sz="4400" dirty="0">
-                <a:latin typeface="Comic Sans MS" pitchFamily="66" charset="0"/>
-              </a:rPr>
-              <a:t> </a:t>
-            </a:r>
-            <a:r>
-              <a:rPr lang="en-US" sz="4800" dirty="0">
-                <a:latin typeface="Comic Sans MS" pitchFamily="66" charset="0"/>
-              </a:rPr>
-              <a:t>How to bound this probability  </a:t>
-            </a:r>
-          </a:p>
-          <a:p>
-            <a:pPr algn="l"/>
-            <a:r>
-              <a:rPr lang="en-US" sz="4800" dirty="0">
-                <a:latin typeface="Comic Sans MS" pitchFamily="66" charset="0"/>
-              </a:rPr>
-              <a:t> when we don’t know</a:t>
-            </a:r>
-            <a:r>
-              <a:rPr lang="en-US" sz="4800" dirty="0">
-                <a:solidFill>
-                  <a:schemeClr val="accent2"/>
-                </a:solidFill>
-                <a:latin typeface="Comic Sans MS" pitchFamily="66" charset="0"/>
-              </a:rPr>
-              <a:t> p</a:t>
-            </a:r>
-            <a:r>
-              <a:rPr lang="en-US" sz="4800" dirty="0">
-                <a:solidFill>
-                  <a:srgbClr val="CC0099"/>
-                </a:solidFill>
-                <a:latin typeface="Comic Sans MS" pitchFamily="66" charset="0"/>
-              </a:rPr>
-              <a:t>?</a:t>
-            </a:r>
-          </a:p>
-          <a:p>
-            <a:pPr algn="l">
-              <a:spcBef>
-                <a:spcPts val="2400"/>
-              </a:spcBef>
-            </a:pPr>
-            <a:r>
-              <a:rPr lang="en-US" sz="4400" i="1" dirty="0" smtClean="0">
-                <a:latin typeface="Comic Sans MS" pitchFamily="66" charset="0"/>
-              </a:rPr>
-              <a:t>Lemma:</a:t>
-            </a:r>
-            <a:endParaRPr lang="en-US" sz="4400" dirty="0">
-              <a:solidFill>
-                <a:schemeClr val="accent2"/>
-              </a:solidFill>
-              <a:latin typeface="Comic Sans MS" pitchFamily="66" charset="0"/>
-            </a:endParaRPr>
-          </a:p>
-          <a:p>
-            <a:pPr algn="l"/>
-            <a:r>
-              <a:rPr lang="en-US" sz="5400" dirty="0" smtClean="0">
-                <a:latin typeface="Comic Sans MS" pitchFamily="66" charset="0"/>
-              </a:rPr>
-              <a:t>  </a:t>
-            </a:r>
-            <a:endParaRPr lang="en-US" sz="6000" dirty="0" smtClean="0">
-              <a:solidFill>
-                <a:schemeClr val="accent2"/>
-              </a:solidFill>
-              <a:latin typeface="Comic Sans MS" pitchFamily="66" charset="0"/>
-            </a:endParaRPr>
-          </a:p>
-          <a:p>
-            <a:pPr algn="l"/>
-            <a:r>
-              <a:rPr lang="en-US" sz="6000" dirty="0">
-                <a:latin typeface="Comic Sans MS" pitchFamily="66" charset="0"/>
-              </a:rPr>
-              <a:t>    </a:t>
-            </a:r>
-            <a:r>
-              <a:rPr lang="en-US" sz="6000" dirty="0" smtClean="0">
-                <a:latin typeface="Comic Sans MS" pitchFamily="66" charset="0"/>
-              </a:rPr>
-              <a:t>  is </a:t>
-            </a:r>
-            <a:r>
-              <a:rPr lang="en-US" sz="6000" dirty="0">
-                <a:solidFill>
-                  <a:srgbClr val="FF33CC"/>
-                </a:solidFill>
-                <a:latin typeface="Comic Sans MS" pitchFamily="66" charset="0"/>
-              </a:rPr>
-              <a:t>min </a:t>
-            </a:r>
-            <a:r>
-              <a:rPr lang="en-US" sz="6000" dirty="0" smtClean="0">
-                <a:latin typeface="Comic Sans MS" pitchFamily="66" charset="0"/>
-              </a:rPr>
-              <a:t>when </a:t>
-            </a:r>
-            <a:r>
-              <a:rPr lang="en-US" sz="6000" dirty="0">
-                <a:solidFill>
-                  <a:srgbClr val="0006FE"/>
-                </a:solidFill>
-                <a:latin typeface="Comic Sans MS" pitchFamily="66" charset="0"/>
-              </a:rPr>
-              <a:t>p</a:t>
-            </a:r>
-            <a:r>
-              <a:rPr lang="en-US" sz="6000" dirty="0">
-                <a:latin typeface="Comic Sans MS" pitchFamily="66" charset="0"/>
-              </a:rPr>
-              <a:t> = </a:t>
-            </a:r>
-            <a:r>
-              <a:rPr lang="en-US" sz="6000" dirty="0">
-                <a:solidFill>
-                  <a:srgbClr val="FF4519"/>
-                </a:solidFill>
-                <a:latin typeface="Comic Sans MS" pitchFamily="66" charset="0"/>
-              </a:rPr>
-              <a:t>1/2</a:t>
-            </a:r>
-          </a:p>
-        </p:txBody>
-      </p:sp>
-      <p:sp>
-        <p:nvSpPr>
-          <p:cNvPr id="6" name="Rectangle 2"/>
-          <p:cNvSpPr>
-            <a:spLocks noGrp="1" noChangeArrowheads="1"/>
-          </p:cNvSpPr>
-          <p:nvPr>
-            <p:ph type="title"/>
-          </p:nvPr>
-        </p:nvSpPr>
-        <p:spPr>
-          <a:xfrm>
-            <a:off x="1143000" y="304800"/>
-            <a:ext cx="7315200" cy="838200"/>
-          </a:xfrm>
-        </p:spPr>
-        <p:txBody>
-          <a:bodyPr/>
-          <a:lstStyle/>
-          <a:p>
-            <a:pPr eaLnBrk="1" hangingPunct="1"/>
-            <a:r>
-              <a:rPr lang="en-US" sz="4000" dirty="0" smtClean="0"/>
-              <a:t>Sampling using Binomial PDF</a:t>
-            </a:r>
-          </a:p>
-        </p:txBody>
-      </p:sp>
-      <p:graphicFrame>
-        <p:nvGraphicFramePr>
-          <p:cNvPr id="5" name="Object 4"/>
-          <p:cNvGraphicFramePr>
-            <a:graphicFrameLocks noChangeAspect="1"/>
-          </p:cNvGraphicFramePr>
-          <p:nvPr/>
-        </p:nvGraphicFramePr>
-        <p:xfrm>
-          <a:off x="2274888" y="2840038"/>
-          <a:ext cx="5588000" cy="1660525"/>
-        </p:xfrm>
-        <a:graphic>
-          <a:graphicData uri="http://schemas.openxmlformats.org/presentationml/2006/ole">
-            <p:oleObj spid="_x0000_s257026" name="Equation" r:id="rId4" imgW="1282700" imgH="381000" progId="Equation.DSMT4">
-              <p:embed/>
-            </p:oleObj>
-          </a:graphicData>
-        </a:graphic>
-      </p:graphicFrame>
-    </p:spTree>
-  </p:cSld>
-  <p:clrMapOvr>
-    <a:masterClrMapping/>
-  </p:clrMapOvr>
-  <p:transition>
-    <p:fade/>
-  </p:transition>
-  <p:timing>
-    <p:tnLst>
-      <p:par>
-        <p:cTn id="1" dur="indefinite" restart="never" nodeType="tmRoot">
-          <p:childTnLst>
-            <p:seq concurrent="1" nextAc="seek">
-              <p:cTn id="2" dur="indefinite" nodeType="mainSeq">
-                <p:childTnLst>
-                  <p:par>
-                    <p:cTn id="3" fill="hold">
-                      <p:stCondLst>
-                        <p:cond delay="indefinite"/>
-                      </p:stCondLst>
-                      <p:childTnLst>
-                        <p:par>
-                          <p:cTn id="4" fill="hold">
-                            <p:stCondLst>
-                              <p:cond delay="0"/>
-                            </p:stCondLst>
-                            <p:childTnLst>
-                              <p:par>
-                                <p:cTn id="5" presetID="1" presetClass="entr" presetSubtype="0" fill="hold" nodeType="clickEffect">
-                                  <p:stCondLst>
-                                    <p:cond delay="0"/>
-                                  </p:stCondLst>
-                                  <p:childTnLst>
-                                    <p:set>
-                                      <p:cBhvr>
-                                        <p:cTn id="6" dur="1" fill="hold">
-                                          <p:stCondLst>
-                                            <p:cond delay="0"/>
-                                          </p:stCondLst>
-                                        </p:cTn>
-                                        <p:tgtEl>
-                                          <p:spTgt spid="214019">
-                                            <p:txEl>
-                                              <p:pRg st="2" end="2"/>
-                                            </p:txEl>
-                                          </p:spTgt>
-                                        </p:tgtEl>
-                                        <p:attrNameLst>
-                                          <p:attrName>style.visibility</p:attrName>
-                                        </p:attrNameLst>
-                                      </p:cBhvr>
-                                      <p:to>
-                                        <p:strVal val="visible"/>
-                                      </p:to>
-                                    </p:set>
-                                  </p:childTnLst>
-                                </p:cTn>
-                              </p:par>
-                            </p:childTnLst>
-                          </p:cTn>
-                        </p:par>
-                      </p:childTnLst>
-                    </p:cTn>
-                  </p:par>
-                  <p:par>
-                    <p:cTn id="7" fill="hold">
-                      <p:stCondLst>
-                        <p:cond delay="indefinite"/>
-                      </p:stCondLst>
-                      <p:childTnLst>
-                        <p:par>
-                          <p:cTn id="8" fill="hold">
-                            <p:stCondLst>
-                              <p:cond delay="0"/>
-                            </p:stCondLst>
-                            <p:childTnLst>
-                              <p:par>
-                                <p:cTn id="9" presetID="1" presetClass="entr" presetSubtype="0" fill="hold" nodeType="clickEffect">
-                                  <p:stCondLst>
-                                    <p:cond delay="0"/>
-                                  </p:stCondLst>
-                                  <p:childTnLst>
-                                    <p:set>
-                                      <p:cBhvr>
-                                        <p:cTn id="10" dur="1" fill="hold">
-                                          <p:stCondLst>
-                                            <p:cond delay="0"/>
-                                          </p:stCondLst>
-                                        </p:cTn>
-                                        <p:tgtEl>
-                                          <p:spTgt spid="5"/>
-                                        </p:tgtEl>
-                                        <p:attrNameLst>
-                                          <p:attrName>style.visibility</p:attrName>
-                                        </p:attrNameLst>
-                                      </p:cBhvr>
-                                      <p:to>
-                                        <p:strVal val="visible"/>
-                                      </p:to>
-                                    </p:set>
-                                  </p:childTnLst>
-                                </p:cTn>
-                              </p:par>
-                              <p:par>
-                                <p:cTn id="11" presetID="9" presetClass="entr" presetSubtype="0" fill="hold" nodeType="withEffect">
-                                  <p:stCondLst>
-                                    <p:cond delay="0"/>
-                                  </p:stCondLst>
-                                  <p:childTnLst>
-                                    <p:set>
-                                      <p:cBhvr>
-                                        <p:cTn id="12" dur="1" fill="hold">
-                                          <p:stCondLst>
-                                            <p:cond delay="0"/>
-                                          </p:stCondLst>
-                                        </p:cTn>
-                                        <p:tgtEl>
-                                          <p:spTgt spid="214019">
-                                            <p:txEl>
-                                              <p:pRg st="3" end="3"/>
-                                            </p:txEl>
-                                          </p:spTgt>
-                                        </p:tgtEl>
-                                        <p:attrNameLst>
-                                          <p:attrName>style.visibility</p:attrName>
-                                        </p:attrNameLst>
-                                      </p:cBhvr>
-                                      <p:to>
-                                        <p:strVal val="visible"/>
-                                      </p:to>
-                                    </p:set>
-                                    <p:animEffect transition="in" filter="dissolve">
-                                      <p:cBhvr>
-                                        <p:cTn id="13" dur="500"/>
-                                        <p:tgtEl>
-                                          <p:spTgt spid="214019">
-                                            <p:txEl>
-                                              <p:pRg st="3" end="3"/>
-                                            </p:txEl>
-                                          </p:spTgt>
-                                        </p:tgtEl>
-                                      </p:cBhvr>
-                                    </p:animEffect>
-                                  </p:childTnLst>
-                                </p:cTn>
-                              </p:par>
-                              <p:par>
-                                <p:cTn id="14" presetID="1" presetClass="entr" presetSubtype="0" fill="hold" nodeType="withEffect">
-                                  <p:stCondLst>
-                                    <p:cond delay="0"/>
-                                  </p:stCondLst>
-                                  <p:childTnLst>
-                                    <p:set>
-                                      <p:cBhvr>
-                                        <p:cTn id="15" dur="1" fill="hold">
-                                          <p:stCondLst>
-                                            <p:cond delay="0"/>
-                                          </p:stCondLst>
-                                        </p:cTn>
-                                        <p:tgtEl>
-                                          <p:spTgt spid="214019">
-                                            <p:txEl>
-                                              <p:pRg st="4" end="4"/>
-                                            </p:txEl>
-                                          </p:spTgt>
-                                        </p:tgtEl>
-                                        <p:attrNameLst>
-                                          <p:attrName>style.visibility</p:attrName>
-                                        </p:attrNameLst>
-                                      </p:cBhvr>
-                                      <p:to>
-                                        <p:strVal val="visible"/>
-                                      </p:to>
-                                    </p:set>
-                                  </p:childTnLst>
-                                </p:cTn>
-                              </p:par>
-                            </p:childTnLst>
-                          </p:cTn>
-                        </p:par>
-                      </p:childTnLst>
-                    </p:cTn>
-                  </p:par>
-                </p:childTnLst>
-              </p:cTn>
-              <p:prevCondLst>
-                <p:cond evt="onPrev" delay="0">
-                  <p:tgtEl>
-                    <p:sldTgt/>
-                  </p:tgtEl>
-                </p:cond>
-              </p:prevCondLst>
-              <p:nextCondLst>
-                <p:cond evt="onNext" delay="0">
-                  <p:tgtEl>
-                    <p:sldTgt/>
-                  </p:tgtEl>
-                </p:cond>
-              </p:nextCondLst>
-            </p:seq>
-          </p:childTnLst>
-        </p:cTn>
-      </p:par>
-    </p:tnLst>
-  </p:timing>
-</p:sld>
-</file>
-
-<file path=ppt/slides/slide13.xml><?xml version="1.0" encoding="utf-8"?>
-<p:sld xmlns:a="http://schemas.openxmlformats.org/drawingml/2006/main" xmlns:r="http://schemas.openxmlformats.org/officeDocument/2006/relationships" xmlns:mc="http://schemas.openxmlformats.org/markup-compatibility/2006" xmlns:mv="urn:schemas-microsoft-com:mac:vml" xmlns:p="http://schemas.openxmlformats.org/presentationml/2006/main" mc:Ignorable="mv" mc:PreserveAttributes="mv:*">
-  <p:cSld>
-    <p:spTree>
-      <p:nvGrpSpPr>
-        <p:cNvPr id="1" name=""/>
-        <p:cNvGrpSpPr/>
-        <p:nvPr/>
-      </p:nvGrpSpPr>
-      <p:grpSpPr>
-        <a:xfrm>
-          <a:off x="0" y="0"/>
-          <a:ext cx="0" cy="0"/>
-          <a:chOff x="0" y="0"/>
-          <a:chExt cx="0" cy="0"/>
-        </a:xfrm>
-      </p:grpSpPr>
-      <p:graphicFrame>
-        <p:nvGraphicFramePr>
-          <p:cNvPr id="329732" name="Object 4"/>
-          <p:cNvGraphicFramePr>
-            <a:graphicFrameLocks noChangeAspect="1"/>
-          </p:cNvGraphicFramePr>
-          <p:nvPr/>
-        </p:nvGraphicFramePr>
-        <p:xfrm>
-          <a:off x="0" y="2743200"/>
-          <a:ext cx="8677275" cy="3206750"/>
-        </p:xfrm>
-        <a:graphic>
-          <a:graphicData uri="http://schemas.openxmlformats.org/presentationml/2006/ole">
-            <p:oleObj spid="_x0000_s368643" name="Equation" r:id="rId3" imgW="2133600" imgH="787400" progId="Equation.DSMT4">
-              <p:embed/>
-            </p:oleObj>
-          </a:graphicData>
-        </a:graphic>
-      </p:graphicFrame>
-      <p:sp>
-        <p:nvSpPr>
-          <p:cNvPr id="4" name="Slide Number Placeholder 3"/>
-          <p:cNvSpPr>
-            <a:spLocks noGrp="1"/>
-          </p:cNvSpPr>
-          <p:nvPr>
-            <p:ph type="sldNum" sz="quarter" idx="10"/>
-          </p:nvPr>
-        </p:nvSpPr>
-        <p:spPr>
-          <a:xfrm>
-            <a:off x="7779543" y="6629400"/>
-            <a:ext cx="1447800" cy="228600"/>
-          </a:xfrm>
-        </p:spPr>
-        <p:txBody>
-          <a:bodyPr/>
-          <a:lstStyle/>
-          <a:p>
-            <a:pPr>
-              <a:defRPr/>
-            </a:pPr>
-            <a:r>
-              <a:rPr lang="en-US" dirty="0" err="1" smtClean="0"/>
-              <a:t>lec</a:t>
-            </a:r>
-            <a:r>
-              <a:rPr lang="en-US" dirty="0" smtClean="0"/>
-              <a:t> 13W.</a:t>
-            </a:r>
-            <a:fld id="{E78F4000-603A-43A9-9772-EA15786EFD2C}" type="slidenum">
-              <a:rPr lang="en-US" smtClean="0"/>
-              <a:pPr>
-                <a:defRPr/>
-              </a:pPr>
-              <a:t>13</a:t>
-            </a:fld>
-            <a:endParaRPr lang="en-US" dirty="0"/>
-          </a:p>
-        </p:txBody>
-      </p:sp>
-      <p:sp>
-        <p:nvSpPr>
-          <p:cNvPr id="5" name="Rectangle 2"/>
-          <p:cNvSpPr>
-            <a:spLocks noGrp="1" noChangeArrowheads="1"/>
-          </p:cNvSpPr>
-          <p:nvPr>
-            <p:ph type="title"/>
-          </p:nvPr>
-        </p:nvSpPr>
-        <p:spPr>
-          <a:xfrm>
-            <a:off x="1226343" y="304800"/>
-            <a:ext cx="7315200" cy="838200"/>
-          </a:xfrm>
-        </p:spPr>
-        <p:txBody>
-          <a:bodyPr/>
-          <a:lstStyle/>
-          <a:p>
-            <a:pPr eaLnBrk="1" hangingPunct="1"/>
-            <a:r>
-              <a:rPr lang="en-US" sz="4000" dirty="0" smtClean="0"/>
-              <a:t>Sampling using Binomial PDF</a:t>
-            </a:r>
-          </a:p>
-        </p:txBody>
-      </p:sp>
-      <p:sp useBgFill="1">
-        <p:nvSpPr>
-          <p:cNvPr id="8" name="TextBox 7"/>
-          <p:cNvSpPr txBox="1"/>
-          <p:nvPr/>
-        </p:nvSpPr>
-        <p:spPr>
-          <a:xfrm>
-            <a:off x="5410200" y="3886200"/>
-            <a:ext cx="2971800" cy="1219200"/>
-          </a:xfrm>
-          <a:prstGeom prst="rect">
-            <a:avLst/>
-          </a:prstGeom>
-        </p:spPr>
-        <p:txBody>
-          <a:bodyPr wrap="square" rtlCol="0">
-            <a:spAutoFit/>
-          </a:bodyPr>
-          <a:lstStyle/>
-          <a:p>
-            <a:r>
-              <a:rPr lang="en-US" sz="7200" dirty="0" smtClean="0">
-                <a:solidFill>
-                  <a:srgbClr val="FF4519"/>
-                </a:solidFill>
-                <a:latin typeface="+mj-lt"/>
-              </a:rPr>
-              <a:t> 30          </a:t>
-            </a:r>
-          </a:p>
-        </p:txBody>
-      </p:sp>
-      <p:sp useBgFill="1">
-        <p:nvSpPr>
-          <p:cNvPr id="9" name="TextBox 8"/>
-          <p:cNvSpPr txBox="1"/>
-          <p:nvPr/>
-        </p:nvSpPr>
-        <p:spPr>
-          <a:xfrm>
-            <a:off x="2286000" y="4582180"/>
-            <a:ext cx="749224" cy="523220"/>
-          </a:xfrm>
-          <a:prstGeom prst="rect">
-            <a:avLst/>
-          </a:prstGeom>
-        </p:spPr>
-        <p:txBody>
-          <a:bodyPr wrap="none" rtlCol="0">
-            <a:spAutoFit/>
-          </a:bodyPr>
-          <a:lstStyle/>
-          <a:p>
-            <a:r>
-              <a:rPr lang="en-US" sz="2800" dirty="0" smtClean="0">
-                <a:solidFill>
-                  <a:srgbClr val="FF33CC"/>
-                </a:solidFill>
-                <a:latin typeface="+mj-lt"/>
-              </a:rPr>
-              <a:t>1/2</a:t>
-            </a:r>
-          </a:p>
-        </p:txBody>
-      </p:sp>
-      <p:sp useBgFill="1">
-        <p:nvSpPr>
-          <p:cNvPr id="10" name="TextBox 9"/>
-          <p:cNvSpPr txBox="1"/>
-          <p:nvPr/>
-        </p:nvSpPr>
-        <p:spPr>
-          <a:xfrm>
-            <a:off x="3200400" y="4038600"/>
-            <a:ext cx="1447800" cy="830997"/>
-          </a:xfrm>
-          <a:prstGeom prst="rect">
-            <a:avLst/>
-          </a:prstGeom>
-        </p:spPr>
-        <p:txBody>
-          <a:bodyPr wrap="square" rtlCol="0">
-            <a:spAutoFit/>
-          </a:bodyPr>
-          <a:lstStyle/>
-          <a:p>
-            <a:r>
-              <a:rPr lang="en-US" sz="4800" dirty="0" smtClean="0">
-                <a:solidFill>
-                  <a:srgbClr val="FF33CC"/>
-                </a:solidFill>
-                <a:latin typeface="+mj-lt"/>
-              </a:rPr>
-              <a:t>250 </a:t>
-            </a:r>
-          </a:p>
-        </p:txBody>
-      </p:sp>
-      <p:graphicFrame>
-        <p:nvGraphicFramePr>
-          <p:cNvPr id="368645" name="Object 5"/>
-          <p:cNvGraphicFramePr>
-            <a:graphicFrameLocks noChangeAspect="1"/>
-          </p:cNvGraphicFramePr>
-          <p:nvPr/>
-        </p:nvGraphicFramePr>
-        <p:xfrm>
-          <a:off x="1066800" y="1219200"/>
-          <a:ext cx="6908800" cy="1371600"/>
-        </p:xfrm>
-        <a:graphic>
-          <a:graphicData uri="http://schemas.openxmlformats.org/presentationml/2006/ole">
-            <p:oleObj spid="_x0000_s368645" name="Equation" r:id="rId4" imgW="1663700" imgH="330200" progId="Equation.DSMT4">
-              <p:embed/>
-            </p:oleObj>
-          </a:graphicData>
-        </a:graphic>
-      </p:graphicFrame>
-    </p:spTree>
-  </p:cSld>
-  <p:clrMapOvr>
-    <a:masterClrMapping/>
-  </p:clrMapOvr>
-  <p:transition spd="slow">
-    <p:fade/>
-  </p:transition>
-  <p:timing>
-    <p:tnLst>
-      <p:par>
-        <p:cTn id="1" dur="indefinite" restart="never" nodeType="tmRoot">
-          <p:childTnLst>
-            <p:seq concurrent="1" nextAc="seek">
-              <p:cTn id="2" dur="indefinite" nodeType="mainSeq">
-                <p:childTnLst>
-                  <p:par>
-                    <p:cTn id="3" fill="hold">
-                      <p:stCondLst>
-                        <p:cond delay="indefinite"/>
-                      </p:stCondLst>
-                      <p:childTnLst>
-                        <p:par>
-                          <p:cTn id="4" fill="hold">
-                            <p:stCondLst>
-                              <p:cond delay="0"/>
-                            </p:stCondLst>
-                            <p:childTnLst>
-                              <p:par>
-                                <p:cTn id="5" presetID="2" presetClass="entr" presetSubtype="4" accel="50000" decel="50000" fill="hold" grpId="0" nodeType="clickEffect">
-                                  <p:stCondLst>
-                                    <p:cond delay="0"/>
-                                  </p:stCondLst>
-                                  <p:childTnLst>
-                                    <p:set>
-                                      <p:cBhvr>
-                                        <p:cTn id="6" dur="1" fill="hold">
-                                          <p:stCondLst>
-                                            <p:cond delay="0"/>
-                                          </p:stCondLst>
-                                        </p:cTn>
-                                        <p:tgtEl>
-                                          <p:spTgt spid="9"/>
-                                        </p:tgtEl>
-                                        <p:attrNameLst>
-                                          <p:attrName>style.visibility</p:attrName>
-                                        </p:attrNameLst>
-                                      </p:cBhvr>
-                                      <p:to>
-                                        <p:strVal val="visible"/>
-                                      </p:to>
-                                    </p:set>
-                                    <p:anim calcmode="lin" valueType="num">
-                                      <p:cBhvr additive="base">
-                                        <p:cTn id="7" dur="500" fill="hold"/>
-                                        <p:tgtEl>
-                                          <p:spTgt spid="9"/>
-                                        </p:tgtEl>
-                                        <p:attrNameLst>
-                                          <p:attrName>ppt_x</p:attrName>
-                                        </p:attrNameLst>
-                                      </p:cBhvr>
-                                      <p:tavLst>
-                                        <p:tav tm="0">
-                                          <p:val>
-                                            <p:strVal val="#ppt_x"/>
-                                          </p:val>
-                                        </p:tav>
-                                        <p:tav tm="100000">
-                                          <p:val>
-                                            <p:strVal val="#ppt_x"/>
-                                          </p:val>
-                                        </p:tav>
-                                      </p:tavLst>
-                                    </p:anim>
-                                    <p:anim calcmode="lin" valueType="num">
-                                      <p:cBhvr additive="base">
-                                        <p:cTn id="8" dur="500" fill="hold"/>
-                                        <p:tgtEl>
-                                          <p:spTgt spid="9"/>
-                                        </p:tgtEl>
-                                        <p:attrNameLst>
-                                          <p:attrName>ppt_y</p:attrName>
-                                        </p:attrNameLst>
-                                      </p:cBhvr>
-                                      <p:tavLst>
-                                        <p:tav tm="0">
-                                          <p:val>
-                                            <p:strVal val="1+#ppt_h/2"/>
-                                          </p:val>
-                                        </p:tav>
-                                        <p:tav tm="100000">
-                                          <p:val>
-                                            <p:strVal val="#ppt_y"/>
-                                          </p:val>
-                                        </p:tav>
-                                      </p:tavLst>
-                                    </p:anim>
-                                  </p:childTnLst>
-                                </p:cTn>
-                              </p:par>
-                              <p:par>
-                                <p:cTn id="9" presetID="10" presetClass="entr" presetSubtype="0" fill="hold" grpId="0" nodeType="withEffect">
-                                  <p:stCondLst>
-                                    <p:cond delay="0"/>
-                                  </p:stCondLst>
-                                  <p:childTnLst>
-                                    <p:set>
-                                      <p:cBhvr>
-                                        <p:cTn id="10" dur="1" fill="hold">
-                                          <p:stCondLst>
-                                            <p:cond delay="0"/>
-                                          </p:stCondLst>
-                                        </p:cTn>
-                                        <p:tgtEl>
-                                          <p:spTgt spid="10"/>
-                                        </p:tgtEl>
-                                        <p:attrNameLst>
-                                          <p:attrName>style.visibility</p:attrName>
-                                        </p:attrNameLst>
-                                      </p:cBhvr>
-                                      <p:to>
-                                        <p:strVal val="visible"/>
-                                      </p:to>
-                                    </p:set>
-                                    <p:animEffect transition="in" filter="fade">
-                                      <p:cBhvr>
-                                        <p:cTn id="11" dur="500"/>
-                                        <p:tgtEl>
-                                          <p:spTgt spid="10"/>
-                                        </p:tgtEl>
-                                      </p:cBhvr>
-                                    </p:animEffect>
-                                  </p:childTnLst>
-                                </p:cTn>
-                              </p:par>
-                            </p:childTnLst>
-                          </p:cTn>
-                        </p:par>
-                      </p:childTnLst>
-                    </p:cTn>
-                  </p:par>
-                  <p:par>
-                    <p:cTn id="12" fill="hold">
-                      <p:stCondLst>
-                        <p:cond delay="indefinite"/>
-                      </p:stCondLst>
-                      <p:childTnLst>
-                        <p:par>
-                          <p:cTn id="13" fill="hold">
-                            <p:stCondLst>
-                              <p:cond delay="0"/>
-                            </p:stCondLst>
-                            <p:childTnLst>
-                              <p:par>
-                                <p:cTn id="14" presetID="10" presetClass="entr" presetSubtype="0" fill="hold" nodeType="clickEffect">
-                                  <p:stCondLst>
-                                    <p:cond delay="0"/>
-                                  </p:stCondLst>
-                                  <p:childTnLst>
-                                    <p:set>
-                                      <p:cBhvr>
-                                        <p:cTn id="15" dur="1" fill="hold">
-                                          <p:stCondLst>
-                                            <p:cond delay="0"/>
-                                          </p:stCondLst>
-                                        </p:cTn>
-                                        <p:tgtEl>
-                                          <p:spTgt spid="368645"/>
-                                        </p:tgtEl>
-                                        <p:attrNameLst>
-                                          <p:attrName>style.visibility</p:attrName>
-                                        </p:attrNameLst>
-                                      </p:cBhvr>
-                                      <p:to>
-                                        <p:strVal val="visible"/>
-                                      </p:to>
-                                    </p:set>
-                                    <p:animEffect transition="in" filter="fade">
-                                      <p:cBhvr>
-                                        <p:cTn id="16" dur="1000"/>
-                                        <p:tgtEl>
-                                          <p:spTgt spid="368645"/>
-                                        </p:tgtEl>
-                                      </p:cBhvr>
-                                    </p:animEffect>
-                                  </p:childTnLst>
-                                </p:cTn>
-                              </p:par>
-                              <p:par>
-                                <p:cTn id="17" presetID="9" presetClass="exit" presetSubtype="0" fill="hold" grpId="1" nodeType="withEffect">
-                                  <p:stCondLst>
-                                    <p:cond delay="0"/>
-                                  </p:stCondLst>
-                                  <p:childTnLst>
-                                    <p:animEffect transition="out" filter="dissolve">
-                                      <p:cBhvr>
-                                        <p:cTn id="18" dur="1000"/>
-                                        <p:tgtEl>
-                                          <p:spTgt spid="10"/>
-                                        </p:tgtEl>
-                                      </p:cBhvr>
-                                    </p:animEffect>
-                                    <p:set>
-                                      <p:cBhvr>
-                                        <p:cTn id="19" dur="1" fill="hold">
-                                          <p:stCondLst>
-                                            <p:cond delay="999"/>
-                                          </p:stCondLst>
-                                        </p:cTn>
-                                        <p:tgtEl>
-                                          <p:spTgt spid="10"/>
-                                        </p:tgtEl>
-                                        <p:attrNameLst>
-                                          <p:attrName>style.visibility</p:attrName>
-                                        </p:attrNameLst>
-                                      </p:cBhvr>
-                                      <p:to>
-                                        <p:strVal val="hidden"/>
-                                      </p:to>
-                                    </p:set>
-                                  </p:childTnLst>
-                                </p:cTn>
-                              </p:par>
-                              <p:par>
-                                <p:cTn id="20" presetID="9" presetClass="exit" presetSubtype="0" fill="hold" nodeType="withEffect">
-                                  <p:stCondLst>
-                                    <p:cond delay="0"/>
-                                  </p:stCondLst>
-                                  <p:childTnLst>
-                                    <p:animEffect transition="out" filter="dissolve">
-                                      <p:cBhvr>
-                                        <p:cTn id="21" dur="1000"/>
-                                        <p:tgtEl>
-                                          <p:spTgt spid="329732"/>
-                                        </p:tgtEl>
-                                      </p:cBhvr>
-                                    </p:animEffect>
-                                    <p:set>
-                                      <p:cBhvr>
-                                        <p:cTn id="22" dur="1" fill="hold">
-                                          <p:stCondLst>
-                                            <p:cond delay="999"/>
-                                          </p:stCondLst>
-                                        </p:cTn>
-                                        <p:tgtEl>
-                                          <p:spTgt spid="329732"/>
-                                        </p:tgtEl>
-                                        <p:attrNameLst>
-                                          <p:attrName>style.visibility</p:attrName>
-                                        </p:attrNameLst>
-                                      </p:cBhvr>
-                                      <p:to>
-                                        <p:strVal val="hidden"/>
-                                      </p:to>
-                                    </p:set>
-                                  </p:childTnLst>
-                                </p:cTn>
-                              </p:par>
-                              <p:par>
-                                <p:cTn id="23" presetID="9" presetClass="exit" presetSubtype="0" fill="hold" grpId="0" nodeType="withEffect">
-                                  <p:stCondLst>
-                                    <p:cond delay="0"/>
-                                  </p:stCondLst>
-                                  <p:childTnLst>
-                                    <p:animEffect transition="out" filter="dissolve">
-                                      <p:cBhvr>
-                                        <p:cTn id="24" dur="1000"/>
-                                        <p:tgtEl>
-                                          <p:spTgt spid="8"/>
-                                        </p:tgtEl>
-                                      </p:cBhvr>
-                                    </p:animEffect>
-                                    <p:set>
-                                      <p:cBhvr>
-                                        <p:cTn id="25" dur="1" fill="hold">
-                                          <p:stCondLst>
-                                            <p:cond delay="999"/>
-                                          </p:stCondLst>
-                                        </p:cTn>
-                                        <p:tgtEl>
-                                          <p:spTgt spid="8"/>
-                                        </p:tgtEl>
-                                        <p:attrNameLst>
-                                          <p:attrName>style.visibility</p:attrName>
-                                        </p:attrNameLst>
-                                      </p:cBhvr>
-                                      <p:to>
-                                        <p:strVal val="hidden"/>
-                                      </p:to>
-                                    </p:set>
-                                  </p:childTnLst>
-                                </p:cTn>
-                              </p:par>
-                              <p:par>
-                                <p:cTn id="26" presetID="9" presetClass="exit" presetSubtype="0" fill="hold" grpId="1" nodeType="withEffect">
-                                  <p:stCondLst>
-                                    <p:cond delay="0"/>
-                                  </p:stCondLst>
-                                  <p:childTnLst>
-                                    <p:animEffect transition="out" filter="dissolve">
-                                      <p:cBhvr>
-                                        <p:cTn id="27" dur="2000"/>
-                                        <p:tgtEl>
-                                          <p:spTgt spid="9"/>
-                                        </p:tgtEl>
-                                      </p:cBhvr>
-                                    </p:animEffect>
-                                    <p:set>
-                                      <p:cBhvr>
-                                        <p:cTn id="28" dur="1" fill="hold">
-                                          <p:stCondLst>
-                                            <p:cond delay="1999"/>
-                                          </p:stCondLst>
-                                        </p:cTn>
-                                        <p:tgtEl>
-                                          <p:spTgt spid="9"/>
-                                        </p:tgtEl>
-                                        <p:attrNameLst>
-                                          <p:attrName>style.visibility</p:attrName>
-                                        </p:attrNameLst>
-                                      </p:cBhvr>
-                                      <p:to>
-                                        <p:strVal val="hidden"/>
-                                      </p:to>
-                                    </p:set>
-                                  </p:childTnLst>
-                                </p:cTn>
-                              </p:par>
-                            </p:childTnLst>
-                          </p:cTn>
-                        </p:par>
-                      </p:childTnLst>
-                    </p:cTn>
-                  </p:par>
-                </p:childTnLst>
-              </p:cTn>
-              <p:prevCondLst>
-                <p:cond evt="onPrev" delay="0">
-                  <p:tgtEl>
-                    <p:sldTgt/>
-                  </p:tgtEl>
-                </p:cond>
-              </p:prevCondLst>
-              <p:nextCondLst>
-                <p:cond evt="onNext" delay="0">
-                  <p:tgtEl>
-                    <p:sldTgt/>
-                  </p:tgtEl>
-                </p:cond>
-              </p:nextCondLst>
-            </p:seq>
-          </p:childTnLst>
-        </p:cTn>
-      </p:par>
-    </p:tnLst>
-    <p:bldLst>
-      <p:bldP spid="8" grpId="0" animBg="1"/>
-      <p:bldP spid="9" grpId="0" animBg="1"/>
-      <p:bldP spid="9" grpId="1" animBg="1"/>
-      <p:bldP spid="10" grpId="0" animBg="1"/>
-      <p:bldP spid="10" grpId="1" animBg="1"/>
-    </p:bldLst>
-  </p:timing>
-</p:sld>
-</file>
-
-<file path=ppt/slides/slide14.xml><?xml version="1.0" encoding="utf-8"?>
-<p:sld xmlns:a="http://schemas.openxmlformats.org/drawingml/2006/main" xmlns:r="http://schemas.openxmlformats.org/officeDocument/2006/relationships" xmlns:mc="http://schemas.openxmlformats.org/markup-compatibility/2006" xmlns:mv="urn:schemas-microsoft-com:mac:vml" xmlns:p="http://schemas.openxmlformats.org/presentationml/2006/main" mc:Ignorable="mv" mc:PreserveAttributes="mv:*">
-  <p:cSld>
-    <p:spTree>
-      <p:nvGrpSpPr>
-        <p:cNvPr id="1" name=""/>
-        <p:cNvGrpSpPr/>
-        <p:nvPr/>
-      </p:nvGrpSpPr>
-      <p:grpSpPr>
-        <a:xfrm>
-          <a:off x="0" y="0"/>
-          <a:ext cx="0" cy="0"/>
-          <a:chOff x="0" y="0"/>
-          <a:chExt cx="0" cy="0"/>
-        </a:xfrm>
-      </p:grpSpPr>
-      <p:graphicFrame>
-        <p:nvGraphicFramePr>
-          <p:cNvPr id="327684" name="Object 4"/>
-          <p:cNvGraphicFramePr>
-            <a:graphicFrameLocks noChangeAspect="1"/>
-          </p:cNvGraphicFramePr>
-          <p:nvPr/>
-        </p:nvGraphicFramePr>
-        <p:xfrm>
-          <a:off x="1066800" y="1219200"/>
-          <a:ext cx="6908800" cy="1371600"/>
-        </p:xfrm>
-        <a:graphic>
-          <a:graphicData uri="http://schemas.openxmlformats.org/presentationml/2006/ole">
-            <p:oleObj spid="_x0000_s330755" name="Equation" r:id="rId4" imgW="1663700" imgH="330200" progId="Equation.DSMT4">
-              <p:embed/>
-            </p:oleObj>
-          </a:graphicData>
-        </a:graphic>
-      </p:graphicFrame>
-      <p:sp>
-        <p:nvSpPr>
-          <p:cNvPr id="27650" name="Slide Number Placeholder 3"/>
-          <p:cNvSpPr>
-            <a:spLocks noGrp="1"/>
-          </p:cNvSpPr>
-          <p:nvPr>
-            <p:ph type="sldNum" sz="quarter" idx="10"/>
-          </p:nvPr>
-        </p:nvSpPr>
-        <p:spPr/>
-        <p:txBody>
-          <a:bodyPr/>
-          <a:lstStyle/>
-          <a:p>
-            <a:pPr>
-              <a:defRPr/>
-            </a:pPr>
-            <a:r>
-              <a:rPr lang="en-US" dirty="0" err="1"/>
-              <a:t>lec</a:t>
-            </a:r>
-            <a:r>
-              <a:rPr lang="en-US" dirty="0" smtClean="0"/>
-              <a:t> 13W.</a:t>
-            </a:r>
-            <a:fld id="{AB032E80-4924-4C32-A61E-EE294C645BF5}" type="slidenum">
-              <a:rPr lang="en-US" smtClean="0"/>
-              <a:pPr>
-                <a:defRPr/>
-              </a:pPr>
-              <a:t>14</a:t>
-            </a:fld>
-            <a:endParaRPr lang="en-US" dirty="0"/>
-          </a:p>
-        </p:txBody>
-      </p:sp>
-      <p:sp>
-        <p:nvSpPr>
-          <p:cNvPr id="6" name="Rectangle 2"/>
-          <p:cNvSpPr>
-            <a:spLocks noGrp="1" noChangeArrowheads="1"/>
-          </p:cNvSpPr>
-          <p:nvPr>
-            <p:ph type="title"/>
-          </p:nvPr>
-        </p:nvSpPr>
-        <p:spPr>
-          <a:xfrm>
-            <a:off x="1219200" y="304800"/>
-            <a:ext cx="7315200" cy="838200"/>
-          </a:xfrm>
-        </p:spPr>
-        <p:txBody>
-          <a:bodyPr/>
-          <a:lstStyle/>
-          <a:p>
-            <a:pPr eaLnBrk="1" hangingPunct="1"/>
-            <a:r>
-              <a:rPr lang="en-US" sz="4000" dirty="0" smtClean="0"/>
-              <a:t>Sampling using Binomial PDF</a:t>
-            </a:r>
-          </a:p>
-        </p:txBody>
-      </p:sp>
-      <p:graphicFrame>
-        <p:nvGraphicFramePr>
-          <p:cNvPr id="8" name="Object 7"/>
-          <p:cNvGraphicFramePr>
-            <a:graphicFrameLocks noChangeAspect="1"/>
-          </p:cNvGraphicFramePr>
-          <p:nvPr/>
-        </p:nvGraphicFramePr>
-        <p:xfrm>
-          <a:off x="1524000" y="2514600"/>
-          <a:ext cx="5905500" cy="2362200"/>
-        </p:xfrm>
-        <a:graphic>
-          <a:graphicData uri="http://schemas.openxmlformats.org/presentationml/2006/ole">
-            <p:oleObj spid="_x0000_s330756" name="Equation" r:id="rId5" imgW="1333500" imgH="533400" progId="Equation.DSMT4">
-              <p:embed/>
-            </p:oleObj>
-          </a:graphicData>
-        </a:graphic>
-      </p:graphicFrame>
-      <p:sp>
-        <p:nvSpPr>
-          <p:cNvPr id="9" name="TextBox 8"/>
-          <p:cNvSpPr txBox="1"/>
-          <p:nvPr/>
-        </p:nvSpPr>
-        <p:spPr>
-          <a:xfrm>
-            <a:off x="1404037" y="4800600"/>
-            <a:ext cx="2857763" cy="1015663"/>
-          </a:xfrm>
-          <a:prstGeom prst="rect">
-            <a:avLst/>
-          </a:prstGeom>
-          <a:noFill/>
-        </p:spPr>
-        <p:txBody>
-          <a:bodyPr wrap="none" rtlCol="0">
-            <a:spAutoFit/>
-          </a:bodyPr>
-          <a:lstStyle/>
-          <a:p>
-            <a:r>
-              <a:rPr lang="en-US" sz="6000" b="1" dirty="0" smtClean="0">
-                <a:latin typeface="Euclid Symbol" charset="2"/>
-                <a:cs typeface="Euclid Symbol" charset="2"/>
-              </a:rPr>
-              <a:t>≥  </a:t>
-            </a:r>
-            <a:r>
-              <a:rPr lang="en-US" sz="6000" dirty="0" smtClean="0">
-                <a:solidFill>
-                  <a:srgbClr val="FF33CC"/>
-                </a:solidFill>
-                <a:latin typeface="Comic Sans MS"/>
-                <a:cs typeface="Comic Sans MS"/>
-              </a:rPr>
-              <a:t>0.99</a:t>
-            </a:r>
-          </a:p>
-        </p:txBody>
-      </p:sp>
-    </p:spTree>
-  </p:cSld>
-  <p:clrMapOvr>
-    <a:masterClrMapping/>
-  </p:clrMapOvr>
-  <p:transition spd="slow">
-    <p:fade/>
-  </p:transition>
-  <p:timing>
-    <p:tnLst>
-      <p:par>
-        <p:cTn id="1" dur="indefinite" restart="never" nodeType="tmRoot">
-          <p:childTnLst>
-            <p:seq concurrent="1" nextAc="seek">
-              <p:cTn id="2" dur="indefinite" nodeType="mainSeq">
-                <p:childTnLst>
-                  <p:par>
-                    <p:cTn id="3" fill="hold">
-                      <p:stCondLst>
-                        <p:cond delay="indefinite"/>
-                        <p:cond evt="onBegin" delay="0">
-                          <p:tn val="2"/>
-                        </p:cond>
-                      </p:stCondLst>
-                      <p:childTnLst>
-                        <p:par>
-                          <p:cTn id="4" fill="hold">
-                            <p:stCondLst>
-                              <p:cond delay="0"/>
-                            </p:stCondLst>
-                            <p:childTnLst>
-                              <p:par>
-                                <p:cTn id="5" presetID="22" presetClass="entr" presetSubtype="8" fill="hold" nodeType="afterEffect">
-                                  <p:stCondLst>
-                                    <p:cond delay="0"/>
-                                  </p:stCondLst>
-                                  <p:childTnLst>
-                                    <p:set>
-                                      <p:cBhvr>
-                                        <p:cTn id="6" dur="1" fill="hold">
-                                          <p:stCondLst>
-                                            <p:cond delay="0"/>
-                                          </p:stCondLst>
-                                        </p:cTn>
-                                        <p:tgtEl>
-                                          <p:spTgt spid="8"/>
-                                        </p:tgtEl>
-                                        <p:attrNameLst>
-                                          <p:attrName>style.visibility</p:attrName>
-                                        </p:attrNameLst>
-                                      </p:cBhvr>
-                                      <p:to>
-                                        <p:strVal val="visible"/>
-                                      </p:to>
-                                    </p:set>
-                                    <p:animEffect transition="in" filter="wipe(left)">
-                                      <p:cBhvr>
-                                        <p:cTn id="7" dur="500"/>
-                                        <p:tgtEl>
-                                          <p:spTgt spid="8"/>
-                                        </p:tgtEl>
-                                      </p:cBhvr>
-                                    </p:animEffect>
-                                  </p:childTnLst>
-                                </p:cTn>
-                              </p:par>
-                            </p:childTnLst>
-                          </p:cTn>
-                        </p:par>
-                      </p:childTnLst>
-                    </p:cTn>
-                  </p:par>
-                  <p:par>
-                    <p:cTn id="8" fill="hold">
-                      <p:stCondLst>
-                        <p:cond delay="indefinite"/>
-                      </p:stCondLst>
-                      <p:childTnLst>
-                        <p:par>
-                          <p:cTn id="9" fill="hold">
-                            <p:stCondLst>
-                              <p:cond delay="0"/>
-                            </p:stCondLst>
-                            <p:childTnLst>
-                              <p:par>
-                                <p:cTn id="10" presetID="22" presetClass="entr" presetSubtype="8" fill="hold" grpId="0" nodeType="clickEffect">
-                                  <p:stCondLst>
-                                    <p:cond delay="0"/>
-                                  </p:stCondLst>
-                                  <p:childTnLst>
-                                    <p:set>
-                                      <p:cBhvr>
-                                        <p:cTn id="11" dur="1" fill="hold">
-                                          <p:stCondLst>
-                                            <p:cond delay="0"/>
-                                          </p:stCondLst>
-                                        </p:cTn>
-                                        <p:tgtEl>
-                                          <p:spTgt spid="9"/>
-                                        </p:tgtEl>
-                                        <p:attrNameLst>
-                                          <p:attrName>style.visibility</p:attrName>
-                                        </p:attrNameLst>
-                                      </p:cBhvr>
-                                      <p:to>
-                                        <p:strVal val="visible"/>
-                                      </p:to>
-                                    </p:set>
-                                    <p:animEffect transition="in" filter="wipe(left)">
-                                      <p:cBhvr>
-                                        <p:cTn id="12" dur="500"/>
-                                        <p:tgtEl>
-                                          <p:spTgt spid="9"/>
-                                        </p:tgtEl>
-                                      </p:cBhvr>
-                                    </p:animEffect>
-                                  </p:childTnLst>
-                                </p:cTn>
-                              </p:par>
-                            </p:childTnLst>
-                          </p:cTn>
-                        </p:par>
-                      </p:childTnLst>
-                    </p:cTn>
-                  </p:par>
-                </p:childTnLst>
-              </p:cTn>
-              <p:prevCondLst>
-                <p:cond evt="onPrev" delay="0">
-                  <p:tgtEl>
-                    <p:sldTgt/>
-                  </p:tgtEl>
-                </p:cond>
-              </p:prevCondLst>
-              <p:nextCondLst>
-                <p:cond evt="onNext" delay="0">
-                  <p:tgtEl>
-                    <p:sldTgt/>
-                  </p:tgtEl>
-                </p:cond>
-              </p:nextCondLst>
-            </p:seq>
-          </p:childTnLst>
-        </p:cTn>
-      </p:par>
-    </p:tnLst>
-    <p:bldLst>
-      <p:bldP spid="9" grpId="0"/>
-    </p:bldLst>
-  </p:timing>
-</p:sld>
-</file>
-
-<file path=ppt/slides/slide15.xml><?xml version="1.0" encoding="utf-8"?>
-<p:sld xmlns:a="http://schemas.openxmlformats.org/drawingml/2006/main" xmlns:r="http://schemas.openxmlformats.org/officeDocument/2006/relationships" xmlns:mc="http://schemas.openxmlformats.org/markup-compatibility/2006" xmlns:mv="urn:schemas-microsoft-com:mac:vml" xmlns:p="http://schemas.openxmlformats.org/presentationml/2006/main" mc:Ignorable="mv" mc:PreserveAttributes="mv:*">
-  <p:cSld>
-    <p:spTree>
-      <p:nvGrpSpPr>
-        <p:cNvPr id="1" name=""/>
-        <p:cNvGrpSpPr/>
-        <p:nvPr/>
-      </p:nvGrpSpPr>
-      <p:grpSpPr>
-        <a:xfrm>
-          <a:off x="0" y="0"/>
-          <a:ext cx="0" cy="0"/>
-          <a:chOff x="0" y="0"/>
-          <a:chExt cx="0" cy="0"/>
-        </a:xfrm>
-      </p:grpSpPr>
       <p:sp>
         <p:nvSpPr>
           <p:cNvPr id="28674" name="Slide Number Placeholder 3"/>
@@ -6736,7 +4568,7 @@
               <a:pPr>
                 <a:defRPr/>
               </a:pPr>
-              <a:t>15</a:t>
+              <a:t>10</a:t>
             </a:fld>
             <a:endParaRPr lang="en-US" dirty="0"/>
           </a:p>
@@ -6752,8 +4584,8 @@
         </p:nvSpPr>
         <p:spPr bwMode="auto">
           <a:xfrm>
-            <a:off x="452438" y="990600"/>
-            <a:ext cx="8158162" cy="4953000"/>
+            <a:off x="300038" y="1371601"/>
+            <a:ext cx="8843962" cy="4081117"/>
           </a:xfrm>
           <a:prstGeom prst="rect">
             <a:avLst/>
@@ -6777,105 +4609,111 @@
                 <a:spcPct val="40000"/>
               </a:lnSpc>
             </a:pPr>
+            <a:endParaRPr lang="en-US" sz="4800" dirty="0" smtClean="0">
+              <a:latin typeface="Comic Sans MS" pitchFamily="66" charset="0"/>
+            </a:endParaRPr>
+          </a:p>
+          <a:p>
+            <a:pPr algn="l"/>
+            <a:r>
+              <a:rPr lang="en-US" sz="4800" dirty="0" smtClean="0">
+                <a:latin typeface="Comic Sans MS" pitchFamily="66" charset="0"/>
+              </a:rPr>
+              <a:t>Tell the EPA that with probability </a:t>
+            </a:r>
+            <a:r>
+              <a:rPr lang="en-US" sz="4800" dirty="0" smtClean="0">
+                <a:solidFill>
+                  <a:srgbClr val="FF33CC"/>
+                </a:solidFill>
+                <a:latin typeface="Comic Sans MS" pitchFamily="66" charset="0"/>
+              </a:rPr>
+              <a:t>0.95</a:t>
+            </a:r>
+            <a:r>
+              <a:rPr lang="en-US" sz="4800" dirty="0" smtClean="0">
+                <a:solidFill>
+                  <a:srgbClr val="008000"/>
+                </a:solidFill>
+                <a:latin typeface="Comic Sans MS" pitchFamily="66" charset="0"/>
+              </a:rPr>
+              <a:t> </a:t>
+            </a:r>
+            <a:r>
+              <a:rPr lang="en-US" sz="4800" dirty="0" smtClean="0">
+                <a:latin typeface="Comic Sans MS" pitchFamily="66" charset="0"/>
+              </a:rPr>
+              <a:t>our estimate method for </a:t>
+            </a:r>
+            <a:r>
+              <a:rPr lang="en-US" sz="4800" dirty="0" err="1" smtClean="0">
+                <a:latin typeface="Comic Sans MS" pitchFamily="66" charset="0"/>
+              </a:rPr>
+              <a:t>avg</a:t>
+            </a:r>
+            <a:r>
+              <a:rPr lang="en-US" sz="4800" dirty="0" smtClean="0">
+                <a:latin typeface="Comic Sans MS" pitchFamily="66" charset="0"/>
+              </a:rPr>
+              <a:t> CMD will be within </a:t>
+            </a:r>
+            <a:r>
+              <a:rPr lang="en-US" sz="4800" dirty="0" smtClean="0">
+                <a:solidFill>
+                  <a:srgbClr val="FF6600"/>
+                </a:solidFill>
+                <a:latin typeface="Comic Sans MS" pitchFamily="66" charset="0"/>
+              </a:rPr>
+              <a:t>20</a:t>
+            </a:r>
+            <a:r>
+              <a:rPr lang="en-US" sz="4800" dirty="0" smtClean="0">
+                <a:latin typeface="Comic Sans MS" pitchFamily="66" charset="0"/>
+              </a:rPr>
+              <a:t> </a:t>
+            </a:r>
+            <a:r>
+              <a:rPr lang="en-US" sz="4800" dirty="0">
+                <a:latin typeface="Comic Sans MS" pitchFamily="66" charset="0"/>
+              </a:rPr>
+              <a:t>of the </a:t>
+            </a:r>
+            <a:r>
+              <a:rPr lang="en-US" sz="4800" dirty="0" smtClean="0">
+                <a:latin typeface="Comic Sans MS" pitchFamily="66" charset="0"/>
+              </a:rPr>
+              <a:t>actual </a:t>
+            </a:r>
+            <a:r>
+              <a:rPr lang="en-US" sz="4800" dirty="0" err="1" smtClean="0">
+                <a:latin typeface="Comic Sans MS" pitchFamily="66" charset="0"/>
+              </a:rPr>
+              <a:t>avg</a:t>
+            </a:r>
+            <a:r>
+              <a:rPr lang="en-US" sz="4800" dirty="0" smtClean="0">
+                <a:latin typeface="Comic Sans MS" pitchFamily="66" charset="0"/>
+              </a:rPr>
+              <a:t>, </a:t>
+            </a:r>
+            <a:r>
+              <a:rPr lang="en-US" sz="4800" dirty="0" err="1" smtClean="0">
+                <a:solidFill>
+                  <a:srgbClr val="008000"/>
+                </a:solidFill>
+                <a:latin typeface="Comic Sans MS" pitchFamily="66" charset="0"/>
+              </a:rPr>
+              <a:t>c</a:t>
+            </a:r>
+            <a:r>
+              <a:rPr lang="en-US" sz="4800" dirty="0" smtClean="0">
+                <a:latin typeface="Comic Sans MS" pitchFamily="66" charset="0"/>
+              </a:rPr>
+              <a:t>, CMD over all test stations.</a:t>
+            </a:r>
             <a:endParaRPr lang="en-US" sz="4800" dirty="0">
               <a:latin typeface="Comic Sans MS" pitchFamily="66" charset="0"/>
             </a:endParaRPr>
-          </a:p>
-          <a:p>
-            <a:pPr algn="l"/>
-            <a:r>
-              <a:rPr lang="en-US" sz="4800" dirty="0">
-                <a:latin typeface="Comic Sans MS" pitchFamily="66" charset="0"/>
-              </a:rPr>
-              <a:t>We can</a:t>
-            </a:r>
-            <a:r>
-              <a:rPr lang="en-US" sz="4800" dirty="0" smtClean="0">
-                <a:latin typeface="Comic Sans MS" pitchFamily="66" charset="0"/>
-              </a:rPr>
-              <a:t> actually be </a:t>
-            </a:r>
-            <a:r>
-              <a:rPr lang="en-US" sz="4800" dirty="0" smtClean="0">
-                <a:solidFill>
-                  <a:srgbClr val="FF33CC"/>
-                </a:solidFill>
-                <a:latin typeface="Comic Sans MS" pitchFamily="66" charset="0"/>
-              </a:rPr>
-              <a:t>99</a:t>
-            </a:r>
-            <a:r>
-              <a:rPr lang="en-US" sz="4800" dirty="0" smtClean="0">
-                <a:latin typeface="Comic Sans MS" pitchFamily="66" charset="0"/>
-              </a:rPr>
-              <a:t>%</a:t>
-            </a:r>
-            <a:r>
-              <a:rPr lang="en-US" sz="4800" dirty="0" smtClean="0">
-                <a:solidFill>
-                  <a:srgbClr val="008000"/>
-                </a:solidFill>
-                <a:latin typeface="Comic Sans MS" pitchFamily="66" charset="0"/>
-              </a:rPr>
-              <a:t> </a:t>
-            </a:r>
-            <a:r>
-              <a:rPr lang="en-US" sz="4800" dirty="0">
-                <a:solidFill>
-                  <a:srgbClr val="7030A0"/>
-                </a:solidFill>
-                <a:latin typeface="Comic Sans MS" pitchFamily="66" charset="0"/>
-              </a:rPr>
-              <a:t>confident </a:t>
-            </a:r>
-            <a:r>
-              <a:rPr lang="en-US" sz="4800" dirty="0">
-                <a:latin typeface="Comic Sans MS" pitchFamily="66" charset="0"/>
-              </a:rPr>
-              <a:t>that our estimated fraction is with </a:t>
-            </a:r>
-            <a:r>
-              <a:rPr lang="en-US" sz="4800" dirty="0" smtClean="0">
-                <a:solidFill>
-                  <a:srgbClr val="00B050"/>
-                </a:solidFill>
-                <a:latin typeface="Comic Sans MS" pitchFamily="66" charset="0"/>
-              </a:rPr>
-              <a:t>0.06</a:t>
-            </a:r>
-            <a:r>
-              <a:rPr lang="en-US" sz="4800" dirty="0" smtClean="0">
-                <a:latin typeface="Comic Sans MS" pitchFamily="66" charset="0"/>
-              </a:rPr>
-              <a:t> </a:t>
-            </a:r>
-            <a:r>
-              <a:rPr lang="en-US" sz="4800" dirty="0">
-                <a:latin typeface="Comic Sans MS" pitchFamily="66" charset="0"/>
-              </a:rPr>
-              <a:t>of the</a:t>
-            </a:r>
-            <a:r>
-              <a:rPr lang="en-US" sz="4800" dirty="0" smtClean="0">
-                <a:latin typeface="Comic Sans MS" pitchFamily="66" charset="0"/>
-              </a:rPr>
-              <a:t> true fraction</a:t>
-            </a:r>
-          </a:p>
-          <a:p>
-            <a:pPr algn="l"/>
-            <a:r>
-              <a:rPr lang="en-US" sz="4800" dirty="0" smtClean="0">
-                <a:latin typeface="Comic Sans MS" pitchFamily="66" charset="0"/>
-              </a:rPr>
-              <a:t>of </a:t>
-            </a:r>
-            <a:r>
-              <a:rPr lang="en-US" sz="4800" dirty="0">
-                <a:latin typeface="Comic Sans MS" pitchFamily="66" charset="0"/>
-              </a:rPr>
-              <a:t>contaminated fish in the whole river.</a:t>
-            </a:r>
           </a:p>
         </p:txBody>
       </p:sp>
@@ -6922,7 +4760,7 @@
   <p:clrMapOvr>
     <a:masterClrMapping/>
   </p:clrMapOvr>
-  <p:transition>
+  <p:transition spd="slow">
     <p:fade thruBlk="1"/>
   </p:transition>
   <p:timing>
@@ -6946,7 +4784,7 @@
                             </p:stCondLst>
                             <p:childTnLst>
                               <p:par>
-                                <p:cTn id="5" presetID="22" presetClass="entr" presetSubtype="1" fill="hold" grpId="0" nodeType="clickEffect">
+                                <p:cTn id="5" presetID="9" presetClass="entr" presetSubtype="0" fill="hold" grpId="0" nodeType="clickEffect">
                                   <p:stCondLst>
                                     <p:cond delay="0"/>
                                   </p:stCondLst>
@@ -6969,7 +4807,7 @@
                                         <p:strVal val="visible"/>
                                       </p:to>
                                     </p:set>
-                                    <p:animEffect transition="in" filter="wipe(up)">
+                                    <p:animEffect transition="in" filter="dissolve">
                                       <p:cBhvr>
                                         <p:cTn id="7" dur="500"/>
                                         <p:tgtEl>
@@ -7014,7 +4852,7 @@
 </p:sld>
 </file>
 
-<file path=ppt/slides/slide16.xml><?xml version="1.0" encoding="utf-8"?>
+<file path=ppt/slides/slide11.xml><?xml version="1.0" encoding="utf-8"?>
 <p:sld xmlns:a="http://schemas.openxmlformats.org/drawingml/2006/main" xmlns:r="http://schemas.openxmlformats.org/officeDocument/2006/relationships" xmlns:mc="http://schemas.openxmlformats.org/markup-compatibility/2006" xmlns:mv="urn:schemas-microsoft-com:mac:vml" xmlns:p="http://schemas.openxmlformats.org/presentationml/2006/main" mc:Ignorable="mv" mc:PreserveAttributes="mv:*">
   <p:cSld>
     <p:spTree>
@@ -7033,7 +4871,7 @@
       </p:grpSpPr>
       <p:sp>
         <p:nvSpPr>
-          <p:cNvPr id="30722" name="Slide Number Placeholder 3"/>
+          <p:cNvPr id="28674" name="Slide Number Placeholder 3"/>
           <p:cNvSpPr>
             <a:spLocks noGrp="1"/>
           </p:cNvSpPr>
@@ -7057,12 +4895,12 @@
               <a:rPr lang="en-US" dirty="0" smtClean="0"/>
               <a:t> 13W.</a:t>
             </a:r>
-            <a:fld id="{96B5C7C7-3FC0-4B55-9934-A080551106BF}" type="slidenum">
+            <a:fld id="{8372F5CC-0D0C-42AC-A06F-FCD924AC2FB1}" type="slidenum">
               <a:rPr lang="en-US" smtClean="0"/>
               <a:pPr>
                 <a:defRPr/>
               </a:pPr>
-              <a:t>16</a:t>
+              <a:t>11</a:t>
             </a:fld>
             <a:endParaRPr lang="en-US" dirty="0"/>
           </a:p>
@@ -7070,40 +4908,7 @@
       </p:sp>
       <p:sp>
         <p:nvSpPr>
-          <p:cNvPr id="34819" name="Rectangle 2"/>
-          <p:cNvSpPr>
-            <a:spLocks noGrp="1" noChangeArrowheads="1"/>
-          </p:cNvSpPr>
-          <p:nvPr>
-            <p:ph type="title"/>
-          </p:nvPr>
-        </p:nvSpPr>
-        <p:spPr>
-          <a:xfrm>
-            <a:off x="914400" y="381000"/>
-            <a:ext cx="3352800" cy="762000"/>
-          </a:xfrm>
-        </p:spPr>
-        <p:txBody>
-          <a:bodyPr/>
-          <a:lstStyle/>
-          <a:p>
-            <a:pPr eaLnBrk="1" hangingPunct="1"/>
-            <a:r>
-              <a:rPr lang="en-US" smtClean="0">
-                <a:solidFill>
-                  <a:srgbClr val="0000FF"/>
-                </a:solidFill>
-              </a:rPr>
-              <a:t>Confidence</a:t>
-            </a:r>
-            <a:endParaRPr lang="en-US" smtClean="0"/>
-          </a:p>
-        </p:txBody>
-      </p:sp>
-      <p:sp>
-        <p:nvSpPr>
-          <p:cNvPr id="205827" name="Text Box 3"/>
+          <p:cNvPr id="32771" name="Text Box 2"/>
           <p:cNvSpPr txBox="1">
             <a:spLocks noChangeArrowheads="1"/>
           </p:cNvSpPr>
@@ -7111,8 +4916,8 @@
         </p:nvSpPr>
         <p:spPr bwMode="auto">
           <a:xfrm>
-            <a:off x="228600" y="990601"/>
-            <a:ext cx="8915400" cy="5262979"/>
+            <a:off x="228600" y="2088344"/>
+            <a:ext cx="8610600" cy="2788456"/>
           </a:xfrm>
           <a:prstGeom prst="rect">
             <a:avLst/>
@@ -7131,187 +4936,413 @@
           </a:bodyPr>
           <a:lstStyle/>
           <a:p>
-            <a:pPr algn="l"/>
-            <a:r>
-              <a:rPr lang="en-US" sz="4000" dirty="0">
-                <a:latin typeface="Comic Sans MS" pitchFamily="66" charset="0"/>
-              </a:rPr>
-              <a:t>Now suppose we sample</a:t>
-            </a:r>
-            <a:r>
-              <a:rPr lang="en-US" sz="4000" dirty="0" smtClean="0">
-                <a:latin typeface="Comic Sans MS" pitchFamily="66" charset="0"/>
-              </a:rPr>
-              <a:t> </a:t>
-            </a:r>
-            <a:r>
-              <a:rPr lang="en-US" sz="4000" dirty="0" smtClean="0">
-                <a:solidFill>
-                  <a:srgbClr val="0006FE"/>
-                </a:solidFill>
-                <a:latin typeface="Comic Sans MS" pitchFamily="66" charset="0"/>
-              </a:rPr>
-              <a:t>500</a:t>
-            </a:r>
-            <a:r>
-              <a:rPr lang="en-US" sz="4000" dirty="0" smtClean="0">
-                <a:latin typeface="Comic Sans MS" pitchFamily="66" charset="0"/>
-              </a:rPr>
-              <a:t> </a:t>
-            </a:r>
-            <a:r>
-              <a:rPr lang="en-US" sz="4000" dirty="0">
-                <a:latin typeface="Comic Sans MS" pitchFamily="66" charset="0"/>
-              </a:rPr>
-              <a:t>fish and discover</a:t>
-            </a:r>
-            <a:r>
-              <a:rPr lang="en-US" sz="4000" dirty="0" smtClean="0">
-                <a:latin typeface="Comic Sans MS" pitchFamily="66" charset="0"/>
-              </a:rPr>
-              <a:t> </a:t>
-            </a:r>
-            <a:r>
-              <a:rPr lang="en-US" sz="4000" dirty="0" smtClean="0">
-                <a:solidFill>
-                  <a:srgbClr val="0006FE"/>
-                </a:solidFill>
-                <a:latin typeface="Comic Sans MS" pitchFamily="66" charset="0"/>
-              </a:rPr>
-              <a:t>230</a:t>
-            </a:r>
-            <a:r>
-              <a:rPr lang="en-US" sz="4000" dirty="0" smtClean="0">
-                <a:latin typeface="Comic Sans MS" pitchFamily="66" charset="0"/>
-              </a:rPr>
-              <a:t> </a:t>
-            </a:r>
-            <a:r>
-              <a:rPr lang="en-US" sz="4000" dirty="0">
-                <a:latin typeface="Comic Sans MS" pitchFamily="66" charset="0"/>
-              </a:rPr>
-              <a:t>are contaminated.</a:t>
-            </a:r>
-          </a:p>
-          <a:p>
-            <a:pPr algn="l"/>
-            <a:r>
-              <a:rPr lang="en-US" sz="4000" dirty="0">
-                <a:latin typeface="Comic Sans MS" pitchFamily="66" charset="0"/>
-              </a:rPr>
-              <a:t>So we estimate </a:t>
-            </a:r>
-            <a:r>
-              <a:rPr lang="en-US" sz="4000" dirty="0">
-                <a:solidFill>
-                  <a:srgbClr val="0006FE"/>
-                </a:solidFill>
-                <a:latin typeface="Comic Sans MS" pitchFamily="66" charset="0"/>
-              </a:rPr>
-              <a:t>p</a:t>
-            </a:r>
-            <a:r>
-              <a:rPr lang="en-US" sz="4000" dirty="0">
-                <a:latin typeface="Comic Sans MS" pitchFamily="66" charset="0"/>
-              </a:rPr>
-              <a:t> is</a:t>
-            </a:r>
-            <a:r>
-              <a:rPr lang="en-US" sz="4000" dirty="0" smtClean="0">
-                <a:latin typeface="Comic Sans MS" pitchFamily="66" charset="0"/>
-              </a:rPr>
-              <a:t> </a:t>
-            </a:r>
-            <a:r>
-              <a:rPr lang="en-US" sz="4000" dirty="0" smtClean="0">
-                <a:solidFill>
-                  <a:srgbClr val="0006FE"/>
-                </a:solidFill>
-                <a:latin typeface="Comic Sans MS" pitchFamily="66" charset="0"/>
-              </a:rPr>
-              <a:t>230/500</a:t>
-            </a:r>
-            <a:r>
-              <a:rPr lang="en-US" sz="4000" dirty="0" smtClean="0">
-                <a:latin typeface="Comic Sans MS" pitchFamily="66" charset="0"/>
-              </a:rPr>
-              <a:t> = </a:t>
-            </a:r>
-            <a:r>
-              <a:rPr lang="en-US" sz="4000" dirty="0" smtClean="0">
-                <a:solidFill>
-                  <a:srgbClr val="0006FE"/>
-                </a:solidFill>
-                <a:latin typeface="Comic Sans MS" pitchFamily="66" charset="0"/>
-              </a:rPr>
-              <a:t>0.46</a:t>
-            </a:r>
-            <a:endParaRPr lang="en-US" sz="4000" dirty="0" smtClean="0">
+            <a:pPr algn="l">
+              <a:lnSpc>
+                <a:spcPct val="40000"/>
+              </a:lnSpc>
+            </a:pPr>
+            <a:endParaRPr lang="en-US" sz="4800" dirty="0" smtClean="0">
               <a:latin typeface="Comic Sans MS" pitchFamily="66" charset="0"/>
             </a:endParaRPr>
           </a:p>
           <a:p>
             <a:pPr algn="l"/>
             <a:r>
-              <a:rPr lang="en-US" sz="4000" dirty="0">
+              <a:rPr lang="en-US" sz="4800" dirty="0" smtClean="0">
                 <a:latin typeface="Comic Sans MS" pitchFamily="66" charset="0"/>
               </a:rPr>
-              <a:t>It’s tempting to say</a:t>
-            </a:r>
-          </a:p>
-          <a:p>
-            <a:pPr lvl="1" algn="l"/>
-            <a:r>
-              <a:rPr lang="en-US" sz="4400" dirty="0">
+              <a:t>So we can be </a:t>
+            </a:r>
+            <a:r>
+              <a:rPr lang="en-US" sz="4800" dirty="0" smtClean="0">
+                <a:solidFill>
+                  <a:srgbClr val="FF33CC"/>
+                </a:solidFill>
                 <a:latin typeface="Comic Sans MS" pitchFamily="66" charset="0"/>
               </a:rPr>
-              <a:t>“the </a:t>
-            </a:r>
-            <a:r>
-              <a:rPr lang="en-US" sz="4400" dirty="0" smtClean="0">
+              <a:t>95</a:t>
+            </a:r>
+            <a:r>
+              <a:rPr lang="en-US" sz="4800" dirty="0" smtClean="0">
+                <a:latin typeface="Comic Sans MS" pitchFamily="66" charset="0"/>
+              </a:rPr>
+              <a:t>%</a:t>
+            </a:r>
+            <a:r>
+              <a:rPr lang="en-US" sz="4800" dirty="0" smtClean="0">
+                <a:solidFill>
+                  <a:srgbClr val="008000"/>
+                </a:solidFill>
+                <a:latin typeface="Comic Sans MS" pitchFamily="66" charset="0"/>
+              </a:rPr>
+              <a:t> </a:t>
+            </a:r>
+            <a:r>
+              <a:rPr lang="en-US" sz="4800" dirty="0">
                 <a:solidFill>
                   <a:srgbClr val="7030A0"/>
                 </a:solidFill>
                 <a:latin typeface="Comic Sans MS" pitchFamily="66" charset="0"/>
               </a:rPr>
-              <a:t>probability</a:t>
-            </a:r>
-            <a:r>
-              <a:rPr lang="en-US" sz="4400" i="1" dirty="0" smtClean="0">
+              <a:t>confident</a:t>
+            </a:r>
+            <a:r>
+              <a:rPr lang="en-US" sz="4800" dirty="0" smtClean="0">
+                <a:solidFill>
+                  <a:srgbClr val="7030A0"/>
+                </a:solidFill>
                 <a:latin typeface="Comic Sans MS" pitchFamily="66" charset="0"/>
               </a:rPr>
               <a:t> </a:t>
             </a:r>
             <a:r>
-              <a:rPr lang="en-US" sz="4400" dirty="0">
+              <a:rPr lang="en-US" sz="4800" dirty="0" smtClean="0">
+                <a:solidFill>
+                  <a:schemeClr val="accent4"/>
+                </a:solidFill>
                 <a:latin typeface="Comic Sans MS" pitchFamily="66" charset="0"/>
               </a:rPr>
               <a:t>that</a:t>
             </a:r>
-          </a:p>
-          <a:p>
-            <a:pPr lvl="1"/>
-            <a:r>
-              <a:rPr lang="en-US" sz="4400" dirty="0">
-                <a:solidFill>
-                  <a:srgbClr val="0006FE"/>
+            <a:r>
+              <a:rPr lang="en-US" sz="4800" dirty="0" smtClean="0">
+                <a:solidFill>
+                  <a:srgbClr val="7030A0"/>
                 </a:solidFill>
                 <a:latin typeface="Comic Sans MS" pitchFamily="66" charset="0"/>
               </a:rPr>
-              <a:t>p </a:t>
-            </a:r>
-            <a:r>
-              <a:rPr lang="en-US" sz="4400" b="1" dirty="0">
-                <a:solidFill>
-                  <a:schemeClr val="tx2"/>
+              <a:t> </a:t>
+            </a:r>
+            <a:r>
+              <a:rPr lang="en-US" sz="4800" dirty="0" err="1" smtClean="0">
+                <a:solidFill>
+                  <a:srgbClr val="008000"/>
+                </a:solidFill>
+                <a:latin typeface="Comic Sans MS" pitchFamily="66" charset="0"/>
+              </a:rPr>
+              <a:t>c</a:t>
+            </a:r>
+            <a:r>
+              <a:rPr lang="en-US" sz="4800" dirty="0" smtClean="0">
+                <a:latin typeface="Comic Sans MS" pitchFamily="66" charset="0"/>
+              </a:rPr>
+              <a:t>,</a:t>
+            </a:r>
+            <a:r>
+              <a:rPr lang="en-US" sz="4800" dirty="0" smtClean="0">
+                <a:solidFill>
+                  <a:srgbClr val="7030A0"/>
+                </a:solidFill>
+                <a:latin typeface="Comic Sans MS" pitchFamily="66" charset="0"/>
+              </a:rPr>
+              <a:t> </a:t>
+            </a:r>
+            <a:r>
+              <a:rPr lang="en-US" sz="4800" dirty="0" smtClean="0">
+                <a:latin typeface="Comic Sans MS" pitchFamily="66" charset="0"/>
+              </a:rPr>
+              <a:t>the actual </a:t>
+            </a:r>
+            <a:r>
+              <a:rPr lang="en-US" sz="5400" kern="0" dirty="0" err="1" smtClean="0">
+                <a:solidFill>
+                  <a:srgbClr val="000000"/>
+                </a:solidFill>
+                <a:latin typeface="Comic Sans MS"/>
+              </a:rPr>
+              <a:t>avg</a:t>
+            </a:r>
+            <a:r>
+              <a:rPr lang="en-US" sz="5400" kern="0" dirty="0" smtClean="0">
+                <a:solidFill>
+                  <a:srgbClr val="000000"/>
+                </a:solidFill>
+                <a:latin typeface="Comic Sans MS"/>
+              </a:rPr>
+              <a:t> CMD, over </a:t>
+            </a:r>
+            <a:r>
+              <a:rPr lang="en-US" sz="5400" kern="0" dirty="0" smtClean="0">
+                <a:solidFill>
+                  <a:srgbClr val="800F6F"/>
+                </a:solidFill>
+                <a:latin typeface="Comic Sans MS"/>
+              </a:rPr>
+              <a:t>all</a:t>
+            </a:r>
+            <a:r>
+              <a:rPr lang="en-US" sz="5400" kern="0" dirty="0" smtClean="0">
+                <a:solidFill>
+                  <a:srgbClr val="000000"/>
+                </a:solidFill>
+                <a:latin typeface="Comic Sans MS"/>
+              </a:rPr>
+              <a:t> stations is </a:t>
+            </a:r>
+            <a:r>
+              <a:rPr lang="en-US" sz="5400" b="1" kern="0" dirty="0" smtClean="0">
+                <a:solidFill>
+                  <a:srgbClr val="006600"/>
                 </a:solidFill>
                 <a:latin typeface="Euclid Symbol" charset="2"/>
                 <a:cs typeface="Euclid Symbol" charset="2"/>
               </a:rPr>
-              <a:t>=</a:t>
-            </a:r>
-            <a:r>
-              <a:rPr lang="en-US" sz="4400" dirty="0">
+              <a:t>&lt;</a:t>
+            </a:r>
+            <a:r>
+              <a:rPr lang="en-US" sz="5400" kern="0" dirty="0" smtClean="0">
+                <a:solidFill>
+                  <a:srgbClr val="006600"/>
+                </a:solidFill>
+                <a:latin typeface="Comic Sans MS"/>
+              </a:rPr>
+              <a:t> 200</a:t>
+            </a:r>
+            <a:r>
+              <a:rPr lang="en-US" sz="5400" kern="0" dirty="0" smtClean="0">
+                <a:latin typeface="Comic Sans MS"/>
+              </a:rPr>
+              <a:t>.</a:t>
+            </a:r>
+            <a:endParaRPr lang="en-US" sz="4800" dirty="0">
+              <a:latin typeface="Comic Sans MS" pitchFamily="66" charset="0"/>
+            </a:endParaRPr>
+          </a:p>
+        </p:txBody>
+      </p:sp>
+      <p:sp>
+        <p:nvSpPr>
+          <p:cNvPr id="32772" name="Rectangle 3"/>
+          <p:cNvSpPr>
+            <a:spLocks noGrp="1" noChangeArrowheads="1"/>
+          </p:cNvSpPr>
+          <p:nvPr>
+            <p:ph type="title"/>
+          </p:nvPr>
+        </p:nvSpPr>
+        <p:spPr>
+          <a:xfrm>
+            <a:off x="1295400" y="381000"/>
+            <a:ext cx="7391400" cy="838200"/>
+          </a:xfrm>
+          <a:noFill/>
+        </p:spPr>
+        <p:txBody>
+          <a:bodyPr/>
+          <a:lstStyle/>
+          <a:p>
+            <a:pPr eaLnBrk="1" hangingPunct="1"/>
+            <a:r>
+              <a:rPr lang="en-US" sz="4000" smtClean="0">
+                <a:solidFill>
+                  <a:schemeClr val="tx1"/>
+                </a:solidFill>
+              </a:rPr>
+              <a:t>Confidence in our estimate</a:t>
+            </a:r>
+            <a:endParaRPr lang="en-US" smtClean="0">
+              <a:solidFill>
+                <a:schemeClr val="tx1"/>
+              </a:solidFill>
+            </a:endParaRPr>
+          </a:p>
+        </p:txBody>
+      </p:sp>
+    </p:spTree>
+  </p:cSld>
+  <p:clrMapOvr>
+    <a:masterClrMapping/>
+  </p:clrMapOvr>
+  <p:transition spd="slow">
+    <p:fade/>
+  </p:transition>
+  <p:timing>
+    <p:tnLst>
+      <p:par>
+        <p:cTn id="1" dur="indefinite" restart="never" nodeType="tmRoot"/>
+      </p:par>
+    </p:tnLst>
+  </p:timing>
+</p:sld>
+</file>
+
+<file path=ppt/slides/slide12.xml><?xml version="1.0" encoding="utf-8"?>
+<p:sld xmlns:a="http://schemas.openxmlformats.org/drawingml/2006/main" xmlns:r="http://schemas.openxmlformats.org/officeDocument/2006/relationships" xmlns:mc="http://schemas.openxmlformats.org/markup-compatibility/2006" xmlns:mv="urn:schemas-microsoft-com:mac:vml" xmlns:p="http://schemas.openxmlformats.org/presentationml/2006/main" mc:Ignorable="mv" mc:PreserveAttributes="mv:*">
+  <p:cSld>
+    <p:spTree>
+      <p:nvGrpSpPr>
+        <p:cNvPr id="1" name=""/>
+        <p:cNvGrpSpPr/>
+        <p:nvPr/>
+      </p:nvGrpSpPr>
+      <p:grpSpPr>
+        <a:xfrm>
+          <a:off x="0" y="0"/>
+          <a:ext cx="0" cy="0"/>
+          <a:chOff x="0" y="0"/>
+          <a:chExt cx="0" cy="0"/>
+        </a:xfrm>
+      </p:grpSpPr>
+      <p:sp>
+        <p:nvSpPr>
+          <p:cNvPr id="30722" name="Slide Number Placeholder 3"/>
+          <p:cNvSpPr>
+            <a:spLocks noGrp="1"/>
+          </p:cNvSpPr>
+          <p:nvPr>
+            <p:ph type="sldNum" sz="quarter" idx="10"/>
+          </p:nvPr>
+        </p:nvSpPr>
+        <p:spPr/>
+        <p:txBody>
+          <a:bodyPr/>
+          <a:lstStyle/>
+          <a:p>
+            <a:pPr>
+              <a:defRPr/>
+            </a:pPr>
+            <a:r>
+              <a:rPr lang="en-US" dirty="0" err="1"/>
+              <a:t>lec</a:t>
+            </a:r>
+            <a:r>
+              <a:rPr lang="en-US" dirty="0" smtClean="0"/>
+              <a:t> 13W.</a:t>
+            </a:r>
+            <a:fld id="{96B5C7C7-3FC0-4B55-9934-A080551106BF}" type="slidenum">
+              <a:rPr lang="en-US" smtClean="0"/>
+              <a:pPr>
+                <a:defRPr/>
+              </a:pPr>
+              <a:t>12</a:t>
+            </a:fld>
+            <a:endParaRPr lang="en-US" dirty="0"/>
+          </a:p>
+        </p:txBody>
+      </p:sp>
+      <p:sp>
+        <p:nvSpPr>
+          <p:cNvPr id="34819" name="Rectangle 2"/>
+          <p:cNvSpPr>
+            <a:spLocks noGrp="1" noChangeArrowheads="1"/>
+          </p:cNvSpPr>
+          <p:nvPr>
+            <p:ph type="title"/>
+          </p:nvPr>
+        </p:nvSpPr>
+        <p:spPr>
+          <a:xfrm>
+            <a:off x="914400" y="381000"/>
+            <a:ext cx="3352800" cy="762000"/>
+          </a:xfrm>
+        </p:spPr>
+        <p:txBody>
+          <a:bodyPr/>
+          <a:lstStyle/>
+          <a:p>
+            <a:pPr eaLnBrk="1" hangingPunct="1"/>
+            <a:r>
+              <a:rPr lang="en-US" smtClean="0">
+                <a:solidFill>
+                  <a:srgbClr val="0000FF"/>
+                </a:solidFill>
+              </a:rPr>
+              <a:t>Confidence</a:t>
+            </a:r>
+            <a:endParaRPr lang="en-US" smtClean="0"/>
+          </a:p>
+        </p:txBody>
+      </p:sp>
+      <p:sp>
+        <p:nvSpPr>
+          <p:cNvPr id="205827" name="Text Box 3"/>
+          <p:cNvSpPr txBox="1">
+            <a:spLocks noChangeArrowheads="1"/>
+          </p:cNvSpPr>
+          <p:nvPr/>
+        </p:nvSpPr>
+        <p:spPr bwMode="auto">
+          <a:xfrm>
+            <a:off x="76200" y="1447800"/>
+            <a:ext cx="8915400" cy="4247317"/>
+          </a:xfrm>
+          <a:prstGeom prst="rect">
+            <a:avLst/>
+          </a:prstGeom>
+          <a:noFill/>
+          <a:ln w="9525">
+            <a:noFill/>
+            <a:miter lim="800000"/>
+            <a:headEnd/>
+            <a:tailEnd/>
+          </a:ln>
+        </p:spPr>
+        <p:txBody>
+          <a:bodyPr wrap="square">
+            <a:spAutoFit/>
+          </a:bodyPr>
+          <a:lstStyle/>
+          <a:p>
+            <a:pPr lvl="1" algn="l"/>
+            <a:r>
+              <a:rPr lang="en-US" sz="5400" dirty="0" smtClean="0">
+                <a:latin typeface="Comic Sans MS" pitchFamily="66" charset="0"/>
+              </a:rPr>
+              <a:t>tempting to say:</a:t>
+            </a:r>
+          </a:p>
+          <a:p>
+            <a:pPr lvl="1" algn="l"/>
+            <a:r>
+              <a:rPr lang="en-US" sz="5400" dirty="0" smtClean="0">
+                <a:latin typeface="Comic Sans MS" pitchFamily="66" charset="0"/>
+              </a:rPr>
+              <a:t>“</a:t>
+            </a:r>
+            <a:r>
+              <a:rPr lang="en-US" sz="5400" dirty="0">
+                <a:latin typeface="Comic Sans MS" pitchFamily="66" charset="0"/>
+              </a:rPr>
+              <a:t>the </a:t>
+            </a:r>
+            <a:r>
+              <a:rPr lang="en-US" sz="5400" dirty="0" smtClean="0">
+                <a:solidFill>
+                  <a:srgbClr val="7030A0"/>
+                </a:solidFill>
+                <a:latin typeface="Comic Sans MS" pitchFamily="66" charset="0"/>
+              </a:rPr>
+              <a:t>probability</a:t>
+            </a:r>
+            <a:r>
+              <a:rPr lang="en-US" sz="5400" i="1" dirty="0" smtClean="0">
+                <a:latin typeface="Comic Sans MS" pitchFamily="66" charset="0"/>
+              </a:rPr>
+              <a:t> </a:t>
+            </a:r>
+            <a:r>
+              <a:rPr lang="en-US" sz="5400" dirty="0">
+                <a:latin typeface="Comic Sans MS" pitchFamily="66" charset="0"/>
+              </a:rPr>
+              <a:t>that</a:t>
+            </a:r>
+            <a:endParaRPr lang="en-US" sz="5400" dirty="0" smtClean="0">
+              <a:latin typeface="Comic Sans MS" pitchFamily="66" charset="0"/>
+            </a:endParaRPr>
+          </a:p>
+          <a:p>
+            <a:pPr lvl="1"/>
+            <a:r>
+              <a:rPr lang="en-US" sz="5400" dirty="0" err="1" smtClean="0">
+                <a:solidFill>
+                  <a:srgbClr val="006600"/>
+                </a:solidFill>
+                <a:latin typeface="Comic Sans MS" pitchFamily="66" charset="0"/>
+              </a:rPr>
+              <a:t>c</a:t>
+            </a:r>
+            <a:r>
+              <a:rPr lang="en-US" sz="5400" dirty="0" smtClean="0">
                 <a:solidFill>
                   <a:srgbClr val="0006FE"/>
                 </a:solidFill>
@@ -7320,26 +5351,36 @@
               <a:t> </a:t>
             </a:r>
             <a:r>
-              <a:rPr lang="en-US" sz="4400" dirty="0" smtClean="0">
-                <a:solidFill>
-                  <a:srgbClr val="0006FE"/>
-                </a:solidFill>
-                <a:latin typeface="Comic Sans MS" pitchFamily="66" charset="0"/>
-              </a:rPr>
-              <a:t>0.46</a:t>
-            </a:r>
-            <a:r>
-              <a:rPr lang="en-US" sz="4400" dirty="0" smtClean="0">
-                <a:solidFill>
-                  <a:srgbClr val="0006FE"/>
+              <a:rPr lang="en-US" sz="5400" b="1" dirty="0">
+                <a:solidFill>
+                  <a:schemeClr val="tx2"/>
                 </a:solidFill>
                 <a:latin typeface="Euclid Symbol" charset="2"/>
                 <a:cs typeface="Euclid Symbol" charset="2"/>
               </a:rPr>
+              <a:t>=</a:t>
+            </a:r>
+            <a:r>
+              <a:rPr lang="en-US" sz="5400" dirty="0" smtClean="0">
+                <a:solidFill>
+                  <a:srgbClr val="0006FE"/>
+                </a:solidFill>
+                <a:latin typeface="Comic Sans MS" pitchFamily="66" charset="0"/>
+              </a:rPr>
+              <a:t> 180 </a:t>
+            </a:r>
+            <a:r>
+              <a:rPr lang="en-US" sz="5400" dirty="0" smtClean="0">
+                <a:solidFill>
+                  <a:srgbClr val="0006FE"/>
+                </a:solidFill>
+                <a:latin typeface="Euclid Symbol" charset="2"/>
+                <a:cs typeface="Euclid Symbol" charset="2"/>
+              </a:rPr>
               <a:t>±</a:t>
             </a:r>
             <a:r>
-              <a:rPr lang="en-US" sz="4400" dirty="0" smtClean="0">
+              <a:rPr lang="en-US" sz="5400" dirty="0" smtClean="0">
                 <a:solidFill>
                   <a:schemeClr val="accent2"/>
                 </a:solidFill>
@@ -7348,46 +5389,46 @@
               <a:t> </a:t>
             </a:r>
             <a:r>
-              <a:rPr lang="en-US" sz="4400" dirty="0" smtClean="0">
-                <a:solidFill>
-                  <a:srgbClr val="00B050"/>
+              <a:rPr lang="en-US" sz="5400" dirty="0" smtClean="0">
+                <a:solidFill>
+                  <a:srgbClr val="FF6600"/>
                 </a:solidFill>
                 <a:latin typeface="Comic Sans MS" pitchFamily="66" charset="0"/>
               </a:rPr>
-              <a:t>0.06</a:t>
+              <a:t>20</a:t>
             </a:r>
           </a:p>
           <a:p>
             <a:pPr lvl="1" algn="l"/>
             <a:r>
-              <a:rPr lang="en-US" sz="4400" dirty="0">
+              <a:rPr lang="en-US" sz="5400" dirty="0">
                 <a:latin typeface="Comic Sans MS" pitchFamily="66" charset="0"/>
               </a:rPr>
               <a:t>is at least </a:t>
             </a:r>
             <a:r>
-              <a:rPr lang="en-US" sz="4400" dirty="0" smtClean="0">
+              <a:rPr lang="en-US" sz="5400" dirty="0" smtClean="0">
                 <a:solidFill>
                   <a:srgbClr val="FF33CC"/>
                 </a:solidFill>
                 <a:latin typeface="Comic Sans MS" pitchFamily="66" charset="0"/>
               </a:rPr>
-              <a:t>0.99</a:t>
-            </a:r>
-            <a:r>
-              <a:rPr lang="en-US" sz="4400" dirty="0" smtClean="0">
+              <a:t>0.95</a:t>
+            </a:r>
+            <a:r>
+              <a:rPr lang="en-US" sz="5400" dirty="0" smtClean="0">
                 <a:latin typeface="Comic Sans MS" pitchFamily="66" charset="0"/>
               </a:rPr>
               <a:t>”</a:t>
             </a:r>
-            <a:endParaRPr lang="en-US" sz="4400" dirty="0">
+            <a:endParaRPr lang="en-US" sz="5400" dirty="0">
               <a:latin typeface="Comic Sans MS" pitchFamily="66" charset="0"/>
             </a:endParaRPr>
           </a:p>
           <a:p>
             <a:pPr algn="l"/>
             <a:r>
-              <a:rPr lang="en-US" sz="4400" dirty="0">
+              <a:rPr lang="en-US" sz="5400" dirty="0">
                 <a:solidFill>
                   <a:srgbClr val="CC0000"/>
                 </a:solidFill>
@@ -7408,7 +5449,7 @@
         </p:nvGrpSpPr>
         <p:grpSpPr bwMode="auto">
           <a:xfrm>
-            <a:off x="914400" y="3657600"/>
+            <a:off x="914400" y="2590800"/>
             <a:ext cx="5791200" cy="1752600"/>
             <a:chOff x="528" y="2304"/>
             <a:chExt cx="4656" cy="384"/>
@@ -7612,7 +5653,7 @@
   <p:clrMapOvr>
     <a:masterClrMapping/>
   </p:clrMapOvr>
-  <p:transition spd="slow">
+  <p:transition>
     <p:fade thruBlk="1"/>
   </p:transition>
   <p:timing>
@@ -7636,7 +5677,7 @@
                             </p:stCondLst>
                             <p:childTnLst>
                               <p:par>
-                                <p:cTn id="5" presetID="1" presetClass="entr" presetSubtype="0" fill="hold" nodeType="clickEffect">
+                                <p:cTn id="5" presetID="22" presetClass="entr" presetSubtype="1" fill="hold" nodeType="clickEffect">
                                   <p:stCondLst>
                                     <p:cond delay="0"/>
                                   </p:stCondLst>
@@ -7663,29 +5704,32 @@
                                         <p:strVal val="visible"/>
                                       </p:to>
                                     </p:set>
+                                    <p:animEffect transition="in" filter="wipe(up)">
+                                      <p:cBhvr>
+                                        <p:cTn id="7" dur="500"/>
+                                        <p:tgtEl>
+                                          <p:spTgt spid="205827">
+                                            <p:txEl>
+                                              <p:pRg st="1" end="1"/>
+                                            </p:txEl>
+                                          </p:spTgt>
+                                        </p:tgtEl>
+                                      </p:cBhvr>
+                                    </p:animEffect>
                                   </p:childTnLst>
                                 </p:cTn>
                               </p:par>
                             </p:childTnLst>
                           </p:cTn>
                         </p:par>
-                      </p:childTnLst>
-                    </p:cTn>
-                  </p:par>
-                  <p:par>
-                    <p:cTn id="7" fill="hold">
-                      <p:stCondLst>
-                        <p:cond delay="indefinite"/>
-                      </p:stCondLst>
-                      <p:childTnLst>
                         <p:par>
                           <p:cTn id="8" fill="hold">
                             <p:stCondLst>
-                              <p:cond delay="0"/>
+                              <p:cond delay="500"/>
                             </p:stCondLst>
                             <p:childTnLst>
                               <p:par>
-                                <p:cTn id="9" presetID="22" presetClass="entr" presetSubtype="1" fill="hold" nodeType="clickEffect">
+                                <p:cTn id="9" presetID="22" presetClass="entr" presetSubtype="1" fill="hold" nodeType="afterEffect">
                                   <p:stCondLst>
                                     <p:cond delay="0"/>
                                   </p:stCondLst>
@@ -7733,7 +5777,7 @@
                         <p:par>
                           <p:cTn id="12" fill="hold">
                             <p:stCondLst>
-                              <p:cond delay="500"/>
+                              <p:cond delay="1000"/>
                             </p:stCondLst>
                             <p:childTnLst>
                               <p:par>
@@ -7782,21 +5826,30 @@
                             </p:childTnLst>
                           </p:cTn>
                         </p:par>
+                      </p:childTnLst>
+                    </p:cTn>
+                  </p:par>
+                  <p:par>
+                    <p:cTn id="16" fill="hold">
+                      <p:stCondLst>
+                        <p:cond delay="indefinite"/>
+                      </p:stCondLst>
+                      <p:childTnLst>
                         <p:par>
-                          <p:cTn id="16" fill="hold">
+                          <p:cTn id="17" fill="hold">
                             <p:stCondLst>
-                              <p:cond delay="1000"/>
+                              <p:cond delay="0"/>
                             </p:stCondLst>
                             <p:childTnLst>
                               <p:par>
-                                <p:cTn id="17" presetID="22" presetClass="entr" presetSubtype="1" fill="hold" nodeType="afterEffect">
+                                <p:cTn id="18" presetID="1" presetClass="entr" presetSubtype="0" fill="hold" nodeType="clickEffect">
                                   <p:stCondLst>
                                     <p:cond delay="0"/>
                                   </p:stCondLst>
                                   <p:childTnLst>
                                     <p:set>
                                       <p:cBhvr>
-                                        <p:cTn id="18" dur="1" fill="hold">
+                                        <p:cTn id="19" dur="1" fill="hold">
                                           <p:stCondLst>
                                             <p:cond delay="0"/>
                                           </p:stCondLst>
@@ -7816,18 +5869,6 @@
                                         <p:strVal val="visible"/>
                                       </p:to>
                                     </p:set>
-                                    <p:animEffect transition="in" filter="wipe(up)">
-                                      <p:cBhvr>
-                                        <p:cTn id="19" dur="500"/>
-                                        <p:tgtEl>
-                                          <p:spTgt spid="205827">
-                                            <p:txEl>
-                                              <p:pRg st="4" end="4"/>
-                                            </p:txEl>
-                                          </p:spTgt>
-                                        </p:tgtEl>
-                                      </p:cBhvr>
-                                    </p:animEffect>
                                   </p:childTnLst>
                                 </p:cTn>
                               </p:par>
@@ -7837,119 +5878,18 @@
                         <p:par>
                           <p:cTn id="20" fill="hold">
                             <p:stCondLst>
-                              <p:cond delay="1500"/>
-                            </p:stCondLst>
-                            <p:childTnLst>
-                              <p:par>
-                                <p:cTn id="21" presetID="22" presetClass="entr" presetSubtype="1" fill="hold" nodeType="afterEffect">
-                                  <p:stCondLst>
-                                    <p:cond delay="0"/>
-                                  </p:stCondLst>
-                                  <p:childTnLst>
-                                    <p:set>
-                                      <p:cBhvr>
-                                        <p:cTn id="22" dur="1" fill="hold">
-                                          <p:stCondLst>
-                                            <p:cond delay="0"/>
-                                          </p:stCondLst>
-                                        </p:cTn>
-                                        <p:tgtEl>
-                                          <p:spTgt spid="205827">
-                                            <p:txEl>
-                                              <p:pRg st="5" end="5"/>
-                                            </p:txEl>
-                                          </p:spTgt>
-                                        </p:tgtEl>
-                                        <p:attrNameLst>
-                                          <p:attrName>style.visibility</p:attrName>
-                                        </p:attrNameLst>
-                                      </p:cBhvr>
-                                      <p:to>
-                                        <p:strVal val="visible"/>
-                                      </p:to>
-                                    </p:set>
-                                    <p:animEffect transition="in" filter="wipe(up)">
-                                      <p:cBhvr>
-                                        <p:cTn id="23" dur="500"/>
-                                        <p:tgtEl>
-                                          <p:spTgt spid="205827">
-                                            <p:txEl>
-                                              <p:pRg st="5" end="5"/>
-                                            </p:txEl>
-                                          </p:spTgt>
-                                        </p:tgtEl>
-                                      </p:cBhvr>
-                                    </p:animEffect>
-                                  </p:childTnLst>
-                                </p:cTn>
-                              </p:par>
-                            </p:childTnLst>
-                          </p:cTn>
-                        </p:par>
-                      </p:childTnLst>
-                    </p:cTn>
-                  </p:par>
-                  <p:par>
-                    <p:cTn id="24" fill="hold">
-                      <p:stCondLst>
-                        <p:cond delay="indefinite"/>
-                      </p:stCondLst>
-                      <p:childTnLst>
-                        <p:par>
-                          <p:cTn id="25" fill="hold">
-                            <p:stCondLst>
                               <p:cond delay="0"/>
                             </p:stCondLst>
                             <p:childTnLst>
                               <p:par>
-                                <p:cTn id="26" presetID="1" presetClass="entr" presetSubtype="0" fill="hold" nodeType="clickEffect">
-                                  <p:stCondLst>
-                                    <p:cond delay="0"/>
-                                  </p:stCondLst>
-                                  <p:childTnLst>
-                                    <p:set>
-                                      <p:cBhvr>
-                                        <p:cTn id="27" dur="1" fill="hold">
-                                          <p:stCondLst>
-                                            <p:cond delay="0"/>
-                                          </p:stCondLst>
-                                        </p:cTn>
-                                        <p:tgtEl>
-                                          <p:spTgt spid="205827">
-                                            <p:txEl>
-                                              <p:pRg st="6" end="6"/>
-                                            </p:txEl>
-                                          </p:spTgt>
-                                        </p:tgtEl>
-                                        <p:attrNameLst>
-                                          <p:attrName>style.visibility</p:attrName>
-                                        </p:attrNameLst>
-                                      </p:cBhvr>
-                                      <p:to>
-                                        <p:strVal val="visible"/>
-                                      </p:to>
-                                    </p:set>
-                                  </p:childTnLst>
-                                </p:cTn>
-                              </p:par>
-                            </p:childTnLst>
-                          </p:cTn>
-                        </p:par>
-                        <p:par>
-                          <p:cTn id="28" fill="hold">
-                            <p:stCondLst>
-                              <p:cond delay="0"/>
-                            </p:stCondLst>
-                            <p:childTnLst>
-                              <p:par>
-                                <p:cTn id="29" presetID="15" presetClass="entr" presetSubtype="0" fill="hold" nodeType="afterEffect">
+                                <p:cTn id="21" presetID="15" presetClass="entr" presetSubtype="0" fill="hold" nodeType="afterEffect">
                                   <p:stCondLst>
                                     <p:cond delay="500"/>
                                   </p:stCondLst>
                                   <p:childTnLst>
                                     <p:set>
                                       <p:cBhvr>
-                                        <p:cTn id="30" dur="1" fill="hold">
+                                        <p:cTn id="22" dur="1" fill="hold">
                                           <p:stCondLst>
                                             <p:cond delay="0"/>
                                           </p:stCondLst>
@@ -7967,7 +5907,7 @@
                                     </p:set>
                                     <p:anim calcmode="lin" valueType="num">
                                       <p:cBhvr>
-                                        <p:cTn id="31" dur="1000" fill="hold"/>
+                                        <p:cTn id="23" dur="1000" fill="hold"/>
                                         <p:tgtEl>
                                           <p:spTgt spid="2"/>
                                         </p:tgtEl>
@@ -7990,7 +5930,7 @@
                                     </p:anim>
                                     <p:anim calcmode="lin" valueType="num">
                                       <p:cBhvr>
-                                        <p:cTn id="32" dur="1000" fill="hold"/>
+                                        <p:cTn id="24" dur="1000" fill="hold"/>
                                         <p:tgtEl>
                                           <p:spTgt spid="2"/>
                                         </p:tgtEl>
@@ -8013,7 +5953,7 @@
                                     </p:anim>
                                     <p:anim calcmode="lin" valueType="num">
                                       <p:cBhvr>
-                                        <p:cTn id="33" dur="1000" fill="hold"/>
+                                        <p:cTn id="25" dur="1000" fill="hold"/>
                                         <p:tgtEl>
                                           <p:spTgt spid="2"/>
                                         </p:tgtEl>
@@ -8036,7 +5976,7 @@
                                     </p:anim>
                                     <p:anim calcmode="lin" valueType="num">
                                       <p:cBhvr>
-                                        <p:cTn id="34" dur="1000" fill="hold"/>
+                                        <p:cTn id="26" dur="1000" fill="hold"/>
                                         <p:tgtEl>
                                           <p:spTgt spid="2"/>
                                         </p:tgtEl>
@@ -8063,21 +6003,30 @@
                             </p:childTnLst>
                           </p:cTn>
                         </p:par>
+                      </p:childTnLst>
+                    </p:cTn>
+                  </p:par>
+                  <p:par>
+                    <p:cTn id="27" fill="hold">
+                      <p:stCondLst>
+                        <p:cond delay="indefinite"/>
+                      </p:stCondLst>
+                      <p:childTnLst>
                         <p:par>
-                          <p:cTn id="35" fill="hold">
+                          <p:cTn id="28" fill="hold">
                             <p:stCondLst>
-                              <p:cond delay="1500"/>
+                              <p:cond delay="0"/>
                             </p:stCondLst>
                             <p:childTnLst>
                               <p:par>
-                                <p:cTn id="36" presetID="2" presetClass="entr" presetSubtype="2" fill="hold" grpId="0" nodeType="afterEffect">
+                                <p:cTn id="29" presetID="2" presetClass="entr" presetSubtype="2" fill="hold" grpId="0" nodeType="clickEffect">
                                   <p:stCondLst>
                                     <p:cond delay="0"/>
                                   </p:stCondLst>
                                   <p:childTnLst>
                                     <p:set>
                                       <p:cBhvr>
-                                        <p:cTn id="37" dur="1" fill="hold">
+                                        <p:cTn id="30" dur="1" fill="hold">
                                           <p:stCondLst>
                                             <p:cond delay="0"/>
                                           </p:stCondLst>
@@ -8095,7 +6044,7 @@
                                     </p:set>
                                     <p:anim calcmode="lin" valueType="num">
                                       <p:cBhvr additive="base">
-                                        <p:cTn id="38" dur="500" fill="hold"/>
+                                        <p:cTn id="31" dur="500" fill="hold"/>
                                         <p:tgtEl>
                                           <p:spTgt spid="205832"/>
                                         </p:tgtEl>
@@ -8118,7 +6067,7 @@
                                     </p:anim>
                                     <p:anim calcmode="lin" valueType="num">
                                       <p:cBhvr additive="base">
-                                        <p:cTn id="39" dur="500" fill="hold"/>
+                                        <p:cTn id="32" dur="500" fill="hold"/>
                                         <p:tgtEl>
                                           <p:spTgt spid="205832"/>
                                         </p:tgtEl>
@@ -8176,7 +6125,7 @@
 </p:sld>
 </file>
 
-<file path=ppt/slides/slide17.xml><?xml version="1.0" encoding="utf-8"?>
+<file path=ppt/slides/slide13.xml><?xml version="1.0" encoding="utf-8"?>
 <p:sld xmlns:a="http://schemas.openxmlformats.org/drawingml/2006/main" xmlns:r="http://schemas.openxmlformats.org/officeDocument/2006/relationships" xmlns:mc="http://schemas.openxmlformats.org/markup-compatibility/2006" xmlns:mv="urn:schemas-microsoft-com:mac:vml" xmlns:p="http://schemas.openxmlformats.org/presentationml/2006/main" mc:Ignorable="mv" mc:PreserveAttributes="mv:*">
   <p:cSld>
     <p:spTree>
@@ -8224,7 +6173,7 @@
               <a:pPr>
                 <a:defRPr/>
               </a:pPr>
-              <a:t>17</a:t>
+              <a:t>13</a:t>
             </a:fld>
             <a:endParaRPr lang="en-US" dirty="0"/>
           </a:p>
@@ -8256,12 +6205,20 @@
               </a:spcBef>
             </a:pPr>
             <a:r>
+              <a:rPr lang="en-US" sz="5400" dirty="0" err="1" smtClean="0">
+                <a:solidFill>
+                  <a:srgbClr val="006600"/>
+                </a:solidFill>
+              </a:rPr>
+              <a:t>c</a:t>
+            </a:r>
+            <a:r>
               <a:rPr lang="en-US" sz="5400" dirty="0" smtClean="0">
                 <a:solidFill>
                   <a:schemeClr val="accent2"/>
                 </a:solidFill>
               </a:rPr>
-              <a:t>p </a:t>
+              <a:t> </a:t>
             </a:r>
             <a:r>
               <a:rPr lang="en-US" sz="5400" dirty="0" smtClean="0"/>
@@ -8270,33 +6227,41 @@
             <a:r>
               <a:rPr lang="en-US" sz="5400" dirty="0" smtClean="0">
                 <a:solidFill>
+                  <a:srgbClr val="800F6F"/>
+                </a:solidFill>
+              </a:rPr>
+              <a:t>actual</a:t>
+            </a:r>
+            <a:r>
+              <a:rPr lang="en-US" sz="5400" dirty="0" smtClean="0">
+                <a:solidFill>
+                  <a:srgbClr val="7030A0"/>
+                </a:solidFill>
+              </a:rPr>
+              <a:t> </a:t>
+            </a:r>
+            <a:r>
+              <a:rPr lang="en-US" sz="5400" dirty="0" smtClean="0"/>
+              <a:t>average over all test stations.</a:t>
+            </a:r>
+          </a:p>
+          <a:p>
+            <a:pPr eaLnBrk="1" hangingPunct="1"/>
+            <a:r>
+              <a:rPr lang="en-US" sz="6000" dirty="0" err="1" smtClean="0">
+                <a:solidFill>
                   <a:srgbClr val="006600"/>
                 </a:solidFill>
               </a:rPr>
-              <a:t>actual</a:t>
-            </a:r>
-            <a:r>
-              <a:rPr lang="en-US" sz="5400" dirty="0" smtClean="0">
-                <a:solidFill>
-                  <a:srgbClr val="7030A0"/>
+              <a:t>c</a:t>
+            </a:r>
+            <a:r>
+              <a:rPr lang="en-US" sz="6000" dirty="0" smtClean="0">
+                <a:solidFill>
+                  <a:schemeClr val="accent2"/>
                 </a:solidFill>
               </a:rPr>
               <a:t> </a:t>
-            </a:r>
-            <a:r>
-              <a:rPr lang="en-US" sz="5400" dirty="0" smtClean="0"/>
-              <a:t>fraction of bad fish in the river.</a:t>
-            </a:r>
-          </a:p>
-          <a:p>
-            <a:pPr eaLnBrk="1" hangingPunct="1"/>
-            <a:r>
-              <a:rPr lang="en-US" sz="6000" dirty="0" smtClean="0">
-                <a:solidFill>
-                  <a:schemeClr val="accent2"/>
-                </a:solidFill>
-              </a:rPr>
-              <a:t>p </a:t>
             </a:r>
             <a:r>
               <a:rPr lang="en-US" sz="6000" dirty="0" smtClean="0"/>
@@ -8530,7 +6495,7 @@
 </p:sld>
 </file>
 
-<file path=ppt/slides/slide18.xml><?xml version="1.0" encoding="utf-8"?>
+<file path=ppt/slides/slide14.xml><?xml version="1.0" encoding="utf-8"?>
 <p:sld xmlns:a="http://schemas.openxmlformats.org/drawingml/2006/main" xmlns:r="http://schemas.openxmlformats.org/officeDocument/2006/relationships" xmlns:mc="http://schemas.openxmlformats.org/markup-compatibility/2006" xmlns:mv="urn:schemas-microsoft-com:mac:vml" xmlns:p="http://schemas.openxmlformats.org/presentationml/2006/main" mc:Ignorable="mv" mc:PreserveAttributes="mv:*">
   <p:cSld>
     <p:spTree>
@@ -8578,7 +6543,7 @@
               <a:pPr>
                 <a:defRPr/>
               </a:pPr>
-              <a:t>18</a:t>
+              <a:t>14</a:t>
             </a:fld>
             <a:endParaRPr lang="en-US" dirty="0"/>
           </a:p>
@@ -8694,30 +6659,15 @@
               <a:rPr lang="en-US" sz="4400" dirty="0" smtClean="0">
                 <a:latin typeface="Comic Sans MS" pitchFamily="66" charset="0"/>
               </a:rPr>
-              <a:t>will yield a fracti</a:t>
-            </a:r>
-            <a:r>
-              <a:rPr lang="en-US" sz="4400" dirty="0" smtClean="0">
-                <a:solidFill>
-                  <a:srgbClr val="000000"/>
-                </a:solidFill>
-                <a:latin typeface="Comic Sans MS" pitchFamily="66" charset="0"/>
-              </a:rPr>
-              <a:t>on</a:t>
-            </a:r>
+              <a:t>will yield an average  </a:t>
+            </a:r>
+          </a:p>
+          <a:p>
+            <a:pPr algn="l"/>
             <a:r>
               <a:rPr lang="en-US" sz="4400" dirty="0" smtClean="0">
                 <a:latin typeface="Comic Sans MS" pitchFamily="66" charset="0"/>
               </a:rPr>
-              <a:t>   </a:t>
-            </a:r>
-          </a:p>
-          <a:p>
-            <a:pPr algn="l"/>
-            <a:r>
-              <a:rPr lang="en-US" sz="4400" dirty="0" smtClean="0">
-                <a:latin typeface="Comic Sans MS" pitchFamily="66" charset="0"/>
-              </a:rPr>
               <a:t> that is </a:t>
             </a:r>
             <a:r>
@@ -8742,11 +6692,11 @@
             <a:r>
               <a:rPr lang="en-US" sz="4400" dirty="0" smtClean="0">
                 <a:solidFill>
-                  <a:srgbClr val="00B050"/>
+                  <a:srgbClr val="FF6600"/>
                 </a:solidFill>
                 <a:latin typeface="Comic Sans MS" pitchFamily="66" charset="0"/>
               </a:rPr>
-              <a:t>0.06</a:t>
+              <a:t>20</a:t>
             </a:r>
             <a:r>
               <a:rPr lang="en-US" sz="4400" dirty="0" smtClean="0">
@@ -8770,13 +6720,13 @@
               <a:rPr lang="en-US" sz="4400" dirty="0" smtClean="0">
                 <a:latin typeface="Comic Sans MS" pitchFamily="66" charset="0"/>
               </a:rPr>
-              <a:t> true </a:t>
+              <a:t> true average </a:t>
             </a:r>
             <a:r>
               <a:rPr lang="en-US" sz="4400" dirty="0">
                 <a:latin typeface="Comic Sans MS" pitchFamily="66" charset="0"/>
               </a:rPr>
-              <a:t>fraction at least </a:t>
+              <a:t>at least </a:t>
             </a:r>
             <a:r>
               <a:rPr lang="en-US" sz="4400" dirty="0" smtClean="0">
@@ -8785,7 +6735,7 @@
                 </a:solidFill>
                 <a:latin typeface="Comic Sans MS" pitchFamily="66" charset="0"/>
               </a:rPr>
-              <a:t>0.99</a:t>
+              <a:t>0.95</a:t>
             </a:r>
             <a:r>
               <a:rPr lang="en-US" sz="4400" dirty="0" smtClean="0">
@@ -9108,8 +7058,8 @@
 </p:sld>
 </file>
 
-<file path=ppt/slides/slide19.xml><?xml version="1.0" encoding="utf-8"?>
-<p:sld xmlns:a="http://schemas.openxmlformats.org/drawingml/2006/main" xmlns:r="http://schemas.openxmlformats.org/officeDocument/2006/relationships" xmlns:mc="http://schemas.openxmlformats.org/markup-compatibility/2006" xmlns:mv="urn:schemas-microsoft-com:mac:vml" xmlns:p="http://schemas.openxmlformats.org/presentationml/2006/main" mc:Ignorable="mv" mc:PreserveAttributes="mv:*" show="0">
+<file path=ppt/slides/slide15.xml><?xml version="1.0" encoding="utf-8"?>
+<p:sld xmlns:a="http://schemas.openxmlformats.org/drawingml/2006/main" xmlns:r="http://schemas.openxmlformats.org/officeDocument/2006/relationships" xmlns:mc="http://schemas.openxmlformats.org/markup-compatibility/2006" xmlns:mv="urn:schemas-microsoft-com:mac:vml" xmlns:p="http://schemas.openxmlformats.org/presentationml/2006/main" mc:Ignorable="mv" mc:PreserveAttributes="mv:*">
   <p:cSld>
     <p:spTree>
       <p:nvGrpSpPr>
@@ -9127,7 +7077,7 @@
       </p:grpSpPr>
       <p:sp>
         <p:nvSpPr>
-          <p:cNvPr id="32770" name="Slide Number Placeholder 3"/>
+          <p:cNvPr id="33794" name="Slide Number Placeholder 3"/>
           <p:cNvSpPr>
             <a:spLocks noGrp="1"/>
           </p:cNvSpPr>
@@ -9151,12 +7101,12 @@
               <a:rPr lang="en-US" dirty="0" smtClean="0"/>
               <a:t> 13W.</a:t>
             </a:r>
-            <a:fld id="{4A7F8015-3123-4EEE-BF99-E293B8DB1805}" type="slidenum">
+            <a:fld id="{FE75FCEF-2C00-453D-8F19-57E1BCE16A7F}" type="slidenum">
               <a:rPr lang="en-US" smtClean="0"/>
               <a:pPr>
                 <a:defRPr/>
               </a:pPr>
-              <a:t>19</a:t>
+              <a:t>15</a:t>
             </a:fld>
             <a:endParaRPr lang="en-US" dirty="0"/>
           </a:p>
@@ -9164,7 +7114,7 @@
       </p:sp>
       <p:sp>
         <p:nvSpPr>
-          <p:cNvPr id="36868" name="Text Box 3"/>
+          <p:cNvPr id="37891" name="Text Box 3"/>
           <p:cNvSpPr txBox="1">
             <a:spLocks noChangeArrowheads="1"/>
           </p:cNvSpPr>
@@ -9172,8 +7122,8 @@
         </p:nvSpPr>
         <p:spPr bwMode="auto">
           <a:xfrm>
-            <a:off x="228600" y="1371600"/>
-            <a:ext cx="8610600" cy="4154984"/>
+            <a:off x="304800" y="1371600"/>
+            <a:ext cx="8458200" cy="3154710"/>
           </a:xfrm>
           <a:prstGeom prst="rect">
             <a:avLst/>
@@ -9194,1141 +7144,6 @@
           <a:p>
             <a:pPr algn="l"/>
             <a:r>
-              <a:rPr lang="en-US" sz="4400" dirty="0">
-                <a:latin typeface="Comic Sans MS" pitchFamily="66" charset="0"/>
-              </a:rPr>
-              <a:t>The possible outcomes of our</a:t>
-            </a:r>
-            <a:r>
-              <a:rPr lang="en-US" sz="4400" i="1" dirty="0">
-                <a:latin typeface="Comic Sans MS" pitchFamily="66" charset="0"/>
-              </a:rPr>
-              <a:t> </a:t>
-            </a:r>
-            <a:r>
-              <a:rPr lang="en-US" sz="4400" dirty="0">
-                <a:solidFill>
-                  <a:srgbClr val="7030A0"/>
-                </a:solidFill>
-                <a:latin typeface="Comic Sans MS" pitchFamily="66" charset="0"/>
-              </a:rPr>
-              <a:t>sampling procedure</a:t>
-            </a:r>
-            <a:r>
-              <a:rPr lang="en-US" sz="4400" dirty="0">
-                <a:latin typeface="Comic Sans MS" pitchFamily="66" charset="0"/>
-              </a:rPr>
-              <a:t> is a random variable.  We can say that the </a:t>
-            </a:r>
-            <a:r>
-              <a:rPr lang="en-US" sz="4400" dirty="0" smtClean="0">
-                <a:latin typeface="Comic Sans MS" pitchFamily="66" charset="0"/>
-              </a:rPr>
-              <a:t>  </a:t>
-            </a:r>
-          </a:p>
-          <a:p>
-            <a:pPr algn="l"/>
-            <a:r>
-              <a:rPr lang="en-US" sz="4400" dirty="0" smtClean="0">
-                <a:latin typeface="Comic Sans MS" pitchFamily="66" charset="0"/>
-              </a:rPr>
-              <a:t> “</a:t>
-            </a:r>
-            <a:r>
-              <a:rPr lang="en-US" sz="4400" dirty="0">
-                <a:solidFill>
-                  <a:srgbClr val="7030A0"/>
-                </a:solidFill>
-                <a:latin typeface="Comic Sans MS" pitchFamily="66" charset="0"/>
-              </a:rPr>
-              <a:t>probability</a:t>
-            </a:r>
-            <a:r>
-              <a:rPr lang="en-US" sz="4400" i="1" dirty="0">
-                <a:latin typeface="Comic Sans MS" pitchFamily="66" charset="0"/>
-              </a:rPr>
-              <a:t> </a:t>
-            </a:r>
-            <a:r>
-              <a:rPr lang="en-US" sz="4400" dirty="0" smtClean="0">
-                <a:latin typeface="Comic Sans MS" pitchFamily="66" charset="0"/>
-              </a:rPr>
-              <a:t>that </a:t>
-            </a:r>
-            <a:r>
-              <a:rPr lang="en-US" sz="4400" dirty="0">
-                <a:latin typeface="Comic Sans MS" pitchFamily="66" charset="0"/>
-              </a:rPr>
-              <a:t>our</a:t>
-            </a:r>
-            <a:r>
-              <a:rPr lang="en-US" sz="4400" dirty="0">
-                <a:solidFill>
-                  <a:srgbClr val="7030A0"/>
-                </a:solidFill>
-                <a:latin typeface="Comic Sans MS" pitchFamily="66" charset="0"/>
-              </a:rPr>
-              <a:t> </a:t>
-            </a:r>
-            <a:r>
-              <a:rPr lang="en-US" sz="4400" dirty="0">
-                <a:solidFill>
-                  <a:srgbClr val="FF33CC"/>
-                </a:solidFill>
-                <a:latin typeface="Comic Sans MS" pitchFamily="66" charset="0"/>
-              </a:rPr>
-              <a:t>sample </a:t>
-            </a:r>
-            <a:r>
-              <a:rPr lang="en-US" sz="4400" dirty="0" smtClean="0">
-                <a:solidFill>
-                  <a:srgbClr val="FF33CC"/>
-                </a:solidFill>
-                <a:latin typeface="Comic Sans MS" pitchFamily="66" charset="0"/>
-              </a:rPr>
-              <a:t>  </a:t>
-            </a:r>
-          </a:p>
-          <a:p>
-            <a:pPr algn="l"/>
-            <a:r>
-              <a:rPr lang="en-US" sz="4400" dirty="0" smtClean="0">
-                <a:solidFill>
-                  <a:srgbClr val="FF33CC"/>
-                </a:solidFill>
-                <a:latin typeface="Comic Sans MS" pitchFamily="66" charset="0"/>
-              </a:rPr>
-              <a:t>  fraction</a:t>
-            </a:r>
-            <a:r>
-              <a:rPr lang="en-US" sz="4400" dirty="0" smtClean="0">
-                <a:latin typeface="Comic Sans MS" pitchFamily="66" charset="0"/>
-              </a:rPr>
-              <a:t> </a:t>
-            </a:r>
-            <a:r>
-              <a:rPr lang="en-US" sz="4400" dirty="0">
-                <a:latin typeface="Comic Sans MS" pitchFamily="66" charset="0"/>
-              </a:rPr>
-              <a:t>will be</a:t>
-            </a:r>
-            <a:r>
-              <a:rPr lang="en-US" sz="4400" dirty="0" smtClean="0">
-                <a:latin typeface="Comic Sans MS" pitchFamily="66" charset="0"/>
-              </a:rPr>
-              <a:t> </a:t>
-            </a:r>
-            <a:r>
-              <a:rPr lang="en-US" sz="4400" dirty="0" smtClean="0">
-                <a:solidFill>
-                  <a:srgbClr val="006600"/>
-                </a:solidFill>
-                <a:latin typeface="Euclid Symbol" charset="2"/>
-                <a:cs typeface="Euclid Symbol" charset="2"/>
-              </a:rPr>
-              <a:t>±</a:t>
-            </a:r>
-            <a:r>
-              <a:rPr lang="en-US" sz="4400" dirty="0" smtClean="0">
-                <a:solidFill>
-                  <a:srgbClr val="006600"/>
-                </a:solidFill>
-                <a:latin typeface="Comic Sans MS" pitchFamily="66" charset="0"/>
-              </a:rPr>
-              <a:t> 0.06 </a:t>
-            </a:r>
-            <a:r>
-              <a:rPr lang="en-US" sz="4400" dirty="0">
-                <a:latin typeface="Comic Sans MS" pitchFamily="66" charset="0"/>
-              </a:rPr>
-              <a:t>of the </a:t>
-            </a:r>
-            <a:endParaRPr lang="en-US" sz="4400" dirty="0" smtClean="0">
-              <a:latin typeface="Comic Sans MS" pitchFamily="66" charset="0"/>
-            </a:endParaRPr>
-          </a:p>
-          <a:p>
-            <a:pPr algn="l"/>
-            <a:r>
-              <a:rPr lang="en-US" sz="4400" dirty="0" smtClean="0">
-                <a:latin typeface="Comic Sans MS" pitchFamily="66" charset="0"/>
-              </a:rPr>
-              <a:t>  true </a:t>
-            </a:r>
-            <a:r>
-              <a:rPr lang="en-US" sz="4400" dirty="0">
-                <a:latin typeface="Comic Sans MS" pitchFamily="66" charset="0"/>
-              </a:rPr>
-              <a:t>fraction at least </a:t>
-            </a:r>
-            <a:r>
-              <a:rPr lang="en-US" sz="4400" dirty="0" smtClean="0">
-                <a:solidFill>
-                  <a:srgbClr val="FF33CC"/>
-                </a:solidFill>
-                <a:latin typeface="Comic Sans MS" pitchFamily="66" charset="0"/>
-              </a:rPr>
-              <a:t>0.99</a:t>
-            </a:r>
-            <a:r>
-              <a:rPr lang="en-US" sz="4400" dirty="0" smtClean="0">
-                <a:latin typeface="Comic Sans MS" pitchFamily="66" charset="0"/>
-              </a:rPr>
-              <a:t>”</a:t>
-            </a:r>
-            <a:endParaRPr lang="en-US" sz="4400" dirty="0">
-              <a:latin typeface="Comic Sans MS" pitchFamily="66" charset="0"/>
-            </a:endParaRPr>
-          </a:p>
-        </p:txBody>
-      </p:sp>
-      <p:pic>
-        <p:nvPicPr>
-          <p:cNvPr id="36869" name="Picture 7" descr="texpointerror"/>
-          <p:cNvPicPr>
-            <a:picLocks noChangeAspect="1" noChangeArrowheads="1"/>
-          </p:cNvPicPr>
-          <p:nvPr>
-            <p:custDataLst>
-              <p:tags r:id="rId1"/>
-            </p:custDataLst>
-          </p:nvPr>
-        </p:nvPicPr>
-        <p:blipFill>
-          <a:blip r:embed="rId4">
-            <a:clrChange>
-              <a:clrFrom>
-                <a:srgbClr val="FFFFFF"/>
-              </a:clrFrom>
-              <a:clrTo>
-                <a:srgbClr val="FFFFFF">
-                  <a:alpha val="0"/>
-                </a:srgbClr>
-              </a:clrTo>
-            </a:clrChange>
-          </a:blip>
-          <a:srcRect/>
-          <a:stretch>
-            <a:fillRect/>
-          </a:stretch>
-        </p:blipFill>
-        <p:spPr bwMode="auto">
-          <a:xfrm>
-            <a:off x="5080000" y="3810000"/>
-            <a:ext cx="1588" cy="1588"/>
-          </a:xfrm>
-          <a:prstGeom prst="rect">
-            <a:avLst/>
-          </a:prstGeom>
-          <a:noFill/>
-          <a:ln w="9525" algn="ctr">
-            <a:noFill/>
-            <a:miter lim="800000"/>
-            <a:headEnd/>
-            <a:tailEnd/>
-          </a:ln>
-        </p:spPr>
-      </p:pic>
-      <p:sp>
-        <p:nvSpPr>
-          <p:cNvPr id="7" name="Rectangle 3"/>
-          <p:cNvSpPr>
-            <a:spLocks noGrp="1" noChangeArrowheads="1"/>
-          </p:cNvSpPr>
-          <p:nvPr>
-            <p:ph type="title"/>
-          </p:nvPr>
-        </p:nvSpPr>
-        <p:spPr>
-          <a:xfrm>
-            <a:off x="1143000" y="381000"/>
-            <a:ext cx="7848600" cy="914400"/>
-          </a:xfrm>
-          <a:noFill/>
-        </p:spPr>
-        <p:txBody>
-          <a:bodyPr/>
-          <a:lstStyle/>
-          <a:p>
-            <a:pPr eaLnBrk="1" hangingPunct="1"/>
-            <a:r>
-              <a:rPr lang="en-US" sz="4800" dirty="0" smtClean="0">
-                <a:solidFill>
-                  <a:srgbClr val="0006FE"/>
-                </a:solidFill>
-              </a:rPr>
-              <a:t>Confidence</a:t>
-            </a:r>
-          </a:p>
-        </p:txBody>
-      </p:sp>
-    </p:spTree>
-  </p:cSld>
-  <p:clrMapOvr>
-    <a:masterClrMapping/>
-  </p:clrMapOvr>
-  <p:transition>
-    <p:fade/>
-  </p:transition>
-  <p:timing>
-    <p:tnLst>
-      <p:par>
-        <p:cTn id="1" dur="indefinite" restart="never" nodeType="tmRoot">
-          <p:childTnLst>
-            <p:seq concurrent="1" nextAc="seek">
-              <p:cTn id="2" dur="indefinite" nodeType="mainSeq">
-                <p:childTnLst>
-                  <p:par>
-                    <p:cTn id="3" fill="hold">
-                      <p:stCondLst>
-                        <p:cond delay="indefinite"/>
-                      </p:stCondLst>
-                      <p:childTnLst>
-                        <p:par>
-                          <p:cTn id="4" fill="hold">
-                            <p:stCondLst>
-                              <p:cond delay="0"/>
-                            </p:stCondLst>
-                            <p:childTnLst>
-                              <p:par>
-                                <p:cTn id="5" presetID="9" presetClass="entr" presetSubtype="0" fill="hold" nodeType="clickEffect">
-                                  <p:stCondLst>
-                                    <p:cond delay="0"/>
-                                  </p:stCondLst>
-                                  <p:childTnLst>
-                                    <p:set>
-                                      <p:cBhvr>
-                                        <p:cTn id="6" dur="1" fill="hold">
-                                          <p:stCondLst>
-                                            <p:cond delay="0"/>
-                                          </p:stCondLst>
-                                        </p:cTn>
-                                        <p:tgtEl>
-                                          <p:spTgt spid="36868">
-                                            <p:txEl>
-                                              <p:pRg st="1" end="1"/>
-                                            </p:txEl>
-                                          </p:spTgt>
-                                        </p:tgtEl>
-                                        <p:attrNameLst>
-                                          <p:attrName>style.visibility</p:attrName>
-                                        </p:attrNameLst>
-                                      </p:cBhvr>
-                                      <p:to>
-                                        <p:strVal val="visible"/>
-                                      </p:to>
-                                    </p:set>
-                                    <p:animEffect transition="in" filter="dissolve">
-                                      <p:cBhvr>
-                                        <p:cTn id="7" dur="500"/>
-                                        <p:tgtEl>
-                                          <p:spTgt spid="36868">
-                                            <p:txEl>
-                                              <p:pRg st="1" end="1"/>
-                                            </p:txEl>
-                                          </p:spTgt>
-                                        </p:tgtEl>
-                                      </p:cBhvr>
-                                    </p:animEffect>
-                                  </p:childTnLst>
-                                </p:cTn>
-                              </p:par>
-                              <p:par>
-                                <p:cTn id="8" presetID="9" presetClass="entr" presetSubtype="0" fill="hold" nodeType="withEffect">
-                                  <p:stCondLst>
-                                    <p:cond delay="0"/>
-                                  </p:stCondLst>
-                                  <p:childTnLst>
-                                    <p:set>
-                                      <p:cBhvr>
-                                        <p:cTn id="9" dur="1" fill="hold">
-                                          <p:stCondLst>
-                                            <p:cond delay="0"/>
-                                          </p:stCondLst>
-                                        </p:cTn>
-                                        <p:tgtEl>
-                                          <p:spTgt spid="36868">
-                                            <p:txEl>
-                                              <p:pRg st="2" end="2"/>
-                                            </p:txEl>
-                                          </p:spTgt>
-                                        </p:tgtEl>
-                                        <p:attrNameLst>
-                                          <p:attrName>style.visibility</p:attrName>
-                                        </p:attrNameLst>
-                                      </p:cBhvr>
-                                      <p:to>
-                                        <p:strVal val="visible"/>
-                                      </p:to>
-                                    </p:set>
-                                    <p:animEffect transition="in" filter="dissolve">
-                                      <p:cBhvr>
-                                        <p:cTn id="10" dur="500"/>
-                                        <p:tgtEl>
-                                          <p:spTgt spid="36868">
-                                            <p:txEl>
-                                              <p:pRg st="2" end="2"/>
-                                            </p:txEl>
-                                          </p:spTgt>
-                                        </p:tgtEl>
-                                      </p:cBhvr>
-                                    </p:animEffect>
-                                  </p:childTnLst>
-                                </p:cTn>
-                              </p:par>
-                              <p:par>
-                                <p:cTn id="11" presetID="9" presetClass="entr" presetSubtype="0" fill="hold" nodeType="withEffect">
-                                  <p:stCondLst>
-                                    <p:cond delay="0"/>
-                                  </p:stCondLst>
-                                  <p:childTnLst>
-                                    <p:set>
-                                      <p:cBhvr>
-                                        <p:cTn id="12" dur="1" fill="hold">
-                                          <p:stCondLst>
-                                            <p:cond delay="0"/>
-                                          </p:stCondLst>
-                                        </p:cTn>
-                                        <p:tgtEl>
-                                          <p:spTgt spid="36868">
-                                            <p:txEl>
-                                              <p:pRg st="3" end="3"/>
-                                            </p:txEl>
-                                          </p:spTgt>
-                                        </p:tgtEl>
-                                        <p:attrNameLst>
-                                          <p:attrName>style.visibility</p:attrName>
-                                        </p:attrNameLst>
-                                      </p:cBhvr>
-                                      <p:to>
-                                        <p:strVal val="visible"/>
-                                      </p:to>
-                                    </p:set>
-                                    <p:animEffect transition="in" filter="dissolve">
-                                      <p:cBhvr>
-                                        <p:cTn id="13" dur="500"/>
-                                        <p:tgtEl>
-                                          <p:spTgt spid="36868">
-                                            <p:txEl>
-                                              <p:pRg st="3" end="3"/>
-                                            </p:txEl>
-                                          </p:spTgt>
-                                        </p:tgtEl>
-                                      </p:cBhvr>
-                                    </p:animEffect>
-                                  </p:childTnLst>
-                                </p:cTn>
-                              </p:par>
-                            </p:childTnLst>
-                          </p:cTn>
-                        </p:par>
-                      </p:childTnLst>
-                    </p:cTn>
-                  </p:par>
-                </p:childTnLst>
-              </p:cTn>
-              <p:prevCondLst>
-                <p:cond evt="onPrev" delay="0">
-                  <p:tgtEl>
-                    <p:sldTgt/>
-                  </p:tgtEl>
-                </p:cond>
-              </p:prevCondLst>
-              <p:nextCondLst>
-                <p:cond evt="onNext" delay="0">
-                  <p:tgtEl>
-                    <p:sldTgt/>
-                  </p:tgtEl>
-                </p:cond>
-              </p:nextCondLst>
-            </p:seq>
-          </p:childTnLst>
-        </p:cTn>
-      </p:par>
-    </p:tnLst>
-  </p:timing>
-</p:sld>
-</file>
-
-<file path=ppt/slides/slide2.xml><?xml version="1.0" encoding="utf-8"?>
-<p:sld xmlns:a="http://schemas.openxmlformats.org/drawingml/2006/main" xmlns:r="http://schemas.openxmlformats.org/officeDocument/2006/relationships" xmlns:mc="http://schemas.openxmlformats.org/markup-compatibility/2006" xmlns:mv="urn:schemas-microsoft-com:mac:vml" xmlns:p="http://schemas.openxmlformats.org/presentationml/2006/main" mc:Ignorable="mv" mc:PreserveAttributes="mv:*">
-  <p:cSld>
-    <p:spTree>
-      <p:nvGrpSpPr>
-        <p:cNvPr id="1" name=""/>
-        <p:cNvGrpSpPr/>
-        <p:nvPr/>
-      </p:nvGrpSpPr>
-      <p:grpSpPr>
-        <a:xfrm>
-          <a:off x="0" y="0"/>
-          <a:ext cx="0" cy="0"/>
-          <a:chOff x="0" y="0"/>
-          <a:chExt cx="0" cy="0"/>
-        </a:xfrm>
-      </p:grpSpPr>
-      <p:sp>
-        <p:nvSpPr>
-          <p:cNvPr id="23554" name="Slide Number Placeholder 3"/>
-          <p:cNvSpPr>
-            <a:spLocks noGrp="1"/>
-          </p:cNvSpPr>
-          <p:nvPr>
-            <p:ph type="sldNum" sz="quarter" idx="10"/>
-          </p:nvPr>
-        </p:nvSpPr>
-        <p:spPr/>
-        <p:txBody>
-          <a:bodyPr/>
-          <a:lstStyle/>
-          <a:p>
-            <a:pPr>
-              <a:defRPr/>
-            </a:pPr>
-            <a:r>
-              <a:rPr lang="en-US" dirty="0" err="1"/>
-              <a:t>lec</a:t>
-            </a:r>
-            <a:r>
-              <a:rPr lang="en-US" dirty="0" smtClean="0"/>
-              <a:t> 13W.</a:t>
-            </a:r>
-            <a:fld id="{C54485E2-983F-4808-AAAD-1595DDE4A774}" type="slidenum">
-              <a:rPr lang="en-US" smtClean="0"/>
-              <a:pPr>
-                <a:defRPr/>
-              </a:pPr>
-              <a:t>2</a:t>
-            </a:fld>
-            <a:endParaRPr lang="en-US" dirty="0"/>
-          </a:p>
-        </p:txBody>
-      </p:sp>
-      <p:sp>
-        <p:nvSpPr>
-          <p:cNvPr id="177154" name="Rectangle 2"/>
-          <p:cNvSpPr>
-            <a:spLocks noGrp="1" noChangeArrowheads="1"/>
-          </p:cNvSpPr>
-          <p:nvPr>
-            <p:ph type="body" idx="1"/>
-          </p:nvPr>
-        </p:nvSpPr>
-        <p:spPr>
-          <a:xfrm>
-            <a:off x="152400" y="1219200"/>
-            <a:ext cx="8839200" cy="4876800"/>
-          </a:xfrm>
-        </p:spPr>
-        <p:txBody>
-          <a:bodyPr/>
-          <a:lstStyle/>
-          <a:p>
-            <a:pPr eaLnBrk="1" hangingPunct="1"/>
-            <a:r>
-              <a:rPr lang="en-US" sz="4000" dirty="0" smtClean="0"/>
-              <a:t>Estimate </a:t>
-            </a:r>
-            <a:r>
-              <a:rPr lang="en-US" sz="4000" dirty="0" err="1" smtClean="0">
-                <a:solidFill>
-                  <a:srgbClr val="DA0000"/>
-                </a:solidFill>
-              </a:rPr>
-              <a:t>coliform</a:t>
-            </a:r>
-            <a:r>
-              <a:rPr lang="en-US" sz="4000" dirty="0" smtClean="0">
-                <a:solidFill>
-                  <a:srgbClr val="DA0000"/>
-                </a:solidFill>
-              </a:rPr>
-              <a:t> </a:t>
-            </a:r>
-            <a:r>
-              <a:rPr lang="en-US" sz="4000" dirty="0" smtClean="0">
-                <a:solidFill>
-                  <a:srgbClr val="DA0000"/>
-                </a:solidFill>
-              </a:rPr>
-              <a:t>count</a:t>
-            </a:r>
-          </a:p>
-          <a:p>
-            <a:pPr eaLnBrk="1" hangingPunct="1"/>
-            <a:r>
-              <a:rPr lang="en-US" sz="4000" dirty="0" smtClean="0"/>
-              <a:t>in Charles </a:t>
-            </a:r>
-            <a:r>
-              <a:rPr lang="en-US" sz="4000" dirty="0" smtClean="0"/>
-              <a:t>River?  </a:t>
-            </a:r>
-          </a:p>
-          <a:p>
-            <a:pPr eaLnBrk="1" hangingPunct="1">
-              <a:buFont typeface="Euclid Symbol" charset="2"/>
-              <a:buChar char=" "/>
-            </a:pPr>
-            <a:r>
-              <a:rPr lang="en-US" sz="4800" b="1" dirty="0" smtClean="0">
-                <a:solidFill>
-                  <a:srgbClr val="006600"/>
-                </a:solidFill>
-                <a:latin typeface="Euclid Symbol" charset="2"/>
-                <a:cs typeface="Euclid Symbol" charset="2"/>
-              </a:rPr>
-              <a:t>&lt;</a:t>
-            </a:r>
-            <a:r>
-              <a:rPr lang="en-US" sz="4800" dirty="0" smtClean="0">
-                <a:solidFill>
-                  <a:srgbClr val="006600"/>
-                </a:solidFill>
-              </a:rPr>
-              <a:t> 200 </a:t>
-            </a:r>
-            <a:r>
-              <a:rPr lang="en-US" sz="4800" dirty="0" smtClean="0"/>
-              <a:t>CMD:</a:t>
-            </a:r>
-            <a:endParaRPr lang="en-US" sz="4000" dirty="0" smtClean="0"/>
-          </a:p>
-          <a:p>
-            <a:pPr eaLnBrk="1" hangingPunct="1">
-              <a:buFont typeface="Euclid Symbol" charset="2"/>
-              <a:buChar char=" "/>
-            </a:pPr>
-            <a:r>
-              <a:rPr lang="en-US" sz="4000" dirty="0" smtClean="0">
-                <a:solidFill>
-                  <a:srgbClr val="7030A0"/>
-                </a:solidFill>
-              </a:rPr>
-              <a:t>Procedure: </a:t>
-            </a:r>
-            <a:r>
-              <a:rPr lang="en-US" sz="4000" dirty="0" smtClean="0"/>
-              <a:t>take</a:t>
-            </a:r>
-            <a:r>
-              <a:rPr lang="en-US" sz="4000" i="1" dirty="0" smtClean="0"/>
-              <a:t> </a:t>
-            </a:r>
-            <a:r>
-              <a:rPr lang="en-US" sz="4000" dirty="0" err="1" smtClean="0">
-                <a:solidFill>
-                  <a:schemeClr val="accent2"/>
-                </a:solidFill>
-              </a:rPr>
-              <a:t>n</a:t>
-            </a:r>
-            <a:r>
-              <a:rPr lang="en-US" sz="4000" dirty="0" smtClean="0"/>
-              <a:t> water </a:t>
-            </a:r>
-            <a:r>
-              <a:rPr lang="en-US" sz="4000" dirty="0" smtClean="0">
-                <a:cs typeface="Times New Roman" pitchFamily="18" charset="0"/>
-              </a:rPr>
-              <a:t>samples</a:t>
-            </a:r>
-            <a:r>
-              <a:rPr lang="en-US" sz="4000" dirty="0" smtClean="0"/>
-              <a:t>, measure CMD in each, use </a:t>
-            </a:r>
-          </a:p>
-          <a:p>
-            <a:pPr eaLnBrk="1" hangingPunct="1">
-              <a:spcBef>
-                <a:spcPct val="0"/>
-              </a:spcBef>
-            </a:pPr>
-            <a:r>
-              <a:rPr lang="en-US" sz="4000" dirty="0" smtClean="0"/>
-              <a:t>  </a:t>
-            </a:r>
-            <a:r>
-              <a:rPr lang="en-US" sz="4000" dirty="0" smtClean="0">
-                <a:solidFill>
-                  <a:schemeClr val="accent2"/>
-                </a:solidFill>
-              </a:rPr>
-              <a:t>average CMD </a:t>
-            </a:r>
-            <a:r>
-              <a:rPr lang="en-US" dirty="0" smtClean="0">
-                <a:solidFill>
-                  <a:schemeClr val="accent2"/>
-                </a:solidFill>
-              </a:rPr>
-              <a:t>in samples </a:t>
-            </a:r>
-            <a:r>
-              <a:rPr lang="en-US" sz="4000" dirty="0" smtClean="0"/>
-              <a:t>as </a:t>
-            </a:r>
-            <a:r>
-              <a:rPr lang="en-US" sz="4000" dirty="0" smtClean="0">
-                <a:solidFill>
-                  <a:srgbClr val="7030A0"/>
-                </a:solidFill>
-              </a:rPr>
-              <a:t>estimate</a:t>
-            </a:r>
-            <a:r>
-              <a:rPr lang="en-US" sz="4000" dirty="0" smtClean="0">
-                <a:solidFill>
-                  <a:srgbClr val="FF00FF"/>
-                </a:solidFill>
-              </a:rPr>
-              <a:t> </a:t>
-            </a:r>
-            <a:r>
-              <a:rPr lang="en-US" sz="4000" dirty="0" smtClean="0"/>
-              <a:t>of </a:t>
-            </a:r>
-            <a:r>
-              <a:rPr lang="en-US" sz="4000" dirty="0" smtClean="0">
-                <a:solidFill>
-                  <a:srgbClr val="006600"/>
-                </a:solidFill>
-              </a:rPr>
-              <a:t>actual CMD average</a:t>
-            </a:r>
-            <a:endParaRPr lang="en-US" sz="4000" dirty="0" smtClean="0">
-              <a:solidFill>
-                <a:srgbClr val="006600"/>
-              </a:solidFill>
-            </a:endParaRPr>
-          </a:p>
-        </p:txBody>
-      </p:sp>
-      <p:sp>
-        <p:nvSpPr>
-          <p:cNvPr id="27652" name="Rectangle 3"/>
-          <p:cNvSpPr>
-            <a:spLocks noGrp="1" noChangeArrowheads="1"/>
-          </p:cNvSpPr>
-          <p:nvPr>
-            <p:ph type="title"/>
-          </p:nvPr>
-        </p:nvSpPr>
-        <p:spPr>
-          <a:xfrm>
-            <a:off x="2286000" y="152400"/>
-            <a:ext cx="4648200" cy="1219200"/>
-          </a:xfrm>
-        </p:spPr>
-        <p:txBody>
-          <a:bodyPr/>
-          <a:lstStyle/>
-          <a:p>
-            <a:pPr eaLnBrk="1" hangingPunct="1"/>
-            <a:r>
-              <a:rPr lang="en-US" sz="4000" dirty="0" smtClean="0"/>
-              <a:t>Sampling</a:t>
-            </a:r>
-          </a:p>
-        </p:txBody>
-      </p:sp>
-      <p:pic>
-        <p:nvPicPr>
-          <p:cNvPr id="11" name="Picture 10"/>
-          <p:cNvPicPr>
-            <a:picLocks noChangeAspect="1"/>
-          </p:cNvPicPr>
-          <p:nvPr/>
-        </p:nvPicPr>
-        <p:blipFill>
-          <a:blip r:embed="rId3"/>
-          <a:stretch>
-            <a:fillRect/>
-          </a:stretch>
-        </p:blipFill>
-        <p:spPr>
-          <a:xfrm>
-            <a:off x="5257800" y="2514600"/>
-            <a:ext cx="1193800" cy="1193800"/>
-          </a:xfrm>
-          <a:prstGeom prst="rect">
-            <a:avLst/>
-          </a:prstGeom>
-        </p:spPr>
-      </p:pic>
-      <p:pic>
-        <p:nvPicPr>
-          <p:cNvPr id="6" name="Picture 5"/>
-          <p:cNvPicPr>
-            <a:picLocks noChangeAspect="1"/>
-          </p:cNvPicPr>
-          <p:nvPr/>
-        </p:nvPicPr>
-        <p:blipFill>
-          <a:blip r:embed="rId4"/>
-          <a:stretch>
-            <a:fillRect/>
-          </a:stretch>
-        </p:blipFill>
-        <p:spPr>
-          <a:xfrm>
-            <a:off x="7086600" y="1066800"/>
-            <a:ext cx="1587500" cy="1193800"/>
-          </a:xfrm>
-          <a:prstGeom prst="rect">
-            <a:avLst/>
-          </a:prstGeom>
-        </p:spPr>
-      </p:pic>
-    </p:spTree>
-  </p:cSld>
-  <p:clrMapOvr>
-    <a:masterClrMapping/>
-  </p:clrMapOvr>
-  <p:transition>
-    <p:fade thruBlk="1"/>
-  </p:transition>
-  <p:timing>
-    <p:tnLst>
-      <p:par>
-        <p:cTn id="1" dur="indefinite" restart="never" nodeType="tmRoot">
-          <p:childTnLst>
-            <p:seq concurrent="1" nextAc="seek">
-              <p:cTn id="2" dur="indefinite" nodeType="mainSeq">
-                <p:childTnLst>
-                  <p:par>
-                    <p:cTn id="3" fill="hold">
-                      <p:stCondLst>
-                        <p:cond delay="indefinite"/>
-                        <p:cond evt="onBegin" delay="0">
-                          <p:tn val="2"/>
-                        </p:cond>
-                      </p:stCondLst>
-                      <p:childTnLst>
-                        <p:par>
-                          <p:cTn id="4" fill="hold">
-                            <p:stCondLst>
-                              <p:cond delay="0"/>
-                            </p:stCondLst>
-                            <p:childTnLst>
-                              <p:par>
-                                <p:cTn id="5" presetID="1" presetClass="entr" presetSubtype="0" fill="hold" nodeType="afterEffect">
-                                  <p:stCondLst>
-                                    <p:cond delay="0"/>
-                                  </p:stCondLst>
-                                  <p:childTnLst>
-                                    <p:set>
-                                      <p:cBhvr>
-                                        <p:cTn id="6" dur="1" fill="hold">
-                                          <p:stCondLst>
-                                            <p:cond delay="0"/>
-                                          </p:stCondLst>
-                                        </p:cTn>
-                                        <p:tgtEl>
-                                          <p:spTgt spid="177154">
-                                            <p:txEl>
-                                              <p:pRg st="0" end="0"/>
-                                            </p:txEl>
-                                          </p:spTgt>
-                                        </p:tgtEl>
-                                        <p:attrNameLst>
-                                          <p:attrName>style.visibility</p:attrName>
-                                        </p:attrNameLst>
-                                      </p:cBhvr>
-                                      <p:to>
-                                        <p:strVal val="visible"/>
-                                      </p:to>
-                                    </p:set>
-                                  </p:childTnLst>
-                                </p:cTn>
-                              </p:par>
-                            </p:childTnLst>
-                          </p:cTn>
-                        </p:par>
-                        <p:par>
-                          <p:cTn id="7" fill="hold">
-                            <p:stCondLst>
-                              <p:cond delay="0"/>
-                            </p:stCondLst>
-                            <p:childTnLst>
-                              <p:par>
-                                <p:cTn id="8" presetID="1" presetClass="entr" presetSubtype="0" fill="hold" nodeType="afterEffect">
-                                  <p:stCondLst>
-                                    <p:cond delay="0"/>
-                                  </p:stCondLst>
-                                  <p:childTnLst>
-                                    <p:set>
-                                      <p:cBhvr>
-                                        <p:cTn id="9" dur="1" fill="hold">
-                                          <p:stCondLst>
-                                            <p:cond delay="0"/>
-                                          </p:stCondLst>
-                                        </p:cTn>
-                                        <p:tgtEl>
-                                          <p:spTgt spid="177154">
-                                            <p:txEl>
-                                              <p:pRg st="1" end="1"/>
-                                            </p:txEl>
-                                          </p:spTgt>
-                                        </p:tgtEl>
-                                        <p:attrNameLst>
-                                          <p:attrName>style.visibility</p:attrName>
-                                        </p:attrNameLst>
-                                      </p:cBhvr>
-                                      <p:to>
-                                        <p:strVal val="visible"/>
-                                      </p:to>
-                                    </p:set>
-                                  </p:childTnLst>
-                                </p:cTn>
-                              </p:par>
-                              <p:par>
-                                <p:cTn id="10" presetID="1" presetClass="entr" presetSubtype="0" fill="hold" nodeType="withEffect">
-                                  <p:stCondLst>
-                                    <p:cond delay="0"/>
-                                  </p:stCondLst>
-                                  <p:childTnLst>
-                                    <p:set>
-                                      <p:cBhvr>
-                                        <p:cTn id="11" dur="1" fill="hold">
-                                          <p:stCondLst>
-                                            <p:cond delay="0"/>
-                                          </p:stCondLst>
-                                        </p:cTn>
-                                        <p:tgtEl>
-                                          <p:spTgt spid="177154">
-                                            <p:txEl>
-                                              <p:pRg st="2" end="2"/>
-                                            </p:txEl>
-                                          </p:spTgt>
-                                        </p:tgtEl>
-                                        <p:attrNameLst>
-                                          <p:attrName>style.visibility</p:attrName>
-                                        </p:attrNameLst>
-                                      </p:cBhvr>
-                                      <p:to>
-                                        <p:strVal val="visible"/>
-                                      </p:to>
-                                    </p:set>
-                                  </p:childTnLst>
-                                </p:cTn>
-                              </p:par>
-                            </p:childTnLst>
-                          </p:cTn>
-                        </p:par>
-                      </p:childTnLst>
-                    </p:cTn>
-                  </p:par>
-                  <p:par>
-                    <p:cTn id="12" fill="hold">
-                      <p:stCondLst>
-                        <p:cond delay="indefinite"/>
-                      </p:stCondLst>
-                      <p:childTnLst>
-                        <p:par>
-                          <p:cTn id="13" fill="hold">
-                            <p:stCondLst>
-                              <p:cond delay="0"/>
-                            </p:stCondLst>
-                            <p:childTnLst>
-                              <p:par>
-                                <p:cTn id="14" presetID="1" presetClass="entr" presetSubtype="0" fill="hold" nodeType="clickEffect">
-                                  <p:stCondLst>
-                                    <p:cond delay="0"/>
-                                  </p:stCondLst>
-                                  <p:childTnLst>
-                                    <p:set>
-                                      <p:cBhvr>
-                                        <p:cTn id="15" dur="1" fill="hold">
-                                          <p:stCondLst>
-                                            <p:cond delay="0"/>
-                                          </p:stCondLst>
-                                        </p:cTn>
-                                        <p:tgtEl>
-                                          <p:spTgt spid="177154">
-                                            <p:txEl>
-                                              <p:pRg st="3" end="3"/>
-                                            </p:txEl>
-                                          </p:spTgt>
-                                        </p:tgtEl>
-                                        <p:attrNameLst>
-                                          <p:attrName>style.visibility</p:attrName>
-                                        </p:attrNameLst>
-                                      </p:cBhvr>
-                                      <p:to>
-                                        <p:strVal val="visible"/>
-                                      </p:to>
-                                    </p:set>
-                                  </p:childTnLst>
-                                </p:cTn>
-                              </p:par>
-                            </p:childTnLst>
-                          </p:cTn>
-                        </p:par>
-                      </p:childTnLst>
-                    </p:cTn>
-                  </p:par>
-                  <p:par>
-                    <p:cTn id="16" fill="hold">
-                      <p:stCondLst>
-                        <p:cond delay="indefinite"/>
-                      </p:stCondLst>
-                      <p:childTnLst>
-                        <p:par>
-                          <p:cTn id="17" fill="hold">
-                            <p:stCondLst>
-                              <p:cond delay="0"/>
-                            </p:stCondLst>
-                            <p:childTnLst>
-                              <p:par>
-                                <p:cTn id="18" presetID="1" presetClass="entr" presetSubtype="0" fill="hold" nodeType="clickEffect">
-                                  <p:stCondLst>
-                                    <p:cond delay="0"/>
-                                  </p:stCondLst>
-                                  <p:childTnLst>
-                                    <p:set>
-                                      <p:cBhvr>
-                                        <p:cTn id="19" dur="1" fill="hold">
-                                          <p:stCondLst>
-                                            <p:cond delay="0"/>
-                                          </p:stCondLst>
-                                        </p:cTn>
-                                        <p:tgtEl>
-                                          <p:spTgt spid="177154">
-                                            <p:txEl>
-                                              <p:pRg st="4" end="4"/>
-                                            </p:txEl>
-                                          </p:spTgt>
-                                        </p:tgtEl>
-                                        <p:attrNameLst>
-                                          <p:attrName>style.visibility</p:attrName>
-                                        </p:attrNameLst>
-                                      </p:cBhvr>
-                                      <p:to>
-                                        <p:strVal val="visible"/>
-                                      </p:to>
-                                    </p:set>
-                                  </p:childTnLst>
-                                </p:cTn>
-                              </p:par>
-                            </p:childTnLst>
-                          </p:cTn>
-                        </p:par>
-                      </p:childTnLst>
-                    </p:cTn>
-                  </p:par>
-                </p:childTnLst>
-              </p:cTn>
-              <p:prevCondLst>
-                <p:cond evt="onPrev" delay="0">
-                  <p:tgtEl>
-                    <p:sldTgt/>
-                  </p:tgtEl>
-                </p:cond>
-              </p:prevCondLst>
-              <p:nextCondLst>
-                <p:cond evt="onNext" delay="0">
-                  <p:tgtEl>
-                    <p:sldTgt/>
-                  </p:tgtEl>
-                </p:cond>
-              </p:nextCondLst>
-            </p:seq>
-          </p:childTnLst>
-        </p:cTn>
-      </p:par>
-    </p:tnLst>
-  </p:timing>
-</p:sld>
-</file>
-
-<file path=ppt/slides/slide20.xml><?xml version="1.0" encoding="utf-8"?>
-<p:sld xmlns:a="http://schemas.openxmlformats.org/drawingml/2006/main" xmlns:r="http://schemas.openxmlformats.org/officeDocument/2006/relationships" xmlns:mc="http://schemas.openxmlformats.org/markup-compatibility/2006" xmlns:mv="urn:schemas-microsoft-com:mac:vml" xmlns:p="http://schemas.openxmlformats.org/presentationml/2006/main" mc:Ignorable="mv" mc:PreserveAttributes="mv:*" show="0">
-  <p:cSld>
-    <p:spTree>
-      <p:nvGrpSpPr>
-        <p:cNvPr id="1" name=""/>
-        <p:cNvGrpSpPr/>
-        <p:nvPr/>
-      </p:nvGrpSpPr>
-      <p:grpSpPr>
-        <a:xfrm>
-          <a:off x="0" y="0"/>
-          <a:ext cx="0" cy="0"/>
-          <a:chOff x="0" y="0"/>
-          <a:chExt cx="0" cy="0"/>
-        </a:xfrm>
-      </p:grpSpPr>
-      <p:sp>
-        <p:nvSpPr>
-          <p:cNvPr id="33794" name="Slide Number Placeholder 3"/>
-          <p:cNvSpPr>
-            <a:spLocks noGrp="1"/>
-          </p:cNvSpPr>
-          <p:nvPr>
-            <p:ph type="sldNum" sz="quarter" idx="10"/>
-          </p:nvPr>
-        </p:nvSpPr>
-        <p:spPr/>
-        <p:txBody>
-          <a:bodyPr/>
-          <a:lstStyle/>
-          <a:p>
-            <a:pPr>
-              <a:defRPr/>
-            </a:pPr>
-            <a:r>
-              <a:rPr lang="en-US" dirty="0" err="1"/>
-              <a:t>lec</a:t>
-            </a:r>
-            <a:r>
-              <a:rPr lang="en-US" dirty="0" smtClean="0"/>
-              <a:t> 13W.</a:t>
-            </a:r>
-            <a:fld id="{FE75FCEF-2C00-453D-8F19-57E1BCE16A7F}" type="slidenum">
-              <a:rPr lang="en-US" smtClean="0"/>
-              <a:pPr>
-                <a:defRPr/>
-              </a:pPr>
-              <a:t>20</a:t>
-            </a:fld>
-            <a:endParaRPr lang="en-US" dirty="0"/>
-          </a:p>
-        </p:txBody>
-      </p:sp>
-      <p:sp>
-        <p:nvSpPr>
-          <p:cNvPr id="37891" name="Text Box 3"/>
-          <p:cNvSpPr txBox="1">
-            <a:spLocks noChangeArrowheads="1"/>
-          </p:cNvSpPr>
-          <p:nvPr/>
-        </p:nvSpPr>
-        <p:spPr bwMode="auto">
-          <a:xfrm>
-            <a:off x="304800" y="1371600"/>
-            <a:ext cx="8458200" cy="4078039"/>
-          </a:xfrm>
-          <a:prstGeom prst="rect">
-            <a:avLst/>
-          </a:prstGeom>
-          <a:noFill/>
-          <a:ln w="9525">
-            <a:noFill/>
-            <a:miter lim="800000"/>
-            <a:headEnd/>
-            <a:tailEnd/>
-          </a:ln>
-        </p:spPr>
-        <p:txBody>
-          <a:bodyPr>
-            <a:spAutoFit/>
-          </a:bodyPr>
-          <a:lstStyle/>
-          <a:p>
-            <a:pPr algn="l"/>
-            <a:r>
               <a:rPr lang="en-US" sz="5400" dirty="0">
                 <a:latin typeface="Comic Sans MS" pitchFamily="66" charset="0"/>
               </a:rPr>
@@ -10366,7 +7181,27 @@
                 </a:solidFill>
                 <a:latin typeface="Comic Sans MS" pitchFamily="66" charset="0"/>
               </a:rPr>
-              <a:t>  p </a:t>
+              <a:t>  </a:t>
+            </a:r>
+            <a:r>
+              <a:rPr lang="en-US" sz="6000" dirty="0" err="1" smtClean="0">
+                <a:solidFill>
+                  <a:schemeClr val="accent1">
+                    <a:lumMod val="50000"/>
+                  </a:schemeClr>
+                </a:solidFill>
+                <a:latin typeface="Comic Sans MS" pitchFamily="66" charset="0"/>
+              </a:rPr>
+              <a:t>c</a:t>
+            </a:r>
+            <a:r>
+              <a:rPr lang="en-US" sz="6000" dirty="0" smtClean="0">
+                <a:solidFill>
+                  <a:schemeClr val="accent2"/>
+                </a:solidFill>
+                <a:latin typeface="Comic Sans MS" pitchFamily="66" charset="0"/>
+              </a:rPr>
+              <a:t> </a:t>
             </a:r>
             <a:r>
               <a:rPr lang="en-US" sz="6000" dirty="0">
@@ -10381,7 +7216,7 @@
                 </a:solidFill>
                 <a:latin typeface="Comic Sans MS" pitchFamily="66" charset="0"/>
               </a:rPr>
-              <a:t> 230/500 </a:t>
+              <a:t> 180 </a:t>
             </a:r>
             <a:r>
               <a:rPr lang="en-US" sz="6000" dirty="0" smtClean="0">
@@ -10406,20 +7241,17 @@
             <a:r>
               <a:rPr lang="en-US" sz="6000" dirty="0" smtClean="0">
                 <a:solidFill>
-                  <a:srgbClr val="006600"/>
+                  <a:srgbClr val="FF6600"/>
                 </a:solidFill>
                 <a:latin typeface="Comic Sans MS" pitchFamily="66" charset="0"/>
               </a:rPr>
-              <a:t>0.06</a:t>
-            </a:r>
-          </a:p>
-          <a:p>
-            <a:pPr algn="l"/>
+              <a:t>20 </a:t>
+            </a:r>
             <a:r>
               <a:rPr lang="en-US" sz="6000" dirty="0" smtClean="0">
                 <a:latin typeface="Comic Sans MS" pitchFamily="66" charset="0"/>
               </a:rPr>
-              <a:t>  at the</a:t>
+              <a:t>at the</a:t>
             </a:r>
           </a:p>
           <a:p>
@@ -10431,7 +7263,7 @@
                 </a:solidFill>
                 <a:latin typeface="Comic Sans MS" pitchFamily="66" charset="0"/>
               </a:rPr>
-              <a:t>  99</a:t>
+              <a:t>  95</a:t>
             </a:r>
             <a:r>
               <a:rPr lang="en-US" sz="6000" dirty="0" smtClean="0">
@@ -10512,7 +7344,7 @@
         <p:spPr bwMode="auto">
           <a:xfrm>
             <a:off x="457200" y="2324100"/>
-            <a:ext cx="8382000" cy="3238500"/>
+            <a:ext cx="8458200" cy="2628900"/>
           </a:xfrm>
           <a:prstGeom prst="rect">
             <a:avLst/>
@@ -10637,67 +7469,33 @@
                                   </p:childTnLst>
                                 </p:cTn>
                               </p:par>
+                            </p:childTnLst>
+                          </p:cTn>
+                        </p:par>
+                      </p:childTnLst>
+                    </p:cTn>
+                  </p:par>
+                  <p:par>
+                    <p:cTn id="8" fill="hold">
+                      <p:stCondLst>
+                        <p:cond delay="indefinite"/>
+                      </p:stCondLst>
+                      <p:childTnLst>
+                        <p:par>
+                          <p:cTn id="9" fill="hold">
+                            <p:stCondLst>
+                              <p:cond delay="0"/>
+                            </p:stCondLst>
+                            <p:childTnLst>
                               <p:par>
-                                <p:cTn id="8" presetID="9" presetClass="entr" presetSubtype="0" fill="hold" nodeType="withEffect">
+                                <p:cTn id="10" presetID="15" presetClass="entr" presetSubtype="0" fill="hold" grpId="0" nodeType="clickEffect">
                                   <p:stCondLst>
                                     <p:cond delay="0"/>
                                   </p:stCondLst>
                                   <p:childTnLst>
                                     <p:set>
                                       <p:cBhvr>
-                                        <p:cTn id="9" dur="1" fill="hold">
-                                          <p:stCondLst>
-                                            <p:cond delay="0"/>
-                                          </p:stCondLst>
-                                        </p:cTn>
-                                        <p:tgtEl>
-                                          <p:spTgt spid="37891">
-                                            <p:txEl>
-                                              <p:pRg st="3" end="3"/>
-                                            </p:txEl>
-                                          </p:spTgt>
-                                        </p:tgtEl>
-                                        <p:attrNameLst>
-                                          <p:attrName>style.visibility</p:attrName>
-                                        </p:attrNameLst>
-                                      </p:cBhvr>
-                                      <p:to>
-                                        <p:strVal val="visible"/>
-                                      </p:to>
-                                    </p:set>
-                                    <p:animEffect transition="in" filter="dissolve">
-                                      <p:cBhvr>
-                                        <p:cTn id="10" dur="500"/>
-                                        <p:tgtEl>
-                                          <p:spTgt spid="37891">
-                                            <p:txEl>
-                                              <p:pRg st="3" end="3"/>
-                                            </p:txEl>
-                                          </p:spTgt>
-                                        </p:tgtEl>
-                                      </p:cBhvr>
-                                    </p:animEffect>
-                                  </p:childTnLst>
-                                </p:cTn>
-                              </p:par>
-                            </p:childTnLst>
-                          </p:cTn>
-                        </p:par>
-                        <p:par>
-                          <p:cTn id="11" fill="hold">
-                            <p:stCondLst>
-                              <p:cond delay="500"/>
-                            </p:stCondLst>
-                            <p:childTnLst>
-                              <p:par>
-                                <p:cTn id="12" presetID="15" presetClass="entr" presetSubtype="0" fill="hold" grpId="0" nodeType="afterEffect">
-                                  <p:stCondLst>
-                                    <p:cond delay="0"/>
-                                  </p:stCondLst>
-                                  <p:childTnLst>
-                                    <p:set>
-                                      <p:cBhvr>
-                                        <p:cTn id="13" dur="1" fill="hold">
+                                        <p:cTn id="11" dur="1" fill="hold">
                                           <p:stCondLst>
                                             <p:cond delay="0"/>
                                           </p:stCondLst>
@@ -10715,7 +7513,7 @@
                                     </p:set>
                                     <p:anim calcmode="lin" valueType="num">
                                       <p:cBhvr>
-                                        <p:cTn id="14" dur="1000" fill="hold"/>
+                                        <p:cTn id="12" dur="1000" fill="hold"/>
                                         <p:tgtEl>
                                           <p:spTgt spid="8"/>
                                         </p:tgtEl>
@@ -10738,7 +7536,7 @@
                                     </p:anim>
                                     <p:anim calcmode="lin" valueType="num">
                                       <p:cBhvr>
-                                        <p:cTn id="15" dur="1000" fill="hold"/>
+                                        <p:cTn id="13" dur="1000" fill="hold"/>
                                         <p:tgtEl>
                                           <p:spTgt spid="8"/>
                                         </p:tgtEl>
@@ -10761,7 +7559,7 @@
                                     </p:anim>
                                     <p:anim calcmode="lin" valueType="num">
                                       <p:cBhvr>
-                                        <p:cTn id="16" dur="1000" fill="hold"/>
+                                        <p:cTn id="14" dur="1000" fill="hold"/>
                                         <p:tgtEl>
                                           <p:spTgt spid="8"/>
                                         </p:tgtEl>
@@ -10784,7 +7582,7 @@
                                     </p:anim>
                                     <p:anim calcmode="lin" valueType="num">
                                       <p:cBhvr>
-                                        <p:cTn id="17" dur="1000" fill="hold"/>
+                                        <p:cTn id="15" dur="1000" fill="hold"/>
                                         <p:tgtEl>
                                           <p:spTgt spid="8"/>
                                         </p:tgtEl>
@@ -10842,7 +7640,7 @@
 </p:sld>
 </file>
 
-<file path=ppt/slides/slide21.xml><?xml version="1.0" encoding="utf-8"?>
+<file path=ppt/slides/slide16.xml><?xml version="1.0" encoding="utf-8"?>
 <p:sld xmlns:a="http://schemas.openxmlformats.org/drawingml/2006/main" xmlns:r="http://schemas.openxmlformats.org/officeDocument/2006/relationships" xmlns:mc="http://schemas.openxmlformats.org/markup-compatibility/2006" xmlns:mv="urn:schemas-microsoft-com:mac:vml" xmlns:p="http://schemas.openxmlformats.org/presentationml/2006/main" mc:Ignorable="mv" mc:PreserveAttributes="mv:*">
   <p:cSld>
     <p:spTree>
@@ -10861,650 +7659,6 @@
       </p:grpSpPr>
       <p:sp>
         <p:nvSpPr>
-          <p:cNvPr id="33794" name="Slide Number Placeholder 3"/>
-          <p:cNvSpPr>
-            <a:spLocks noGrp="1"/>
-          </p:cNvSpPr>
-          <p:nvPr>
-            <p:ph type="sldNum" sz="quarter" idx="10"/>
-          </p:nvPr>
-        </p:nvSpPr>
-        <p:spPr/>
-        <p:txBody>
-          <a:bodyPr/>
-          <a:lstStyle/>
-          <a:p>
-            <a:pPr>
-              <a:defRPr/>
-            </a:pPr>
-            <a:r>
-              <a:rPr lang="en-US" dirty="0" err="1"/>
-              <a:t>lec</a:t>
-            </a:r>
-            <a:r>
-              <a:rPr lang="en-US" dirty="0" smtClean="0"/>
-              <a:t> 13W.</a:t>
-            </a:r>
-            <a:fld id="{FE75FCEF-2C00-453D-8F19-57E1BCE16A7F}" type="slidenum">
-              <a:rPr lang="en-US" smtClean="0"/>
-              <a:pPr>
-                <a:defRPr/>
-              </a:pPr>
-              <a:t>21</a:t>
-            </a:fld>
-            <a:endParaRPr lang="en-US" dirty="0"/>
-          </a:p>
-        </p:txBody>
-      </p:sp>
-      <p:sp>
-        <p:nvSpPr>
-          <p:cNvPr id="37891" name="Text Box 3"/>
-          <p:cNvSpPr txBox="1">
-            <a:spLocks noChangeArrowheads="1"/>
-          </p:cNvSpPr>
-          <p:nvPr/>
-        </p:nvSpPr>
-        <p:spPr bwMode="auto">
-          <a:xfrm>
-            <a:off x="304800" y="1371600"/>
-            <a:ext cx="8458200" cy="4078039"/>
-          </a:xfrm>
-          <a:prstGeom prst="rect">
-            <a:avLst/>
-          </a:prstGeom>
-          <a:noFill/>
-          <a:ln w="9525">
-            <a:noFill/>
-            <a:miter lim="800000"/>
-            <a:headEnd/>
-            <a:tailEnd/>
-          </a:ln>
-        </p:spPr>
-        <p:txBody>
-          <a:bodyPr>
-            <a:spAutoFit/>
-          </a:bodyPr>
-          <a:lstStyle/>
-          <a:p>
-            <a:pPr algn="l"/>
-            <a:r>
-              <a:rPr lang="en-US" sz="5400" dirty="0">
-                <a:latin typeface="Comic Sans MS" pitchFamily="66" charset="0"/>
-              </a:rPr>
-              <a:t>f</a:t>
-            </a:r>
-            <a:r>
-              <a:rPr lang="en-US" sz="5400" dirty="0" smtClean="0">
-                <a:latin typeface="Comic Sans MS" pitchFamily="66" charset="0"/>
-              </a:rPr>
-              <a:t>or </a:t>
-            </a:r>
-            <a:r>
-              <a:rPr lang="en-US" sz="5400" dirty="0">
-                <a:latin typeface="Comic Sans MS" pitchFamily="66" charset="0"/>
-              </a:rPr>
-              <a:t>simplicity we say </a:t>
-            </a:r>
-            <a:r>
-              <a:rPr lang="en-US" sz="5400" dirty="0" smtClean="0">
-                <a:latin typeface="Comic Sans MS" pitchFamily="66" charset="0"/>
-              </a:rPr>
-              <a:t>that</a:t>
-            </a:r>
-          </a:p>
-          <a:p>
-            <a:pPr algn="l">
-              <a:spcBef>
-                <a:spcPts val="3000"/>
-              </a:spcBef>
-            </a:pPr>
-            <a:r>
-              <a:rPr lang="en-US" sz="6000" dirty="0" smtClean="0">
-                <a:solidFill>
-                  <a:schemeClr val="accent2"/>
-                </a:solidFill>
-                <a:latin typeface="Comic Sans MS" pitchFamily="66" charset="0"/>
-              </a:rPr>
-              <a:t>  </a:t>
-            </a:r>
-            <a:r>
-              <a:rPr lang="en-US" sz="6000" dirty="0" smtClean="0">
-                <a:solidFill>
-                  <a:srgbClr val="0006FE"/>
-                </a:solidFill>
-                <a:latin typeface="Comic Sans MS" pitchFamily="66" charset="0"/>
-              </a:rPr>
-              <a:t>p</a:t>
-            </a:r>
-            <a:r>
-              <a:rPr lang="en-US" sz="6000" dirty="0" smtClean="0">
-                <a:solidFill>
-                  <a:schemeClr val="accent2"/>
-                </a:solidFill>
-                <a:latin typeface="Comic Sans MS" pitchFamily="66" charset="0"/>
-              </a:rPr>
-              <a:t> </a:t>
-            </a:r>
-            <a:r>
-              <a:rPr lang="en-US" sz="6000" dirty="0">
-                <a:latin typeface="Comic Sans MS" pitchFamily="66" charset="0"/>
-              </a:rPr>
-              <a:t>=</a:t>
-            </a:r>
-            <a:r>
-              <a:rPr lang="en-US" sz="6000" dirty="0">
-                <a:solidFill>
-                  <a:schemeClr val="accent2"/>
-                </a:solidFill>
-                <a:latin typeface="Comic Sans MS" pitchFamily="66" charset="0"/>
-              </a:rPr>
-              <a:t> </a:t>
-            </a:r>
-            <a:r>
-              <a:rPr lang="en-US" sz="6000" dirty="0" smtClean="0">
-                <a:solidFill>
-                  <a:srgbClr val="0006FE"/>
-                </a:solidFill>
-                <a:latin typeface="Comic Sans MS" pitchFamily="66" charset="0"/>
-              </a:rPr>
-              <a:t>0.46</a:t>
-            </a:r>
-            <a:r>
-              <a:rPr lang="en-US" sz="6000" dirty="0" smtClean="0">
-                <a:solidFill>
-                  <a:schemeClr val="accent2"/>
-                </a:solidFill>
-                <a:latin typeface="Comic Sans MS" pitchFamily="66" charset="0"/>
-              </a:rPr>
-              <a:t> </a:t>
-            </a:r>
-            <a:r>
-              <a:rPr lang="en-US" sz="6000" dirty="0" smtClean="0">
-                <a:solidFill>
-                  <a:srgbClr val="006600"/>
-                </a:solidFill>
-                <a:latin typeface="Euclid Symbol" charset="2"/>
-                <a:cs typeface="Euclid Symbol" charset="2"/>
-              </a:rPr>
-              <a:t>±</a:t>
-            </a:r>
-            <a:r>
-              <a:rPr lang="en-US" sz="6000" b="1" dirty="0" smtClean="0">
-                <a:solidFill>
-                  <a:srgbClr val="00B050"/>
-                </a:solidFill>
-                <a:latin typeface="Symbol" pitchFamily="18" charset="2"/>
-                <a:sym typeface="Symbol"/>
-              </a:rPr>
-              <a:t> </a:t>
-            </a:r>
-            <a:r>
-              <a:rPr lang="en-US" sz="6000" dirty="0" smtClean="0">
-                <a:solidFill>
-                  <a:srgbClr val="00B050"/>
-                </a:solidFill>
-                <a:latin typeface="Comic Sans MS" pitchFamily="66" charset="0"/>
-              </a:rPr>
-              <a:t>0.06</a:t>
-            </a:r>
-            <a:endParaRPr lang="en-US" sz="6000" dirty="0" smtClean="0">
-              <a:solidFill>
-                <a:srgbClr val="006600"/>
-              </a:solidFill>
-              <a:latin typeface="Comic Sans MS" pitchFamily="66" charset="0"/>
-            </a:endParaRPr>
-          </a:p>
-          <a:p>
-            <a:pPr algn="l"/>
-            <a:r>
-              <a:rPr lang="en-US" sz="6000" dirty="0" smtClean="0">
-                <a:latin typeface="Comic Sans MS" pitchFamily="66" charset="0"/>
-              </a:rPr>
-              <a:t>  at the</a:t>
-            </a:r>
-          </a:p>
-          <a:p>
-            <a:pPr algn="l"/>
-            <a:r>
-              <a:rPr lang="en-US" sz="6000" dirty="0" smtClean="0">
-                <a:solidFill>
-                  <a:srgbClr val="FF33CC"/>
-                </a:solidFill>
-                <a:latin typeface="Comic Sans MS" pitchFamily="66" charset="0"/>
-              </a:rPr>
-              <a:t>  99</a:t>
-            </a:r>
-            <a:r>
-              <a:rPr lang="en-US" sz="6000" dirty="0" smtClean="0">
-                <a:solidFill>
-                  <a:srgbClr val="006600"/>
-                </a:solidFill>
-                <a:latin typeface="Comic Sans MS" pitchFamily="66" charset="0"/>
-              </a:rPr>
-              <a:t>% </a:t>
-            </a:r>
-            <a:r>
-              <a:rPr lang="en-US" sz="6000" dirty="0">
-                <a:solidFill>
-                  <a:srgbClr val="FF33CC"/>
-                </a:solidFill>
-                <a:latin typeface="Comic Sans MS" pitchFamily="66" charset="0"/>
-              </a:rPr>
-              <a:t>confidence level</a:t>
-            </a:r>
-          </a:p>
-        </p:txBody>
-      </p:sp>
-      <p:pic>
-        <p:nvPicPr>
-          <p:cNvPr id="37892" name="Picture 4" descr="texpointerror"/>
-          <p:cNvPicPr>
-            <a:picLocks noChangeAspect="1" noChangeArrowheads="1"/>
-          </p:cNvPicPr>
-          <p:nvPr>
-            <p:custDataLst>
-              <p:tags r:id="rId1"/>
-            </p:custDataLst>
-          </p:nvPr>
-        </p:nvPicPr>
-        <p:blipFill>
-          <a:blip r:embed="rId4">
-            <a:clrChange>
-              <a:clrFrom>
-                <a:srgbClr val="FFFFFF"/>
-              </a:clrFrom>
-              <a:clrTo>
-                <a:srgbClr val="FFFFFF">
-                  <a:alpha val="0"/>
-                </a:srgbClr>
-              </a:clrTo>
-            </a:clrChange>
-          </a:blip>
-          <a:srcRect/>
-          <a:stretch>
-            <a:fillRect/>
-          </a:stretch>
-        </p:blipFill>
-        <p:spPr bwMode="auto">
-          <a:xfrm>
-            <a:off x="5080000" y="3810000"/>
-            <a:ext cx="1588" cy="1588"/>
-          </a:xfrm>
-          <a:prstGeom prst="rect">
-            <a:avLst/>
-          </a:prstGeom>
-          <a:noFill/>
-          <a:ln w="9525" algn="ctr">
-            <a:noFill/>
-            <a:miter lim="800000"/>
-            <a:headEnd/>
-            <a:tailEnd/>
-          </a:ln>
-        </p:spPr>
-      </p:pic>
-      <p:sp>
-        <p:nvSpPr>
-          <p:cNvPr id="8" name="Rectangle 7"/>
-          <p:cNvSpPr>
-            <a:spLocks noChangeArrowheads="1"/>
-          </p:cNvSpPr>
-          <p:nvPr/>
-        </p:nvSpPr>
-        <p:spPr bwMode="auto">
-          <a:xfrm>
-            <a:off x="457200" y="2324100"/>
-            <a:ext cx="8382000" cy="3238500"/>
-          </a:xfrm>
-          <a:prstGeom prst="rect">
-            <a:avLst/>
-          </a:prstGeom>
-          <a:noFill/>
-          <a:ln w="38100" algn="ctr">
-            <a:solidFill>
-              <a:srgbClr val="0006FE"/>
-            </a:solidFill>
-            <a:round/>
-            <a:headEnd/>
-            <a:tailEnd/>
-          </a:ln>
-        </p:spPr>
-        <p:txBody>
-          <a:bodyPr wrap="none" anchor="ctr"/>
-          <a:lstStyle/>
-          <a:p>
-            <a:endParaRPr lang="en-US"/>
-          </a:p>
-        </p:txBody>
-      </p:sp>
-      <p:sp>
-        <p:nvSpPr>
-          <p:cNvPr id="9" name="Rectangle 3"/>
-          <p:cNvSpPr>
-            <a:spLocks noGrp="1" noChangeArrowheads="1"/>
-          </p:cNvSpPr>
-          <p:nvPr>
-            <p:ph type="title"/>
-          </p:nvPr>
-        </p:nvSpPr>
-        <p:spPr>
-          <a:xfrm>
-            <a:off x="1143000" y="381000"/>
-            <a:ext cx="7848600" cy="914400"/>
-          </a:xfrm>
-          <a:noFill/>
-        </p:spPr>
-        <p:txBody>
-          <a:bodyPr/>
-          <a:lstStyle/>
-          <a:p>
-            <a:pPr eaLnBrk="1" hangingPunct="1"/>
-            <a:r>
-              <a:rPr lang="en-US" sz="4800" dirty="0" smtClean="0">
-                <a:solidFill>
-                  <a:srgbClr val="0006FE"/>
-                </a:solidFill>
-              </a:rPr>
-              <a:t>Confidence</a:t>
-            </a:r>
-          </a:p>
-        </p:txBody>
-      </p:sp>
-    </p:spTree>
-  </p:cSld>
-  <p:clrMapOvr>
-    <a:masterClrMapping/>
-  </p:clrMapOvr>
-  <p:transition/>
-  <p:timing>
-    <p:tnLst>
-      <p:par>
-        <p:cTn id="1" dur="indefinite" restart="never" nodeType="tmRoot">
-          <p:childTnLst>
-            <p:seq concurrent="1" nextAc="seek">
-              <p:cTn id="2" dur="indefinite" nodeType="mainSeq">
-                <p:childTnLst>
-                  <p:par>
-                    <p:cTn id="3" fill="hold">
-                      <p:stCondLst>
-                        <p:cond delay="indefinite"/>
-                        <p:cond evt="onBegin" delay="0">
-                          <p:tn val="2"/>
-                        </p:cond>
-                      </p:stCondLst>
-                      <p:childTnLst>
-                        <p:par>
-                          <p:cTn id="4" fill="hold">
-                            <p:stCondLst>
-                              <p:cond delay="0"/>
-                            </p:stCondLst>
-                            <p:childTnLst>
-                              <p:par>
-                                <p:cTn id="5" presetID="9" presetClass="entr" presetSubtype="0" fill="hold" nodeType="afterEffect">
-                                  <p:stCondLst>
-                                    <p:cond delay="0"/>
-                                  </p:stCondLst>
-                                  <p:childTnLst>
-                                    <p:set>
-                                      <p:cBhvr>
-                                        <p:cTn id="6" dur="1" fill="hold">
-                                          <p:stCondLst>
-                                            <p:cond delay="0"/>
-                                          </p:stCondLst>
-                                        </p:cTn>
-                                        <p:tgtEl>
-                                          <p:spTgt spid="37891">
-                                            <p:txEl>
-                                              <p:pRg st="2" end="2"/>
-                                            </p:txEl>
-                                          </p:spTgt>
-                                        </p:tgtEl>
-                                        <p:attrNameLst>
-                                          <p:attrName>style.visibility</p:attrName>
-                                        </p:attrNameLst>
-                                      </p:cBhvr>
-                                      <p:to>
-                                        <p:strVal val="visible"/>
-                                      </p:to>
-                                    </p:set>
-                                    <p:animEffect transition="in" filter="dissolve">
-                                      <p:cBhvr>
-                                        <p:cTn id="7" dur="500"/>
-                                        <p:tgtEl>
-                                          <p:spTgt spid="37891">
-                                            <p:txEl>
-                                              <p:pRg st="2" end="2"/>
-                                            </p:txEl>
-                                          </p:spTgt>
-                                        </p:tgtEl>
-                                      </p:cBhvr>
-                                    </p:animEffect>
-                                  </p:childTnLst>
-                                </p:cTn>
-                              </p:par>
-                              <p:par>
-                                <p:cTn id="8" presetID="9" presetClass="entr" presetSubtype="0" fill="hold" nodeType="withEffect">
-                                  <p:stCondLst>
-                                    <p:cond delay="0"/>
-                                  </p:stCondLst>
-                                  <p:childTnLst>
-                                    <p:set>
-                                      <p:cBhvr>
-                                        <p:cTn id="9" dur="1" fill="hold">
-                                          <p:stCondLst>
-                                            <p:cond delay="0"/>
-                                          </p:stCondLst>
-                                        </p:cTn>
-                                        <p:tgtEl>
-                                          <p:spTgt spid="37891">
-                                            <p:txEl>
-                                              <p:pRg st="3" end="3"/>
-                                            </p:txEl>
-                                          </p:spTgt>
-                                        </p:tgtEl>
-                                        <p:attrNameLst>
-                                          <p:attrName>style.visibility</p:attrName>
-                                        </p:attrNameLst>
-                                      </p:cBhvr>
-                                      <p:to>
-                                        <p:strVal val="visible"/>
-                                      </p:to>
-                                    </p:set>
-                                    <p:animEffect transition="in" filter="dissolve">
-                                      <p:cBhvr>
-                                        <p:cTn id="10" dur="500"/>
-                                        <p:tgtEl>
-                                          <p:spTgt spid="37891">
-                                            <p:txEl>
-                                              <p:pRg st="3" end="3"/>
-                                            </p:txEl>
-                                          </p:spTgt>
-                                        </p:tgtEl>
-                                      </p:cBhvr>
-                                    </p:animEffect>
-                                  </p:childTnLst>
-                                </p:cTn>
-                              </p:par>
-                            </p:childTnLst>
-                          </p:cTn>
-                        </p:par>
-                        <p:par>
-                          <p:cTn id="11" fill="hold">
-                            <p:stCondLst>
-                              <p:cond delay="500"/>
-                            </p:stCondLst>
-                            <p:childTnLst>
-                              <p:par>
-                                <p:cTn id="12" presetID="15" presetClass="entr" presetSubtype="0" fill="hold" grpId="0" nodeType="afterEffect">
-                                  <p:stCondLst>
-                                    <p:cond delay="0"/>
-                                  </p:stCondLst>
-                                  <p:childTnLst>
-                                    <p:set>
-                                      <p:cBhvr>
-                                        <p:cTn id="13" dur="1" fill="hold">
-                                          <p:stCondLst>
-                                            <p:cond delay="0"/>
-                                          </p:stCondLst>
-                                        </p:cTn>
-                                        <p:tgtEl>
-                                          <p:spTgt spid="8"/>
-                                        </p:tgtEl>
-                                        <p:attrNameLst>
-                                          <p:attrName>style.visibility</p:attrName>
-                                        </p:attrNameLst>
-                                      </p:cBhvr>
-                                      <p:to>
-                                        <p:strVal val="visible"/>
-                                      </p:to>
-                                    </p:set>
-                                    <p:anim calcmode="lin" valueType="num">
-                                      <p:cBhvr>
-                                        <p:cTn id="14" dur="1000" fill="hold"/>
-                                        <p:tgtEl>
-                                          <p:spTgt spid="8"/>
-                                        </p:tgtEl>
-                                        <p:attrNameLst>
-                                          <p:attrName>ppt_w</p:attrName>
-                                        </p:attrNameLst>
-                                      </p:cBhvr>
-                                      <p:tavLst>
-                                        <p:tav tm="0">
-                                          <p:val>
-                                            <p:fltVal val="0"/>
-                                          </p:val>
-                                        </p:tav>
-                                        <p:tav tm="100000">
-                                          <p:val>
-                                            <p:strVal val="#ppt_w"/>
-                                          </p:val>
-                                        </p:tav>
-                                      </p:tavLst>
-                                    </p:anim>
-                                    <p:anim calcmode="lin" valueType="num">
-                                      <p:cBhvr>
-                                        <p:cTn id="15" dur="1000" fill="hold"/>
-                                        <p:tgtEl>
-                                          <p:spTgt spid="8"/>
-                                        </p:tgtEl>
-                                        <p:attrNameLst>
-                                          <p:attrName>ppt_h</p:attrName>
-                                        </p:attrNameLst>
-                                      </p:cBhvr>
-                                      <p:tavLst>
-                                        <p:tav tm="0">
-                                          <p:val>
-                                            <p:fltVal val="0"/>
-                                          </p:val>
-                                        </p:tav>
-                                        <p:tav tm="100000">
-                                          <p:val>
-                                            <p:strVal val="#ppt_h"/>
-                                          </p:val>
-                                        </p:tav>
-                                      </p:tavLst>
-                                    </p:anim>
-                                    <p:anim calcmode="lin" valueType="num">
-                                      <p:cBhvr>
-                                        <p:cTn id="16" dur="1000" fill="hold"/>
-                                        <p:tgtEl>
-                                          <p:spTgt spid="8"/>
-                                        </p:tgtEl>
-                                        <p:attrNameLst>
-                                          <p:attrName>ppt_x</p:attrName>
-                                        </p:attrNameLst>
-                                      </p:cBhvr>
-                                      <p:tavLst>
-                                        <p:tav tm="0" fmla="#ppt_x+(cos(-2*pi*(1-$))*-#ppt_x-sin(-2*pi*(1-$))*(1-#ppt_y))*(1-$)">
-                                          <p:val>
-                                            <p:fltVal val="0"/>
-                                          </p:val>
-                                        </p:tav>
-                                        <p:tav tm="100000">
-                                          <p:val>
-                                            <p:fltVal val="1"/>
-                                          </p:val>
-                                        </p:tav>
-                                      </p:tavLst>
-                                    </p:anim>
-                                    <p:anim calcmode="lin" valueType="num">
-                                      <p:cBhvr>
-                                        <p:cTn id="17" dur="1000" fill="hold"/>
-                                        <p:tgtEl>
-                                          <p:spTgt spid="8"/>
-                                        </p:tgtEl>
-                                        <p:attrNameLst>
-                                          <p:attrName>ppt_y</p:attrName>
-                                        </p:attrNameLst>
-                                      </p:cBhvr>
-                                      <p:tavLst>
-                                        <p:tav tm="0" fmla="#ppt_y+(sin(-2*pi*(1-$))*-#ppt_x+cos(-2*pi*(1-$))*(1-#ppt_y))*(1-$)">
-                                          <p:val>
-                                            <p:fltVal val="0"/>
-                                          </p:val>
-                                        </p:tav>
-                                        <p:tav tm="100000">
-                                          <p:val>
-                                            <p:fltVal val="1"/>
-                                          </p:val>
-                                        </p:tav>
-                                      </p:tavLst>
-                                    </p:anim>
-                                  </p:childTnLst>
-                                </p:cTn>
-                              </p:par>
-                            </p:childTnLst>
-                          </p:cTn>
-                        </p:par>
-                      </p:childTnLst>
-                    </p:cTn>
-                  </p:par>
-                </p:childTnLst>
-              </p:cTn>
-              <p:prevCondLst>
-                <p:cond evt="onPrev" delay="0">
-                  <p:tgtEl>
-                    <p:sldTgt/>
-                  </p:tgtEl>
-                </p:cond>
-              </p:prevCondLst>
-              <p:nextCondLst>
-                <p:cond evt="onNext" delay="0">
-                  <p:tgtEl>
-                    <p:sldTgt/>
-                  </p:tgtEl>
-                </p:cond>
-              </p:nextCondLst>
-            </p:seq>
-          </p:childTnLst>
-        </p:cTn>
-      </p:par>
-    </p:tnLst>
-    <p:bldLst>
-      <p:bldP spid="8" grpId="0" animBg="1"/>
-    </p:bldLst>
-  </p:timing>
-</p:sld>
-</file>
-
-<file path=ppt/slides/slide22.xml><?xml version="1.0" encoding="utf-8"?>
-<p:sld xmlns:a="http://schemas.openxmlformats.org/drawingml/2006/main" xmlns:r="http://schemas.openxmlformats.org/officeDocument/2006/relationships" xmlns:mc="http://schemas.openxmlformats.org/markup-compatibility/2006" xmlns:mv="urn:schemas-microsoft-com:mac:vml" xmlns:p="http://schemas.openxmlformats.org/presentationml/2006/main" mc:Ignorable="mv" mc:PreserveAttributes="mv:*">
-  <p:cSld>
-    <p:spTree>
-      <p:nvGrpSpPr>
-        <p:cNvPr id="1" name=""/>
-        <p:cNvGrpSpPr/>
-        <p:nvPr/>
-      </p:nvGrpSpPr>
-      <p:grpSpPr>
-        <a:xfrm>
-          <a:off x="0" y="0"/>
-          <a:ext cx="0" cy="0"/>
-          <a:chOff x="0" y="0"/>
-          <a:chExt cx="0" cy="0"/>
-        </a:xfrm>
-      </p:grpSpPr>
-      <p:sp>
-        <p:nvSpPr>
           <p:cNvPr id="3" name="Content Placeholder 2"/>
           <p:cNvSpPr>
             <a:spLocks noGrp="1"/>
@@ -11614,7 +7768,7 @@
               <a:pPr>
                 <a:defRPr/>
               </a:pPr>
-              <a:t>22</a:t>
+              <a:t>16</a:t>
             </a:fld>
             <a:endParaRPr lang="en-US" dirty="0"/>
           </a:p>
@@ -11826,7 +7980,7 @@
 </p:sld>
 </file>
 
-<file path=ppt/slides/slide23.xml><?xml version="1.0" encoding="utf-8"?>
+<file path=ppt/slides/slide17.xml><?xml version="1.0" encoding="utf-8"?>
 <p:sld xmlns:a="http://schemas.openxmlformats.org/drawingml/2006/main" xmlns:r="http://schemas.openxmlformats.org/officeDocument/2006/relationships" xmlns:mc="http://schemas.openxmlformats.org/markup-compatibility/2006" xmlns:mv="urn:schemas-microsoft-com:mac:vml" xmlns:p="http://schemas.openxmlformats.org/presentationml/2006/main" mc:Ignorable="mv" mc:PreserveAttributes="mv:*">
   <p:cSld>
     <p:spTree>
@@ -11951,7 +8105,7 @@
               <a:pPr>
                 <a:defRPr/>
               </a:pPr>
-              <a:t>23</a:t>
+              <a:t>17</a:t>
             </a:fld>
             <a:endParaRPr lang="en-US" dirty="0" smtClean="0"/>
           </a:p>
@@ -11971,6 +8125,745 @@
         <p:cTn id="1" dur="indefinite" restart="never" nodeType="tmRoot"/>
       </p:par>
     </p:tnLst>
+  </p:timing>
+</p:sld>
+</file>
+
+<file path=ppt/slides/slide2.xml><?xml version="1.0" encoding="utf-8"?>
+<p:sld xmlns:a="http://schemas.openxmlformats.org/drawingml/2006/main" xmlns:r="http://schemas.openxmlformats.org/officeDocument/2006/relationships" xmlns:mc="http://schemas.openxmlformats.org/markup-compatibility/2006" xmlns:mv="urn:schemas-microsoft-com:mac:vml" xmlns:p="http://schemas.openxmlformats.org/presentationml/2006/main" mc:Ignorable="mv" mc:PreserveAttributes="mv:*">
+  <p:cSld>
+    <p:spTree>
+      <p:nvGrpSpPr>
+        <p:cNvPr id="1" name=""/>
+        <p:cNvGrpSpPr/>
+        <p:nvPr/>
+      </p:nvGrpSpPr>
+      <p:grpSpPr>
+        <a:xfrm>
+          <a:off x="0" y="0"/>
+          <a:ext cx="0" cy="0"/>
+          <a:chOff x="0" y="0"/>
+          <a:chExt cx="0" cy="0"/>
+        </a:xfrm>
+      </p:grpSpPr>
+      <p:sp>
+        <p:nvSpPr>
+          <p:cNvPr id="23554" name="Slide Number Placeholder 3"/>
+          <p:cNvSpPr>
+            <a:spLocks noGrp="1"/>
+          </p:cNvSpPr>
+          <p:nvPr>
+            <p:ph type="sldNum" sz="quarter" idx="10"/>
+          </p:nvPr>
+        </p:nvSpPr>
+        <p:spPr/>
+        <p:txBody>
+          <a:bodyPr/>
+          <a:lstStyle/>
+          <a:p>
+            <a:pPr>
+              <a:defRPr/>
+            </a:pPr>
+            <a:r>
+              <a:rPr lang="en-US" dirty="0" err="1"/>
+              <a:t>lec</a:t>
+            </a:r>
+            <a:r>
+              <a:rPr lang="en-US" dirty="0" smtClean="0"/>
+              <a:t> 13W.</a:t>
+            </a:r>
+            <a:fld id="{C54485E2-983F-4808-AAAD-1595DDE4A774}" type="slidenum">
+              <a:rPr lang="en-US" smtClean="0"/>
+              <a:pPr>
+                <a:defRPr/>
+              </a:pPr>
+              <a:t>2</a:t>
+            </a:fld>
+            <a:endParaRPr lang="en-US" dirty="0"/>
+          </a:p>
+        </p:txBody>
+      </p:sp>
+      <p:sp>
+        <p:nvSpPr>
+          <p:cNvPr id="177154" name="Rectangle 2"/>
+          <p:cNvSpPr>
+            <a:spLocks noGrp="1" noChangeArrowheads="1"/>
+          </p:cNvSpPr>
+          <p:nvPr>
+            <p:ph type="body" idx="1"/>
+          </p:nvPr>
+        </p:nvSpPr>
+        <p:spPr>
+          <a:xfrm>
+            <a:off x="152400" y="1219200"/>
+            <a:ext cx="8991600" cy="5334000"/>
+          </a:xfrm>
+        </p:spPr>
+        <p:txBody>
+          <a:bodyPr/>
+          <a:lstStyle/>
+          <a:p>
+            <a:pPr eaLnBrk="1" hangingPunct="1"/>
+            <a:r>
+              <a:rPr lang="en-US" sz="4800" dirty="0" smtClean="0"/>
+              <a:t>Estimate </a:t>
+            </a:r>
+            <a:r>
+              <a:rPr lang="en-US" sz="4800" dirty="0" err="1" smtClean="0">
+                <a:solidFill>
+                  <a:srgbClr val="DA0000"/>
+                </a:solidFill>
+              </a:rPr>
+              <a:t>coliform</a:t>
+            </a:r>
+            <a:r>
+              <a:rPr lang="en-US" sz="4800" dirty="0" smtClean="0">
+                <a:solidFill>
+                  <a:srgbClr val="DA0000"/>
+                </a:solidFill>
+              </a:rPr>
+              <a:t> count</a:t>
+            </a:r>
+          </a:p>
+          <a:p>
+            <a:pPr eaLnBrk="1" hangingPunct="1"/>
+            <a:r>
+              <a:rPr lang="en-US" sz="4800" dirty="0" smtClean="0"/>
+              <a:t>in Charles River.  </a:t>
+            </a:r>
+          </a:p>
+          <a:p>
+            <a:pPr eaLnBrk="1" hangingPunct="1"/>
+            <a:r>
+              <a:rPr lang="en-US" sz="4800" dirty="0" smtClean="0"/>
+              <a:t>Many test stations on river.  </a:t>
+            </a:r>
+          </a:p>
+          <a:p>
+            <a:pPr eaLnBrk="1" hangingPunct="1"/>
+            <a:r>
+              <a:rPr lang="en-US" sz="4800" dirty="0" smtClean="0"/>
+              <a:t>EPA requires their average</a:t>
+            </a:r>
+          </a:p>
+          <a:p>
+            <a:pPr eaLnBrk="1" hangingPunct="1"/>
+            <a:r>
+              <a:rPr lang="en-US" sz="4800" dirty="0" smtClean="0"/>
+              <a:t>         CMD </a:t>
+            </a:r>
+            <a:r>
+              <a:rPr lang="en-US" sz="4800" b="1" dirty="0" smtClean="0">
+                <a:solidFill>
+                  <a:srgbClr val="006600"/>
+                </a:solidFill>
+                <a:latin typeface="Euclid Symbol" charset="2"/>
+                <a:cs typeface="Euclid Symbol" charset="2"/>
+              </a:rPr>
+              <a:t>&lt;</a:t>
+            </a:r>
+            <a:r>
+              <a:rPr lang="en-US" sz="4800" dirty="0" smtClean="0">
+                <a:solidFill>
+                  <a:srgbClr val="006600"/>
+                </a:solidFill>
+              </a:rPr>
+              <a:t> 200</a:t>
+            </a:r>
+            <a:r>
+              <a:rPr lang="en-US" sz="4800" dirty="0" smtClean="0"/>
+              <a:t>:</a:t>
+            </a:r>
+          </a:p>
+          <a:p>
+            <a:pPr eaLnBrk="1" hangingPunct="1"/>
+            <a:r>
+              <a:rPr lang="en-US" dirty="0" smtClean="0"/>
+              <a:t>(</a:t>
+            </a:r>
+            <a:r>
+              <a:rPr lang="en-US" dirty="0" err="1" smtClean="0"/>
+              <a:t>Coliform</a:t>
+            </a:r>
+            <a:r>
+              <a:rPr lang="en-US" dirty="0" smtClean="0"/>
+              <a:t> Microbial Density)</a:t>
+            </a:r>
+          </a:p>
+        </p:txBody>
+      </p:sp>
+      <p:sp>
+        <p:nvSpPr>
+          <p:cNvPr id="27652" name="Rectangle 3"/>
+          <p:cNvSpPr>
+            <a:spLocks noGrp="1" noChangeArrowheads="1"/>
+          </p:cNvSpPr>
+          <p:nvPr>
+            <p:ph type="title"/>
+          </p:nvPr>
+        </p:nvSpPr>
+        <p:spPr>
+          <a:xfrm>
+            <a:off x="2286000" y="152400"/>
+            <a:ext cx="4648200" cy="1219200"/>
+          </a:xfrm>
+        </p:spPr>
+        <p:txBody>
+          <a:bodyPr/>
+          <a:lstStyle/>
+          <a:p>
+            <a:pPr eaLnBrk="1" hangingPunct="1"/>
+            <a:r>
+              <a:rPr lang="en-US" sz="4000" dirty="0" smtClean="0"/>
+              <a:t>Sampling</a:t>
+            </a:r>
+          </a:p>
+        </p:txBody>
+      </p:sp>
+      <p:pic>
+        <p:nvPicPr>
+          <p:cNvPr id="6" name="Picture 5"/>
+          <p:cNvPicPr>
+            <a:picLocks noChangeAspect="1"/>
+          </p:cNvPicPr>
+          <p:nvPr/>
+        </p:nvPicPr>
+        <p:blipFill>
+          <a:blip r:embed="rId3"/>
+          <a:stretch>
+            <a:fillRect/>
+          </a:stretch>
+        </p:blipFill>
+        <p:spPr>
+          <a:xfrm>
+            <a:off x="7162800" y="762000"/>
+            <a:ext cx="1587500" cy="1193800"/>
+          </a:xfrm>
+          <a:prstGeom prst="rect">
+            <a:avLst/>
+          </a:prstGeom>
+        </p:spPr>
+      </p:pic>
+      <p:pic>
+        <p:nvPicPr>
+          <p:cNvPr id="7" name="Picture 6"/>
+          <p:cNvPicPr>
+            <a:picLocks noChangeAspect="1"/>
+          </p:cNvPicPr>
+          <p:nvPr/>
+        </p:nvPicPr>
+        <p:blipFill>
+          <a:blip r:embed="rId4"/>
+          <a:stretch>
+            <a:fillRect/>
+          </a:stretch>
+        </p:blipFill>
+        <p:spPr>
+          <a:xfrm>
+            <a:off x="6400800" y="4648200"/>
+            <a:ext cx="1193800" cy="1193800"/>
+          </a:xfrm>
+          <a:prstGeom prst="rect">
+            <a:avLst/>
+          </a:prstGeom>
+        </p:spPr>
+      </p:pic>
+    </p:spTree>
+  </p:cSld>
+  <p:clrMapOvr>
+    <a:masterClrMapping/>
+  </p:clrMapOvr>
+  <p:transition>
+    <p:fade thruBlk="1"/>
+  </p:transition>
+  <p:timing>
+    <p:tnLst>
+      <p:par>
+        <p:cTn id="1" dur="indefinite" restart="never" nodeType="tmRoot">
+          <p:childTnLst>
+            <p:seq concurrent="1" nextAc="seek">
+              <p:cTn id="2" dur="indefinite" nodeType="mainSeq">
+                <p:childTnLst>
+                  <p:par>
+                    <p:cTn id="3" fill="hold">
+                      <p:stCondLst>
+                        <p:cond delay="indefinite"/>
+                      </p:stCondLst>
+                      <p:childTnLst>
+                        <p:par>
+                          <p:cTn id="4" fill="hold">
+                            <p:stCondLst>
+                              <p:cond delay="0"/>
+                            </p:stCondLst>
+                            <p:childTnLst>
+                              <p:par>
+                                <p:cTn id="5" presetID="10" presetClass="entr" presetSubtype="0" fill="hold" grpId="0" nodeType="clickEffect">
+                                  <p:stCondLst>
+                                    <p:cond delay="0"/>
+                                  </p:stCondLst>
+                                  <p:childTnLst>
+                                    <p:set>
+                                      <p:cBhvr>
+                                        <p:cTn id="6" dur="1" fill="hold">
+                                          <p:stCondLst>
+                                            <p:cond delay="0"/>
+                                          </p:stCondLst>
+                                        </p:cTn>
+                                        <p:tgtEl>
+                                          <p:spTgt spid="177154">
+                                            <p:txEl>
+                                              <p:pRg st="0" end="0"/>
+                                            </p:txEl>
+                                          </p:spTgt>
+                                        </p:tgtEl>
+                                        <p:attrNameLst>
+                                          <p:attrName>style.visibility</p:attrName>
+                                        </p:attrNameLst>
+                                      </p:cBhvr>
+                                      <p:to>
+                                        <p:strVal val="visible"/>
+                                      </p:to>
+                                    </p:set>
+                                    <p:animEffect transition="in" filter="fade">
+                                      <p:cBhvr>
+                                        <p:cTn id="7" dur="500"/>
+                                        <p:tgtEl>
+                                          <p:spTgt spid="177154">
+                                            <p:txEl>
+                                              <p:pRg st="0" end="0"/>
+                                            </p:txEl>
+                                          </p:spTgt>
+                                        </p:tgtEl>
+                                      </p:cBhvr>
+                                    </p:animEffect>
+                                  </p:childTnLst>
+                                </p:cTn>
+                              </p:par>
+                              <p:par>
+                                <p:cTn id="8" presetID="10" presetClass="entr" presetSubtype="0" fill="hold" grpId="0" nodeType="withEffect">
+                                  <p:stCondLst>
+                                    <p:cond delay="0"/>
+                                  </p:stCondLst>
+                                  <p:childTnLst>
+                                    <p:set>
+                                      <p:cBhvr>
+                                        <p:cTn id="9" dur="1" fill="hold">
+                                          <p:stCondLst>
+                                            <p:cond delay="0"/>
+                                          </p:stCondLst>
+                                        </p:cTn>
+                                        <p:tgtEl>
+                                          <p:spTgt spid="177154">
+                                            <p:txEl>
+                                              <p:pRg st="1" end="1"/>
+                                            </p:txEl>
+                                          </p:spTgt>
+                                        </p:tgtEl>
+                                        <p:attrNameLst>
+                                          <p:attrName>style.visibility</p:attrName>
+                                        </p:attrNameLst>
+                                      </p:cBhvr>
+                                      <p:to>
+                                        <p:strVal val="visible"/>
+                                      </p:to>
+                                    </p:set>
+                                    <p:animEffect transition="in" filter="fade">
+                                      <p:cBhvr>
+                                        <p:cTn id="10" dur="500"/>
+                                        <p:tgtEl>
+                                          <p:spTgt spid="177154">
+                                            <p:txEl>
+                                              <p:pRg st="1" end="1"/>
+                                            </p:txEl>
+                                          </p:spTgt>
+                                        </p:tgtEl>
+                                      </p:cBhvr>
+                                    </p:animEffect>
+                                  </p:childTnLst>
+                                </p:cTn>
+                              </p:par>
+                            </p:childTnLst>
+                          </p:cTn>
+                        </p:par>
+                        <p:par>
+                          <p:cTn id="11" fill="hold">
+                            <p:stCondLst>
+                              <p:cond delay="500"/>
+                            </p:stCondLst>
+                            <p:childTnLst>
+                              <p:par>
+                                <p:cTn id="12" presetID="2" presetClass="entr" presetSubtype="2" accel="50000" decel="50000" fill="hold" nodeType="afterEffect">
+                                  <p:stCondLst>
+                                    <p:cond delay="0"/>
+                                  </p:stCondLst>
+                                  <p:childTnLst>
+                                    <p:set>
+                                      <p:cBhvr>
+                                        <p:cTn id="13" dur="1" fill="hold">
+                                          <p:stCondLst>
+                                            <p:cond delay="0"/>
+                                          </p:stCondLst>
+                                        </p:cTn>
+                                        <p:tgtEl>
+                                          <p:spTgt spid="6"/>
+                                        </p:tgtEl>
+                                        <p:attrNameLst>
+                                          <p:attrName>style.visibility</p:attrName>
+                                        </p:attrNameLst>
+                                      </p:cBhvr>
+                                      <p:to>
+                                        <p:strVal val="visible"/>
+                                      </p:to>
+                                    </p:set>
+                                    <p:anim calcmode="lin" valueType="num">
+                                      <p:cBhvr additive="base">
+                                        <p:cTn id="14" dur="1000" fill="hold"/>
+                                        <p:tgtEl>
+                                          <p:spTgt spid="6"/>
+                                        </p:tgtEl>
+                                        <p:attrNameLst>
+                                          <p:attrName>ppt_x</p:attrName>
+                                        </p:attrNameLst>
+                                      </p:cBhvr>
+                                      <p:tavLst>
+                                        <p:tav tm="0">
+                                          <p:val>
+                                            <p:strVal val="1+#ppt_w/2"/>
+                                          </p:val>
+                                        </p:tav>
+                                        <p:tav tm="100000">
+                                          <p:val>
+                                            <p:strVal val="#ppt_x"/>
+                                          </p:val>
+                                        </p:tav>
+                                      </p:tavLst>
+                                    </p:anim>
+                                    <p:anim calcmode="lin" valueType="num">
+                                      <p:cBhvr additive="base">
+                                        <p:cTn id="15" dur="1000" fill="hold"/>
+                                        <p:tgtEl>
+                                          <p:spTgt spid="6"/>
+                                        </p:tgtEl>
+                                        <p:attrNameLst>
+                                          <p:attrName>ppt_y</p:attrName>
+                                        </p:attrNameLst>
+                                      </p:cBhvr>
+                                      <p:tavLst>
+                                        <p:tav tm="0">
+                                          <p:val>
+                                            <p:strVal val="#ppt_y"/>
+                                          </p:val>
+                                        </p:tav>
+                                        <p:tav tm="100000">
+                                          <p:val>
+                                            <p:strVal val="#ppt_y"/>
+                                          </p:val>
+                                        </p:tav>
+                                      </p:tavLst>
+                                    </p:anim>
+                                  </p:childTnLst>
+                                </p:cTn>
+                              </p:par>
+                            </p:childTnLst>
+                          </p:cTn>
+                        </p:par>
+                      </p:childTnLst>
+                    </p:cTn>
+                  </p:par>
+                  <p:par>
+                    <p:cTn id="16" fill="hold">
+                      <p:stCondLst>
+                        <p:cond delay="indefinite"/>
+                      </p:stCondLst>
+                      <p:childTnLst>
+                        <p:par>
+                          <p:cTn id="17" fill="hold">
+                            <p:stCondLst>
+                              <p:cond delay="0"/>
+                            </p:stCondLst>
+                            <p:childTnLst>
+                              <p:par>
+                                <p:cTn id="18" presetID="10" presetClass="entr" presetSubtype="0" fill="hold" grpId="0" nodeType="clickEffect">
+                                  <p:stCondLst>
+                                    <p:cond delay="0"/>
+                                  </p:stCondLst>
+                                  <p:childTnLst>
+                                    <p:set>
+                                      <p:cBhvr>
+                                        <p:cTn id="19" dur="1" fill="hold">
+                                          <p:stCondLst>
+                                            <p:cond delay="0"/>
+                                          </p:stCondLst>
+                                        </p:cTn>
+                                        <p:tgtEl>
+                                          <p:spTgt spid="177154">
+                                            <p:txEl>
+                                              <p:pRg st="2" end="2"/>
+                                            </p:txEl>
+                                          </p:spTgt>
+                                        </p:tgtEl>
+                                        <p:attrNameLst>
+                                          <p:attrName>style.visibility</p:attrName>
+                                        </p:attrNameLst>
+                                      </p:cBhvr>
+                                      <p:to>
+                                        <p:strVal val="visible"/>
+                                      </p:to>
+                                    </p:set>
+                                    <p:animEffect transition="in" filter="fade">
+                                      <p:cBhvr>
+                                        <p:cTn id="20" dur="500"/>
+                                        <p:tgtEl>
+                                          <p:spTgt spid="177154">
+                                            <p:txEl>
+                                              <p:pRg st="2" end="2"/>
+                                            </p:txEl>
+                                          </p:spTgt>
+                                        </p:tgtEl>
+                                      </p:cBhvr>
+                                    </p:animEffect>
+                                  </p:childTnLst>
+                                </p:cTn>
+                              </p:par>
+                            </p:childTnLst>
+                          </p:cTn>
+                        </p:par>
+                      </p:childTnLst>
+                    </p:cTn>
+                  </p:par>
+                  <p:par>
+                    <p:cTn id="21" fill="hold">
+                      <p:stCondLst>
+                        <p:cond delay="indefinite"/>
+                      </p:stCondLst>
+                      <p:childTnLst>
+                        <p:par>
+                          <p:cTn id="22" fill="hold">
+                            <p:stCondLst>
+                              <p:cond delay="0"/>
+                            </p:stCondLst>
+                            <p:childTnLst>
+                              <p:par>
+                                <p:cTn id="23" presetID="10" presetClass="entr" presetSubtype="0" fill="hold" grpId="0" nodeType="clickEffect">
+                                  <p:stCondLst>
+                                    <p:cond delay="0"/>
+                                  </p:stCondLst>
+                                  <p:childTnLst>
+                                    <p:set>
+                                      <p:cBhvr>
+                                        <p:cTn id="24" dur="1" fill="hold">
+                                          <p:stCondLst>
+                                            <p:cond delay="0"/>
+                                          </p:stCondLst>
+                                        </p:cTn>
+                                        <p:tgtEl>
+                                          <p:spTgt spid="177154">
+                                            <p:txEl>
+                                              <p:pRg st="3" end="3"/>
+                                            </p:txEl>
+                                          </p:spTgt>
+                                        </p:tgtEl>
+                                        <p:attrNameLst>
+                                          <p:attrName>style.visibility</p:attrName>
+                                        </p:attrNameLst>
+                                      </p:cBhvr>
+                                      <p:to>
+                                        <p:strVal val="visible"/>
+                                      </p:to>
+                                    </p:set>
+                                    <p:animEffect transition="in" filter="fade">
+                                      <p:cBhvr>
+                                        <p:cTn id="25" dur="500"/>
+                                        <p:tgtEl>
+                                          <p:spTgt spid="177154">
+                                            <p:txEl>
+                                              <p:pRg st="3" end="3"/>
+                                            </p:txEl>
+                                          </p:spTgt>
+                                        </p:tgtEl>
+                                      </p:cBhvr>
+                                    </p:animEffect>
+                                  </p:childTnLst>
+                                </p:cTn>
+                              </p:par>
+                              <p:par>
+                                <p:cTn id="26" presetID="10" presetClass="entr" presetSubtype="0" fill="hold" grpId="0" nodeType="withEffect">
+                                  <p:stCondLst>
+                                    <p:cond delay="0"/>
+                                  </p:stCondLst>
+                                  <p:childTnLst>
+                                    <p:set>
+                                      <p:cBhvr>
+                                        <p:cTn id="27" dur="1" fill="hold">
+                                          <p:stCondLst>
+                                            <p:cond delay="0"/>
+                                          </p:stCondLst>
+                                        </p:cTn>
+                                        <p:tgtEl>
+                                          <p:spTgt spid="177154">
+                                            <p:txEl>
+                                              <p:pRg st="4" end="4"/>
+                                            </p:txEl>
+                                          </p:spTgt>
+                                        </p:tgtEl>
+                                        <p:attrNameLst>
+                                          <p:attrName>style.visibility</p:attrName>
+                                        </p:attrNameLst>
+                                      </p:cBhvr>
+                                      <p:to>
+                                        <p:strVal val="visible"/>
+                                      </p:to>
+                                    </p:set>
+                                    <p:animEffect transition="in" filter="fade">
+                                      <p:cBhvr>
+                                        <p:cTn id="28" dur="500"/>
+                                        <p:tgtEl>
+                                          <p:spTgt spid="177154">
+                                            <p:txEl>
+                                              <p:pRg st="4" end="4"/>
+                                            </p:txEl>
+                                          </p:spTgt>
+                                        </p:tgtEl>
+                                      </p:cBhvr>
+                                    </p:animEffect>
+                                  </p:childTnLst>
+                                </p:cTn>
+                              </p:par>
+                            </p:childTnLst>
+                          </p:cTn>
+                        </p:par>
+                      </p:childTnLst>
+                    </p:cTn>
+                  </p:par>
+                  <p:par>
+                    <p:cTn id="29" fill="hold">
+                      <p:stCondLst>
+                        <p:cond delay="indefinite"/>
+                      </p:stCondLst>
+                      <p:childTnLst>
+                        <p:par>
+                          <p:cTn id="30" fill="hold">
+                            <p:stCondLst>
+                              <p:cond delay="0"/>
+                            </p:stCondLst>
+                            <p:childTnLst>
+                              <p:par>
+                                <p:cTn id="31" presetID="10" presetClass="entr" presetSubtype="0" fill="hold" grpId="0" nodeType="clickEffect">
+                                  <p:stCondLst>
+                                    <p:cond delay="0"/>
+                                  </p:stCondLst>
+                                  <p:childTnLst>
+                                    <p:set>
+                                      <p:cBhvr>
+                                        <p:cTn id="32" dur="1" fill="hold">
+                                          <p:stCondLst>
+                                            <p:cond delay="0"/>
+                                          </p:stCondLst>
+                                        </p:cTn>
+                                        <p:tgtEl>
+                                          <p:spTgt spid="177154">
+                                            <p:txEl>
+                                              <p:pRg st="5" end="5"/>
+                                            </p:txEl>
+                                          </p:spTgt>
+                                        </p:tgtEl>
+                                        <p:attrNameLst>
+                                          <p:attrName>style.visibility</p:attrName>
+                                        </p:attrNameLst>
+                                      </p:cBhvr>
+                                      <p:to>
+                                        <p:strVal val="visible"/>
+                                      </p:to>
+                                    </p:set>
+                                    <p:animEffect transition="in" filter="fade">
+                                      <p:cBhvr>
+                                        <p:cTn id="33" dur="500"/>
+                                        <p:tgtEl>
+                                          <p:spTgt spid="177154">
+                                            <p:txEl>
+                                              <p:pRg st="5" end="5"/>
+                                            </p:txEl>
+                                          </p:spTgt>
+                                        </p:tgtEl>
+                                      </p:cBhvr>
+                                    </p:animEffect>
+                                  </p:childTnLst>
+                                </p:cTn>
+                              </p:par>
+                            </p:childTnLst>
+                          </p:cTn>
+                        </p:par>
+                        <p:par>
+                          <p:cTn id="34" fill="hold">
+                            <p:stCondLst>
+                              <p:cond delay="500"/>
+                            </p:stCondLst>
+                            <p:childTnLst>
+                              <p:par>
+                                <p:cTn id="35" presetID="10" presetClass="entr" presetSubtype="0" fill="hold" nodeType="afterEffect">
+                                  <p:stCondLst>
+                                    <p:cond delay="0"/>
+                                  </p:stCondLst>
+                                  <p:childTnLst>
+                                    <p:set>
+                                      <p:cBhvr>
+                                        <p:cTn id="36" dur="1" fill="hold">
+                                          <p:stCondLst>
+                                            <p:cond delay="0"/>
+                                          </p:stCondLst>
+                                        </p:cTn>
+                                        <p:tgtEl>
+                                          <p:spTgt spid="7"/>
+                                        </p:tgtEl>
+                                        <p:attrNameLst>
+                                          <p:attrName>style.visibility</p:attrName>
+                                        </p:attrNameLst>
+                                      </p:cBhvr>
+                                      <p:to>
+                                        <p:strVal val="visible"/>
+                                      </p:to>
+                                    </p:set>
+                                    <p:animEffect transition="in" filter="fade">
+                                      <p:cBhvr>
+                                        <p:cTn id="37" dur="500"/>
+                                        <p:tgtEl>
+                                          <p:spTgt spid="7"/>
+                                        </p:tgtEl>
+                                      </p:cBhvr>
+                                    </p:animEffect>
+                                  </p:childTnLst>
+                                </p:cTn>
+                              </p:par>
+                            </p:childTnLst>
+                          </p:cTn>
+                        </p:par>
+                      </p:childTnLst>
+                    </p:cTn>
+                  </p:par>
+                </p:childTnLst>
+              </p:cTn>
+              <p:prevCondLst>
+                <p:cond evt="onPrev" delay="0">
+                  <p:tgtEl>
+                    <p:sldTgt/>
+                  </p:tgtEl>
+                </p:cond>
+              </p:prevCondLst>
+              <p:nextCondLst>
+                <p:cond evt="onNext" delay="0">
+                  <p:tgtEl>
+                    <p:sldTgt/>
+                  </p:tgtEl>
+                </p:cond>
+              </p:nextCondLst>
+            </p:seq>
+          </p:childTnLst>
+        </p:cTn>
+      </p:par>
+    </p:tnLst>
+    <p:bldLst>
+      <p:bldP spid="177154" grpId="0" build="p"/>
+    </p:bldLst>
   </p:timing>
 </p:sld>
 </file>
@@ -12051,7 +8944,7 @@
           <a:p>
             <a:pPr eaLnBrk="1" hangingPunct="1"/>
             <a:r>
-              <a:rPr lang="en-US" smtClean="0"/>
+              <a:rPr lang="en-US" dirty="0" smtClean="0"/>
               <a:t>Sampling Questions</a:t>
             </a:r>
           </a:p>
@@ -12069,8 +8962,8 @@
         </p:nvSpPr>
         <p:spPr>
           <a:xfrm>
-            <a:off x="152400" y="1524000"/>
-            <a:ext cx="8686800" cy="3657600"/>
+            <a:off x="762000" y="1676400"/>
+            <a:ext cx="7772400" cy="3200400"/>
           </a:xfrm>
         </p:spPr>
         <p:txBody>
@@ -12080,7 +8973,7 @@
             <a:pPr eaLnBrk="1" hangingPunct="1"/>
             <a:r>
               <a:rPr lang="en-US" sz="5400" dirty="0" smtClean="0"/>
-              <a:t>Take </a:t>
+              <a:t>Choose </a:t>
             </a:r>
             <a:r>
               <a:rPr lang="en-US" sz="5400" dirty="0" smtClean="0">
@@ -12088,105 +8981,35 @@
                   <a:srgbClr val="0000FF"/>
                 </a:solidFill>
               </a:rPr>
-              <a:t>1</a:t>
-            </a:r>
+              <a:t>32</a:t>
+            </a:r>
+            <a:r>
+              <a:rPr lang="en-US" sz="5400" dirty="0" smtClean="0"/>
+              <a:t> random test </a:t>
+            </a:r>
+          </a:p>
+          <a:p>
+            <a:pPr eaLnBrk="1" hangingPunct="1"/>
+            <a:r>
+              <a:rPr lang="en-US" sz="5400" dirty="0" smtClean="0"/>
+              <a:t>stations and measure</a:t>
+            </a:r>
+          </a:p>
+          <a:p>
+            <a:pPr eaLnBrk="1" hangingPunct="1"/>
             <a:r>
               <a:rPr lang="en-US" sz="5400" dirty="0" smtClean="0">
                 <a:solidFill>
-                  <a:srgbClr val="0000FF"/>
-                </a:solidFill>
-              </a:rPr>
-              <a:t>00</a:t>
-            </a:r>
-            <a:r>
-              <a:rPr lang="en-US" sz="5400" dirty="0" smtClean="0"/>
-              <a:t> samples;</a:t>
-            </a:r>
-            <a:r>
-              <a:rPr lang="en-US" sz="5400" dirty="0" smtClean="0">
-                <a:solidFill>
-                  <a:srgbClr val="0000FF"/>
-                </a:solidFill>
-              </a:rPr>
-              <a:t> </a:t>
-            </a:r>
-            <a:r>
-              <a:rPr lang="en-US" sz="5400" dirty="0" smtClean="0"/>
-              <a:t>what is</a:t>
-            </a:r>
-            <a:r>
-              <a:rPr lang="en-US" sz="5400" dirty="0" smtClean="0">
-                <a:solidFill>
-                  <a:srgbClr val="0000FF"/>
-                </a:solidFill>
-              </a:rPr>
-              <a:t> probability</a:t>
-            </a:r>
-            <a:r>
-              <a:rPr lang="en-US" sz="5400" dirty="0" smtClean="0"/>
-              <a:t> that estimate</a:t>
-            </a:r>
-            <a:r>
-              <a:rPr lang="en-US" sz="5400" dirty="0" smtClean="0">
-                <a:solidFill>
-                  <a:srgbClr val="008000"/>
-                </a:solidFill>
-              </a:rPr>
-              <a:t> </a:t>
-            </a:r>
-            <a:r>
-              <a:rPr lang="en-US" sz="5400" dirty="0" smtClean="0"/>
-              <a:t>is</a:t>
-            </a:r>
-            <a:r>
-              <a:rPr lang="en-US" sz="5400" dirty="0" smtClean="0">
-                <a:solidFill>
-                  <a:srgbClr val="008000"/>
-                </a:solidFill>
-              </a:rPr>
-              <a:t> </a:t>
-            </a:r>
-            <a:r>
-              <a:rPr lang="en-US" sz="5400" dirty="0" smtClean="0">
-                <a:solidFill>
-                  <a:srgbClr val="006600"/>
-                </a:solidFill>
-              </a:rPr>
-              <a:t>within</a:t>
-            </a:r>
-            <a:r>
-              <a:rPr lang="en-US" sz="5400" dirty="0" smtClean="0">
-                <a:solidFill>
-                  <a:srgbClr val="006600"/>
-                </a:solidFill>
-              </a:rPr>
-              <a:t> 50</a:t>
-            </a:r>
-            <a:r>
-              <a:rPr lang="en-US" sz="5400" dirty="0" smtClean="0">
-                <a:solidFill>
-                  <a:srgbClr val="008000"/>
-                </a:solidFill>
-              </a:rPr>
-              <a:t> </a:t>
-            </a:r>
-            <a:r>
-              <a:rPr lang="en-US" sz="5400" dirty="0" smtClean="0"/>
-              <a:t>of the </a:t>
-            </a:r>
-            <a:r>
-              <a:rPr lang="en-US" sz="5400" dirty="0" smtClean="0">
-                <a:solidFill>
-                  <a:srgbClr val="7030A0"/>
-                </a:solidFill>
-              </a:rPr>
-              <a:t>actual</a:t>
-            </a:r>
-            <a:r>
-              <a:rPr lang="en-US" sz="5400" dirty="0" smtClean="0"/>
-              <a:t> fraction?</a:t>
-            </a:r>
-            <a:endParaRPr lang="en-US" sz="7200" dirty="0" smtClean="0"/>
+                  <a:srgbClr val="000000"/>
+                </a:solidFill>
+              </a:rPr>
+              <a:t>CMD at each.</a:t>
+            </a:r>
+            <a:endParaRPr lang="en-US" sz="7200" dirty="0" smtClean="0">
+              <a:solidFill>
+                <a:srgbClr val="000000"/>
+              </a:solidFill>
+            </a:endParaRPr>
           </a:p>
         </p:txBody>
       </p:sp>
@@ -12251,6 +9074,545 @@
       </p:grpSpPr>
       <p:sp>
         <p:nvSpPr>
+          <p:cNvPr id="24578" name="Slide Number Placeholder 3"/>
+          <p:cNvSpPr>
+            <a:spLocks noGrp="1"/>
+          </p:cNvSpPr>
+          <p:nvPr>
+            <p:ph type="sldNum" sz="quarter" idx="10"/>
+          </p:nvPr>
+        </p:nvSpPr>
+        <p:spPr/>
+        <p:txBody>
+          <a:bodyPr/>
+          <a:lstStyle/>
+          <a:p>
+            <a:pPr>
+              <a:defRPr/>
+            </a:pPr>
+            <a:r>
+              <a:rPr lang="en-US" dirty="0" err="1"/>
+              <a:t>lec</a:t>
+            </a:r>
+            <a:r>
+              <a:rPr lang="en-US" dirty="0" smtClean="0"/>
+              <a:t> 13W.</a:t>
+            </a:r>
+            <a:fld id="{46D21BB0-6D03-4034-A4DE-775A83495C78}" type="slidenum">
+              <a:rPr lang="en-US" smtClean="0"/>
+              <a:pPr>
+                <a:defRPr/>
+              </a:pPr>
+              <a:t>4</a:t>
+            </a:fld>
+            <a:endParaRPr lang="en-US" dirty="0"/>
+          </a:p>
+        </p:txBody>
+      </p:sp>
+      <p:sp>
+        <p:nvSpPr>
+          <p:cNvPr id="28675" name="Rectangle 2"/>
+          <p:cNvSpPr>
+            <a:spLocks noGrp="1" noChangeArrowheads="1"/>
+          </p:cNvSpPr>
+          <p:nvPr>
+            <p:ph type="title"/>
+          </p:nvPr>
+        </p:nvSpPr>
+        <p:spPr>
+          <a:xfrm>
+            <a:off x="1371600" y="381000"/>
+            <a:ext cx="4724400" cy="914400"/>
+          </a:xfrm>
+        </p:spPr>
+        <p:txBody>
+          <a:bodyPr/>
+          <a:lstStyle/>
+          <a:p>
+            <a:pPr eaLnBrk="1" hangingPunct="1"/>
+            <a:r>
+              <a:rPr lang="en-US" smtClean="0"/>
+              <a:t>Sampling Questions</a:t>
+            </a:r>
+          </a:p>
+        </p:txBody>
+      </p:sp>
+      <p:sp>
+        <p:nvSpPr>
+          <p:cNvPr id="28676" name="Rectangle 3"/>
+          <p:cNvSpPr>
+            <a:spLocks noGrp="1" noChangeArrowheads="1"/>
+          </p:cNvSpPr>
+          <p:nvPr>
+            <p:ph type="body" idx="1"/>
+          </p:nvPr>
+        </p:nvSpPr>
+        <p:spPr>
+          <a:xfrm>
+            <a:off x="0" y="1219200"/>
+            <a:ext cx="9144000" cy="4648200"/>
+          </a:xfrm>
+        </p:spPr>
+        <p:txBody>
+          <a:bodyPr/>
+          <a:lstStyle/>
+          <a:p>
+            <a:pPr eaLnBrk="1" hangingPunct="1"/>
+            <a:r>
+              <a:rPr lang="en-US" sz="5400" dirty="0" smtClean="0"/>
+              <a:t>A few of the </a:t>
+            </a:r>
+            <a:r>
+              <a:rPr lang="en-US" sz="5400" dirty="0" smtClean="0">
+                <a:solidFill>
+                  <a:srgbClr val="0000CC"/>
+                </a:solidFill>
+              </a:rPr>
+              <a:t>32 </a:t>
+            </a:r>
+            <a:r>
+              <a:rPr lang="en-US" sz="5400" dirty="0" smtClean="0"/>
+              <a:t>counts turn out to be </a:t>
+            </a:r>
+            <a:r>
+              <a:rPr lang="en-US" sz="5400" b="1" dirty="0" smtClean="0">
+                <a:latin typeface="Euclid Symbol" charset="2"/>
+                <a:cs typeface="Euclid Symbol" charset="2"/>
+              </a:rPr>
+              <a:t>&gt;</a:t>
+            </a:r>
+            <a:r>
+              <a:rPr lang="en-US" sz="5400" dirty="0" smtClean="0"/>
+              <a:t> </a:t>
+            </a:r>
+            <a:r>
+              <a:rPr lang="en-US" sz="5400" dirty="0" smtClean="0">
+                <a:solidFill>
+                  <a:srgbClr val="0000CC"/>
+                </a:solidFill>
+              </a:rPr>
+              <a:t>200 </a:t>
+            </a:r>
+            <a:r>
+              <a:rPr lang="en-US" sz="5400" dirty="0" smtClean="0"/>
+              <a:t>but their average</a:t>
+            </a:r>
+            <a:r>
+              <a:rPr lang="en-US" sz="5400" dirty="0" smtClean="0">
+                <a:solidFill>
+                  <a:srgbClr val="0000CC"/>
+                </a:solidFill>
+              </a:rPr>
+              <a:t> </a:t>
+            </a:r>
+            <a:r>
+              <a:rPr lang="en-US" sz="5400" dirty="0" smtClean="0">
+                <a:solidFill>
+                  <a:srgbClr val="000000"/>
+                </a:solidFill>
+              </a:rPr>
+              <a:t>is</a:t>
+            </a:r>
+            <a:r>
+              <a:rPr lang="en-US" sz="5400" dirty="0" smtClean="0">
+                <a:solidFill>
+                  <a:srgbClr val="0000CC"/>
+                </a:solidFill>
+              </a:rPr>
+              <a:t> 180</a:t>
+            </a:r>
+            <a:r>
+              <a:rPr lang="en-US" sz="5400" dirty="0" smtClean="0">
+                <a:solidFill>
+                  <a:srgbClr val="000000"/>
+                </a:solidFill>
+              </a:rPr>
+              <a:t>. Convince the EPA that </a:t>
+            </a:r>
+            <a:r>
+              <a:rPr lang="en-US" sz="5400" dirty="0" err="1" smtClean="0">
+                <a:solidFill>
+                  <a:srgbClr val="000000"/>
+                </a:solidFill>
+              </a:rPr>
+              <a:t>avg</a:t>
+            </a:r>
+            <a:r>
+              <a:rPr lang="en-US" sz="5400" dirty="0" smtClean="0">
+                <a:solidFill>
+                  <a:srgbClr val="000000"/>
+                </a:solidFill>
+              </a:rPr>
+              <a:t> over </a:t>
+            </a:r>
+            <a:r>
+              <a:rPr lang="en-US" sz="5400" dirty="0" smtClean="0">
+                <a:solidFill>
+                  <a:srgbClr val="800F6F"/>
+                </a:solidFill>
+              </a:rPr>
+              <a:t>all</a:t>
+            </a:r>
+            <a:r>
+              <a:rPr lang="en-US" sz="5400" dirty="0" smtClean="0">
+                <a:solidFill>
+                  <a:srgbClr val="000000"/>
+                </a:solidFill>
+              </a:rPr>
+              <a:t> stations is </a:t>
+            </a:r>
+            <a:r>
+              <a:rPr lang="en-US" sz="5400" b="1" dirty="0" smtClean="0">
+                <a:solidFill>
+                  <a:srgbClr val="006600"/>
+                </a:solidFill>
+                <a:latin typeface="Euclid Symbol" charset="2"/>
+                <a:cs typeface="Euclid Symbol" charset="2"/>
+              </a:rPr>
+              <a:t>&lt;</a:t>
+            </a:r>
+            <a:r>
+              <a:rPr lang="en-US" sz="5400" dirty="0" smtClean="0">
+                <a:solidFill>
+                  <a:srgbClr val="006600"/>
+                </a:solidFill>
+              </a:rPr>
+              <a:t> 200</a:t>
+            </a:r>
+            <a:r>
+              <a:rPr lang="en-US" sz="5400" dirty="0" smtClean="0"/>
+              <a:t>?</a:t>
+            </a:r>
+            <a:endParaRPr lang="en-US" sz="5400" dirty="0" smtClean="0">
+              <a:solidFill>
+                <a:srgbClr val="000000"/>
+              </a:solidFill>
+            </a:endParaRPr>
+          </a:p>
+          <a:p>
+            <a:pPr eaLnBrk="1" hangingPunct="1"/>
+            <a:endParaRPr lang="en-US" sz="7200" dirty="0" smtClean="0">
+              <a:solidFill>
+                <a:srgbClr val="000000"/>
+              </a:solidFill>
+            </a:endParaRPr>
+          </a:p>
+        </p:txBody>
+      </p:sp>
+      <p:pic>
+        <p:nvPicPr>
+          <p:cNvPr id="6" name="Picture 5"/>
+          <p:cNvPicPr>
+            <a:picLocks noChangeAspect="1"/>
+          </p:cNvPicPr>
+          <p:nvPr/>
+        </p:nvPicPr>
+        <p:blipFill>
+          <a:blip r:embed="rId3"/>
+          <a:stretch>
+            <a:fillRect/>
+          </a:stretch>
+        </p:blipFill>
+        <p:spPr>
+          <a:xfrm>
+            <a:off x="7086600" y="228600"/>
+            <a:ext cx="1418617" cy="1066800"/>
+          </a:xfrm>
+          <a:prstGeom prst="rect">
+            <a:avLst/>
+          </a:prstGeom>
+        </p:spPr>
+      </p:pic>
+    </p:spTree>
+  </p:cSld>
+  <p:clrMapOvr>
+    <a:masterClrMapping/>
+  </p:clrMapOvr>
+  <p:transition spd="med">
+    <p:fade/>
+  </p:transition>
+  <p:timing>
+    <p:tnLst>
+      <p:par>
+        <p:cTn id="1" dur="indefinite" restart="never" nodeType="tmRoot"/>
+      </p:par>
+    </p:tnLst>
+  </p:timing>
+</p:sld>
+</file>
+
+<file path=ppt/slides/slide5.xml><?xml version="1.0" encoding="utf-8"?>
+<p:sld xmlns:a="http://schemas.openxmlformats.org/drawingml/2006/main" xmlns:r="http://schemas.openxmlformats.org/officeDocument/2006/relationships" xmlns:mc="http://schemas.openxmlformats.org/markup-compatibility/2006" xmlns:mv="urn:schemas-microsoft-com:mac:vml" xmlns:p="http://schemas.openxmlformats.org/presentationml/2006/main" mc:Ignorable="mv" mc:PreserveAttributes="mv:*">
+  <p:cSld>
+    <p:spTree>
+      <p:nvGrpSpPr>
+        <p:cNvPr id="1" name=""/>
+        <p:cNvGrpSpPr/>
+        <p:nvPr/>
+      </p:nvGrpSpPr>
+      <p:grpSpPr>
+        <a:xfrm>
+          <a:off x="0" y="0"/>
+          <a:ext cx="0" cy="0"/>
+          <a:chOff x="0" y="0"/>
+          <a:chExt cx="0" cy="0"/>
+        </a:xfrm>
+      </p:grpSpPr>
+      <p:sp>
+        <p:nvSpPr>
+          <p:cNvPr id="24578" name="Slide Number Placeholder 3"/>
+          <p:cNvSpPr>
+            <a:spLocks noGrp="1"/>
+          </p:cNvSpPr>
+          <p:nvPr>
+            <p:ph type="sldNum" sz="quarter" idx="10"/>
+          </p:nvPr>
+        </p:nvSpPr>
+        <p:spPr/>
+        <p:txBody>
+          <a:bodyPr/>
+          <a:lstStyle/>
+          <a:p>
+            <a:pPr>
+              <a:defRPr/>
+            </a:pPr>
+            <a:r>
+              <a:rPr lang="en-US" dirty="0" err="1"/>
+              <a:t>lec</a:t>
+            </a:r>
+            <a:r>
+              <a:rPr lang="en-US" dirty="0" smtClean="0"/>
+              <a:t> 13W.</a:t>
+            </a:r>
+            <a:fld id="{46D21BB0-6D03-4034-A4DE-775A83495C78}" type="slidenum">
+              <a:rPr lang="en-US" smtClean="0"/>
+              <a:pPr>
+                <a:defRPr/>
+              </a:pPr>
+              <a:t>5</a:t>
+            </a:fld>
+            <a:endParaRPr lang="en-US" dirty="0"/>
+          </a:p>
+        </p:txBody>
+      </p:sp>
+      <p:sp>
+        <p:nvSpPr>
+          <p:cNvPr id="28675" name="Rectangle 2"/>
+          <p:cNvSpPr>
+            <a:spLocks noGrp="1" noChangeArrowheads="1"/>
+          </p:cNvSpPr>
+          <p:nvPr>
+            <p:ph type="title"/>
+          </p:nvPr>
+        </p:nvSpPr>
+        <p:spPr>
+          <a:xfrm>
+            <a:off x="1371600" y="381000"/>
+            <a:ext cx="4724400" cy="914400"/>
+          </a:xfrm>
+        </p:spPr>
+        <p:txBody>
+          <a:bodyPr/>
+          <a:lstStyle/>
+          <a:p>
+            <a:pPr eaLnBrk="1" hangingPunct="1"/>
+            <a:r>
+              <a:rPr lang="en-US" smtClean="0"/>
+              <a:t>Sampling Questions</a:t>
+            </a:r>
+          </a:p>
+        </p:txBody>
+      </p:sp>
+      <p:sp>
+        <p:nvSpPr>
+          <p:cNvPr id="28676" name="Rectangle 3"/>
+          <p:cNvSpPr>
+            <a:spLocks noGrp="1" noChangeArrowheads="1"/>
+          </p:cNvSpPr>
+          <p:nvPr>
+            <p:ph type="body" idx="1"/>
+          </p:nvPr>
+        </p:nvSpPr>
+        <p:spPr>
+          <a:xfrm>
+            <a:off x="152400" y="1524000"/>
+            <a:ext cx="8686800" cy="3657600"/>
+          </a:xfrm>
+        </p:spPr>
+        <p:txBody>
+          <a:bodyPr/>
+          <a:lstStyle/>
+          <a:p>
+            <a:pPr eaLnBrk="1" hangingPunct="1"/>
+            <a:r>
+              <a:rPr lang="en-US" sz="5400" dirty="0" smtClean="0"/>
+              <a:t>That </a:t>
+            </a:r>
+            <a:r>
+              <a:rPr lang="en-US" sz="5400" smtClean="0"/>
+              <a:t>is, convince </a:t>
+            </a:r>
+            <a:r>
+              <a:rPr lang="en-US" sz="5400" dirty="0" smtClean="0"/>
+              <a:t>EPA that</a:t>
+            </a:r>
+            <a:r>
+              <a:rPr lang="en-US" sz="5400" dirty="0" smtClean="0">
+                <a:solidFill>
+                  <a:srgbClr val="0000FF"/>
+                </a:solidFill>
+              </a:rPr>
+              <a:t> </a:t>
+            </a:r>
+            <a:r>
+              <a:rPr lang="en-US" sz="5400" dirty="0" smtClean="0">
+                <a:solidFill>
+                  <a:srgbClr val="000000"/>
+                </a:solidFill>
+              </a:rPr>
+              <a:t>the</a:t>
+            </a:r>
+            <a:r>
+              <a:rPr lang="en-US" sz="5400" dirty="0" smtClean="0"/>
+              <a:t> estimate</a:t>
+            </a:r>
+            <a:r>
+              <a:rPr lang="en-US" sz="5400" dirty="0" smtClean="0">
+                <a:solidFill>
+                  <a:srgbClr val="008000"/>
+                </a:solidFill>
+              </a:rPr>
+              <a:t> </a:t>
+            </a:r>
+            <a:r>
+              <a:rPr lang="en-US" sz="5400" dirty="0" smtClean="0">
+                <a:solidFill>
+                  <a:srgbClr val="000000"/>
+                </a:solidFill>
+              </a:rPr>
+              <a:t>based on </a:t>
+            </a:r>
+            <a:r>
+              <a:rPr lang="en-US" sz="5400" dirty="0" smtClean="0">
+                <a:solidFill>
+                  <a:srgbClr val="0006FE"/>
+                </a:solidFill>
+              </a:rPr>
+              <a:t>32</a:t>
+            </a:r>
+            <a:r>
+              <a:rPr lang="en-US" sz="5400" dirty="0" smtClean="0">
+                <a:solidFill>
+                  <a:srgbClr val="000000"/>
+                </a:solidFill>
+              </a:rPr>
+              <a:t> samples is within</a:t>
+            </a:r>
+            <a:r>
+              <a:rPr lang="en-US" sz="5400" dirty="0" smtClean="0">
+                <a:solidFill>
+                  <a:srgbClr val="006600"/>
+                </a:solidFill>
+              </a:rPr>
+              <a:t> </a:t>
+            </a:r>
+            <a:r>
+              <a:rPr lang="en-US" sz="5400" dirty="0" smtClean="0">
+                <a:solidFill>
+                  <a:srgbClr val="0006FE"/>
+                </a:solidFill>
+              </a:rPr>
+              <a:t>20</a:t>
+            </a:r>
+            <a:r>
+              <a:rPr lang="en-US" sz="5400" dirty="0" smtClean="0">
+                <a:solidFill>
+                  <a:srgbClr val="008000"/>
+                </a:solidFill>
+              </a:rPr>
+              <a:t> </a:t>
+            </a:r>
+            <a:r>
+              <a:rPr lang="en-US" sz="5400" dirty="0" smtClean="0"/>
+              <a:t>of the </a:t>
+            </a:r>
+            <a:r>
+              <a:rPr lang="en-US" sz="5400" dirty="0" smtClean="0">
+                <a:solidFill>
+                  <a:srgbClr val="7030A0"/>
+                </a:solidFill>
+              </a:rPr>
+              <a:t>actual</a:t>
+            </a:r>
+            <a:r>
+              <a:rPr lang="en-US" sz="5400" dirty="0" smtClean="0"/>
+              <a:t> fraction?</a:t>
+            </a:r>
+            <a:endParaRPr lang="en-US" sz="7200" dirty="0" smtClean="0"/>
+          </a:p>
+        </p:txBody>
+      </p:sp>
+      <p:pic>
+        <p:nvPicPr>
+          <p:cNvPr id="6" name="Picture 5"/>
+          <p:cNvPicPr>
+            <a:picLocks noChangeAspect="1"/>
+          </p:cNvPicPr>
+          <p:nvPr/>
+        </p:nvPicPr>
+        <p:blipFill>
+          <a:blip r:embed="rId3"/>
+          <a:stretch>
+            <a:fillRect/>
+          </a:stretch>
+        </p:blipFill>
+        <p:spPr>
+          <a:xfrm>
+            <a:off x="7086600" y="228600"/>
+            <a:ext cx="1418617" cy="1066800"/>
+          </a:xfrm>
+          <a:prstGeom prst="rect">
+            <a:avLst/>
+          </a:prstGeom>
+        </p:spPr>
+      </p:pic>
+    </p:spTree>
+  </p:cSld>
+  <p:clrMapOvr>
+    <a:masterClrMapping/>
+  </p:clrMapOvr>
+  <p:transition spd="med">
+    <p:fade/>
+  </p:transition>
+  <p:timing>
+    <p:tnLst>
+      <p:par>
+        <p:cTn id="1" dur="indefinite" restart="never" nodeType="tmRoot"/>
+      </p:par>
+    </p:tnLst>
+  </p:timing>
+</p:sld>
+</file>
+
+<file path=ppt/slides/slide6.xml><?xml version="1.0" encoding="utf-8"?>
+<p:sld xmlns:a="http://schemas.openxmlformats.org/drawingml/2006/main" xmlns:r="http://schemas.openxmlformats.org/officeDocument/2006/relationships" xmlns:mc="http://schemas.openxmlformats.org/markup-compatibility/2006" xmlns:mv="urn:schemas-microsoft-com:mac:vml" xmlns:p="http://schemas.openxmlformats.org/presentationml/2006/main" mc:Ignorable="mv" mc:PreserveAttributes="mv:*">
+  <p:cSld>
+    <p:spTree>
+      <p:nvGrpSpPr>
+        <p:cNvPr id="1" name=""/>
+        <p:cNvGrpSpPr/>
+        <p:nvPr/>
+      </p:nvGrpSpPr>
+      <p:grpSpPr>
+        <a:xfrm>
+          <a:off x="0" y="0"/>
+          <a:ext cx="0" cy="0"/>
+          <a:chOff x="0" y="0"/>
+          <a:chExt cx="0" cy="0"/>
+        </a:xfrm>
+      </p:grpSpPr>
+      <p:sp>
+        <p:nvSpPr>
           <p:cNvPr id="29698" name="Rectangle 2"/>
           <p:cNvSpPr>
             <a:spLocks noGrp="1" noChangeArrowheads="1"/>
@@ -12274,7 +9636,6 @@
               <a:rPr lang="en-US" dirty="0" smtClean="0"/>
               <a:t>Sampling parameters</a:t>
             </a:r>
-            <a:endParaRPr lang="en-US" dirty="0" smtClean="0"/>
           </a:p>
         </p:txBody>
       </p:sp>
@@ -12309,7 +9670,7 @@
               <a:pPr>
                 <a:defRPr/>
               </a:pPr>
-              <a:t>4</a:t>
+              <a:t>6</a:t>
             </a:fld>
             <a:endParaRPr lang="en-US" dirty="0" smtClean="0"/>
           </a:p>
@@ -12362,22 +9723,14 @@
             </a:r>
             <a:r>
               <a:rPr lang="en-US" sz="4000" dirty="0" smtClean="0"/>
-              <a:t>::=</a:t>
-            </a:r>
-            <a:r>
-              <a:rPr lang="en-US" sz="4000" dirty="0" smtClean="0"/>
-              <a:t> average CMD in river</a:t>
+              <a:t>::= average CMD over all stations</a:t>
             </a:r>
           </a:p>
           <a:p>
             <a:pPr marL="0" indent="0" eaLnBrk="1" hangingPunct="1"/>
             <a:r>
               <a:rPr lang="en-US" sz="4400" dirty="0" smtClean="0"/>
-              <a:t>CMD </a:t>
-            </a:r>
-            <a:r>
-              <a:rPr lang="en-US" sz="4400" dirty="0" smtClean="0"/>
-              <a:t>measure</a:t>
+              <a:t>CMD sample</a:t>
             </a:r>
             <a:r>
               <a:rPr lang="en-US" sz="4400" b="1" dirty="0" smtClean="0">
@@ -12490,7 +9843,7 @@
             </a:r>
             <a:r>
               <a:rPr lang="en-US" sz="4400" dirty="0" smtClean="0"/>
-              <a:t> samples</a:t>
+              <a:t> stations</a:t>
             </a:r>
             <a:r>
               <a:rPr lang="en-US" sz="4400" b="1" dirty="0" smtClean="0">
@@ -12647,7 +10000,7 @@
             </a:r>
             <a:r>
               <a:rPr lang="en-US" sz="4400" dirty="0" smtClean="0"/>
-              <a:t> CMD in the </a:t>
+              <a:t> CMD at the </a:t>
             </a:r>
             <a:r>
               <a:rPr lang="en-US" sz="4400" dirty="0" err="1" smtClean="0">
@@ -12667,7 +10020,7 @@
             </a:r>
             <a:r>
               <a:rPr lang="en-US" sz="4400" dirty="0" smtClean="0"/>
-              <a:t>samples</a:t>
+              <a:t>stations</a:t>
             </a:r>
             <a:endParaRPr lang="en-US" sz="4400" dirty="0" smtClean="0">
               <a:solidFill>
@@ -12987,7 +10340,7 @@
 </p:sld>
 </file>
 
-<file path=ppt/slides/slide5.xml><?xml version="1.0" encoding="utf-8"?>
+<file path=ppt/slides/slide7.xml><?xml version="1.0" encoding="utf-8"?>
 <p:sld xmlns:a="http://schemas.openxmlformats.org/drawingml/2006/main" xmlns:r="http://schemas.openxmlformats.org/officeDocument/2006/relationships" xmlns:mc="http://schemas.openxmlformats.org/markup-compatibility/2006" xmlns:mv="urn:schemas-microsoft-com:mac:vml" xmlns:p="http://schemas.openxmlformats.org/presentationml/2006/main" mc:Ignorable="mv" mc:PreserveAttributes="mv:*">
   <p:cSld>
     <p:spTree>
@@ -13070,12 +10423,12 @@
           <p:nvPr/>
         </p:nvGraphicFramePr>
         <p:xfrm>
-          <a:off x="700088" y="3048000"/>
-          <a:ext cx="7593012" cy="838200"/>
+          <a:off x="847725" y="3048000"/>
+          <a:ext cx="7296150" cy="838200"/>
         </p:xfrm>
         <a:graphic>
           <a:graphicData uri="http://schemas.openxmlformats.org/presentationml/2006/ole">
-            <p:oleObj spid="_x0000_s425988" name="Equation" r:id="rId5" imgW="1955800" imgH="215900" progId="Equation.DSMT4">
+            <p:oleObj spid="_x0000_s425988" name="Equation" r:id="rId5" imgW="1879600" imgH="215900" progId="Equation.DSMT4">
               <p:embed/>
             </p:oleObj>
           </a:graphicData>
@@ -13117,7 +10470,7 @@
               <a:pPr>
                 <a:defRPr/>
               </a:pPr>
-              <a:t>5</a:t>
+              <a:t>7</a:t>
             </a:fld>
             <a:endParaRPr lang="en-US" dirty="0"/>
           </a:p>
@@ -13180,12 +10533,12 @@
           <p:nvPr/>
         </p:nvGraphicFramePr>
         <p:xfrm>
-          <a:off x="958850" y="1177925"/>
-          <a:ext cx="7088188" cy="1946275"/>
+          <a:off x="1144588" y="1177925"/>
+          <a:ext cx="6715125" cy="1946275"/>
         </p:xfrm>
         <a:graphic>
           <a:graphicData uri="http://schemas.openxmlformats.org/presentationml/2006/ole">
-            <p:oleObj spid="_x0000_s425990" name="Equation" r:id="rId6" imgW="2171700" imgH="596900" progId="Equation.DSMT4">
+            <p:oleObj spid="_x0000_s425990" name="Equation" r:id="rId6" imgW="2057400" imgH="596900" progId="Equation.DSMT4">
               <p:embed/>
             </p:oleObj>
           </a:graphicData>
@@ -13326,7 +10679,7 @@
                             </p:stCondLst>
                             <p:childTnLst>
                               <p:par>
-                                <p:cTn id="15" presetID="15" presetClass="entr" presetSubtype="0" fill="hold" grpId="0" nodeType="clickEffect">
+                                <p:cTn id="15" presetID="10" presetClass="entr" presetSubtype="0" fill="hold" nodeType="clickEffect">
                                   <p:stCondLst>
                                     <p:cond delay="0"/>
                                   </p:stCondLst>
@@ -13334,6 +10687,59 @@
                                     <p:set>
                                       <p:cBhvr>
                                         <p:cTn id="16" dur="1" fill="hold">
+                                          <p:stCondLst>
+                                            <p:cond delay="0"/>
+                                          </p:stCondLst>
+                                        </p:cTn>
+                                        <p:tgtEl>
+                                          <p:spTgt spid="425990"/>
+                                        </p:tgtEl>
+                                        <p:attrNameLst>
+                                          <p:attrName>style.visibility</p:attrName>
+                                        </p:attrNameLst>
+                                      </p:cBhvr>
+                                      <p:to>
+                                        <p:strVal val="visible"/>
+                                      </p:to>
+                                    </p:set>
+                                    <p:animEffect transition="in" filter="fade">
+                                      <p:cBhvr>
+                                        <p:cTn id="17" dur="500"/>
+                                        <p:tgtEl>
+                                          <p:spTgt spid="425990"/>
+                                        </p:tgtEl>
+                                      </p:cBhvr>
+                                    </p:animEffect>
+                                  </p:childTnLst>
+                                </p:cTn>
+                              </p:par>
+                            </p:childTnLst>
+                          </p:cTn>
+                        </p:par>
+                      </p:childTnLst>
+                    </p:cTn>
+                  </p:par>
+                  <p:par>
+                    <p:cTn id="18" fill="hold">
+                      <p:stCondLst>
+                        <p:cond delay="indefinite"/>
+                      </p:stCondLst>
+                      <p:childTnLst>
+                        <p:par>
+                          <p:cTn id="19" fill="hold">
+                            <p:stCondLst>
+                              <p:cond delay="0"/>
+                            </p:stCondLst>
+                            <p:childTnLst>
+                              <p:par>
+                                <p:cTn id="20" presetID="15" presetClass="entr" presetSubtype="0" fill="hold" grpId="0" nodeType="clickEffect">
+                                  <p:stCondLst>
+                                    <p:cond delay="0"/>
+                                  </p:stCondLst>
+                                  <p:childTnLst>
+                                    <p:set>
+                                      <p:cBhvr>
+                                        <p:cTn id="21" dur="1" fill="hold">
                                           <p:stCondLst>
                                             <p:cond delay="0"/>
                                           </p:stCondLst>
@@ -13351,7 +10757,7 @@
                                     </p:set>
                                     <p:anim calcmode="lin" valueType="num">
                                       <p:cBhvr>
-                                        <p:cTn id="17" dur="1000" fill="hold"/>
+                                        <p:cTn id="22" dur="1000" fill="hold"/>
                                         <p:tgtEl>
                                           <p:spTgt spid="10"/>
                                         </p:tgtEl>
@@ -13374,7 +10780,7 @@
                                     </p:anim>
                                     <p:anim calcmode="lin" valueType="num">
                                       <p:cBhvr>
-                                        <p:cTn id="18" dur="1000" fill="hold"/>
+                                        <p:cTn id="23" dur="1000" fill="hold"/>
                                         <p:tgtEl>
                                           <p:spTgt spid="10"/>
                                         </p:tgtEl>
@@ -13397,7 +10803,7 @@
                                     </p:anim>
                                     <p:anim calcmode="lin" valueType="num">
                                       <p:cBhvr>
-                                        <p:cTn id="19" dur="1000" fill="hold"/>
+                                        <p:cTn id="24" dur="1000" fill="hold"/>
                                         <p:tgtEl>
                                           <p:spTgt spid="10"/>
                                         </p:tgtEl>
@@ -13420,7 +10826,7 @@
                                     </p:anim>
                                     <p:anim calcmode="lin" valueType="num">
                                       <p:cBhvr>
-                                        <p:cTn id="20" dur="1000" fill="hold"/>
+                                        <p:cTn id="25" dur="1000" fill="hold"/>
                                         <p:tgtEl>
                                           <p:spTgt spid="10"/>
                                         </p:tgtEl>
@@ -13441,59 +10847,6 @@
                                         </p:tav>
                                       </p:tavLst>
                                     </p:anim>
-                                  </p:childTnLst>
-                                </p:cTn>
-                              </p:par>
-                            </p:childTnLst>
-                          </p:cTn>
-                        </p:par>
-                      </p:childTnLst>
-                    </p:cTn>
-                  </p:par>
-                  <p:par>
-                    <p:cTn id="21" fill="hold">
-                      <p:stCondLst>
-                        <p:cond delay="indefinite"/>
-                      </p:stCondLst>
-                      <p:childTnLst>
-                        <p:par>
-                          <p:cTn id="22" fill="hold">
-                            <p:stCondLst>
-                              <p:cond delay="0"/>
-                            </p:stCondLst>
-                            <p:childTnLst>
-                              <p:par>
-                                <p:cTn id="23" presetID="10" presetClass="entr" presetSubtype="0" fill="hold" nodeType="clickEffect">
-                                  <p:stCondLst>
-                                    <p:cond delay="0"/>
-                                  </p:stCondLst>
-                                  <p:childTnLst>
-                                    <p:set>
-                                      <p:cBhvr>
-                                        <p:cTn id="24" dur="1" fill="hold">
-                                          <p:stCondLst>
-                                            <p:cond delay="0"/>
-                                          </p:stCondLst>
-                                        </p:cTn>
-                                        <p:tgtEl>
-                                          <p:spTgt spid="425990"/>
-                                        </p:tgtEl>
-                                        <p:attrNameLst>
-                                          <p:attrName>style.visibility</p:attrName>
-                                        </p:attrNameLst>
-                                      </p:cBhvr>
-                                      <p:to>
-                                        <p:strVal val="visible"/>
-                                      </p:to>
-                                    </p:set>
-                                    <p:animEffect transition="in" filter="fade">
-                                      <p:cBhvr>
-                                        <p:cTn id="25" dur="1000"/>
-                                        <p:tgtEl>
-                                          <p:spTgt spid="425990"/>
-                                        </p:tgtEl>
-                                      </p:cBhvr>
-                                    </p:animEffect>
                                   </p:childTnLst>
                                 </p:cTn>
                               </p:par>
@@ -13531,7 +10884,7 @@
 </p:sld>
 </file>
 
-<file path=ppt/slides/slide6.xml><?xml version="1.0" encoding="utf-8"?>
+<file path=ppt/slides/slide8.xml><?xml version="1.0" encoding="utf-8"?>
 <p:sld xmlns:a="http://schemas.openxmlformats.org/drawingml/2006/main" xmlns:r="http://schemas.openxmlformats.org/officeDocument/2006/relationships" xmlns:mc="http://schemas.openxmlformats.org/markup-compatibility/2006" xmlns:mv="urn:schemas-microsoft-com:mac:vml" xmlns:p="http://schemas.openxmlformats.org/presentationml/2006/main" mc:Ignorable="mv" mc:PreserveAttributes="mv:*">
   <p:cSld>
     <p:spTree>
@@ -13550,19 +10903,19 @@
       </p:grpSpPr>
       <p:graphicFrame>
         <p:nvGraphicFramePr>
-          <p:cNvPr id="128002" name="Object 3"/>
+          <p:cNvPr id="438281" name="Object 9"/>
           <p:cNvGraphicFramePr>
             <a:graphicFrameLocks noChangeAspect="1"/>
           </p:cNvGraphicFramePr>
           <p:nvPr/>
         </p:nvGraphicFramePr>
         <p:xfrm>
-          <a:off x="1295400" y="1219200"/>
-          <a:ext cx="6051550" cy="1946275"/>
+          <a:off x="1144588" y="1177925"/>
+          <a:ext cx="6715125" cy="1946275"/>
         </p:xfrm>
         <a:graphic>
           <a:graphicData uri="http://schemas.openxmlformats.org/presentationml/2006/ole">
-            <p:oleObj spid="_x0000_s438274" name="Equation" r:id="rId4" imgW="1854200" imgH="596900" progId="Equation.DSMT4">
+            <p:oleObj spid="_x0000_s438281" name="Equation" r:id="rId4" imgW="2057400" imgH="596900" progId="Equation.DSMT4">
               <p:embed/>
             </p:oleObj>
           </a:graphicData>
@@ -13605,26 +10958,6 @@
           </a:p>
         </p:txBody>
       </p:sp>
-      <p:graphicFrame>
-        <p:nvGraphicFramePr>
-          <p:cNvPr id="13" name="Object 12"/>
-          <p:cNvGraphicFramePr>
-            <a:graphicFrameLocks noChangeAspect="1"/>
-          </p:cNvGraphicFramePr>
-          <p:nvPr/>
-        </p:nvGraphicFramePr>
-        <p:xfrm>
-          <a:off x="700088" y="3048000"/>
-          <a:ext cx="7593012" cy="838200"/>
-        </p:xfrm>
-        <a:graphic>
-          <a:graphicData uri="http://schemas.openxmlformats.org/presentationml/2006/ole">
-            <p:oleObj spid="_x0000_s438275" name="Equation" r:id="rId5" imgW="1955800" imgH="215900" progId="Equation.DSMT4">
-              <p:embed/>
-            </p:oleObj>
-          </a:graphicData>
-        </a:graphic>
-      </p:graphicFrame>
       <p:sp>
         <p:nvSpPr>
           <p:cNvPr id="8" name="Slide Number Placeholder 3"/>
@@ -13661,32 +10994,12 @@
               <a:pPr>
                 <a:defRPr/>
               </a:pPr>
-              <a:t>6</a:t>
+              <a:t>8</a:t>
             </a:fld>
             <a:endParaRPr lang="en-US" dirty="0"/>
           </a:p>
         </p:txBody>
       </p:sp>
-      <p:graphicFrame>
-        <p:nvGraphicFramePr>
-          <p:cNvPr id="425990" name="Object 6"/>
-          <p:cNvGraphicFramePr>
-            <a:graphicFrameLocks noChangeAspect="1"/>
-          </p:cNvGraphicFramePr>
-          <p:nvPr/>
-        </p:nvGraphicFramePr>
-        <p:xfrm>
-          <a:off x="958850" y="1177925"/>
-          <a:ext cx="7088188" cy="1946275"/>
-        </p:xfrm>
-        <a:graphic>
-          <a:graphicData uri="http://schemas.openxmlformats.org/presentationml/2006/ole">
-            <p:oleObj spid="_x0000_s438276" name="Equation" r:id="rId6" imgW="2171700" imgH="596900" progId="Equation.DSMT4">
-              <p:embed/>
-            </p:oleObj>
-          </a:graphicData>
-        </a:graphic>
-      </p:graphicFrame>
       <p:graphicFrame>
         <p:nvGraphicFramePr>
           <p:cNvPr id="432133" name="Object 5"/>
@@ -13696,12 +11009,12 @@
           <p:nvPr/>
         </p:nvGraphicFramePr>
         <p:xfrm>
-          <a:off x="2178050" y="3422650"/>
-          <a:ext cx="4264025" cy="1835150"/>
+          <a:off x="2574925" y="3422650"/>
+          <a:ext cx="3470275" cy="1835150"/>
         </p:xfrm>
         <a:graphic>
           <a:graphicData uri="http://schemas.openxmlformats.org/presentationml/2006/ole">
-            <p:oleObj spid="_x0000_s438277" name="Equation" r:id="rId7" imgW="1092200" imgH="469900" progId="Equation.DSMT4">
+            <p:oleObj spid="_x0000_s438277" name="Equation" r:id="rId5" imgW="889000" imgH="469900" progId="Equation.DSMT4">
               <p:embed/>
             </p:oleObj>
           </a:graphicData>
@@ -13715,8 +11028,8 @@
         </p:nvSpPr>
         <p:spPr>
           <a:xfrm>
-            <a:off x="6588652" y="3657600"/>
-            <a:ext cx="1993755" cy="830997"/>
+            <a:off x="5849549" y="3581400"/>
+            <a:ext cx="1618051" cy="830997"/>
           </a:xfrm>
           <a:prstGeom prst="rect">
             <a:avLst/>
@@ -13742,23 +11055,8 @@
                 </a:solidFill>
                 <a:latin typeface="+mj-lt"/>
               </a:rPr>
-              <a:t>4</a:t>
-            </a:r>
-            <a:r>
-              <a:rPr lang="en-US" sz="4800" dirty="0" smtClean="0">
-                <a:solidFill>
-                  <a:srgbClr val="FF4519"/>
-                </a:solidFill>
-                <a:latin typeface="+mj-lt"/>
-              </a:rPr>
-              <a:t>00</a:t>
-            </a:r>
-            <a:endParaRPr lang="en-US" sz="4800" dirty="0" smtClean="0">
-              <a:solidFill>
-                <a:srgbClr val="FF4519"/>
-              </a:solidFill>
-              <a:latin typeface="+mj-lt"/>
-            </a:endParaRPr>
+              <a:t>50</a:t>
+            </a:r>
           </a:p>
         </p:txBody>
       </p:sp>
@@ -13771,12 +11069,88 @@
           <p:nvPr/>
         </p:nvGraphicFramePr>
         <p:xfrm>
-          <a:off x="6553200" y="1177925"/>
-          <a:ext cx="1782762" cy="1946275"/>
+          <a:off x="6400800" y="1177925"/>
+          <a:ext cx="1492250" cy="1946275"/>
         </p:xfrm>
         <a:graphic>
           <a:graphicData uri="http://schemas.openxmlformats.org/presentationml/2006/ole">
-            <p:oleObj spid="_x0000_s438278" name="Equation" r:id="rId8" imgW="546100" imgH="596900" progId="Equation.DSMT4">
+            <p:oleObj spid="_x0000_s438278" name="Equation" r:id="rId6" imgW="457200" imgH="596900" progId="Equation.DSMT4">
+              <p:embed/>
+            </p:oleObj>
+          </a:graphicData>
+        </a:graphic>
+      </p:graphicFrame>
+      <p:sp>
+        <p:nvSpPr>
+          <p:cNvPr id="10" name="TextBox 9"/>
+          <p:cNvSpPr txBox="1"/>
+          <p:nvPr/>
+        </p:nvSpPr>
+        <p:spPr>
+          <a:xfrm>
+            <a:off x="1327574" y="5106650"/>
+            <a:ext cx="6368626" cy="1446550"/>
+          </a:xfrm>
+          <a:prstGeom prst="rect">
+            <a:avLst/>
+          </a:prstGeom>
+          <a:noFill/>
+        </p:spPr>
+        <p:txBody>
+          <a:bodyPr wrap="none" rtlCol="0">
+            <a:spAutoFit/>
+          </a:bodyPr>
+          <a:lstStyle/>
+          <a:p>
+            <a:pPr algn="l"/>
+            <a:r>
+              <a:rPr lang="en-US" sz="4400" dirty="0" smtClean="0">
+                <a:latin typeface="+mj-lt"/>
+              </a:rPr>
+              <a:t>where </a:t>
+            </a:r>
+            <a:r>
+              <a:rPr lang="en-US" sz="4400" dirty="0" smtClean="0">
+                <a:solidFill>
+                  <a:srgbClr val="FF0000"/>
+                </a:solidFill>
+                <a:latin typeface="+mj-lt"/>
+              </a:rPr>
+              <a:t>L</a:t>
+            </a:r>
+            <a:r>
+              <a:rPr lang="en-US" sz="4400" dirty="0" smtClean="0">
+                <a:latin typeface="+mj-lt"/>
+              </a:rPr>
+              <a:t> is max possible</a:t>
+            </a:r>
+          </a:p>
+          <a:p>
+            <a:pPr algn="l"/>
+            <a:r>
+              <a:rPr lang="en-US" sz="4400" dirty="0" smtClean="0">
+                <a:latin typeface="+mj-lt"/>
+              </a:rPr>
+              <a:t>difference of samples</a:t>
+            </a:r>
+          </a:p>
+        </p:txBody>
+      </p:sp>
+      <p:graphicFrame>
+        <p:nvGraphicFramePr>
+          <p:cNvPr id="438282" name="Object 10"/>
+          <p:cNvGraphicFramePr>
+            <a:graphicFrameLocks noChangeAspect="1"/>
+          </p:cNvGraphicFramePr>
+          <p:nvPr/>
+        </p:nvGraphicFramePr>
+        <p:xfrm>
+          <a:off x="847725" y="3048000"/>
+          <a:ext cx="7296150" cy="838200"/>
+        </p:xfrm>
+        <a:graphic>
+          <a:graphicData uri="http://schemas.openxmlformats.org/presentationml/2006/ole">
+            <p:oleObj spid="_x0000_s438282" name="Equation" r:id="rId7" imgW="1879600" imgH="215900" progId="Equation.DSMT4">
               <p:embed/>
             </p:oleObj>
           </a:graphicData>
@@ -13787,9 +11161,7 @@
   <p:clrMapOvr>
     <a:masterClrMapping/>
   </p:clrMapOvr>
-  <p:transition spd="slow">
-    <p:fade/>
-  </p:transition>
+  <p:transition spd="slow"/>
   <p:timing>
     <p:tnLst>
       <p:par>
@@ -13802,6 +11174,9 @@
                     <p:cTn id="3" fill="hold">
                       <p:stCondLst>
                         <p:cond delay="indefinite"/>
+                        <p:cond evt="onBegin" delay="0">
+                          <p:tn val="2"/>
+                        </p:cond>
                       </p:stCondLst>
                       <p:childTnLst>
                         <p:par>
@@ -13811,7 +11186,7 @@
                             </p:stCondLst>
                             <p:childTnLst>
                               <p:par>
-                                <p:cTn id="5" presetID="10" presetClass="entr" presetSubtype="0" fill="hold" grpId="0" nodeType="clickEffect">
+                                <p:cTn id="5" presetID="10" presetClass="entr" presetSubtype="0" fill="hold" nodeType="afterEffect">
                                   <p:stCondLst>
                                     <p:cond delay="0"/>
                                   </p:stCondLst>
@@ -13819,6 +11194,95 @@
                                     <p:set>
                                       <p:cBhvr>
                                         <p:cTn id="6" dur="1" fill="hold">
+                                          <p:stCondLst>
+                                            <p:cond delay="0"/>
+                                          </p:stCondLst>
+                                        </p:cTn>
+                                        <p:tgtEl>
+                                          <p:spTgt spid="432133"/>
+                                        </p:tgtEl>
+                                        <p:attrNameLst>
+                                          <p:attrName>style.visibility</p:attrName>
+                                        </p:attrNameLst>
+                                      </p:cBhvr>
+                                      <p:to>
+                                        <p:strVal val="visible"/>
+                                      </p:to>
+                                    </p:set>
+                                    <p:animEffect transition="in" filter="fade">
+                                      <p:cBhvr>
+                                        <p:cTn id="7" dur="1000"/>
+                                        <p:tgtEl>
+                                          <p:spTgt spid="432133"/>
+                                        </p:tgtEl>
+                                      </p:cBhvr>
+                                    </p:animEffect>
+                                  </p:childTnLst>
+                                </p:cTn>
+                              </p:par>
+                            </p:childTnLst>
+                          </p:cTn>
+                        </p:par>
+                        <p:par>
+                          <p:cTn id="8" fill="hold">
+                            <p:stCondLst>
+                              <p:cond delay="1000"/>
+                            </p:stCondLst>
+                            <p:childTnLst>
+                              <p:par>
+                                <p:cTn id="9" presetID="1" presetClass="entr" presetSubtype="0" fill="hold" grpId="0" nodeType="afterEffect">
+                                  <p:stCondLst>
+                                    <p:cond delay="0"/>
+                                  </p:stCondLst>
+                                  <p:childTnLst>
+                                    <p:set>
+                                      <p:cBhvr>
+                                        <p:cTn id="10" dur="1" fill="hold">
+                                          <p:stCondLst>
+                                            <p:cond delay="0"/>
+                                          </p:stCondLst>
+                                        </p:cTn>
+                                        <p:tgtEl>
+                                          <p:spTgt spid="10"/>
+                                        </p:tgtEl>
+                                        <p:attrNameLst>
+                                          <p:attrName>style.visibility</p:attrName>
+                                        </p:attrNameLst>
+                                      </p:cBhvr>
+                                      <p:to>
+                                        <p:strVal val="visible"/>
+                                      </p:to>
+                                    </p:set>
+                                  </p:childTnLst>
+                                </p:cTn>
+                              </p:par>
+                            </p:childTnLst>
+                          </p:cTn>
+                        </p:par>
+                      </p:childTnLst>
+                    </p:cTn>
+                  </p:par>
+                  <p:par>
+                    <p:cTn id="11" fill="hold">
+                      <p:stCondLst>
+                        <p:cond delay="indefinite"/>
+                      </p:stCondLst>
+                      <p:childTnLst>
+                        <p:par>
+                          <p:cTn id="12" fill="hold">
+                            <p:stCondLst>
+                              <p:cond delay="0"/>
+                            </p:stCondLst>
+                            <p:childTnLst>
+                              <p:par>
+                                <p:cTn id="13" presetID="2" presetClass="entr" presetSubtype="2" fill="hold" grpId="0" nodeType="clickEffect">
+                                  <p:stCondLst>
+                                    <p:cond delay="0"/>
+                                  </p:stCondLst>
+                                  <p:childTnLst>
+                                    <p:set>
+                                      <p:cBhvr>
+                                        <p:cTn id="14" dur="1" fill="hold">
                                           <p:stCondLst>
                                             <p:cond delay="0"/>
                                           </p:stCondLst>
@@ -13834,11 +11298,102 @@
                                         <p:strVal val="visible"/>
                                       </p:to>
                                     </p:set>
+                                    <p:anim calcmode="lin" valueType="num">
+                                      <p:cBhvr additive="base">
+                                        <p:cTn id="15" dur="500" fill="hold"/>
+                                        <p:tgtEl>
+                                          <p:spTgt spid="9"/>
+                                        </p:tgtEl>
+                                        <p:attrNameLst>
+                                          <p:attrName>ppt_x</p:attrName>
+                                        </p:attrNameLst>
+                                      </p:cBhvr>
+                                      <p:tavLst>
+                                        <p:tav tm="0">
+                                          <p:val>
+                                            <p:strVal val="1+#ppt_w/2"/>
+                                          </p:val>
+                                        </p:tav>
+                                        <p:tav tm="100000">
+                                          <p:val>
+                                            <p:strVal val="#ppt_x"/>
+                                          </p:val>
+                                        </p:tav>
+                                      </p:tavLst>
+                                    </p:anim>
+                                    <p:anim calcmode="lin" valueType="num">
+                                      <p:cBhvr additive="base">
+                                        <p:cTn id="16" dur="500" fill="hold"/>
+                                        <p:tgtEl>
+                                          <p:spTgt spid="9"/>
+                                        </p:tgtEl>
+                                        <p:attrNameLst>
+                                          <p:attrName>ppt_y</p:attrName>
+                                        </p:attrNameLst>
+                                      </p:cBhvr>
+                                      <p:tavLst>
+                                        <p:tav tm="0">
+                                          <p:val>
+                                            <p:strVal val="#ppt_y"/>
+                                          </p:val>
+                                        </p:tav>
+                                        <p:tav tm="100000">
+                                          <p:val>
+                                            <p:strVal val="#ppt_y"/>
+                                          </p:val>
+                                        </p:tav>
+                                      </p:tavLst>
+                                    </p:anim>
+                                  </p:childTnLst>
+                                </p:cTn>
+                              </p:par>
+                            </p:childTnLst>
+                          </p:cTn>
+                        </p:par>
+                      </p:childTnLst>
+                    </p:cTn>
+                  </p:par>
+                  <p:par>
+                    <p:cTn id="17" fill="hold">
+                      <p:stCondLst>
+                        <p:cond delay="indefinite"/>
+                      </p:stCondLst>
+                      <p:childTnLst>
+                        <p:par>
+                          <p:cTn id="18" fill="hold">
+                            <p:stCondLst>
+                              <p:cond delay="0"/>
+                            </p:stCondLst>
+                            <p:childTnLst>
+                              <p:par>
+                                <p:cTn id="19" presetID="10" presetClass="entr" presetSubtype="0" fill="hold" nodeType="clickEffect">
+                                  <p:stCondLst>
+                                    <p:cond delay="0"/>
+                                  </p:stCondLst>
+                                  <p:childTnLst>
+                                    <p:set>
+                                      <p:cBhvr>
+                                        <p:cTn id="20" dur="1" fill="hold">
+                                          <p:stCondLst>
+                                            <p:cond delay="0"/>
+                                          </p:stCondLst>
+                                        </p:cTn>
+                                        <p:tgtEl>
+                                          <p:spTgt spid="434182"/>
+                                        </p:tgtEl>
+                                        <p:attrNameLst>
+                                          <p:attrName>style.visibility</p:attrName>
+                                        </p:attrNameLst>
+                                      </p:cBhvr>
+                                      <p:to>
+                                        <p:strVal val="visible"/>
+                                      </p:to>
+                                    </p:set>
                                     <p:animEffect transition="in" filter="fade">
                                       <p:cBhvr>
-                                        <p:cTn id="7" dur="500"/>
+                                        <p:cTn id="21" dur="1000"/>
                                         <p:tgtEl>
-                                          <p:spTgt spid="9"/>
+                                          <p:spTgt spid="434182"/>
                                         </p:tgtEl>
                                       </p:cBhvr>
                                     </p:animEffect>
@@ -13874,12 +11429,13 @@
     </p:tnLst>
     <p:bldLst>
       <p:bldP spid="9" grpId="0"/>
+      <p:bldP spid="10" grpId="0"/>
     </p:bldLst>
   </p:timing>
 </p:sld>
 </file>
 
-<file path=ppt/slides/slide7.xml><?xml version="1.0" encoding="utf-8"?>
+<file path=ppt/slides/slide9.xml><?xml version="1.0" encoding="utf-8"?>
 <p:sld xmlns:a="http://schemas.openxmlformats.org/drawingml/2006/main" xmlns:r="http://schemas.openxmlformats.org/officeDocument/2006/relationships" xmlns:mc="http://schemas.openxmlformats.org/markup-compatibility/2006" xmlns:mv="urn:schemas-microsoft-com:mac:vml" xmlns:p="http://schemas.openxmlformats.org/presentationml/2006/main" mc:Ignorable="mv" mc:PreserveAttributes="mv:*">
   <p:cSld>
     <p:spTree>
@@ -13898,39 +11454,19 @@
       </p:grpSpPr>
       <p:graphicFrame>
         <p:nvGraphicFramePr>
-          <p:cNvPr id="128002" name="Object 3"/>
+          <p:cNvPr id="438281" name="Object 9"/>
           <p:cNvGraphicFramePr>
             <a:graphicFrameLocks noChangeAspect="1"/>
           </p:cNvGraphicFramePr>
           <p:nvPr/>
         </p:nvGraphicFramePr>
         <p:xfrm>
-          <a:off x="1295400" y="1219200"/>
-          <a:ext cx="6051550" cy="1946275"/>
+          <a:off x="1144588" y="1177925"/>
+          <a:ext cx="6715125" cy="1946275"/>
         </p:xfrm>
         <a:graphic>
           <a:graphicData uri="http://schemas.openxmlformats.org/presentationml/2006/ole">
-            <p:oleObj spid="_x0000_s334850" name="Equation" r:id="rId4" imgW="1854200" imgH="596900" progId="Equation.DSMT4">
-              <p:embed/>
-            </p:oleObj>
-          </a:graphicData>
-        </a:graphic>
-      </p:graphicFrame>
-      <p:graphicFrame>
-        <p:nvGraphicFramePr>
-          <p:cNvPr id="320516" name="Object 3"/>
-          <p:cNvGraphicFramePr>
-            <a:graphicFrameLocks noChangeAspect="1"/>
-          </p:cNvGraphicFramePr>
-          <p:nvPr/>
-        </p:nvGraphicFramePr>
-        <p:xfrm>
-          <a:off x="855662" y="1177925"/>
-          <a:ext cx="7297738" cy="1946275"/>
-        </p:xfrm>
-        <a:graphic>
-          <a:graphicData uri="http://schemas.openxmlformats.org/presentationml/2006/ole">
-            <p:oleObj spid="_x0000_s334851" name="Equation" r:id="rId5" imgW="2235200" imgH="596900" progId="Equation.DSMT4">
+            <p:oleObj spid="_x0000_s481284" name="Equation" r:id="rId4" imgW="2057400" imgH="596900" progId="Equation.DSMT4">
               <p:embed/>
             </p:oleObj>
           </a:graphicData>
@@ -13973,79 +11509,6 @@
           </a:p>
         </p:txBody>
       </p:sp>
-      <p:sp useBgFill="1">
-        <p:nvSpPr>
-          <p:cNvPr id="9" name="TextBox 8"/>
-          <p:cNvSpPr txBox="1"/>
-          <p:nvPr/>
-        </p:nvSpPr>
-        <p:spPr>
-          <a:xfrm>
-            <a:off x="6705600" y="1501914"/>
-            <a:ext cx="991177" cy="707886"/>
-          </a:xfrm>
-          <a:prstGeom prst="rect">
-            <a:avLst/>
-          </a:prstGeom>
-        </p:spPr>
-        <p:txBody>
-          <a:bodyPr wrap="none" rtlCol="0">
-            <a:spAutoFit/>
-          </a:bodyPr>
-          <a:lstStyle/>
-          <a:p>
-            <a:r>
-              <a:rPr lang="en-US" sz="4000" dirty="0" smtClean="0">
-                <a:solidFill>
-                  <a:srgbClr val="FF6600"/>
-                </a:solidFill>
-                <a:latin typeface="+mj-lt"/>
-              </a:rPr>
-              <a:t>1/2</a:t>
-            </a:r>
-          </a:p>
-        </p:txBody>
-      </p:sp>
-      <p:graphicFrame>
-        <p:nvGraphicFramePr>
-          <p:cNvPr id="320518" name="Object 6"/>
-          <p:cNvGraphicFramePr>
-            <a:graphicFrameLocks noChangeAspect="1"/>
-          </p:cNvGraphicFramePr>
-          <p:nvPr/>
-        </p:nvGraphicFramePr>
-        <p:xfrm>
-          <a:off x="819856" y="3886200"/>
-          <a:ext cx="7104944" cy="1447800"/>
-        </p:xfrm>
-        <a:graphic>
-          <a:graphicData uri="http://schemas.openxmlformats.org/presentationml/2006/ole">
-            <p:oleObj spid="_x0000_s334852" name="Equation" r:id="rId6" imgW="1803400" imgH="368300" progId="Equation.DSMT4">
-              <p:embed/>
-            </p:oleObj>
-          </a:graphicData>
-        </a:graphic>
-      </p:graphicFrame>
-      <p:graphicFrame>
-        <p:nvGraphicFramePr>
-          <p:cNvPr id="13" name="Object 12"/>
-          <p:cNvGraphicFramePr>
-            <a:graphicFrameLocks noChangeAspect="1"/>
-          </p:cNvGraphicFramePr>
-          <p:nvPr/>
-        </p:nvGraphicFramePr>
-        <p:xfrm>
-          <a:off x="793377" y="2971800"/>
-          <a:ext cx="7741023" cy="838200"/>
-        </p:xfrm>
-        <a:graphic>
-          <a:graphicData uri="http://schemas.openxmlformats.org/presentationml/2006/ole">
-            <p:oleObj spid="_x0000_s334853" name="Equation" r:id="rId7" imgW="1993900" imgH="215900" progId="Equation.DSMT4">
-              <p:embed/>
-            </p:oleObj>
-          </a:graphicData>
-        </a:graphic>
-      </p:graphicFrame>
       <p:sp>
         <p:nvSpPr>
           <p:cNvPr id="8" name="Slide Number Placeholder 3"/>
@@ -14082,236 +11545,59 @@
               <a:pPr>
                 <a:defRPr/>
               </a:pPr>
-              <a:t>7</a:t>
+              <a:t>9</a:t>
             </a:fld>
             <a:endParaRPr lang="en-US" dirty="0"/>
           </a:p>
         </p:txBody>
       </p:sp>
+      <p:graphicFrame>
+        <p:nvGraphicFramePr>
+          <p:cNvPr id="434182" name="Object 6"/>
+          <p:cNvGraphicFramePr>
+            <a:graphicFrameLocks noChangeAspect="1"/>
+          </p:cNvGraphicFramePr>
+          <p:nvPr/>
+        </p:nvGraphicFramePr>
+        <p:xfrm>
+          <a:off x="5562601" y="1371601"/>
+          <a:ext cx="3284430" cy="1676399"/>
+        </p:xfrm>
+        <a:graphic>
+          <a:graphicData uri="http://schemas.openxmlformats.org/presentationml/2006/ole">
+            <p:oleObj spid="_x0000_s481283" name="Equation" r:id="rId5" imgW="1168400" imgH="596900" progId="Equation.DSMT4">
+              <p:embed/>
+            </p:oleObj>
+          </a:graphicData>
+        </a:graphic>
+      </p:graphicFrame>
+      <p:graphicFrame>
+        <p:nvGraphicFramePr>
+          <p:cNvPr id="481287" name="Object 7"/>
+          <p:cNvGraphicFramePr>
+            <a:graphicFrameLocks noChangeAspect="1"/>
+          </p:cNvGraphicFramePr>
+          <p:nvPr/>
+        </p:nvGraphicFramePr>
+        <p:xfrm>
+          <a:off x="1066800" y="3268663"/>
+          <a:ext cx="7037590" cy="1531937"/>
+        </p:xfrm>
+        <a:graphic>
+          <a:graphicData uri="http://schemas.openxmlformats.org/presentationml/2006/ole">
+            <p:oleObj spid="_x0000_s481287" name="Equation" r:id="rId6" imgW="1689100" imgH="368300" progId="Equation.DSMT4">
+              <p:embed/>
+            </p:oleObj>
+          </a:graphicData>
+        </a:graphic>
+      </p:graphicFrame>
     </p:spTree>
   </p:cSld>
   <p:clrMapOvr>
     <a:masterClrMapping/>
   </p:clrMapOvr>
-  <p:transition spd="slow">
+  <p:transition spd="med">
     <p:fade/>
-  </p:transition>
-  <p:timing>
-    <p:tnLst>
-      <p:par>
-        <p:cTn id="1" dur="indefinite" restart="never" nodeType="tmRoot"/>
-      </p:par>
-    </p:tnLst>
-  </p:timing>
-</p:sld>
-</file>
-
-<file path=ppt/slides/slide8.xml><?xml version="1.0" encoding="utf-8"?>
-<p:sld xmlns:a="http://schemas.openxmlformats.org/drawingml/2006/main" xmlns:r="http://schemas.openxmlformats.org/officeDocument/2006/relationships" xmlns:mc="http://schemas.openxmlformats.org/markup-compatibility/2006" xmlns:mv="urn:schemas-microsoft-com:mac:vml" xmlns:p="http://schemas.openxmlformats.org/presentationml/2006/main" mc:Ignorable="mv" mc:PreserveAttributes="mv:*">
-  <p:cSld>
-    <p:spTree>
-      <p:nvGrpSpPr>
-        <p:cNvPr id="1" name=""/>
-        <p:cNvGrpSpPr/>
-        <p:nvPr/>
-      </p:nvGrpSpPr>
-      <p:grpSpPr>
-        <a:xfrm>
-          <a:off x="0" y="0"/>
-          <a:ext cx="0" cy="0"/>
-          <a:chOff x="0" y="0"/>
-          <a:chExt cx="0" cy="0"/>
-        </a:xfrm>
-      </p:grpSpPr>
-      <p:sp>
-        <p:nvSpPr>
-          <p:cNvPr id="28674" name="Slide Number Placeholder 3"/>
-          <p:cNvSpPr>
-            <a:spLocks noGrp="1"/>
-          </p:cNvSpPr>
-          <p:nvPr>
-            <p:ph type="sldNum" sz="quarter" idx="10"/>
-          </p:nvPr>
-        </p:nvSpPr>
-        <p:spPr/>
-        <p:txBody>
-          <a:bodyPr/>
-          <a:lstStyle/>
-          <a:p>
-            <a:pPr>
-              <a:defRPr/>
-            </a:pPr>
-            <a:r>
-              <a:rPr lang="en-US" dirty="0" err="1"/>
-              <a:t>lec</a:t>
-            </a:r>
-            <a:r>
-              <a:rPr lang="en-US" dirty="0" smtClean="0"/>
-              <a:t> 13W.</a:t>
-            </a:r>
-            <a:fld id="{8372F5CC-0D0C-42AC-A06F-FCD924AC2FB1}" type="slidenum">
-              <a:rPr lang="en-US" smtClean="0"/>
-              <a:pPr>
-                <a:defRPr/>
-              </a:pPr>
-              <a:t>8</a:t>
-            </a:fld>
-            <a:endParaRPr lang="en-US" dirty="0"/>
-          </a:p>
-        </p:txBody>
-      </p:sp>
-      <p:sp>
-        <p:nvSpPr>
-          <p:cNvPr id="32771" name="Text Box 2"/>
-          <p:cNvSpPr txBox="1">
-            <a:spLocks noChangeArrowheads="1"/>
-          </p:cNvSpPr>
-          <p:nvPr/>
-        </p:nvSpPr>
-        <p:spPr bwMode="auto">
-          <a:xfrm>
-            <a:off x="300038" y="1371600"/>
-            <a:ext cx="8386762" cy="4081117"/>
-          </a:xfrm>
-          <a:prstGeom prst="rect">
-            <a:avLst/>
-          </a:prstGeom>
-          <a:noFill/>
-          <a:ln w="9525">
-            <a:noFill/>
-            <a:miter lim="800000"/>
-            <a:headEnd/>
-            <a:tailEnd/>
-          </a:ln>
-        </p:spPr>
-        <p:txBody>
-          <a:bodyPr>
-            <a:spAutoFit/>
-          </a:bodyPr>
-          <a:lstStyle/>
-          <a:p>
-            <a:pPr algn="l">
-              <a:lnSpc>
-                <a:spcPct val="40000"/>
-              </a:lnSpc>
-            </a:pPr>
-            <a:endParaRPr lang="en-US" sz="4800" dirty="0">
-              <a:latin typeface="Comic Sans MS" pitchFamily="66" charset="0"/>
-            </a:endParaRPr>
-          </a:p>
-          <a:p>
-            <a:pPr algn="l"/>
-            <a:r>
-              <a:rPr lang="en-US" sz="4800" dirty="0" smtClean="0">
-                <a:latin typeface="Comic Sans MS" pitchFamily="66" charset="0"/>
-              </a:rPr>
-              <a:t>With probability </a:t>
-            </a:r>
-            <a:r>
-              <a:rPr lang="en-US" sz="4800" dirty="0" smtClean="0">
-                <a:solidFill>
-                  <a:srgbClr val="FF33CC"/>
-                </a:solidFill>
-                <a:latin typeface="Comic Sans MS" pitchFamily="66" charset="0"/>
-              </a:rPr>
-              <a:t>0.95</a:t>
-            </a:r>
-            <a:r>
-              <a:rPr lang="en-US" sz="4800" dirty="0" smtClean="0">
-                <a:solidFill>
-                  <a:srgbClr val="008000"/>
-                </a:solidFill>
-                <a:latin typeface="Comic Sans MS" pitchFamily="66" charset="0"/>
-              </a:rPr>
-              <a:t> </a:t>
-            </a:r>
-            <a:r>
-              <a:rPr lang="en-US" sz="4800" dirty="0" smtClean="0">
-                <a:latin typeface="Comic Sans MS" pitchFamily="66" charset="0"/>
-              </a:rPr>
-              <a:t>our </a:t>
-            </a:r>
-            <a:r>
-              <a:rPr lang="en-US" sz="4800" dirty="0">
-                <a:latin typeface="Comic Sans MS" pitchFamily="66" charset="0"/>
-              </a:rPr>
-              <a:t>estimated fraction</a:t>
-            </a:r>
-            <a:r>
-              <a:rPr lang="en-US" sz="4800" dirty="0" smtClean="0">
-                <a:latin typeface="Comic Sans MS" pitchFamily="66" charset="0"/>
-              </a:rPr>
-              <a:t> will be within </a:t>
-            </a:r>
-            <a:r>
-              <a:rPr lang="en-US" sz="4800" dirty="0" smtClean="0">
-                <a:solidFill>
-                  <a:srgbClr val="0006FE"/>
-                </a:solidFill>
-                <a:latin typeface="Comic Sans MS" pitchFamily="66" charset="0"/>
-              </a:rPr>
-              <a:t>0.1</a:t>
-            </a:r>
-            <a:r>
-              <a:rPr lang="en-US" sz="4800" dirty="0" smtClean="0">
-                <a:latin typeface="Comic Sans MS" pitchFamily="66" charset="0"/>
-              </a:rPr>
-              <a:t> </a:t>
-            </a:r>
-            <a:r>
-              <a:rPr lang="en-US" sz="4800" dirty="0">
-                <a:latin typeface="Comic Sans MS" pitchFamily="66" charset="0"/>
-              </a:rPr>
-              <a:t>of the actual  fraction of contaminated fish in the whole river.</a:t>
-            </a:r>
-          </a:p>
-        </p:txBody>
-      </p:sp>
-      <p:sp>
-        <p:nvSpPr>
-          <p:cNvPr id="32772" name="Rectangle 3"/>
-          <p:cNvSpPr>
-            <a:spLocks noGrp="1" noChangeArrowheads="1"/>
-          </p:cNvSpPr>
-          <p:nvPr>
-            <p:ph type="title"/>
-          </p:nvPr>
-        </p:nvSpPr>
-        <p:spPr>
-          <a:xfrm>
-            <a:off x="1295400" y="381000"/>
-            <a:ext cx="7391400" cy="838200"/>
-          </a:xfrm>
-          <a:noFill/>
-        </p:spPr>
-        <p:txBody>
-          <a:bodyPr/>
-          <a:lstStyle/>
-          <a:p>
-            <a:pPr eaLnBrk="1" hangingPunct="1"/>
-            <a:r>
-              <a:rPr lang="en-US" sz="4000" smtClean="0">
-                <a:solidFill>
-                  <a:schemeClr val="tx1"/>
-                </a:solidFill>
-              </a:rPr>
-              <a:t>Confidence in our estimate</a:t>
-            </a:r>
-            <a:endParaRPr lang="en-US" smtClean="0">
-              <a:solidFill>
-                <a:schemeClr val="tx1"/>
-              </a:solidFill>
-            </a:endParaRPr>
-          </a:p>
-        </p:txBody>
-      </p:sp>
-    </p:spTree>
-  </p:cSld>
-  <p:clrMapOvr>
-    <a:masterClrMapping/>
-  </p:clrMapOvr>
-  <p:transition spd="slow">
-    <p:fade thruBlk="1"/>
   </p:transition>
   <p:timing>
     <p:tnLst>
@@ -14334,7 +11620,7 @@
                             </p:stCondLst>
                             <p:childTnLst>
                               <p:par>
-                                <p:cTn id="5" presetID="22" presetClass="entr" presetSubtype="1" fill="hold" grpId="0" nodeType="clickEffect">
+                                <p:cTn id="5" presetID="22" presetClass="entr" presetSubtype="8" fill="hold" nodeType="clickEffect">
                                   <p:stCondLst>
                                     <p:cond delay="0"/>
                                   </p:stCondLst>
@@ -14347,7 +11633,7 @@
                                           </p:stCondLst>
                                         </p:cTn>
                                         <p:tgtEl>
-                                          <p:spTgt spid="32771"/>
+                                          <p:spTgt spid="481287"/>
                                         </p:tgtEl>
                                         <p:attrNameLst>
                                           <p:attrName>style.visibility</p:attrName>
@@ -14357,308 +11643,11 @@
                                         <p:strVal val="visible"/>
                                       </p:to>
                                     </p:set>
-                                    <p:animEffect transition="in" filter="wipe(up)">
+                                    <p:animEffect transition="in" filter="wipe(left)">
                                       <p:cBhvr>
                                         <p:cTn id="7" dur="500"/>
                                         <p:tgtEl>
-                                          <p:spTgt spid="32771"/>
-                                        </p:tgtEl>
-                                      </p:cBhvr>
-                                    </p:animEffect>
-                                  </p:childTnLst>
-                                </p:cTn>
-                              </p:par>
-                            </p:childTnLst>
-                          </p:cTn>
-                        </p:par>
-                      </p:childTnLst>
-                    </p:cTn>
-                  </p:par>
-                </p:childTnLst>
-              </p:cTn>
-              <p:prevCondLst>
-                <p:cond evt="onPrev" delay="0">
-                  <p:tgtEl>
-                    <p:sldTgt/>
-                  </p:tgtEl>
-                </p:cond>
-              </p:prevCondLst>
-              <p:nextCondLst>
-                <p:cond evt="onNext" delay="0">
-                  <p:tgtEl>
-                    <p:sldTgt/>
-                  </p:tgtEl>
-                </p:cond>
-              </p:nextCondLst>
-            </p:seq>
-          </p:childTnLst>
-        </p:cTn>
-      </p:par>
-    </p:tnLst>
-    <p:bldLst>
-      <p:bldP spid="32771" grpId="0"/>
-    </p:bldLst>
-  </p:timing>
-</p:sld>
-</file>
-
-<file path=ppt/slides/slide9.xml><?xml version="1.0" encoding="utf-8"?>
-<p:sld xmlns:a="http://schemas.openxmlformats.org/drawingml/2006/main" xmlns:r="http://schemas.openxmlformats.org/officeDocument/2006/relationships" xmlns:mc="http://schemas.openxmlformats.org/markup-compatibility/2006" xmlns:mv="urn:schemas-microsoft-com:mac:vml" xmlns:p="http://schemas.openxmlformats.org/presentationml/2006/main" mc:Ignorable="mv" mc:PreserveAttributes="mv:*">
-  <p:cSld>
-    <p:spTree>
-      <p:nvGrpSpPr>
-        <p:cNvPr id="1" name=""/>
-        <p:cNvGrpSpPr/>
-        <p:nvPr/>
-      </p:nvGrpSpPr>
-      <p:grpSpPr>
-        <a:xfrm>
-          <a:off x="0" y="0"/>
-          <a:ext cx="0" cy="0"/>
-          <a:chOff x="0" y="0"/>
-          <a:chExt cx="0" cy="0"/>
-        </a:xfrm>
-      </p:grpSpPr>
-      <p:sp>
-        <p:nvSpPr>
-          <p:cNvPr id="3" name="Content Placeholder 2"/>
-          <p:cNvSpPr>
-            <a:spLocks noGrp="1"/>
-          </p:cNvSpPr>
-          <p:nvPr>
-            <p:ph idx="1"/>
-          </p:nvPr>
-        </p:nvSpPr>
-        <p:spPr/>
-        <p:txBody>
-          <a:bodyPr/>
-          <a:lstStyle/>
-          <a:p>
-            <a:r>
-              <a:rPr lang="en-US" dirty="0" smtClean="0">
-                <a:solidFill>
-                  <a:srgbClr val="006600"/>
-                </a:solidFill>
-              </a:rPr>
-              <a:t>Better estimate:</a:t>
-            </a:r>
-          </a:p>
-          <a:p>
-            <a:endParaRPr lang="en-US" dirty="0">
-              <a:solidFill>
-                <a:srgbClr val="006600"/>
-              </a:solidFill>
-            </a:endParaRPr>
-          </a:p>
-        </p:txBody>
-      </p:sp>
-      <p:sp>
-        <p:nvSpPr>
-          <p:cNvPr id="4" name="Slide Number Placeholder 3"/>
-          <p:cNvSpPr>
-            <a:spLocks noGrp="1"/>
-          </p:cNvSpPr>
-          <p:nvPr>
-            <p:ph type="sldNum" sz="quarter" idx="10"/>
-          </p:nvPr>
-        </p:nvSpPr>
-        <p:spPr/>
-        <p:txBody>
-          <a:bodyPr/>
-          <a:lstStyle/>
-          <a:p>
-            <a:pPr>
-              <a:defRPr/>
-            </a:pPr>
-            <a:r>
-              <a:rPr lang="en-US" dirty="0" err="1" smtClean="0"/>
-              <a:t>lec</a:t>
-            </a:r>
-            <a:r>
-              <a:rPr lang="en-US" dirty="0" smtClean="0"/>
-              <a:t> 13W.</a:t>
-            </a:r>
-            <a:fld id="{E78F4000-603A-43A9-9772-EA15786EFD2C}" type="slidenum">
-              <a:rPr lang="en-US" smtClean="0"/>
-              <a:pPr>
-                <a:defRPr/>
-              </a:pPr>
-              <a:t>9</a:t>
-            </a:fld>
-            <a:endParaRPr lang="en-US" dirty="0"/>
-          </a:p>
-        </p:txBody>
-      </p:sp>
-      <p:sp>
-        <p:nvSpPr>
-          <p:cNvPr id="5" name="Rectangle 2"/>
-          <p:cNvSpPr>
-            <a:spLocks noGrp="1" noChangeArrowheads="1"/>
-          </p:cNvSpPr>
-          <p:nvPr>
-            <p:ph type="title"/>
-          </p:nvPr>
-        </p:nvSpPr>
-        <p:spPr>
-          <a:xfrm>
-            <a:off x="1143000" y="304800"/>
-            <a:ext cx="7315200" cy="838200"/>
-          </a:xfrm>
-        </p:spPr>
-        <p:txBody>
-          <a:bodyPr/>
-          <a:lstStyle/>
-          <a:p>
-            <a:pPr eaLnBrk="1" hangingPunct="1"/>
-            <a:r>
-              <a:rPr lang="en-US" sz="4000" dirty="0" smtClean="0"/>
-              <a:t>Sampling using Binomial PDF</a:t>
-            </a:r>
-          </a:p>
-        </p:txBody>
-      </p:sp>
-      <p:graphicFrame>
-        <p:nvGraphicFramePr>
-          <p:cNvPr id="6" name="Object 5"/>
-          <p:cNvGraphicFramePr>
-            <a:graphicFrameLocks noChangeAspect="1"/>
-          </p:cNvGraphicFramePr>
-          <p:nvPr/>
-        </p:nvGraphicFramePr>
-        <p:xfrm>
-          <a:off x="2997200" y="869950"/>
-          <a:ext cx="3251200" cy="2482850"/>
-        </p:xfrm>
-        <a:graphic>
-          <a:graphicData uri="http://schemas.openxmlformats.org/presentationml/2006/ole">
-            <p:oleObj spid="_x0000_s322562" name="Equation" r:id="rId3" imgW="698500" imgH="533400" progId="Equation.DSMT4">
-              <p:embed/>
-            </p:oleObj>
-          </a:graphicData>
-        </a:graphic>
-      </p:graphicFrame>
-      <p:graphicFrame>
-        <p:nvGraphicFramePr>
-          <p:cNvPr id="7" name="Object 6"/>
-          <p:cNvGraphicFramePr>
-            <a:graphicFrameLocks noChangeAspect="1"/>
-          </p:cNvGraphicFramePr>
-          <p:nvPr/>
-        </p:nvGraphicFramePr>
-        <p:xfrm>
-          <a:off x="1220788" y="3276600"/>
-          <a:ext cx="6615112" cy="2727325"/>
-        </p:xfrm>
-        <a:graphic>
-          <a:graphicData uri="http://schemas.openxmlformats.org/presentationml/2006/ole">
-            <p:oleObj spid="_x0000_s322563" name="Equation" r:id="rId4" imgW="1663700" imgH="685800" progId="Equation.DSMT4">
-              <p:embed/>
-            </p:oleObj>
-          </a:graphicData>
-        </a:graphic>
-      </p:graphicFrame>
-    </p:spTree>
-  </p:cSld>
-  <p:clrMapOvr>
-    <a:masterClrMapping/>
-  </p:clrMapOvr>
-  <p:transition spd="slow">
-    <p:fade thruBlk="1"/>
-  </p:transition>
-  <p:timing>
-    <p:tnLst>
-      <p:par>
-        <p:cTn id="1" dur="indefinite" restart="never" nodeType="tmRoot">
-          <p:childTnLst>
-            <p:seq concurrent="1" nextAc="seek">
-              <p:cTn id="2" dur="indefinite" nodeType="mainSeq">
-                <p:childTnLst>
-                  <p:par>
-                    <p:cTn id="3" fill="hold">
-                      <p:stCondLst>
-                        <p:cond delay="indefinite"/>
-                      </p:stCondLst>
-                      <p:childTnLst>
-                        <p:par>
-                          <p:cTn id="4" fill="hold">
-                            <p:stCondLst>
-                              <p:cond delay="0"/>
-                            </p:stCondLst>
-                            <p:childTnLst>
-                              <p:par>
-                                <p:cTn id="5" presetID="1" presetClass="entr" presetSubtype="0" fill="hold" nodeType="clickEffect">
-                                  <p:stCondLst>
-                                    <p:cond delay="0"/>
-                                  </p:stCondLst>
-                                  <p:childTnLst>
-                                    <p:set>
-                                      <p:cBhvr>
-                                        <p:cTn id="6" dur="1" fill="hold">
-                                          <p:stCondLst>
-                                            <p:cond delay="0"/>
-                                          </p:stCondLst>
-                                        </p:cTn>
-                                        <p:tgtEl>
-                                          <p:spTgt spid="6"/>
-                                        </p:tgtEl>
-                                        <p:attrNameLst>
-                                          <p:attrName>style.visibility</p:attrName>
-                                        </p:attrNameLst>
-                                      </p:cBhvr>
-                                      <p:to>
-                                        <p:strVal val="visible"/>
-                                      </p:to>
-                                    </p:set>
-                                  </p:childTnLst>
-                                </p:cTn>
-                              </p:par>
-                            </p:childTnLst>
-                          </p:cTn>
-                        </p:par>
-                      </p:childTnLst>
-                    </p:cTn>
-                  </p:par>
-                  <p:par>
-                    <p:cTn id="7" fill="hold">
-                      <p:stCondLst>
-                        <p:cond delay="indefinite"/>
-                      </p:stCondLst>
-                      <p:childTnLst>
-                        <p:par>
-                          <p:cTn id="8" fill="hold">
-                            <p:stCondLst>
-                              <p:cond delay="0"/>
-                            </p:stCondLst>
-                            <p:childTnLst>
-                              <p:par>
-                                <p:cTn id="9" presetID="22" presetClass="entr" presetSubtype="1" fill="hold" nodeType="clickEffect">
-                                  <p:stCondLst>
-                                    <p:cond delay="0"/>
-                                  </p:stCondLst>
-                                  <p:childTnLst>
-                                    <p:set>
-                                      <p:cBhvr>
-                                        <p:cTn id="10" dur="1" fill="hold">
-                                          <p:stCondLst>
-                                            <p:cond delay="0"/>
-                                          </p:stCondLst>
-                                        </p:cTn>
-                                        <p:tgtEl>
-                                          <p:spTgt spid="7"/>
-                                        </p:tgtEl>
-                                        <p:attrNameLst>
-                                          <p:attrName>style.visibility</p:attrName>
-                                        </p:attrNameLst>
-                                      </p:cBhvr>
-                                      <p:to>
-                                        <p:strVal val="visible"/>
-                                      </p:to>
-                                    </p:set>
-                                    <p:animEffect transition="in" filter="wipe(up)">
-                                      <p:cBhvr>
-                                        <p:cTn id="11" dur="500"/>
-                                        <p:tgtEl>
-                                          <p:spTgt spid="7"/>
+                                          <p:spTgt spid="481287"/>
                                         </p:tgtEl>
                                       </p:cBhvr>
                                     </p:animEffect>
@@ -14750,36 +11739,6 @@
 </file>
 
 <file path=ppt/tags/tag4.xml><?xml version="1.0" encoding="utf-8"?>
-<p:tagLst xmlns:a="http://schemas.openxmlformats.org/drawingml/2006/main" xmlns:r="http://schemas.openxmlformats.org/officeDocument/2006/relationships" xmlns:mc="http://schemas.openxmlformats.org/markup-compatibility/2006" xmlns:mv="urn:schemas-microsoft-com:mac:vml" xmlns:p="http://schemas.openxmlformats.org/presentationml/2006/main" mc:Ignorable="mv" mc:PreserveAttributes="mv:*">
-  <p:tag name="SOURCE" val="\documentclass{slides}\pagestyle{empty}&#10;\input{C:/latex-macros/texpoint.sty}&#10;\begin{document}&#10;$  3$&#10;\end{document}"/>
-  <p:tag name="EXTERNALNAME" val="TP_tmp"/>
-  <p:tag name="BLEND" val="0"/>
-  <p:tag name="TRANSPARENT" val="1"/>
-  <p:tag name="RESOLUTION" val="300"/>
-  <p:tag name="WORKAROUNDTRANSPARENCYBUG" val="0"/>
-  <p:tag name="ALLOWFONTSUBSTITUTION" val="0"/>
-  <p:tag name="BITMAPFORMAT" val="png256"/>
-  <p:tag name="ORIGWIDTH" val="63.875"/>
-  <p:tag name="PICTUREFILESIZE" val="3950"/>
-</p:tagLst>
-</file>
-
-<file path=ppt/tags/tag5.xml><?xml version="1.0" encoding="utf-8"?>
-<p:tagLst xmlns:a="http://schemas.openxmlformats.org/drawingml/2006/main" xmlns:r="http://schemas.openxmlformats.org/officeDocument/2006/relationships" xmlns:mc="http://schemas.openxmlformats.org/markup-compatibility/2006" xmlns:mv="urn:schemas-microsoft-com:mac:vml" xmlns:p="http://schemas.openxmlformats.org/presentationml/2006/main" mc:Ignorable="mv" mc:PreserveAttributes="mv:*">
-  <p:tag name="SOURCE" val="\documentclass{slides}\pagestyle{empty}&#10;\input{C:/latex-macros/texpoint.sty}&#10;\begin{document}&#10;$  3$&#10;\end{document}"/>
-  <p:tag name="EXTERNALNAME" val="TP_tmp"/>
-  <p:tag name="BLEND" val="0"/>
-  <p:tag name="TRANSPARENT" val="1"/>
-  <p:tag name="RESOLUTION" val="300"/>
-  <p:tag name="WORKAROUNDTRANSPARENCYBUG" val="0"/>
-  <p:tag name="ALLOWFONTSUBSTITUTION" val="0"/>
-  <p:tag name="BITMAPFORMAT" val="png256"/>
-  <p:tag name="ORIGWIDTH" val="63.875"/>
-  <p:tag name="PICTUREFILESIZE" val="3950"/>
-</p:tagLst>
-</file>
-
-<file path=ppt/tags/tag6.xml><?xml version="1.0" encoding="utf-8"?>
 <p:tagLst xmlns:a="http://schemas.openxmlformats.org/drawingml/2006/main" xmlns:r="http://schemas.openxmlformats.org/officeDocument/2006/relationships" xmlns:mc="http://schemas.openxmlformats.org/markup-compatibility/2006" xmlns:mv="urn:schemas-microsoft-com:mac:vml" xmlns:p="http://schemas.openxmlformats.org/presentationml/2006/main" mc:Ignorable="mv" mc:PreserveAttributes="mv:*">
   <p:tag name="SOURCE" val="\documentclass{slides}\pagestyle{empty}&#10;\input{C:/latex-macros/texpoint.sty}&#10;\begin{document}&#10;$  3$&#10;\end{document}"/>
   <p:tag name="EXTERNALNAME" val="TP_tmp"/>
